--- a/Power_point_nik.pptx
+++ b/Power_point_nik.pptx
@@ -3716,7 +3716,7 @@
                 <a16:creationId xmlns:a16="http://schemas.microsoft.com/office/drawing/2014/main" id="{CDA1A2E9-63FE-408D-A803-8E306ECAB4B3}"/>
               </a:ext>
               <a:ext uri="{C183D7F6-B498-43B3-948B-1728B52AA6E4}">
-                <adec:decorative xmlns:adec="http://schemas.microsoft.com/office/drawing/2017/decorative" val="1"/>
+                <adec:decorative xmlns:adec="http://schemas.microsoft.com/office/drawing/2017/decorative" xmlns="" val="1"/>
               </a:ext>
             </a:extLst>
           </p:cNvPr>
@@ -3822,7 +3822,7 @@
                 <a16:creationId xmlns:a16="http://schemas.microsoft.com/office/drawing/2014/main" id="{DAE8F46F-D590-45CD-AF41-A04DC11D1BB4}"/>
               </a:ext>
               <a:ext uri="{C183D7F6-B498-43B3-948B-1728B52AA6E4}">
-                <adec:decorative xmlns:adec="http://schemas.microsoft.com/office/drawing/2017/decorative" val="1"/>
+                <adec:decorative xmlns:adec="http://schemas.microsoft.com/office/drawing/2017/decorative" xmlns="" val="1"/>
               </a:ext>
             </a:extLst>
           </p:cNvPr>
@@ -3891,7 +3891,7 @@
                 <a16:creationId xmlns:a16="http://schemas.microsoft.com/office/drawing/2014/main" id="{FBE9F90C-C163-435B-9A68-D15C92D1CF2B}"/>
               </a:ext>
               <a:ext uri="{C183D7F6-B498-43B3-948B-1728B52AA6E4}">
-                <adec:decorative xmlns:adec="http://schemas.microsoft.com/office/drawing/2017/decorative" val="1"/>
+                <adec:decorative xmlns:adec="http://schemas.microsoft.com/office/drawing/2017/decorative" xmlns="" val="1"/>
               </a:ext>
             </a:extLst>
           </p:cNvPr>
@@ -4028,7 +4028,7 @@
                 <a16:creationId xmlns:a16="http://schemas.microsoft.com/office/drawing/2014/main" id="{1A882A9F-F4E9-4E23-8F0B-20B5DF42EAA9}"/>
               </a:ext>
               <a:ext uri="{C183D7F6-B498-43B3-948B-1728B52AA6E4}">
-                <adec:decorative xmlns:adec="http://schemas.microsoft.com/office/drawing/2017/decorative" val="1"/>
+                <adec:decorative xmlns:adec="http://schemas.microsoft.com/office/drawing/2017/decorative" xmlns="" val="1"/>
               </a:ext>
             </a:extLst>
           </p:cNvPr>
@@ -4703,7 +4703,7 @@
                 <a16:creationId xmlns:a16="http://schemas.microsoft.com/office/drawing/2014/main" id="{4038CB10-1F5C-4D54-9DF7-12586DE5B007}"/>
               </a:ext>
               <a:ext uri="{C183D7F6-B498-43B3-948B-1728B52AA6E4}">
-                <adec:decorative xmlns:adec="http://schemas.microsoft.com/office/drawing/2017/decorative" val="1"/>
+                <adec:decorative xmlns:adec="http://schemas.microsoft.com/office/drawing/2017/decorative" xmlns="" val="1"/>
               </a:ext>
             </a:extLst>
           </p:cNvPr>
@@ -4835,7 +4835,7 @@
                 <a16:creationId xmlns:a16="http://schemas.microsoft.com/office/drawing/2014/main" id="{36D30126-6314-4A93-B27E-5C66CF781924}"/>
               </a:ext>
               <a:ext uri="{C183D7F6-B498-43B3-948B-1728B52AA6E4}">
-                <adec:decorative xmlns:adec="http://schemas.microsoft.com/office/drawing/2017/decorative" val="1"/>
+                <adec:decorative xmlns:adec="http://schemas.microsoft.com/office/drawing/2017/decorative" xmlns="" val="1"/>
               </a:ext>
             </a:extLst>
           </p:cNvPr>
@@ -4900,7 +4900,7 @@
                 <a16:creationId xmlns:a16="http://schemas.microsoft.com/office/drawing/2014/main" id="{73ED6512-6858-4552-B699-9A97FE9A4EA2}"/>
               </a:ext>
               <a:ext uri="{C183D7F6-B498-43B3-948B-1728B52AA6E4}">
-                <adec:decorative xmlns:adec="http://schemas.microsoft.com/office/drawing/2017/decorative" val="1"/>
+                <adec:decorative xmlns:adec="http://schemas.microsoft.com/office/drawing/2017/decorative" xmlns="" val="1"/>
               </a:ext>
             </a:extLst>
           </p:cNvPr>
@@ -5030,7 +5030,7 @@
                 <a16:creationId xmlns:a16="http://schemas.microsoft.com/office/drawing/2014/main" id="{4038CB10-1F5C-4D54-9DF7-12586DE5B007}"/>
               </a:ext>
               <a:ext uri="{C183D7F6-B498-43B3-948B-1728B52AA6E4}">
-                <adec:decorative xmlns:adec="http://schemas.microsoft.com/office/drawing/2017/decorative" val="1"/>
+                <adec:decorative xmlns:adec="http://schemas.microsoft.com/office/drawing/2017/decorative" xmlns="" val="1"/>
               </a:ext>
             </a:extLst>
           </p:cNvPr>
@@ -5162,7 +5162,7 @@
                 <a16:creationId xmlns:a16="http://schemas.microsoft.com/office/drawing/2014/main" id="{36D30126-6314-4A93-B27E-5C66CF781924}"/>
               </a:ext>
               <a:ext uri="{C183D7F6-B498-43B3-948B-1728B52AA6E4}">
-                <adec:decorative xmlns:adec="http://schemas.microsoft.com/office/drawing/2017/decorative" val="1"/>
+                <adec:decorative xmlns:adec="http://schemas.microsoft.com/office/drawing/2017/decorative" xmlns="" val="1"/>
               </a:ext>
             </a:extLst>
           </p:cNvPr>
@@ -5227,7 +5227,7 @@
                 <a16:creationId xmlns:a16="http://schemas.microsoft.com/office/drawing/2014/main" id="{73ED6512-6858-4552-B699-9A97FE9A4EA2}"/>
               </a:ext>
               <a:ext uri="{C183D7F6-B498-43B3-948B-1728B52AA6E4}">
-                <adec:decorative xmlns:adec="http://schemas.microsoft.com/office/drawing/2017/decorative" val="1"/>
+                <adec:decorative xmlns:adec="http://schemas.microsoft.com/office/drawing/2017/decorative" xmlns="" val="1"/>
               </a:ext>
             </a:extLst>
           </p:cNvPr>
@@ -5357,7 +5357,7 @@
                 <a16:creationId xmlns:a16="http://schemas.microsoft.com/office/drawing/2014/main" id="{4038CB10-1F5C-4D54-9DF7-12586DE5B007}"/>
               </a:ext>
               <a:ext uri="{C183D7F6-B498-43B3-948B-1728B52AA6E4}">
-                <adec:decorative xmlns:adec="http://schemas.microsoft.com/office/drawing/2017/decorative" val="1"/>
+                <adec:decorative xmlns:adec="http://schemas.microsoft.com/office/drawing/2017/decorative" xmlns="" val="1"/>
               </a:ext>
             </a:extLst>
           </p:cNvPr>
@@ -5489,7 +5489,7 @@
                 <a16:creationId xmlns:a16="http://schemas.microsoft.com/office/drawing/2014/main" id="{36D30126-6314-4A93-B27E-5C66CF781924}"/>
               </a:ext>
               <a:ext uri="{C183D7F6-B498-43B3-948B-1728B52AA6E4}">
-                <adec:decorative xmlns:adec="http://schemas.microsoft.com/office/drawing/2017/decorative" val="1"/>
+                <adec:decorative xmlns:adec="http://schemas.microsoft.com/office/drawing/2017/decorative" xmlns="" val="1"/>
               </a:ext>
             </a:extLst>
           </p:cNvPr>
@@ -5554,7 +5554,7 @@
                 <a16:creationId xmlns:a16="http://schemas.microsoft.com/office/drawing/2014/main" id="{73ED6512-6858-4552-B699-9A97FE9A4EA2}"/>
               </a:ext>
               <a:ext uri="{C183D7F6-B498-43B3-948B-1728B52AA6E4}">
-                <adec:decorative xmlns:adec="http://schemas.microsoft.com/office/drawing/2017/decorative" val="1"/>
+                <adec:decorative xmlns:adec="http://schemas.microsoft.com/office/drawing/2017/decorative" xmlns="" val="1"/>
               </a:ext>
             </a:extLst>
           </p:cNvPr>
@@ -5684,7 +5684,7 @@
                 <a16:creationId xmlns:a16="http://schemas.microsoft.com/office/drawing/2014/main" id="{4038CB10-1F5C-4D54-9DF7-12586DE5B007}"/>
               </a:ext>
               <a:ext uri="{C183D7F6-B498-43B3-948B-1728B52AA6E4}">
-                <adec:decorative xmlns:adec="http://schemas.microsoft.com/office/drawing/2017/decorative" val="1"/>
+                <adec:decorative xmlns:adec="http://schemas.microsoft.com/office/drawing/2017/decorative" xmlns="" val="1"/>
               </a:ext>
             </a:extLst>
           </p:cNvPr>
@@ -5816,7 +5816,7 @@
                 <a16:creationId xmlns:a16="http://schemas.microsoft.com/office/drawing/2014/main" id="{36D30126-6314-4A93-B27E-5C66CF781924}"/>
               </a:ext>
               <a:ext uri="{C183D7F6-B498-43B3-948B-1728B52AA6E4}">
-                <adec:decorative xmlns:adec="http://schemas.microsoft.com/office/drawing/2017/decorative" val="1"/>
+                <adec:decorative xmlns:adec="http://schemas.microsoft.com/office/drawing/2017/decorative" xmlns="" val="1"/>
               </a:ext>
             </a:extLst>
           </p:cNvPr>
@@ -5881,7 +5881,7 @@
                 <a16:creationId xmlns:a16="http://schemas.microsoft.com/office/drawing/2014/main" id="{73ED6512-6858-4552-B699-9A97FE9A4EA2}"/>
               </a:ext>
               <a:ext uri="{C183D7F6-B498-43B3-948B-1728B52AA6E4}">
-                <adec:decorative xmlns:adec="http://schemas.microsoft.com/office/drawing/2017/decorative" val="1"/>
+                <adec:decorative xmlns:adec="http://schemas.microsoft.com/office/drawing/2017/decorative" xmlns="" val="1"/>
               </a:ext>
             </a:extLst>
           </p:cNvPr>
@@ -6834,7 +6834,7 @@
                 <a16:creationId xmlns:a16="http://schemas.microsoft.com/office/drawing/2014/main" id="{4038CB10-1F5C-4D54-9DF7-12586DE5B007}"/>
               </a:ext>
               <a:ext uri="{C183D7F6-B498-43B3-948B-1728B52AA6E4}">
-                <adec:decorative xmlns:adec="http://schemas.microsoft.com/office/drawing/2017/decorative" val="1"/>
+                <adec:decorative xmlns:adec="http://schemas.microsoft.com/office/drawing/2017/decorative" xmlns="" val="1"/>
               </a:ext>
             </a:extLst>
           </p:cNvPr>
@@ -6979,7 +6979,7 @@
                 <a16:creationId xmlns:a16="http://schemas.microsoft.com/office/drawing/2014/main" id="{36D30126-6314-4A93-B27E-5C66CF781924}"/>
               </a:ext>
               <a:ext uri="{C183D7F6-B498-43B3-948B-1728B52AA6E4}">
-                <adec:decorative xmlns:adec="http://schemas.microsoft.com/office/drawing/2017/decorative" val="1"/>
+                <adec:decorative xmlns:adec="http://schemas.microsoft.com/office/drawing/2017/decorative" xmlns="" val="1"/>
               </a:ext>
             </a:extLst>
           </p:cNvPr>
@@ -7044,7 +7044,7 @@
                 <a16:creationId xmlns:a16="http://schemas.microsoft.com/office/drawing/2014/main" id="{73ED6512-6858-4552-B699-9A97FE9A4EA2}"/>
               </a:ext>
               <a:ext uri="{C183D7F6-B498-43B3-948B-1728B52AA6E4}">
-                <adec:decorative xmlns:adec="http://schemas.microsoft.com/office/drawing/2017/decorative" val="1"/>
+                <adec:decorative xmlns:adec="http://schemas.microsoft.com/office/drawing/2017/decorative" xmlns="" val="1"/>
               </a:ext>
             </a:extLst>
           </p:cNvPr>
@@ -7631,7 +7631,7 @@
                 <a16:creationId xmlns:a16="http://schemas.microsoft.com/office/drawing/2014/main" id="{4038CB10-1F5C-4D54-9DF7-12586DE5B007}"/>
               </a:ext>
               <a:ext uri="{C183D7F6-B498-43B3-948B-1728B52AA6E4}">
-                <adec:decorative xmlns:adec="http://schemas.microsoft.com/office/drawing/2017/decorative" val="1"/>
+                <adec:decorative xmlns:adec="http://schemas.microsoft.com/office/drawing/2017/decorative" xmlns="" val="1"/>
               </a:ext>
             </a:extLst>
           </p:cNvPr>
@@ -7763,7 +7763,7 @@
                 <a16:creationId xmlns:a16="http://schemas.microsoft.com/office/drawing/2014/main" id="{36D30126-6314-4A93-B27E-5C66CF781924}"/>
               </a:ext>
               <a:ext uri="{C183D7F6-B498-43B3-948B-1728B52AA6E4}">
-                <adec:decorative xmlns:adec="http://schemas.microsoft.com/office/drawing/2017/decorative" val="1"/>
+                <adec:decorative xmlns:adec="http://schemas.microsoft.com/office/drawing/2017/decorative" xmlns="" val="1"/>
               </a:ext>
             </a:extLst>
           </p:cNvPr>
@@ -7828,7 +7828,7 @@
                 <a16:creationId xmlns:a16="http://schemas.microsoft.com/office/drawing/2014/main" id="{73ED6512-6858-4552-B699-9A97FE9A4EA2}"/>
               </a:ext>
               <a:ext uri="{C183D7F6-B498-43B3-948B-1728B52AA6E4}">
-                <adec:decorative xmlns:adec="http://schemas.microsoft.com/office/drawing/2017/decorative" val="1"/>
+                <adec:decorative xmlns:adec="http://schemas.microsoft.com/office/drawing/2017/decorative" xmlns="" val="1"/>
               </a:ext>
             </a:extLst>
           </p:cNvPr>
@@ -8274,8 +8274,8 @@
           </a:p>
         </p:txBody>
       </p:sp>
-      <mc:AlternateContent xmlns:mc="http://schemas.openxmlformats.org/markup-compatibility/2006">
-        <mc:Choice xmlns:a14="http://schemas.microsoft.com/office/drawing/2010/main" Requires="a14">
+      <mc:AlternateContent xmlns:mc="http://schemas.openxmlformats.org/markup-compatibility/2006" xmlns:a14="http://schemas.microsoft.com/office/drawing/2010/main">
+        <mc:Choice Requires="a14">
           <p:sp>
             <p:nvSpPr>
               <p:cNvPr id="21" name="CasellaDiTesto 20">
@@ -8388,7 +8388,7 @@
             </p:txBody>
           </p:sp>
         </mc:Choice>
-        <mc:Fallback>
+        <mc:Fallback xmlns="">
           <p:sp>
             <p:nvSpPr>
               <p:cNvPr id="21" name="CasellaDiTesto 20">
@@ -8479,7 +8479,7 @@
                 <a16:creationId xmlns:a16="http://schemas.microsoft.com/office/drawing/2014/main" id="{4038CB10-1F5C-4D54-9DF7-12586DE5B007}"/>
               </a:ext>
               <a:ext uri="{C183D7F6-B498-43B3-948B-1728B52AA6E4}">
-                <adec:decorative xmlns:adec="http://schemas.microsoft.com/office/drawing/2017/decorative" val="1"/>
+                <adec:decorative xmlns:adec="http://schemas.microsoft.com/office/drawing/2017/decorative" xmlns="" val="1"/>
               </a:ext>
             </a:extLst>
           </p:cNvPr>
@@ -8611,7 +8611,7 @@
                 <a16:creationId xmlns:a16="http://schemas.microsoft.com/office/drawing/2014/main" id="{36D30126-6314-4A93-B27E-5C66CF781924}"/>
               </a:ext>
               <a:ext uri="{C183D7F6-B498-43B3-948B-1728B52AA6E4}">
-                <adec:decorative xmlns:adec="http://schemas.microsoft.com/office/drawing/2017/decorative" val="1"/>
+                <adec:decorative xmlns:adec="http://schemas.microsoft.com/office/drawing/2017/decorative" xmlns="" val="1"/>
               </a:ext>
             </a:extLst>
           </p:cNvPr>
@@ -8676,7 +8676,7 @@
                 <a16:creationId xmlns:a16="http://schemas.microsoft.com/office/drawing/2014/main" id="{73ED6512-6858-4552-B699-9A97FE9A4EA2}"/>
               </a:ext>
               <a:ext uri="{C183D7F6-B498-43B3-948B-1728B52AA6E4}">
-                <adec:decorative xmlns:adec="http://schemas.microsoft.com/office/drawing/2017/decorative" val="1"/>
+                <adec:decorative xmlns:adec="http://schemas.microsoft.com/office/drawing/2017/decorative" xmlns="" val="1"/>
               </a:ext>
             </a:extLst>
           </p:cNvPr>
@@ -8760,8 +8760,8 @@
           </a:p>
         </p:txBody>
       </p:sp>
-      <mc:AlternateContent xmlns:mc="http://schemas.openxmlformats.org/markup-compatibility/2006">
-        <mc:Choice xmlns:a14="http://schemas.microsoft.com/office/drawing/2010/main" Requires="a14">
+      <mc:AlternateContent xmlns:mc="http://schemas.openxmlformats.org/markup-compatibility/2006" xmlns:a14="http://schemas.microsoft.com/office/drawing/2010/main">
+        <mc:Choice Requires="a14">
           <p:sp>
             <p:nvSpPr>
               <p:cNvPr id="5" name="Segnaposto contenuto 4">
@@ -9511,7 +9511,7 @@
             </p:txBody>
           </p:sp>
         </mc:Choice>
-        <mc:Fallback>
+        <mc:Fallback xmlns="">
           <p:sp>
             <p:nvSpPr>
               <p:cNvPr id="5" name="Segnaposto contenuto 4">
@@ -9661,7 +9661,7 @@
                 <a16:creationId xmlns:a16="http://schemas.microsoft.com/office/drawing/2014/main" id="{4038CB10-1F5C-4D54-9DF7-12586DE5B007}"/>
               </a:ext>
               <a:ext uri="{C183D7F6-B498-43B3-948B-1728B52AA6E4}">
-                <adec:decorative xmlns:adec="http://schemas.microsoft.com/office/drawing/2017/decorative" val="1"/>
+                <adec:decorative xmlns:adec="http://schemas.microsoft.com/office/drawing/2017/decorative" xmlns="" val="1"/>
               </a:ext>
             </a:extLst>
           </p:cNvPr>
@@ -9848,7 +9848,7 @@
                 <a16:creationId xmlns:a16="http://schemas.microsoft.com/office/drawing/2014/main" id="{36D30126-6314-4A93-B27E-5C66CF781924}"/>
               </a:ext>
               <a:ext uri="{C183D7F6-B498-43B3-948B-1728B52AA6E4}">
-                <adec:decorative xmlns:adec="http://schemas.microsoft.com/office/drawing/2017/decorative" val="1"/>
+                <adec:decorative xmlns:adec="http://schemas.microsoft.com/office/drawing/2017/decorative" xmlns="" val="1"/>
               </a:ext>
             </a:extLst>
           </p:cNvPr>
@@ -9943,7 +9943,7 @@
                 <a16:creationId xmlns:a16="http://schemas.microsoft.com/office/drawing/2014/main" id="{73ED6512-6858-4552-B699-9A97FE9A4EA2}"/>
               </a:ext>
               <a:ext uri="{C183D7F6-B498-43B3-948B-1728B52AA6E4}">
-                <adec:decorative xmlns:adec="http://schemas.microsoft.com/office/drawing/2017/decorative" val="1"/>
+                <adec:decorative xmlns:adec="http://schemas.microsoft.com/office/drawing/2017/decorative" xmlns="" val="1"/>
               </a:ext>
             </a:extLst>
           </p:cNvPr>
@@ -10322,7 +10322,7 @@
                 <a16:creationId xmlns:a16="http://schemas.microsoft.com/office/drawing/2014/main" id="{4038CB10-1F5C-4D54-9DF7-12586DE5B007}"/>
               </a:ext>
               <a:ext uri="{C183D7F6-B498-43B3-948B-1728B52AA6E4}">
-                <adec:decorative xmlns:adec="http://schemas.microsoft.com/office/drawing/2017/decorative" val="1"/>
+                <adec:decorative xmlns:adec="http://schemas.microsoft.com/office/drawing/2017/decorative" xmlns="" val="1"/>
               </a:ext>
             </a:extLst>
           </p:cNvPr>
@@ -10454,7 +10454,7 @@
                 <a16:creationId xmlns:a16="http://schemas.microsoft.com/office/drawing/2014/main" id="{36D30126-6314-4A93-B27E-5C66CF781924}"/>
               </a:ext>
               <a:ext uri="{C183D7F6-B498-43B3-948B-1728B52AA6E4}">
-                <adec:decorative xmlns:adec="http://schemas.microsoft.com/office/drawing/2017/decorative" val="1"/>
+                <adec:decorative xmlns:adec="http://schemas.microsoft.com/office/drawing/2017/decorative" xmlns="" val="1"/>
               </a:ext>
             </a:extLst>
           </p:cNvPr>
@@ -10519,7 +10519,7 @@
                 <a16:creationId xmlns:a16="http://schemas.microsoft.com/office/drawing/2014/main" id="{73ED6512-6858-4552-B699-9A97FE9A4EA2}"/>
               </a:ext>
               <a:ext uri="{C183D7F6-B498-43B3-948B-1728B52AA6E4}">
-                <adec:decorative xmlns:adec="http://schemas.microsoft.com/office/drawing/2017/decorative" val="1"/>
+                <adec:decorative xmlns:adec="http://schemas.microsoft.com/office/drawing/2017/decorative" xmlns="" val="1"/>
               </a:ext>
             </a:extLst>
           </p:cNvPr>
@@ -10795,7 +10795,7 @@
                 <a16:creationId xmlns:a16="http://schemas.microsoft.com/office/drawing/2014/main" id="{4038CB10-1F5C-4D54-9DF7-12586DE5B007}"/>
               </a:ext>
               <a:ext uri="{C183D7F6-B498-43B3-948B-1728B52AA6E4}">
-                <adec:decorative xmlns:adec="http://schemas.microsoft.com/office/drawing/2017/decorative" val="1"/>
+                <adec:decorative xmlns:adec="http://schemas.microsoft.com/office/drawing/2017/decorative" xmlns="" val="1"/>
               </a:ext>
             </a:extLst>
           </p:cNvPr>
@@ -10943,7 +10943,7 @@
                 <a16:creationId xmlns:a16="http://schemas.microsoft.com/office/drawing/2014/main" id="{36D30126-6314-4A93-B27E-5C66CF781924}"/>
               </a:ext>
               <a:ext uri="{C183D7F6-B498-43B3-948B-1728B52AA6E4}">
-                <adec:decorative xmlns:adec="http://schemas.microsoft.com/office/drawing/2017/decorative" val="1"/>
+                <adec:decorative xmlns:adec="http://schemas.microsoft.com/office/drawing/2017/decorative" xmlns="" val="1"/>
               </a:ext>
             </a:extLst>
           </p:cNvPr>
@@ -11008,7 +11008,7 @@
                 <a16:creationId xmlns:a16="http://schemas.microsoft.com/office/drawing/2014/main" id="{73ED6512-6858-4552-B699-9A97FE9A4EA2}"/>
               </a:ext>
               <a:ext uri="{C183D7F6-B498-43B3-948B-1728B52AA6E4}">
-                <adec:decorative xmlns:adec="http://schemas.microsoft.com/office/drawing/2017/decorative" val="1"/>
+                <adec:decorative xmlns:adec="http://schemas.microsoft.com/office/drawing/2017/decorative" xmlns="" val="1"/>
               </a:ext>
             </a:extLst>
           </p:cNvPr>
@@ -11251,10 +11251,10 @@
       </p:sp>
       <p:pic>
         <p:nvPicPr>
-          <p:cNvPr id="6" name="Immagine 5" descr="Immagine che contiene tavolo&#10;&#10;Descrizione generata automaticamente">
+          <p:cNvPr id="3" name="Immagine 2">
             <a:extLst>
               <a:ext uri="{FF2B5EF4-FFF2-40B4-BE49-F238E27FC236}">
-                <a16:creationId xmlns:a16="http://schemas.microsoft.com/office/drawing/2014/main" id="{4B376CF6-F14F-4570-8D75-7F836C031F72}"/>
+                <a16:creationId xmlns:a16="http://schemas.microsoft.com/office/drawing/2014/main" id="{8CA835DD-414E-4DC0-B8A3-B6484A7DF7E4}"/>
               </a:ext>
             </a:extLst>
           </p:cNvPr>
@@ -11271,41 +11271,6 @@
         </p:blipFill>
         <p:spPr>
           <a:xfrm>
-            <a:off x="1556526" y="3044916"/>
-            <a:ext cx="4399248" cy="3395594"/>
-          </a:xfrm>
-          <a:prstGeom prst="rect">
-            <a:avLst/>
-          </a:prstGeom>
-          <a:ln>
-            <a:solidFill>
-              <a:schemeClr val="tx1"/>
-            </a:solidFill>
-          </a:ln>
-        </p:spPr>
-      </p:pic>
-      <p:pic>
-        <p:nvPicPr>
-          <p:cNvPr id="3" name="Immagine 2">
-            <a:extLst>
-              <a:ext uri="{FF2B5EF4-FFF2-40B4-BE49-F238E27FC236}">
-                <a16:creationId xmlns:a16="http://schemas.microsoft.com/office/drawing/2014/main" id="{8CA835DD-414E-4DC0-B8A3-B6484A7DF7E4}"/>
-              </a:ext>
-            </a:extLst>
-          </p:cNvPr>
-          <p:cNvPicPr>
-            <a:picLocks noChangeAspect="1"/>
-          </p:cNvPicPr>
-          <p:nvPr/>
-        </p:nvPicPr>
-        <p:blipFill>
-          <a:blip r:embed="rId3"/>
-          <a:stretch>
-            <a:fillRect/>
-          </a:stretch>
-        </p:blipFill>
-        <p:spPr>
-          <a:xfrm>
             <a:off x="2073014" y="2543613"/>
             <a:ext cx="3366273" cy="389995"/>
           </a:xfrm>
@@ -11314,6 +11279,4999 @@
           </a:prstGeom>
         </p:spPr>
       </p:pic>
+      <p:graphicFrame>
+        <p:nvGraphicFramePr>
+          <p:cNvPr id="10" name="Tabella 2">
+            <a:extLst>
+              <a:ext uri="{FF2B5EF4-FFF2-40B4-BE49-F238E27FC236}">
+                <a16:creationId xmlns:a16="http://schemas.microsoft.com/office/drawing/2014/main" id="{ABE8FCC2-9701-4CFD-A72E-1BA021145684}"/>
+              </a:ext>
+            </a:extLst>
+          </p:cNvPr>
+          <p:cNvGraphicFramePr>
+            <a:graphicFrameLocks noGrp="1"/>
+          </p:cNvGraphicFramePr>
+          <p:nvPr>
+            <p:extLst>
+              <p:ext uri="{D42A27DB-BD31-4B8C-83A1-F6EECF244321}">
+                <p14:modId xmlns:p14="http://schemas.microsoft.com/office/powerpoint/2010/main" val="3182948349"/>
+              </p:ext>
+            </p:extLst>
+          </p:nvPr>
+        </p:nvGraphicFramePr>
+        <p:xfrm>
+          <a:off x="1665200" y="3108164"/>
+          <a:ext cx="2005980" cy="327657"/>
+        </p:xfrm>
+        <a:graphic>
+          <a:graphicData uri="http://schemas.openxmlformats.org/drawingml/2006/table">
+            <a:tbl>
+              <a:tblPr firstRow="1" bandRow="1">
+                <a:tableStyleId>{5C22544A-7EE6-4342-B048-85BDC9FD1C3A}</a:tableStyleId>
+              </a:tblPr>
+              <a:tblGrid>
+                <a:gridCol w="334330">
+                  <a:extLst>
+                    <a:ext uri="{9D8B030D-6E8A-4147-A177-3AD203B41FA5}">
+                      <a16:colId xmlns:a16="http://schemas.microsoft.com/office/drawing/2014/main" val="2411167900"/>
+                    </a:ext>
+                  </a:extLst>
+                </a:gridCol>
+                <a:gridCol w="334330">
+                  <a:extLst>
+                    <a:ext uri="{9D8B030D-6E8A-4147-A177-3AD203B41FA5}">
+                      <a16:colId xmlns:a16="http://schemas.microsoft.com/office/drawing/2014/main" val="831540765"/>
+                    </a:ext>
+                  </a:extLst>
+                </a:gridCol>
+                <a:gridCol w="334330">
+                  <a:extLst>
+                    <a:ext uri="{9D8B030D-6E8A-4147-A177-3AD203B41FA5}">
+                      <a16:colId xmlns:a16="http://schemas.microsoft.com/office/drawing/2014/main" val="649092517"/>
+                    </a:ext>
+                  </a:extLst>
+                </a:gridCol>
+                <a:gridCol w="334330">
+                  <a:extLst>
+                    <a:ext uri="{9D8B030D-6E8A-4147-A177-3AD203B41FA5}">
+                      <a16:colId xmlns:a16="http://schemas.microsoft.com/office/drawing/2014/main" val="3305632144"/>
+                    </a:ext>
+                  </a:extLst>
+                </a:gridCol>
+                <a:gridCol w="334330">
+                  <a:extLst>
+                    <a:ext uri="{9D8B030D-6E8A-4147-A177-3AD203B41FA5}">
+                      <a16:colId xmlns:a16="http://schemas.microsoft.com/office/drawing/2014/main" val="684211681"/>
+                    </a:ext>
+                  </a:extLst>
+                </a:gridCol>
+                <a:gridCol w="334330">
+                  <a:extLst>
+                    <a:ext uri="{9D8B030D-6E8A-4147-A177-3AD203B41FA5}">
+                      <a16:colId xmlns:a16="http://schemas.microsoft.com/office/drawing/2014/main" val="1758649648"/>
+                    </a:ext>
+                  </a:extLst>
+                </a:gridCol>
+              </a:tblGrid>
+              <a:tr h="327657">
+                <a:tc>
+                  <a:txBody>
+                    <a:bodyPr/>
+                    <a:lstStyle/>
+                    <a:p>
+                      <a:pPr algn="ctr"/>
+                      <a:r>
+                        <a:rPr lang="it-IT" sz="1600" dirty="0" smtClean="0">
+                          <a:solidFill>
+                            <a:schemeClr val="tx1"/>
+                          </a:solidFill>
+                        </a:rPr>
+                        <a:t>1</a:t>
+                      </a:r>
+                      <a:endParaRPr lang="it-IT" sz="1600" dirty="0">
+                        <a:solidFill>
+                          <a:schemeClr val="tx1"/>
+                        </a:solidFill>
+                      </a:endParaRPr>
+                    </a:p>
+                  </a:txBody>
+                  <a:tcPr marL="80792" marR="80792" marT="40396" marB="40396">
+                    <a:lnL w="12700" cap="flat" cmpd="sng" algn="ctr">
+                      <a:solidFill>
+                        <a:schemeClr val="tx1"/>
+                      </a:solidFill>
+                      <a:prstDash val="solid"/>
+                      <a:round/>
+                      <a:headEnd type="none" w="med" len="med"/>
+                      <a:tailEnd type="none" w="med" len="med"/>
+                    </a:lnL>
+                    <a:lnR w="12700" cap="flat" cmpd="sng" algn="ctr">
+                      <a:solidFill>
+                        <a:schemeClr val="tx1"/>
+                      </a:solidFill>
+                      <a:prstDash val="solid"/>
+                      <a:round/>
+                      <a:headEnd type="none" w="med" len="med"/>
+                      <a:tailEnd type="none" w="med" len="med"/>
+                    </a:lnR>
+                    <a:lnT w="12700" cap="flat" cmpd="sng" algn="ctr">
+                      <a:solidFill>
+                        <a:schemeClr val="tx1"/>
+                      </a:solidFill>
+                      <a:prstDash val="solid"/>
+                      <a:round/>
+                      <a:headEnd type="none" w="med" len="med"/>
+                      <a:tailEnd type="none" w="med" len="med"/>
+                    </a:lnT>
+                    <a:lnB w="12700" cap="flat" cmpd="sng" algn="ctr">
+                      <a:solidFill>
+                        <a:schemeClr val="tx1"/>
+                      </a:solidFill>
+                      <a:prstDash val="solid"/>
+                      <a:round/>
+                      <a:headEnd type="none" w="med" len="med"/>
+                      <a:tailEnd type="none" w="med" len="med"/>
+                    </a:lnB>
+                    <a:solidFill>
+                      <a:schemeClr val="bg1"/>
+                    </a:solidFill>
+                  </a:tcPr>
+                </a:tc>
+                <a:tc>
+                  <a:txBody>
+                    <a:bodyPr/>
+                    <a:lstStyle/>
+                    <a:p>
+                      <a:pPr algn="ctr"/>
+                      <a:r>
+                        <a:rPr lang="it-IT" sz="1600" dirty="0" smtClean="0">
+                          <a:solidFill>
+                            <a:schemeClr val="tx1"/>
+                          </a:solidFill>
+                        </a:rPr>
+                        <a:t>2</a:t>
+                      </a:r>
+                      <a:endParaRPr lang="it-IT" sz="1600" dirty="0">
+                        <a:solidFill>
+                          <a:schemeClr val="tx1"/>
+                        </a:solidFill>
+                      </a:endParaRPr>
+                    </a:p>
+                  </a:txBody>
+                  <a:tcPr marL="80792" marR="80792" marT="40396" marB="40396">
+                    <a:lnL w="12700" cap="flat" cmpd="sng" algn="ctr">
+                      <a:solidFill>
+                        <a:schemeClr val="tx1"/>
+                      </a:solidFill>
+                      <a:prstDash val="solid"/>
+                      <a:round/>
+                      <a:headEnd type="none" w="med" len="med"/>
+                      <a:tailEnd type="none" w="med" len="med"/>
+                    </a:lnL>
+                    <a:lnR w="12700" cap="flat" cmpd="sng" algn="ctr">
+                      <a:solidFill>
+                        <a:schemeClr val="tx1"/>
+                      </a:solidFill>
+                      <a:prstDash val="solid"/>
+                      <a:round/>
+                      <a:headEnd type="none" w="med" len="med"/>
+                      <a:tailEnd type="none" w="med" len="med"/>
+                    </a:lnR>
+                    <a:lnT w="12700" cap="flat" cmpd="sng" algn="ctr">
+                      <a:solidFill>
+                        <a:schemeClr val="tx1"/>
+                      </a:solidFill>
+                      <a:prstDash val="solid"/>
+                      <a:round/>
+                      <a:headEnd type="none" w="med" len="med"/>
+                      <a:tailEnd type="none" w="med" len="med"/>
+                    </a:lnT>
+                    <a:lnB w="12700" cap="flat" cmpd="sng" algn="ctr">
+                      <a:solidFill>
+                        <a:schemeClr val="tx1"/>
+                      </a:solidFill>
+                      <a:prstDash val="solid"/>
+                      <a:round/>
+                      <a:headEnd type="none" w="med" len="med"/>
+                      <a:tailEnd type="none" w="med" len="med"/>
+                    </a:lnB>
+                    <a:solidFill>
+                      <a:srgbClr val="FFC000"/>
+                    </a:solidFill>
+                  </a:tcPr>
+                </a:tc>
+                <a:tc>
+                  <a:txBody>
+                    <a:bodyPr/>
+                    <a:lstStyle/>
+                    <a:p>
+                      <a:pPr algn="ctr"/>
+                      <a:r>
+                        <a:rPr lang="it-IT" sz="1600" dirty="0" smtClean="0">
+                          <a:solidFill>
+                            <a:schemeClr val="tx1"/>
+                          </a:solidFill>
+                        </a:rPr>
+                        <a:t>3</a:t>
+                      </a:r>
+                      <a:endParaRPr lang="it-IT" sz="1600" dirty="0">
+                        <a:solidFill>
+                          <a:schemeClr val="tx1"/>
+                        </a:solidFill>
+                      </a:endParaRPr>
+                    </a:p>
+                  </a:txBody>
+                  <a:tcPr marL="80792" marR="80792" marT="40396" marB="40396">
+                    <a:lnL w="12700" cap="flat" cmpd="sng" algn="ctr">
+                      <a:solidFill>
+                        <a:schemeClr val="tx1"/>
+                      </a:solidFill>
+                      <a:prstDash val="solid"/>
+                      <a:round/>
+                      <a:headEnd type="none" w="med" len="med"/>
+                      <a:tailEnd type="none" w="med" len="med"/>
+                    </a:lnL>
+                    <a:lnR w="12700" cap="flat" cmpd="sng" algn="ctr">
+                      <a:solidFill>
+                        <a:schemeClr val="tx1"/>
+                      </a:solidFill>
+                      <a:prstDash val="solid"/>
+                      <a:round/>
+                      <a:headEnd type="none" w="med" len="med"/>
+                      <a:tailEnd type="none" w="med" len="med"/>
+                    </a:lnR>
+                    <a:lnT w="12700" cap="flat" cmpd="sng" algn="ctr">
+                      <a:solidFill>
+                        <a:schemeClr val="tx1"/>
+                      </a:solidFill>
+                      <a:prstDash val="solid"/>
+                      <a:round/>
+                      <a:headEnd type="none" w="med" len="med"/>
+                      <a:tailEnd type="none" w="med" len="med"/>
+                    </a:lnT>
+                    <a:lnB w="12700" cap="flat" cmpd="sng" algn="ctr">
+                      <a:solidFill>
+                        <a:schemeClr val="tx1"/>
+                      </a:solidFill>
+                      <a:prstDash val="solid"/>
+                      <a:round/>
+                      <a:headEnd type="none" w="med" len="med"/>
+                      <a:tailEnd type="none" w="med" len="med"/>
+                    </a:lnB>
+                    <a:solidFill>
+                      <a:srgbClr val="FFC000"/>
+                    </a:solidFill>
+                  </a:tcPr>
+                </a:tc>
+                <a:tc>
+                  <a:txBody>
+                    <a:bodyPr/>
+                    <a:lstStyle/>
+                    <a:p>
+                      <a:pPr algn="ctr"/>
+                      <a:r>
+                        <a:rPr lang="it-IT" sz="1600" dirty="0" smtClean="0">
+                          <a:solidFill>
+                            <a:schemeClr val="tx1"/>
+                          </a:solidFill>
+                        </a:rPr>
+                        <a:t>4</a:t>
+                      </a:r>
+                      <a:endParaRPr lang="it-IT" sz="1600" dirty="0">
+                        <a:solidFill>
+                          <a:schemeClr val="tx1"/>
+                        </a:solidFill>
+                      </a:endParaRPr>
+                    </a:p>
+                  </a:txBody>
+                  <a:tcPr marL="80792" marR="80792" marT="40396" marB="40396">
+                    <a:lnL w="12700" cap="flat" cmpd="sng" algn="ctr">
+                      <a:solidFill>
+                        <a:schemeClr val="tx1"/>
+                      </a:solidFill>
+                      <a:prstDash val="solid"/>
+                      <a:round/>
+                      <a:headEnd type="none" w="med" len="med"/>
+                      <a:tailEnd type="none" w="med" len="med"/>
+                    </a:lnL>
+                    <a:lnR w="12700" cap="flat" cmpd="sng" algn="ctr">
+                      <a:solidFill>
+                        <a:schemeClr val="tx1"/>
+                      </a:solidFill>
+                      <a:prstDash val="solid"/>
+                      <a:round/>
+                      <a:headEnd type="none" w="med" len="med"/>
+                      <a:tailEnd type="none" w="med" len="med"/>
+                    </a:lnR>
+                    <a:lnT w="12700" cap="flat" cmpd="sng" algn="ctr">
+                      <a:solidFill>
+                        <a:schemeClr val="tx1"/>
+                      </a:solidFill>
+                      <a:prstDash val="solid"/>
+                      <a:round/>
+                      <a:headEnd type="none" w="med" len="med"/>
+                      <a:tailEnd type="none" w="med" len="med"/>
+                    </a:lnT>
+                    <a:lnB w="12700" cap="flat" cmpd="sng" algn="ctr">
+                      <a:solidFill>
+                        <a:schemeClr val="tx1"/>
+                      </a:solidFill>
+                      <a:prstDash val="solid"/>
+                      <a:round/>
+                      <a:headEnd type="none" w="med" len="med"/>
+                      <a:tailEnd type="none" w="med" len="med"/>
+                    </a:lnB>
+                    <a:solidFill>
+                      <a:schemeClr val="bg1"/>
+                    </a:solidFill>
+                  </a:tcPr>
+                </a:tc>
+                <a:tc>
+                  <a:txBody>
+                    <a:bodyPr/>
+                    <a:lstStyle/>
+                    <a:p>
+                      <a:pPr algn="ctr"/>
+                      <a:r>
+                        <a:rPr lang="it-IT" sz="1600" dirty="0" smtClean="0">
+                          <a:solidFill>
+                            <a:schemeClr val="tx1"/>
+                          </a:solidFill>
+                        </a:rPr>
+                        <a:t>5</a:t>
+                      </a:r>
+                      <a:endParaRPr lang="it-IT" sz="1600" dirty="0">
+                        <a:solidFill>
+                          <a:schemeClr val="tx1"/>
+                        </a:solidFill>
+                      </a:endParaRPr>
+                    </a:p>
+                  </a:txBody>
+                  <a:tcPr marL="80792" marR="80792" marT="40396" marB="40396">
+                    <a:lnL w="12700" cap="flat" cmpd="sng" algn="ctr">
+                      <a:solidFill>
+                        <a:schemeClr val="tx1"/>
+                      </a:solidFill>
+                      <a:prstDash val="solid"/>
+                      <a:round/>
+                      <a:headEnd type="none" w="med" len="med"/>
+                      <a:tailEnd type="none" w="med" len="med"/>
+                    </a:lnL>
+                    <a:lnR w="12700" cap="flat" cmpd="sng" algn="ctr">
+                      <a:solidFill>
+                        <a:schemeClr val="tx1"/>
+                      </a:solidFill>
+                      <a:prstDash val="solid"/>
+                      <a:round/>
+                      <a:headEnd type="none" w="med" len="med"/>
+                      <a:tailEnd type="none" w="med" len="med"/>
+                    </a:lnR>
+                    <a:lnT w="12700" cap="flat" cmpd="sng" algn="ctr">
+                      <a:solidFill>
+                        <a:schemeClr val="tx1"/>
+                      </a:solidFill>
+                      <a:prstDash val="solid"/>
+                      <a:round/>
+                      <a:headEnd type="none" w="med" len="med"/>
+                      <a:tailEnd type="none" w="med" len="med"/>
+                    </a:lnT>
+                    <a:lnB w="12700" cap="flat" cmpd="sng" algn="ctr">
+                      <a:solidFill>
+                        <a:schemeClr val="tx1"/>
+                      </a:solidFill>
+                      <a:prstDash val="solid"/>
+                      <a:round/>
+                      <a:headEnd type="none" w="med" len="med"/>
+                      <a:tailEnd type="none" w="med" len="med"/>
+                    </a:lnB>
+                    <a:solidFill>
+                      <a:schemeClr val="bg1"/>
+                    </a:solidFill>
+                  </a:tcPr>
+                </a:tc>
+                <a:tc>
+                  <a:txBody>
+                    <a:bodyPr/>
+                    <a:lstStyle/>
+                    <a:p>
+                      <a:pPr algn="ctr"/>
+                      <a:r>
+                        <a:rPr lang="it-IT" sz="1600" dirty="0">
+                          <a:solidFill>
+                            <a:schemeClr val="tx1"/>
+                          </a:solidFill>
+                        </a:rPr>
+                        <a:t>6</a:t>
+                      </a:r>
+                    </a:p>
+                  </a:txBody>
+                  <a:tcPr marL="80792" marR="80792" marT="40396" marB="40396">
+                    <a:lnL w="12700" cap="flat" cmpd="sng" algn="ctr">
+                      <a:solidFill>
+                        <a:schemeClr val="tx1"/>
+                      </a:solidFill>
+                      <a:prstDash val="solid"/>
+                      <a:round/>
+                      <a:headEnd type="none" w="med" len="med"/>
+                      <a:tailEnd type="none" w="med" len="med"/>
+                    </a:lnL>
+                    <a:lnR w="12700" cap="flat" cmpd="sng" algn="ctr">
+                      <a:solidFill>
+                        <a:schemeClr val="tx1"/>
+                      </a:solidFill>
+                      <a:prstDash val="solid"/>
+                      <a:round/>
+                      <a:headEnd type="none" w="med" len="med"/>
+                      <a:tailEnd type="none" w="med" len="med"/>
+                    </a:lnR>
+                    <a:lnT w="12700" cap="flat" cmpd="sng" algn="ctr">
+                      <a:solidFill>
+                        <a:schemeClr val="tx1"/>
+                      </a:solidFill>
+                      <a:prstDash val="solid"/>
+                      <a:round/>
+                      <a:headEnd type="none" w="med" len="med"/>
+                      <a:tailEnd type="none" w="med" len="med"/>
+                    </a:lnT>
+                    <a:lnB w="12700" cap="flat" cmpd="sng" algn="ctr">
+                      <a:solidFill>
+                        <a:schemeClr val="tx1"/>
+                      </a:solidFill>
+                      <a:prstDash val="solid"/>
+                      <a:round/>
+                      <a:headEnd type="none" w="med" len="med"/>
+                      <a:tailEnd type="none" w="med" len="med"/>
+                    </a:lnB>
+                    <a:solidFill>
+                      <a:schemeClr val="bg1"/>
+                    </a:solidFill>
+                  </a:tcPr>
+                </a:tc>
+                <a:extLst>
+                  <a:ext uri="{0D108BD9-81ED-4DB2-BD59-A6C34878D82A}">
+                    <a16:rowId xmlns:a16="http://schemas.microsoft.com/office/drawing/2014/main" val="4069182149"/>
+                  </a:ext>
+                </a:extLst>
+              </a:tr>
+            </a:tbl>
+          </a:graphicData>
+        </a:graphic>
+      </p:graphicFrame>
+      <p:graphicFrame>
+        <p:nvGraphicFramePr>
+          <p:cNvPr id="11" name="Tabella 2">
+            <a:extLst>
+              <a:ext uri="{FF2B5EF4-FFF2-40B4-BE49-F238E27FC236}">
+                <a16:creationId xmlns:a16="http://schemas.microsoft.com/office/drawing/2014/main" id="{ABE8FCC2-9701-4CFD-A72E-1BA021145684}"/>
+              </a:ext>
+            </a:extLst>
+          </p:cNvPr>
+          <p:cNvGraphicFramePr>
+            <a:graphicFrameLocks noGrp="1"/>
+          </p:cNvGraphicFramePr>
+          <p:nvPr>
+            <p:extLst>
+              <p:ext uri="{D42A27DB-BD31-4B8C-83A1-F6EECF244321}">
+                <p14:modId xmlns:p14="http://schemas.microsoft.com/office/powerpoint/2010/main" val="1992788185"/>
+              </p:ext>
+            </p:extLst>
+          </p:nvPr>
+        </p:nvGraphicFramePr>
+        <p:xfrm>
+          <a:off x="1665200" y="3555361"/>
+          <a:ext cx="2005980" cy="327657"/>
+        </p:xfrm>
+        <a:graphic>
+          <a:graphicData uri="http://schemas.openxmlformats.org/drawingml/2006/table">
+            <a:tbl>
+              <a:tblPr firstRow="1" bandRow="1">
+                <a:tableStyleId>{5C22544A-7EE6-4342-B048-85BDC9FD1C3A}</a:tableStyleId>
+              </a:tblPr>
+              <a:tblGrid>
+                <a:gridCol w="334330">
+                  <a:extLst>
+                    <a:ext uri="{9D8B030D-6E8A-4147-A177-3AD203B41FA5}">
+                      <a16:colId xmlns:a16="http://schemas.microsoft.com/office/drawing/2014/main" val="2411167900"/>
+                    </a:ext>
+                  </a:extLst>
+                </a:gridCol>
+                <a:gridCol w="334330">
+                  <a:extLst>
+                    <a:ext uri="{9D8B030D-6E8A-4147-A177-3AD203B41FA5}">
+                      <a16:colId xmlns:a16="http://schemas.microsoft.com/office/drawing/2014/main" val="831540765"/>
+                    </a:ext>
+                  </a:extLst>
+                </a:gridCol>
+                <a:gridCol w="334330">
+                  <a:extLst>
+                    <a:ext uri="{9D8B030D-6E8A-4147-A177-3AD203B41FA5}">
+                      <a16:colId xmlns:a16="http://schemas.microsoft.com/office/drawing/2014/main" val="649092517"/>
+                    </a:ext>
+                  </a:extLst>
+                </a:gridCol>
+                <a:gridCol w="334330">
+                  <a:extLst>
+                    <a:ext uri="{9D8B030D-6E8A-4147-A177-3AD203B41FA5}">
+                      <a16:colId xmlns:a16="http://schemas.microsoft.com/office/drawing/2014/main" val="3305632144"/>
+                    </a:ext>
+                  </a:extLst>
+                </a:gridCol>
+                <a:gridCol w="334330">
+                  <a:extLst>
+                    <a:ext uri="{9D8B030D-6E8A-4147-A177-3AD203B41FA5}">
+                      <a16:colId xmlns:a16="http://schemas.microsoft.com/office/drawing/2014/main" val="684211681"/>
+                    </a:ext>
+                  </a:extLst>
+                </a:gridCol>
+                <a:gridCol w="334330">
+                  <a:extLst>
+                    <a:ext uri="{9D8B030D-6E8A-4147-A177-3AD203B41FA5}">
+                      <a16:colId xmlns:a16="http://schemas.microsoft.com/office/drawing/2014/main" val="1758649648"/>
+                    </a:ext>
+                  </a:extLst>
+                </a:gridCol>
+              </a:tblGrid>
+              <a:tr h="327657">
+                <a:tc>
+                  <a:txBody>
+                    <a:bodyPr/>
+                    <a:lstStyle/>
+                    <a:p>
+                      <a:pPr algn="ctr"/>
+                      <a:r>
+                        <a:rPr lang="it-IT" sz="1600" dirty="0">
+                          <a:solidFill>
+                            <a:schemeClr val="tx1"/>
+                          </a:solidFill>
+                        </a:rPr>
+                        <a:t>3</a:t>
+                      </a:r>
+                      <a:endParaRPr lang="it-IT" sz="1600" dirty="0">
+                        <a:solidFill>
+                          <a:schemeClr val="tx1"/>
+                        </a:solidFill>
+                      </a:endParaRPr>
+                    </a:p>
+                  </a:txBody>
+                  <a:tcPr marL="80792" marR="80792" marT="40396" marB="40396">
+                    <a:lnL w="12700" cap="flat" cmpd="sng" algn="ctr">
+                      <a:solidFill>
+                        <a:schemeClr val="tx1"/>
+                      </a:solidFill>
+                      <a:prstDash val="solid"/>
+                      <a:round/>
+                      <a:headEnd type="none" w="med" len="med"/>
+                      <a:tailEnd type="none" w="med" len="med"/>
+                    </a:lnL>
+                    <a:lnR w="12700" cap="flat" cmpd="sng" algn="ctr">
+                      <a:solidFill>
+                        <a:schemeClr val="tx1"/>
+                      </a:solidFill>
+                      <a:prstDash val="solid"/>
+                      <a:round/>
+                      <a:headEnd type="none" w="med" len="med"/>
+                      <a:tailEnd type="none" w="med" len="med"/>
+                    </a:lnR>
+                    <a:lnT w="12700" cap="flat" cmpd="sng" algn="ctr">
+                      <a:solidFill>
+                        <a:schemeClr val="tx1"/>
+                      </a:solidFill>
+                      <a:prstDash val="solid"/>
+                      <a:round/>
+                      <a:headEnd type="none" w="med" len="med"/>
+                      <a:tailEnd type="none" w="med" len="med"/>
+                    </a:lnT>
+                    <a:lnB w="12700" cap="flat" cmpd="sng" algn="ctr">
+                      <a:solidFill>
+                        <a:schemeClr val="tx1"/>
+                      </a:solidFill>
+                      <a:prstDash val="solid"/>
+                      <a:round/>
+                      <a:headEnd type="none" w="med" len="med"/>
+                      <a:tailEnd type="none" w="med" len="med"/>
+                    </a:lnB>
+                    <a:solidFill>
+                      <a:schemeClr val="bg1"/>
+                    </a:solidFill>
+                  </a:tcPr>
+                </a:tc>
+                <a:tc>
+                  <a:txBody>
+                    <a:bodyPr/>
+                    <a:lstStyle/>
+                    <a:p>
+                      <a:pPr algn="ctr"/>
+                      <a:r>
+                        <a:rPr lang="it-IT" sz="1600" dirty="0" smtClean="0">
+                          <a:solidFill>
+                            <a:schemeClr val="tx1"/>
+                          </a:solidFill>
+                        </a:rPr>
+                        <a:t>5</a:t>
+                      </a:r>
+                      <a:endParaRPr lang="it-IT" sz="1600" dirty="0">
+                        <a:solidFill>
+                          <a:schemeClr val="tx1"/>
+                        </a:solidFill>
+                      </a:endParaRPr>
+                    </a:p>
+                  </a:txBody>
+                  <a:tcPr marL="80792" marR="80792" marT="40396" marB="40396">
+                    <a:lnL w="12700" cap="flat" cmpd="sng" algn="ctr">
+                      <a:solidFill>
+                        <a:schemeClr val="tx1"/>
+                      </a:solidFill>
+                      <a:prstDash val="solid"/>
+                      <a:round/>
+                      <a:headEnd type="none" w="med" len="med"/>
+                      <a:tailEnd type="none" w="med" len="med"/>
+                    </a:lnL>
+                    <a:lnR w="12700" cap="flat" cmpd="sng" algn="ctr">
+                      <a:solidFill>
+                        <a:schemeClr val="tx1"/>
+                      </a:solidFill>
+                      <a:prstDash val="solid"/>
+                      <a:round/>
+                      <a:headEnd type="none" w="med" len="med"/>
+                      <a:tailEnd type="none" w="med" len="med"/>
+                    </a:lnR>
+                    <a:lnT w="12700" cap="flat" cmpd="sng" algn="ctr">
+                      <a:solidFill>
+                        <a:schemeClr val="tx1"/>
+                      </a:solidFill>
+                      <a:prstDash val="solid"/>
+                      <a:round/>
+                      <a:headEnd type="none" w="med" len="med"/>
+                      <a:tailEnd type="none" w="med" len="med"/>
+                    </a:lnT>
+                    <a:lnB w="12700" cap="flat" cmpd="sng" algn="ctr">
+                      <a:solidFill>
+                        <a:schemeClr val="tx1"/>
+                      </a:solidFill>
+                      <a:prstDash val="solid"/>
+                      <a:round/>
+                      <a:headEnd type="none" w="med" len="med"/>
+                      <a:tailEnd type="none" w="med" len="med"/>
+                    </a:lnB>
+                    <a:solidFill>
+                      <a:srgbClr val="00B050"/>
+                    </a:solidFill>
+                  </a:tcPr>
+                </a:tc>
+                <a:tc>
+                  <a:txBody>
+                    <a:bodyPr/>
+                    <a:lstStyle/>
+                    <a:p>
+                      <a:pPr algn="ctr"/>
+                      <a:r>
+                        <a:rPr lang="it-IT" sz="1600" dirty="0" smtClean="0">
+                          <a:solidFill>
+                            <a:schemeClr val="tx1"/>
+                          </a:solidFill>
+                        </a:rPr>
+                        <a:t>6</a:t>
+                      </a:r>
+                      <a:endParaRPr lang="it-IT" sz="1600" dirty="0">
+                        <a:solidFill>
+                          <a:schemeClr val="tx1"/>
+                        </a:solidFill>
+                      </a:endParaRPr>
+                    </a:p>
+                  </a:txBody>
+                  <a:tcPr marL="80792" marR="80792" marT="40396" marB="40396">
+                    <a:lnL w="12700" cap="flat" cmpd="sng" algn="ctr">
+                      <a:solidFill>
+                        <a:schemeClr val="tx1"/>
+                      </a:solidFill>
+                      <a:prstDash val="solid"/>
+                      <a:round/>
+                      <a:headEnd type="none" w="med" len="med"/>
+                      <a:tailEnd type="none" w="med" len="med"/>
+                    </a:lnL>
+                    <a:lnR w="12700" cap="flat" cmpd="sng" algn="ctr">
+                      <a:solidFill>
+                        <a:schemeClr val="tx1"/>
+                      </a:solidFill>
+                      <a:prstDash val="solid"/>
+                      <a:round/>
+                      <a:headEnd type="none" w="med" len="med"/>
+                      <a:tailEnd type="none" w="med" len="med"/>
+                    </a:lnR>
+                    <a:lnT w="12700" cap="flat" cmpd="sng" algn="ctr">
+                      <a:solidFill>
+                        <a:schemeClr val="tx1"/>
+                      </a:solidFill>
+                      <a:prstDash val="solid"/>
+                      <a:round/>
+                      <a:headEnd type="none" w="med" len="med"/>
+                      <a:tailEnd type="none" w="med" len="med"/>
+                    </a:lnT>
+                    <a:lnB w="12700" cap="flat" cmpd="sng" algn="ctr">
+                      <a:solidFill>
+                        <a:schemeClr val="tx1"/>
+                      </a:solidFill>
+                      <a:prstDash val="solid"/>
+                      <a:round/>
+                      <a:headEnd type="none" w="med" len="med"/>
+                      <a:tailEnd type="none" w="med" len="med"/>
+                    </a:lnB>
+                    <a:solidFill>
+                      <a:srgbClr val="00B050"/>
+                    </a:solidFill>
+                  </a:tcPr>
+                </a:tc>
+                <a:tc>
+                  <a:txBody>
+                    <a:bodyPr/>
+                    <a:lstStyle/>
+                    <a:p>
+                      <a:pPr algn="ctr"/>
+                      <a:r>
+                        <a:rPr lang="it-IT" sz="1600" dirty="0" smtClean="0">
+                          <a:solidFill>
+                            <a:schemeClr val="tx1"/>
+                          </a:solidFill>
+                        </a:rPr>
+                        <a:t>1</a:t>
+                      </a:r>
+                      <a:endParaRPr lang="it-IT" sz="1600" dirty="0">
+                        <a:solidFill>
+                          <a:schemeClr val="tx1"/>
+                        </a:solidFill>
+                      </a:endParaRPr>
+                    </a:p>
+                  </a:txBody>
+                  <a:tcPr marL="80792" marR="80792" marT="40396" marB="40396">
+                    <a:lnL w="12700" cap="flat" cmpd="sng" algn="ctr">
+                      <a:solidFill>
+                        <a:schemeClr val="tx1"/>
+                      </a:solidFill>
+                      <a:prstDash val="solid"/>
+                      <a:round/>
+                      <a:headEnd type="none" w="med" len="med"/>
+                      <a:tailEnd type="none" w="med" len="med"/>
+                    </a:lnL>
+                    <a:lnR w="12700" cap="flat" cmpd="sng" algn="ctr">
+                      <a:solidFill>
+                        <a:schemeClr val="tx1"/>
+                      </a:solidFill>
+                      <a:prstDash val="solid"/>
+                      <a:round/>
+                      <a:headEnd type="none" w="med" len="med"/>
+                      <a:tailEnd type="none" w="med" len="med"/>
+                    </a:lnR>
+                    <a:lnT w="12700" cap="flat" cmpd="sng" algn="ctr">
+                      <a:solidFill>
+                        <a:schemeClr val="tx1"/>
+                      </a:solidFill>
+                      <a:prstDash val="solid"/>
+                      <a:round/>
+                      <a:headEnd type="none" w="med" len="med"/>
+                      <a:tailEnd type="none" w="med" len="med"/>
+                    </a:lnT>
+                    <a:lnB w="12700" cap="flat" cmpd="sng" algn="ctr">
+                      <a:solidFill>
+                        <a:schemeClr val="tx1"/>
+                      </a:solidFill>
+                      <a:prstDash val="solid"/>
+                      <a:round/>
+                      <a:headEnd type="none" w="med" len="med"/>
+                      <a:tailEnd type="none" w="med" len="med"/>
+                    </a:lnB>
+                    <a:solidFill>
+                      <a:schemeClr val="bg1"/>
+                    </a:solidFill>
+                  </a:tcPr>
+                </a:tc>
+                <a:tc>
+                  <a:txBody>
+                    <a:bodyPr/>
+                    <a:lstStyle/>
+                    <a:p>
+                      <a:pPr algn="ctr"/>
+                      <a:r>
+                        <a:rPr lang="it-IT" sz="1600" dirty="0" smtClean="0">
+                          <a:solidFill>
+                            <a:schemeClr val="tx1"/>
+                          </a:solidFill>
+                        </a:rPr>
+                        <a:t>2</a:t>
+                      </a:r>
+                      <a:endParaRPr lang="it-IT" sz="1600" dirty="0">
+                        <a:solidFill>
+                          <a:schemeClr val="tx1"/>
+                        </a:solidFill>
+                      </a:endParaRPr>
+                    </a:p>
+                  </a:txBody>
+                  <a:tcPr marL="80792" marR="80792" marT="40396" marB="40396">
+                    <a:lnL w="12700" cap="flat" cmpd="sng" algn="ctr">
+                      <a:solidFill>
+                        <a:schemeClr val="tx1"/>
+                      </a:solidFill>
+                      <a:prstDash val="solid"/>
+                      <a:round/>
+                      <a:headEnd type="none" w="med" len="med"/>
+                      <a:tailEnd type="none" w="med" len="med"/>
+                    </a:lnL>
+                    <a:lnR w="12700" cap="flat" cmpd="sng" algn="ctr">
+                      <a:solidFill>
+                        <a:schemeClr val="tx1"/>
+                      </a:solidFill>
+                      <a:prstDash val="solid"/>
+                      <a:round/>
+                      <a:headEnd type="none" w="med" len="med"/>
+                      <a:tailEnd type="none" w="med" len="med"/>
+                    </a:lnR>
+                    <a:lnT w="12700" cap="flat" cmpd="sng" algn="ctr">
+                      <a:solidFill>
+                        <a:schemeClr val="tx1"/>
+                      </a:solidFill>
+                      <a:prstDash val="solid"/>
+                      <a:round/>
+                      <a:headEnd type="none" w="med" len="med"/>
+                      <a:tailEnd type="none" w="med" len="med"/>
+                    </a:lnT>
+                    <a:lnB w="12700" cap="flat" cmpd="sng" algn="ctr">
+                      <a:solidFill>
+                        <a:schemeClr val="tx1"/>
+                      </a:solidFill>
+                      <a:prstDash val="solid"/>
+                      <a:round/>
+                      <a:headEnd type="none" w="med" len="med"/>
+                      <a:tailEnd type="none" w="med" len="med"/>
+                    </a:lnB>
+                    <a:solidFill>
+                      <a:schemeClr val="bg1"/>
+                    </a:solidFill>
+                  </a:tcPr>
+                </a:tc>
+                <a:tc>
+                  <a:txBody>
+                    <a:bodyPr/>
+                    <a:lstStyle/>
+                    <a:p>
+                      <a:pPr algn="ctr"/>
+                      <a:r>
+                        <a:rPr lang="it-IT" sz="1600" dirty="0" smtClean="0">
+                          <a:solidFill>
+                            <a:schemeClr val="tx1"/>
+                          </a:solidFill>
+                        </a:rPr>
+                        <a:t>4</a:t>
+                      </a:r>
+                      <a:endParaRPr lang="it-IT" sz="1600" dirty="0">
+                        <a:solidFill>
+                          <a:schemeClr val="tx1"/>
+                        </a:solidFill>
+                      </a:endParaRPr>
+                    </a:p>
+                  </a:txBody>
+                  <a:tcPr marL="80792" marR="80792" marT="40396" marB="40396">
+                    <a:lnL w="12700" cap="flat" cmpd="sng" algn="ctr">
+                      <a:solidFill>
+                        <a:schemeClr val="tx1"/>
+                      </a:solidFill>
+                      <a:prstDash val="solid"/>
+                      <a:round/>
+                      <a:headEnd type="none" w="med" len="med"/>
+                      <a:tailEnd type="none" w="med" len="med"/>
+                    </a:lnL>
+                    <a:lnR w="12700" cap="flat" cmpd="sng" algn="ctr">
+                      <a:solidFill>
+                        <a:schemeClr val="tx1"/>
+                      </a:solidFill>
+                      <a:prstDash val="solid"/>
+                      <a:round/>
+                      <a:headEnd type="none" w="med" len="med"/>
+                      <a:tailEnd type="none" w="med" len="med"/>
+                    </a:lnR>
+                    <a:lnT w="12700" cap="flat" cmpd="sng" algn="ctr">
+                      <a:solidFill>
+                        <a:schemeClr val="tx1"/>
+                      </a:solidFill>
+                      <a:prstDash val="solid"/>
+                      <a:round/>
+                      <a:headEnd type="none" w="med" len="med"/>
+                      <a:tailEnd type="none" w="med" len="med"/>
+                    </a:lnT>
+                    <a:lnB w="12700" cap="flat" cmpd="sng" algn="ctr">
+                      <a:solidFill>
+                        <a:schemeClr val="tx1"/>
+                      </a:solidFill>
+                      <a:prstDash val="solid"/>
+                      <a:round/>
+                      <a:headEnd type="none" w="med" len="med"/>
+                      <a:tailEnd type="none" w="med" len="med"/>
+                    </a:lnB>
+                    <a:solidFill>
+                      <a:schemeClr val="bg1"/>
+                    </a:solidFill>
+                  </a:tcPr>
+                </a:tc>
+                <a:extLst>
+                  <a:ext uri="{0D108BD9-81ED-4DB2-BD59-A6C34878D82A}">
+                    <a16:rowId xmlns:a16="http://schemas.microsoft.com/office/drawing/2014/main" val="4069182149"/>
+                  </a:ext>
+                </a:extLst>
+              </a:tr>
+            </a:tbl>
+          </a:graphicData>
+        </a:graphic>
+      </p:graphicFrame>
+      <p:sp>
+        <p:nvSpPr>
+          <p:cNvPr id="14" name="CasellaDiTesto 13"/>
+          <p:cNvSpPr txBox="1"/>
+          <p:nvPr/>
+        </p:nvSpPr>
+        <p:spPr>
+          <a:xfrm>
+            <a:off x="750013" y="3110704"/>
+            <a:ext cx="834459" cy="338554"/>
+          </a:xfrm>
+          <a:prstGeom prst="rect">
+            <a:avLst/>
+          </a:prstGeom>
+          <a:noFill/>
+        </p:spPr>
+        <p:txBody>
+          <a:bodyPr wrap="none" rtlCol="0">
+            <a:spAutoFit/>
+          </a:bodyPr>
+          <a:lstStyle/>
+          <a:p>
+            <a:r>
+              <a:rPr lang="it-IT" sz="1600" dirty="0" smtClean="0"/>
+              <a:t>Parent1</a:t>
+            </a:r>
+            <a:endParaRPr lang="it-IT" sz="1600" dirty="0"/>
+          </a:p>
+        </p:txBody>
+      </p:sp>
+      <p:sp>
+        <p:nvSpPr>
+          <p:cNvPr id="15" name="CasellaDiTesto 14"/>
+          <p:cNvSpPr txBox="1"/>
+          <p:nvPr/>
+        </p:nvSpPr>
+        <p:spPr>
+          <a:xfrm>
+            <a:off x="765407" y="3539532"/>
+            <a:ext cx="834459" cy="338554"/>
+          </a:xfrm>
+          <a:prstGeom prst="rect">
+            <a:avLst/>
+          </a:prstGeom>
+          <a:noFill/>
+        </p:spPr>
+        <p:txBody>
+          <a:bodyPr wrap="none" rtlCol="0">
+            <a:spAutoFit/>
+          </a:bodyPr>
+          <a:lstStyle/>
+          <a:p>
+            <a:r>
+              <a:rPr lang="it-IT" sz="1600" dirty="0" smtClean="0"/>
+              <a:t>Parent2</a:t>
+            </a:r>
+            <a:endParaRPr lang="it-IT" sz="1600" dirty="0"/>
+          </a:p>
+        </p:txBody>
+      </p:sp>
+      <p:graphicFrame>
+        <p:nvGraphicFramePr>
+          <p:cNvPr id="18" name="Tabella 2">
+            <a:extLst>
+              <a:ext uri="{FF2B5EF4-FFF2-40B4-BE49-F238E27FC236}">
+                <a16:creationId xmlns:a16="http://schemas.microsoft.com/office/drawing/2014/main" id="{ABE8FCC2-9701-4CFD-A72E-1BA021145684}"/>
+              </a:ext>
+            </a:extLst>
+          </p:cNvPr>
+          <p:cNvGraphicFramePr>
+            <a:graphicFrameLocks noGrp="1"/>
+          </p:cNvGraphicFramePr>
+          <p:nvPr>
+            <p:extLst>
+              <p:ext uri="{D42A27DB-BD31-4B8C-83A1-F6EECF244321}">
+                <p14:modId xmlns:p14="http://schemas.microsoft.com/office/powerpoint/2010/main" val="478870444"/>
+              </p:ext>
+            </p:extLst>
+          </p:nvPr>
+        </p:nvGraphicFramePr>
+        <p:xfrm>
+          <a:off x="558820" y="4842438"/>
+          <a:ext cx="2005980" cy="327657"/>
+        </p:xfrm>
+        <a:graphic>
+          <a:graphicData uri="http://schemas.openxmlformats.org/drawingml/2006/table">
+            <a:tbl>
+              <a:tblPr firstRow="1" bandRow="1">
+                <a:tableStyleId>{5C22544A-7EE6-4342-B048-85BDC9FD1C3A}</a:tableStyleId>
+              </a:tblPr>
+              <a:tblGrid>
+                <a:gridCol w="334330">
+                  <a:extLst>
+                    <a:ext uri="{9D8B030D-6E8A-4147-A177-3AD203B41FA5}">
+                      <a16:colId xmlns:a16="http://schemas.microsoft.com/office/drawing/2014/main" val="2411167900"/>
+                    </a:ext>
+                  </a:extLst>
+                </a:gridCol>
+                <a:gridCol w="334330">
+                  <a:extLst>
+                    <a:ext uri="{9D8B030D-6E8A-4147-A177-3AD203B41FA5}">
+                      <a16:colId xmlns:a16="http://schemas.microsoft.com/office/drawing/2014/main" val="831540765"/>
+                    </a:ext>
+                  </a:extLst>
+                </a:gridCol>
+                <a:gridCol w="334330">
+                  <a:extLst>
+                    <a:ext uri="{9D8B030D-6E8A-4147-A177-3AD203B41FA5}">
+                      <a16:colId xmlns:a16="http://schemas.microsoft.com/office/drawing/2014/main" val="649092517"/>
+                    </a:ext>
+                  </a:extLst>
+                </a:gridCol>
+                <a:gridCol w="334330">
+                  <a:extLst>
+                    <a:ext uri="{9D8B030D-6E8A-4147-A177-3AD203B41FA5}">
+                      <a16:colId xmlns:a16="http://schemas.microsoft.com/office/drawing/2014/main" val="3305632144"/>
+                    </a:ext>
+                  </a:extLst>
+                </a:gridCol>
+                <a:gridCol w="334330">
+                  <a:extLst>
+                    <a:ext uri="{9D8B030D-6E8A-4147-A177-3AD203B41FA5}">
+                      <a16:colId xmlns:a16="http://schemas.microsoft.com/office/drawing/2014/main" val="684211681"/>
+                    </a:ext>
+                  </a:extLst>
+                </a:gridCol>
+                <a:gridCol w="334330">
+                  <a:extLst>
+                    <a:ext uri="{9D8B030D-6E8A-4147-A177-3AD203B41FA5}">
+                      <a16:colId xmlns:a16="http://schemas.microsoft.com/office/drawing/2014/main" val="1758649648"/>
+                    </a:ext>
+                  </a:extLst>
+                </a:gridCol>
+              </a:tblGrid>
+              <a:tr h="327657">
+                <a:tc>
+                  <a:txBody>
+                    <a:bodyPr/>
+                    <a:lstStyle/>
+                    <a:p>
+                      <a:pPr algn="ctr"/>
+                      <a:r>
+                        <a:rPr lang="it-IT" sz="1600" dirty="0">
+                          <a:solidFill>
+                            <a:schemeClr val="tx1"/>
+                          </a:solidFill>
+                        </a:rPr>
+                        <a:t>3</a:t>
+                      </a:r>
+                      <a:endParaRPr lang="it-IT" sz="1600" dirty="0">
+                        <a:solidFill>
+                          <a:schemeClr val="tx1"/>
+                        </a:solidFill>
+                      </a:endParaRPr>
+                    </a:p>
+                  </a:txBody>
+                  <a:tcPr marL="80792" marR="80792" marT="40396" marB="40396">
+                    <a:lnL w="12700" cap="flat" cmpd="sng" algn="ctr">
+                      <a:solidFill>
+                        <a:schemeClr val="tx1"/>
+                      </a:solidFill>
+                      <a:prstDash val="solid"/>
+                      <a:round/>
+                      <a:headEnd type="none" w="med" len="med"/>
+                      <a:tailEnd type="none" w="med" len="med"/>
+                    </a:lnL>
+                    <a:lnR w="12700" cap="flat" cmpd="sng" algn="ctr">
+                      <a:solidFill>
+                        <a:schemeClr val="tx1"/>
+                      </a:solidFill>
+                      <a:prstDash val="solid"/>
+                      <a:round/>
+                      <a:headEnd type="none" w="med" len="med"/>
+                      <a:tailEnd type="none" w="med" len="med"/>
+                    </a:lnR>
+                    <a:lnT w="12700" cap="flat" cmpd="sng" algn="ctr">
+                      <a:solidFill>
+                        <a:schemeClr val="tx1"/>
+                      </a:solidFill>
+                      <a:prstDash val="solid"/>
+                      <a:round/>
+                      <a:headEnd type="none" w="med" len="med"/>
+                      <a:tailEnd type="none" w="med" len="med"/>
+                    </a:lnT>
+                    <a:lnB w="12700" cap="flat" cmpd="sng" algn="ctr">
+                      <a:solidFill>
+                        <a:schemeClr val="tx1"/>
+                      </a:solidFill>
+                      <a:prstDash val="solid"/>
+                      <a:round/>
+                      <a:headEnd type="none" w="med" len="med"/>
+                      <a:tailEnd type="none" w="med" len="med"/>
+                    </a:lnB>
+                    <a:solidFill>
+                      <a:schemeClr val="bg1"/>
+                    </a:solidFill>
+                  </a:tcPr>
+                </a:tc>
+                <a:tc>
+                  <a:txBody>
+                    <a:bodyPr/>
+                    <a:lstStyle/>
+                    <a:p>
+                      <a:pPr algn="ctr"/>
+                      <a:r>
+                        <a:rPr lang="it-IT" sz="1600" dirty="0" smtClean="0">
+                          <a:solidFill>
+                            <a:schemeClr val="tx1"/>
+                          </a:solidFill>
+                        </a:rPr>
+                        <a:t>5</a:t>
+                      </a:r>
+                      <a:endParaRPr lang="it-IT" sz="1600" dirty="0">
+                        <a:solidFill>
+                          <a:schemeClr val="tx1"/>
+                        </a:solidFill>
+                      </a:endParaRPr>
+                    </a:p>
+                  </a:txBody>
+                  <a:tcPr marL="80792" marR="80792" marT="40396" marB="40396">
+                    <a:lnL w="12700" cap="flat" cmpd="sng" algn="ctr">
+                      <a:solidFill>
+                        <a:schemeClr val="tx1"/>
+                      </a:solidFill>
+                      <a:prstDash val="solid"/>
+                      <a:round/>
+                      <a:headEnd type="none" w="med" len="med"/>
+                      <a:tailEnd type="none" w="med" len="med"/>
+                    </a:lnL>
+                    <a:lnR w="12700" cap="flat" cmpd="sng" algn="ctr">
+                      <a:solidFill>
+                        <a:schemeClr val="tx1"/>
+                      </a:solidFill>
+                      <a:prstDash val="solid"/>
+                      <a:round/>
+                      <a:headEnd type="none" w="med" len="med"/>
+                      <a:tailEnd type="none" w="med" len="med"/>
+                    </a:lnR>
+                    <a:lnT w="12700" cap="flat" cmpd="sng" algn="ctr">
+                      <a:solidFill>
+                        <a:schemeClr val="tx1"/>
+                      </a:solidFill>
+                      <a:prstDash val="solid"/>
+                      <a:round/>
+                      <a:headEnd type="none" w="med" len="med"/>
+                      <a:tailEnd type="none" w="med" len="med"/>
+                    </a:lnT>
+                    <a:lnB w="12700" cap="flat" cmpd="sng" algn="ctr">
+                      <a:solidFill>
+                        <a:schemeClr val="tx1"/>
+                      </a:solidFill>
+                      <a:prstDash val="solid"/>
+                      <a:round/>
+                      <a:headEnd type="none" w="med" len="med"/>
+                      <a:tailEnd type="none" w="med" len="med"/>
+                    </a:lnB>
+                    <a:solidFill>
+                      <a:schemeClr val="bg1"/>
+                    </a:solidFill>
+                  </a:tcPr>
+                </a:tc>
+                <a:tc>
+                  <a:txBody>
+                    <a:bodyPr/>
+                    <a:lstStyle/>
+                    <a:p>
+                      <a:pPr algn="ctr"/>
+                      <a:r>
+                        <a:rPr lang="it-IT" sz="1600" dirty="0" smtClean="0">
+                          <a:solidFill>
+                            <a:schemeClr val="tx1"/>
+                          </a:solidFill>
+                        </a:rPr>
+                        <a:t>6</a:t>
+                      </a:r>
+                      <a:endParaRPr lang="it-IT" sz="1600" dirty="0">
+                        <a:solidFill>
+                          <a:schemeClr val="tx1"/>
+                        </a:solidFill>
+                      </a:endParaRPr>
+                    </a:p>
+                  </a:txBody>
+                  <a:tcPr marL="80792" marR="80792" marT="40396" marB="40396">
+                    <a:lnL w="12700" cap="flat" cmpd="sng" algn="ctr">
+                      <a:solidFill>
+                        <a:schemeClr val="tx1"/>
+                      </a:solidFill>
+                      <a:prstDash val="solid"/>
+                      <a:round/>
+                      <a:headEnd type="none" w="med" len="med"/>
+                      <a:tailEnd type="none" w="med" len="med"/>
+                    </a:lnL>
+                    <a:lnR w="12700" cap="flat" cmpd="sng" algn="ctr">
+                      <a:solidFill>
+                        <a:schemeClr val="tx1"/>
+                      </a:solidFill>
+                      <a:prstDash val="solid"/>
+                      <a:round/>
+                      <a:headEnd type="none" w="med" len="med"/>
+                      <a:tailEnd type="none" w="med" len="med"/>
+                    </a:lnR>
+                    <a:lnT w="12700" cap="flat" cmpd="sng" algn="ctr">
+                      <a:solidFill>
+                        <a:schemeClr val="tx1"/>
+                      </a:solidFill>
+                      <a:prstDash val="solid"/>
+                      <a:round/>
+                      <a:headEnd type="none" w="med" len="med"/>
+                      <a:tailEnd type="none" w="med" len="med"/>
+                    </a:lnT>
+                    <a:lnB w="12700" cap="flat" cmpd="sng" algn="ctr">
+                      <a:solidFill>
+                        <a:schemeClr val="tx1"/>
+                      </a:solidFill>
+                      <a:prstDash val="solid"/>
+                      <a:round/>
+                      <a:headEnd type="none" w="med" len="med"/>
+                      <a:tailEnd type="none" w="med" len="med"/>
+                    </a:lnB>
+                    <a:solidFill>
+                      <a:schemeClr val="bg1"/>
+                    </a:solidFill>
+                  </a:tcPr>
+                </a:tc>
+                <a:tc>
+                  <a:txBody>
+                    <a:bodyPr/>
+                    <a:lstStyle/>
+                    <a:p>
+                      <a:pPr algn="ctr"/>
+                      <a:r>
+                        <a:rPr lang="it-IT" sz="1600" dirty="0" smtClean="0">
+                          <a:solidFill>
+                            <a:schemeClr val="tx1"/>
+                          </a:solidFill>
+                        </a:rPr>
+                        <a:t>1</a:t>
+                      </a:r>
+                      <a:endParaRPr lang="it-IT" sz="1600" dirty="0">
+                        <a:solidFill>
+                          <a:schemeClr val="tx1"/>
+                        </a:solidFill>
+                      </a:endParaRPr>
+                    </a:p>
+                  </a:txBody>
+                  <a:tcPr marL="80792" marR="80792" marT="40396" marB="40396">
+                    <a:lnL w="12700" cap="flat" cmpd="sng" algn="ctr">
+                      <a:solidFill>
+                        <a:schemeClr val="tx1"/>
+                      </a:solidFill>
+                      <a:prstDash val="solid"/>
+                      <a:round/>
+                      <a:headEnd type="none" w="med" len="med"/>
+                      <a:tailEnd type="none" w="med" len="med"/>
+                    </a:lnL>
+                    <a:lnR w="12700" cap="flat" cmpd="sng" algn="ctr">
+                      <a:solidFill>
+                        <a:schemeClr val="tx1"/>
+                      </a:solidFill>
+                      <a:prstDash val="solid"/>
+                      <a:round/>
+                      <a:headEnd type="none" w="med" len="med"/>
+                      <a:tailEnd type="none" w="med" len="med"/>
+                    </a:lnR>
+                    <a:lnT w="12700" cap="flat" cmpd="sng" algn="ctr">
+                      <a:solidFill>
+                        <a:schemeClr val="tx1"/>
+                      </a:solidFill>
+                      <a:prstDash val="solid"/>
+                      <a:round/>
+                      <a:headEnd type="none" w="med" len="med"/>
+                      <a:tailEnd type="none" w="med" len="med"/>
+                    </a:lnT>
+                    <a:lnB w="12700" cap="flat" cmpd="sng" algn="ctr">
+                      <a:solidFill>
+                        <a:schemeClr val="tx1"/>
+                      </a:solidFill>
+                      <a:prstDash val="solid"/>
+                      <a:round/>
+                      <a:headEnd type="none" w="med" len="med"/>
+                      <a:tailEnd type="none" w="med" len="med"/>
+                    </a:lnB>
+                    <a:solidFill>
+                      <a:schemeClr val="bg1"/>
+                    </a:solidFill>
+                  </a:tcPr>
+                </a:tc>
+                <a:tc>
+                  <a:txBody>
+                    <a:bodyPr/>
+                    <a:lstStyle/>
+                    <a:p>
+                      <a:pPr algn="ctr"/>
+                      <a:endParaRPr lang="it-IT" sz="1600" dirty="0">
+                        <a:solidFill>
+                          <a:schemeClr val="tx1"/>
+                        </a:solidFill>
+                      </a:endParaRPr>
+                    </a:p>
+                  </a:txBody>
+                  <a:tcPr marL="80792" marR="80792" marT="40396" marB="40396">
+                    <a:lnL w="12700" cap="flat" cmpd="sng" algn="ctr">
+                      <a:solidFill>
+                        <a:schemeClr val="tx1"/>
+                      </a:solidFill>
+                      <a:prstDash val="solid"/>
+                      <a:round/>
+                      <a:headEnd type="none" w="med" len="med"/>
+                      <a:tailEnd type="none" w="med" len="med"/>
+                    </a:lnL>
+                    <a:lnR w="12700" cap="flat" cmpd="sng" algn="ctr">
+                      <a:solidFill>
+                        <a:schemeClr val="tx1"/>
+                      </a:solidFill>
+                      <a:prstDash val="solid"/>
+                      <a:round/>
+                      <a:headEnd type="none" w="med" len="med"/>
+                      <a:tailEnd type="none" w="med" len="med"/>
+                    </a:lnR>
+                    <a:lnT w="12700" cap="flat" cmpd="sng" algn="ctr">
+                      <a:solidFill>
+                        <a:schemeClr val="tx1"/>
+                      </a:solidFill>
+                      <a:prstDash val="solid"/>
+                      <a:round/>
+                      <a:headEnd type="none" w="med" len="med"/>
+                      <a:tailEnd type="none" w="med" len="med"/>
+                    </a:lnT>
+                    <a:lnB w="12700" cap="flat" cmpd="sng" algn="ctr">
+                      <a:solidFill>
+                        <a:schemeClr val="tx1"/>
+                      </a:solidFill>
+                      <a:prstDash val="solid"/>
+                      <a:round/>
+                      <a:headEnd type="none" w="med" len="med"/>
+                      <a:tailEnd type="none" w="med" len="med"/>
+                    </a:lnB>
+                    <a:solidFill>
+                      <a:schemeClr val="bg1"/>
+                    </a:solidFill>
+                  </a:tcPr>
+                </a:tc>
+                <a:tc>
+                  <a:txBody>
+                    <a:bodyPr/>
+                    <a:lstStyle/>
+                    <a:p>
+                      <a:pPr algn="ctr"/>
+                      <a:r>
+                        <a:rPr lang="it-IT" sz="1600" dirty="0" smtClean="0">
+                          <a:solidFill>
+                            <a:schemeClr val="tx1"/>
+                          </a:solidFill>
+                        </a:rPr>
+                        <a:t>4</a:t>
+                      </a:r>
+                      <a:endParaRPr lang="it-IT" sz="1600" dirty="0">
+                        <a:solidFill>
+                          <a:schemeClr val="tx1"/>
+                        </a:solidFill>
+                      </a:endParaRPr>
+                    </a:p>
+                  </a:txBody>
+                  <a:tcPr marL="80792" marR="80792" marT="40396" marB="40396">
+                    <a:lnL w="12700" cap="flat" cmpd="sng" algn="ctr">
+                      <a:solidFill>
+                        <a:schemeClr val="tx1"/>
+                      </a:solidFill>
+                      <a:prstDash val="solid"/>
+                      <a:round/>
+                      <a:headEnd type="none" w="med" len="med"/>
+                      <a:tailEnd type="none" w="med" len="med"/>
+                    </a:lnL>
+                    <a:lnR w="12700" cap="flat" cmpd="sng" algn="ctr">
+                      <a:solidFill>
+                        <a:schemeClr val="tx1"/>
+                      </a:solidFill>
+                      <a:prstDash val="solid"/>
+                      <a:round/>
+                      <a:headEnd type="none" w="med" len="med"/>
+                      <a:tailEnd type="none" w="med" len="med"/>
+                    </a:lnR>
+                    <a:lnT w="12700" cap="flat" cmpd="sng" algn="ctr">
+                      <a:solidFill>
+                        <a:schemeClr val="tx1"/>
+                      </a:solidFill>
+                      <a:prstDash val="solid"/>
+                      <a:round/>
+                      <a:headEnd type="none" w="med" len="med"/>
+                      <a:tailEnd type="none" w="med" len="med"/>
+                    </a:lnT>
+                    <a:lnB w="12700" cap="flat" cmpd="sng" algn="ctr">
+                      <a:solidFill>
+                        <a:schemeClr val="tx1"/>
+                      </a:solidFill>
+                      <a:prstDash val="solid"/>
+                      <a:round/>
+                      <a:headEnd type="none" w="med" len="med"/>
+                      <a:tailEnd type="none" w="med" len="med"/>
+                    </a:lnB>
+                    <a:solidFill>
+                      <a:schemeClr val="bg1"/>
+                    </a:solidFill>
+                  </a:tcPr>
+                </a:tc>
+                <a:extLst>
+                  <a:ext uri="{0D108BD9-81ED-4DB2-BD59-A6C34878D82A}">
+                    <a16:rowId xmlns:a16="http://schemas.microsoft.com/office/drawing/2014/main" val="4069182149"/>
+                  </a:ext>
+                </a:extLst>
+              </a:tr>
+            </a:tbl>
+          </a:graphicData>
+        </a:graphic>
+      </p:graphicFrame>
+      <p:graphicFrame>
+        <p:nvGraphicFramePr>
+          <p:cNvPr id="19" name="Tabella 2">
+            <a:extLst>
+              <a:ext uri="{FF2B5EF4-FFF2-40B4-BE49-F238E27FC236}">
+                <a16:creationId xmlns:a16="http://schemas.microsoft.com/office/drawing/2014/main" id="{ABE8FCC2-9701-4CFD-A72E-1BA021145684}"/>
+              </a:ext>
+            </a:extLst>
+          </p:cNvPr>
+          <p:cNvGraphicFramePr>
+            <a:graphicFrameLocks noGrp="1"/>
+          </p:cNvGraphicFramePr>
+          <p:nvPr>
+            <p:extLst>
+              <p:ext uri="{D42A27DB-BD31-4B8C-83A1-F6EECF244321}">
+                <p14:modId xmlns:p14="http://schemas.microsoft.com/office/powerpoint/2010/main" val="1820187987"/>
+              </p:ext>
+            </p:extLst>
+          </p:nvPr>
+        </p:nvGraphicFramePr>
+        <p:xfrm>
+          <a:off x="907242" y="4053712"/>
+          <a:ext cx="334330" cy="327657"/>
+        </p:xfrm>
+        <a:graphic>
+          <a:graphicData uri="http://schemas.openxmlformats.org/drawingml/2006/table">
+            <a:tbl>
+              <a:tblPr firstRow="1" bandRow="1">
+                <a:tableStyleId>{5C22544A-7EE6-4342-B048-85BDC9FD1C3A}</a:tableStyleId>
+              </a:tblPr>
+              <a:tblGrid>
+                <a:gridCol w="334330">
+                  <a:extLst>
+                    <a:ext uri="{9D8B030D-6E8A-4147-A177-3AD203B41FA5}">
+                      <a16:colId xmlns:a16="http://schemas.microsoft.com/office/drawing/2014/main" val="2411167900"/>
+                    </a:ext>
+                  </a:extLst>
+                </a:gridCol>
+              </a:tblGrid>
+              <a:tr h="327657">
+                <a:tc>
+                  <a:txBody>
+                    <a:bodyPr/>
+                    <a:lstStyle/>
+                    <a:p>
+                      <a:pPr algn="ctr"/>
+                      <a:r>
+                        <a:rPr lang="it-IT" sz="1600" dirty="0" smtClean="0">
+                          <a:solidFill>
+                            <a:schemeClr val="tx1"/>
+                          </a:solidFill>
+                        </a:rPr>
+                        <a:t>2</a:t>
+                      </a:r>
+                      <a:endParaRPr lang="it-IT" sz="1600" dirty="0">
+                        <a:solidFill>
+                          <a:schemeClr val="tx1"/>
+                        </a:solidFill>
+                      </a:endParaRPr>
+                    </a:p>
+                  </a:txBody>
+                  <a:tcPr marL="80792" marR="80792" marT="40396" marB="40396">
+                    <a:lnL w="12700" cap="flat" cmpd="sng" algn="ctr">
+                      <a:solidFill>
+                        <a:schemeClr val="tx1"/>
+                      </a:solidFill>
+                      <a:prstDash val="solid"/>
+                      <a:round/>
+                      <a:headEnd type="none" w="med" len="med"/>
+                      <a:tailEnd type="none" w="med" len="med"/>
+                    </a:lnL>
+                    <a:lnR w="12700" cap="flat" cmpd="sng" algn="ctr">
+                      <a:solidFill>
+                        <a:schemeClr val="tx1"/>
+                      </a:solidFill>
+                      <a:prstDash val="solid"/>
+                      <a:round/>
+                      <a:headEnd type="none" w="med" len="med"/>
+                      <a:tailEnd type="none" w="med" len="med"/>
+                    </a:lnR>
+                    <a:lnT w="12700" cap="flat" cmpd="sng" algn="ctr">
+                      <a:solidFill>
+                        <a:schemeClr val="tx1"/>
+                      </a:solidFill>
+                      <a:prstDash val="solid"/>
+                      <a:round/>
+                      <a:headEnd type="none" w="med" len="med"/>
+                      <a:tailEnd type="none" w="med" len="med"/>
+                    </a:lnT>
+                    <a:lnB w="12700" cap="flat" cmpd="sng" algn="ctr">
+                      <a:solidFill>
+                        <a:schemeClr val="tx1"/>
+                      </a:solidFill>
+                      <a:prstDash val="solid"/>
+                      <a:round/>
+                      <a:headEnd type="none" w="med" len="med"/>
+                      <a:tailEnd type="none" w="med" len="med"/>
+                    </a:lnB>
+                    <a:solidFill>
+                      <a:srgbClr val="FFC000"/>
+                    </a:solidFill>
+                  </a:tcPr>
+                </a:tc>
+                <a:extLst>
+                  <a:ext uri="{0D108BD9-81ED-4DB2-BD59-A6C34878D82A}">
+                    <a16:rowId xmlns:a16="http://schemas.microsoft.com/office/drawing/2014/main" val="4069182149"/>
+                  </a:ext>
+                </a:extLst>
+              </a:tr>
+            </a:tbl>
+          </a:graphicData>
+        </a:graphic>
+      </p:graphicFrame>
+      <p:cxnSp>
+        <p:nvCxnSpPr>
+          <p:cNvPr id="8" name="Connettore 2 7"/>
+          <p:cNvCxnSpPr/>
+          <p:nvPr/>
+        </p:nvCxnSpPr>
+        <p:spPr>
+          <a:xfrm flipH="1">
+            <a:off x="729996" y="4381369"/>
+            <a:ext cx="344411" cy="461069"/>
+          </a:xfrm>
+          <a:prstGeom prst="straightConnector1">
+            <a:avLst/>
+          </a:prstGeom>
+          <a:ln>
+            <a:tailEnd type="triangle"/>
+          </a:ln>
+        </p:spPr>
+        <p:style>
+          <a:lnRef idx="1">
+            <a:schemeClr val="dk1"/>
+          </a:lnRef>
+          <a:fillRef idx="0">
+            <a:schemeClr val="dk1"/>
+          </a:fillRef>
+          <a:effectRef idx="0">
+            <a:schemeClr val="dk1"/>
+          </a:effectRef>
+          <a:fontRef idx="minor">
+            <a:schemeClr val="tx1"/>
+          </a:fontRef>
+        </p:style>
+      </p:cxnSp>
+      <p:cxnSp>
+        <p:nvCxnSpPr>
+          <p:cNvPr id="22" name="Connettore 2 21"/>
+          <p:cNvCxnSpPr>
+            <a:stCxn id="19" idx="2"/>
+          </p:cNvCxnSpPr>
+          <p:nvPr/>
+        </p:nvCxnSpPr>
+        <p:spPr>
+          <a:xfrm flipH="1">
+            <a:off x="1052803" y="4381369"/>
+            <a:ext cx="21604" cy="456137"/>
+          </a:xfrm>
+          <a:prstGeom prst="straightConnector1">
+            <a:avLst/>
+          </a:prstGeom>
+          <a:ln>
+            <a:tailEnd type="triangle"/>
+          </a:ln>
+        </p:spPr>
+        <p:style>
+          <a:lnRef idx="1">
+            <a:schemeClr val="dk1"/>
+          </a:lnRef>
+          <a:fillRef idx="0">
+            <a:schemeClr val="dk1"/>
+          </a:fillRef>
+          <a:effectRef idx="0">
+            <a:schemeClr val="dk1"/>
+          </a:effectRef>
+          <a:fontRef idx="minor">
+            <a:schemeClr val="tx1"/>
+          </a:fontRef>
+        </p:style>
+      </p:cxnSp>
+      <p:cxnSp>
+        <p:nvCxnSpPr>
+          <p:cNvPr id="25" name="Connettore 2 24"/>
+          <p:cNvCxnSpPr>
+            <a:stCxn id="19" idx="2"/>
+          </p:cNvCxnSpPr>
+          <p:nvPr/>
+        </p:nvCxnSpPr>
+        <p:spPr>
+          <a:xfrm>
+            <a:off x="1074407" y="4381369"/>
+            <a:ext cx="312726" cy="456137"/>
+          </a:xfrm>
+          <a:prstGeom prst="straightConnector1">
+            <a:avLst/>
+          </a:prstGeom>
+          <a:ln>
+            <a:tailEnd type="triangle"/>
+          </a:ln>
+        </p:spPr>
+        <p:style>
+          <a:lnRef idx="1">
+            <a:schemeClr val="dk1"/>
+          </a:lnRef>
+          <a:fillRef idx="0">
+            <a:schemeClr val="dk1"/>
+          </a:fillRef>
+          <a:effectRef idx="0">
+            <a:schemeClr val="dk1"/>
+          </a:effectRef>
+          <a:fontRef idx="minor">
+            <a:schemeClr val="tx1"/>
+          </a:fontRef>
+        </p:style>
+      </p:cxnSp>
+      <p:cxnSp>
+        <p:nvCxnSpPr>
+          <p:cNvPr id="28" name="Connettore 2 27"/>
+          <p:cNvCxnSpPr>
+            <a:stCxn id="19" idx="2"/>
+          </p:cNvCxnSpPr>
+          <p:nvPr/>
+        </p:nvCxnSpPr>
+        <p:spPr>
+          <a:xfrm>
+            <a:off x="1074407" y="4381369"/>
+            <a:ext cx="655707" cy="456137"/>
+          </a:xfrm>
+          <a:prstGeom prst="straightConnector1">
+            <a:avLst/>
+          </a:prstGeom>
+          <a:ln>
+            <a:tailEnd type="triangle"/>
+          </a:ln>
+        </p:spPr>
+        <p:style>
+          <a:lnRef idx="1">
+            <a:schemeClr val="dk1"/>
+          </a:lnRef>
+          <a:fillRef idx="0">
+            <a:schemeClr val="dk1"/>
+          </a:fillRef>
+          <a:effectRef idx="0">
+            <a:schemeClr val="dk1"/>
+          </a:effectRef>
+          <a:fontRef idx="minor">
+            <a:schemeClr val="tx1"/>
+          </a:fontRef>
+        </p:style>
+      </p:cxnSp>
+      <p:cxnSp>
+        <p:nvCxnSpPr>
+          <p:cNvPr id="34" name="Connettore 2 33"/>
+          <p:cNvCxnSpPr>
+            <a:stCxn id="19" idx="2"/>
+          </p:cNvCxnSpPr>
+          <p:nvPr/>
+        </p:nvCxnSpPr>
+        <p:spPr>
+          <a:xfrm>
+            <a:off x="1074407" y="4381369"/>
+            <a:ext cx="1250883" cy="456137"/>
+          </a:xfrm>
+          <a:prstGeom prst="straightConnector1">
+            <a:avLst/>
+          </a:prstGeom>
+          <a:ln>
+            <a:tailEnd type="triangle"/>
+          </a:ln>
+        </p:spPr>
+        <p:style>
+          <a:lnRef idx="1">
+            <a:schemeClr val="dk1"/>
+          </a:lnRef>
+          <a:fillRef idx="0">
+            <a:schemeClr val="dk1"/>
+          </a:fillRef>
+          <a:effectRef idx="0">
+            <a:schemeClr val="dk1"/>
+          </a:effectRef>
+          <a:fontRef idx="minor">
+            <a:schemeClr val="tx1"/>
+          </a:fontRef>
+        </p:style>
+      </p:cxnSp>
+      <p:sp>
+        <p:nvSpPr>
+          <p:cNvPr id="33" name="CasellaDiTesto 32"/>
+          <p:cNvSpPr txBox="1"/>
+          <p:nvPr/>
+        </p:nvSpPr>
+        <p:spPr>
+          <a:xfrm>
+            <a:off x="2296483" y="4154789"/>
+            <a:ext cx="3196131" cy="1815882"/>
+          </a:xfrm>
+          <a:prstGeom prst="rect">
+            <a:avLst/>
+          </a:prstGeom>
+          <a:noFill/>
+        </p:spPr>
+        <p:txBody>
+          <a:bodyPr wrap="none" rtlCol="0">
+            <a:spAutoFit/>
+          </a:bodyPr>
+          <a:lstStyle/>
+          <a:p>
+            <a:pPr algn="ctr"/>
+            <a:r>
+              <a:rPr lang="it-IT" sz="1400" dirty="0" smtClean="0"/>
+              <a:t>Si sceglie la posizione con </a:t>
+            </a:r>
+          </a:p>
+          <a:p>
+            <a:pPr algn="ctr"/>
+            <a:r>
+              <a:rPr lang="it-IT" sz="1400" dirty="0" smtClean="0"/>
+              <a:t>la distanza minima con il nodo </a:t>
+            </a:r>
+            <a:r>
+              <a:rPr lang="it-IT" sz="1400" i="1" dirty="0" smtClean="0"/>
+              <a:t>j </a:t>
+            </a:r>
+            <a:r>
+              <a:rPr lang="it-IT" sz="1400" dirty="0" smtClean="0"/>
+              <a:t>per ogni </a:t>
+            </a:r>
+            <a:r>
+              <a:rPr lang="it-IT" sz="1400" i="1" dirty="0" smtClean="0"/>
+              <a:t>j</a:t>
+            </a:r>
+          </a:p>
+          <a:p>
+            <a:pPr algn="ctr"/>
+            <a:r>
+              <a:rPr lang="it-IT" sz="1400" dirty="0" smtClean="0"/>
+              <a:t>(ad esempio 2 dopo il nodo 5) </a:t>
+            </a:r>
+          </a:p>
+          <a:p>
+            <a:pPr algn="ctr"/>
+            <a:r>
+              <a:rPr lang="it-IT" sz="1400" dirty="0"/>
+              <a:t>(ad esempio </a:t>
+            </a:r>
+            <a:r>
+              <a:rPr lang="it-IT" sz="1400" dirty="0" smtClean="0"/>
+              <a:t>3 </a:t>
+            </a:r>
+            <a:r>
+              <a:rPr lang="it-IT" sz="1400" dirty="0"/>
+              <a:t>dopo il nodo </a:t>
+            </a:r>
+            <a:r>
+              <a:rPr lang="it-IT" sz="1400" dirty="0" smtClean="0"/>
+              <a:t>6)</a:t>
+            </a:r>
+          </a:p>
+          <a:p>
+            <a:pPr algn="ctr"/>
+            <a:r>
+              <a:rPr lang="it-IT" sz="1400" dirty="0"/>
+              <a:t>(ad esempio </a:t>
+            </a:r>
+            <a:r>
+              <a:rPr lang="it-IT" sz="1400" dirty="0" smtClean="0"/>
+              <a:t>5 </a:t>
+            </a:r>
+            <a:r>
+              <a:rPr lang="it-IT" sz="1400" dirty="0"/>
+              <a:t>dopo il nodo </a:t>
+            </a:r>
+            <a:r>
+              <a:rPr lang="it-IT" sz="1400" dirty="0" smtClean="0"/>
+              <a:t>3)</a:t>
+            </a:r>
+          </a:p>
+          <a:p>
+            <a:pPr algn="ctr"/>
+            <a:r>
+              <a:rPr lang="it-IT" sz="1400" dirty="0"/>
+              <a:t>(ad esempio </a:t>
+            </a:r>
+            <a:r>
+              <a:rPr lang="it-IT" sz="1400" dirty="0" smtClean="0"/>
+              <a:t>6 </a:t>
+            </a:r>
+            <a:r>
+              <a:rPr lang="it-IT" sz="1400" dirty="0"/>
+              <a:t>dopo il nodo </a:t>
+            </a:r>
+            <a:r>
+              <a:rPr lang="it-IT" sz="1400" dirty="0" smtClean="0"/>
+              <a:t>1)</a:t>
+            </a:r>
+            <a:endParaRPr lang="it-IT" sz="1400" dirty="0"/>
+          </a:p>
+          <a:p>
+            <a:pPr algn="ctr"/>
+            <a:endParaRPr lang="it-IT" sz="1400" dirty="0"/>
+          </a:p>
+          <a:p>
+            <a:pPr algn="ctr"/>
+            <a:endParaRPr lang="it-IT" sz="1400" dirty="0"/>
+          </a:p>
+        </p:txBody>
+      </p:sp>
+      <p:graphicFrame>
+        <p:nvGraphicFramePr>
+          <p:cNvPr id="38" name="Tabella 2">
+            <a:extLst>
+              <a:ext uri="{FF2B5EF4-FFF2-40B4-BE49-F238E27FC236}">
+                <a16:creationId xmlns:a16="http://schemas.microsoft.com/office/drawing/2014/main" id="{ABE8FCC2-9701-4CFD-A72E-1BA021145684}"/>
+              </a:ext>
+            </a:extLst>
+          </p:cNvPr>
+          <p:cNvGraphicFramePr>
+            <a:graphicFrameLocks noGrp="1"/>
+          </p:cNvGraphicFramePr>
+          <p:nvPr>
+            <p:extLst>
+              <p:ext uri="{D42A27DB-BD31-4B8C-83A1-F6EECF244321}">
+                <p14:modId xmlns:p14="http://schemas.microsoft.com/office/powerpoint/2010/main" val="3754746851"/>
+              </p:ext>
+            </p:extLst>
+          </p:nvPr>
+        </p:nvGraphicFramePr>
+        <p:xfrm>
+          <a:off x="558820" y="6082241"/>
+          <a:ext cx="2005980" cy="327657"/>
+        </p:xfrm>
+        <a:graphic>
+          <a:graphicData uri="http://schemas.openxmlformats.org/drawingml/2006/table">
+            <a:tbl>
+              <a:tblPr firstRow="1" bandRow="1">
+                <a:tableStyleId>{5C22544A-7EE6-4342-B048-85BDC9FD1C3A}</a:tableStyleId>
+              </a:tblPr>
+              <a:tblGrid>
+                <a:gridCol w="334330">
+                  <a:extLst>
+                    <a:ext uri="{9D8B030D-6E8A-4147-A177-3AD203B41FA5}">
+                      <a16:colId xmlns:a16="http://schemas.microsoft.com/office/drawing/2014/main" val="2411167900"/>
+                    </a:ext>
+                  </a:extLst>
+                </a:gridCol>
+                <a:gridCol w="334330">
+                  <a:extLst>
+                    <a:ext uri="{9D8B030D-6E8A-4147-A177-3AD203B41FA5}">
+                      <a16:colId xmlns:a16="http://schemas.microsoft.com/office/drawing/2014/main" val="831540765"/>
+                    </a:ext>
+                  </a:extLst>
+                </a:gridCol>
+                <a:gridCol w="334330">
+                  <a:extLst>
+                    <a:ext uri="{9D8B030D-6E8A-4147-A177-3AD203B41FA5}">
+                      <a16:colId xmlns:a16="http://schemas.microsoft.com/office/drawing/2014/main" val="649092517"/>
+                    </a:ext>
+                  </a:extLst>
+                </a:gridCol>
+                <a:gridCol w="334330">
+                  <a:extLst>
+                    <a:ext uri="{9D8B030D-6E8A-4147-A177-3AD203B41FA5}">
+                      <a16:colId xmlns:a16="http://schemas.microsoft.com/office/drawing/2014/main" val="3305632144"/>
+                    </a:ext>
+                  </a:extLst>
+                </a:gridCol>
+                <a:gridCol w="334330">
+                  <a:extLst>
+                    <a:ext uri="{9D8B030D-6E8A-4147-A177-3AD203B41FA5}">
+                      <a16:colId xmlns:a16="http://schemas.microsoft.com/office/drawing/2014/main" val="684211681"/>
+                    </a:ext>
+                  </a:extLst>
+                </a:gridCol>
+                <a:gridCol w="334330">
+                  <a:extLst>
+                    <a:ext uri="{9D8B030D-6E8A-4147-A177-3AD203B41FA5}">
+                      <a16:colId xmlns:a16="http://schemas.microsoft.com/office/drawing/2014/main" val="1758649648"/>
+                    </a:ext>
+                  </a:extLst>
+                </a:gridCol>
+              </a:tblGrid>
+              <a:tr h="327657">
+                <a:tc>
+                  <a:txBody>
+                    <a:bodyPr/>
+                    <a:lstStyle/>
+                    <a:p>
+                      <a:pPr algn="ctr"/>
+                      <a:endParaRPr lang="it-IT" sz="1600" dirty="0">
+                        <a:solidFill>
+                          <a:schemeClr val="tx1"/>
+                        </a:solidFill>
+                      </a:endParaRPr>
+                    </a:p>
+                  </a:txBody>
+                  <a:tcPr marL="80792" marR="80792" marT="40396" marB="40396">
+                    <a:lnL w="12700" cap="flat" cmpd="sng" algn="ctr">
+                      <a:solidFill>
+                        <a:schemeClr val="tx1"/>
+                      </a:solidFill>
+                      <a:prstDash val="solid"/>
+                      <a:round/>
+                      <a:headEnd type="none" w="med" len="med"/>
+                      <a:tailEnd type="none" w="med" len="med"/>
+                    </a:lnL>
+                    <a:lnR w="12700" cap="flat" cmpd="sng" algn="ctr">
+                      <a:solidFill>
+                        <a:schemeClr val="tx1"/>
+                      </a:solidFill>
+                      <a:prstDash val="solid"/>
+                      <a:round/>
+                      <a:headEnd type="none" w="med" len="med"/>
+                      <a:tailEnd type="none" w="med" len="med"/>
+                    </a:lnR>
+                    <a:lnT w="12700" cap="flat" cmpd="sng" algn="ctr">
+                      <a:solidFill>
+                        <a:schemeClr val="tx1"/>
+                      </a:solidFill>
+                      <a:prstDash val="solid"/>
+                      <a:round/>
+                      <a:headEnd type="none" w="med" len="med"/>
+                      <a:tailEnd type="none" w="med" len="med"/>
+                    </a:lnT>
+                    <a:lnB w="12700" cap="flat" cmpd="sng" algn="ctr">
+                      <a:solidFill>
+                        <a:schemeClr val="tx1"/>
+                      </a:solidFill>
+                      <a:prstDash val="solid"/>
+                      <a:round/>
+                      <a:headEnd type="none" w="med" len="med"/>
+                      <a:tailEnd type="none" w="med" len="med"/>
+                    </a:lnB>
+                    <a:solidFill>
+                      <a:schemeClr val="bg1"/>
+                    </a:solidFill>
+                  </a:tcPr>
+                </a:tc>
+                <a:tc>
+                  <a:txBody>
+                    <a:bodyPr/>
+                    <a:lstStyle/>
+                    <a:p>
+                      <a:pPr algn="ctr"/>
+                      <a:r>
+                        <a:rPr lang="it-IT" sz="1600" dirty="0" smtClean="0">
+                          <a:solidFill>
+                            <a:schemeClr val="tx1"/>
+                          </a:solidFill>
+                        </a:rPr>
+                        <a:t>5</a:t>
+                      </a:r>
+                      <a:endParaRPr lang="it-IT" sz="1600" dirty="0">
+                        <a:solidFill>
+                          <a:schemeClr val="tx1"/>
+                        </a:solidFill>
+                      </a:endParaRPr>
+                    </a:p>
+                  </a:txBody>
+                  <a:tcPr marL="80792" marR="80792" marT="40396" marB="40396">
+                    <a:lnL w="12700" cap="flat" cmpd="sng" algn="ctr">
+                      <a:solidFill>
+                        <a:schemeClr val="tx1"/>
+                      </a:solidFill>
+                      <a:prstDash val="solid"/>
+                      <a:round/>
+                      <a:headEnd type="none" w="med" len="med"/>
+                      <a:tailEnd type="none" w="med" len="med"/>
+                    </a:lnL>
+                    <a:lnR w="12700" cap="flat" cmpd="sng" algn="ctr">
+                      <a:solidFill>
+                        <a:schemeClr val="tx1"/>
+                      </a:solidFill>
+                      <a:prstDash val="solid"/>
+                      <a:round/>
+                      <a:headEnd type="none" w="med" len="med"/>
+                      <a:tailEnd type="none" w="med" len="med"/>
+                    </a:lnR>
+                    <a:lnT w="12700" cap="flat" cmpd="sng" algn="ctr">
+                      <a:solidFill>
+                        <a:schemeClr val="tx1"/>
+                      </a:solidFill>
+                      <a:prstDash val="solid"/>
+                      <a:round/>
+                      <a:headEnd type="none" w="med" len="med"/>
+                      <a:tailEnd type="none" w="med" len="med"/>
+                    </a:lnT>
+                    <a:lnB w="12700" cap="flat" cmpd="sng" algn="ctr">
+                      <a:solidFill>
+                        <a:schemeClr val="tx1"/>
+                      </a:solidFill>
+                      <a:prstDash val="solid"/>
+                      <a:round/>
+                      <a:headEnd type="none" w="med" len="med"/>
+                      <a:tailEnd type="none" w="med" len="med"/>
+                    </a:lnB>
+                    <a:solidFill>
+                      <a:schemeClr val="bg1"/>
+                    </a:solidFill>
+                  </a:tcPr>
+                </a:tc>
+                <a:tc>
+                  <a:txBody>
+                    <a:bodyPr/>
+                    <a:lstStyle/>
+                    <a:p>
+                      <a:pPr algn="ctr"/>
+                      <a:r>
+                        <a:rPr lang="it-IT" sz="1600" dirty="0" smtClean="0">
+                          <a:solidFill>
+                            <a:schemeClr val="tx1"/>
+                          </a:solidFill>
+                        </a:rPr>
+                        <a:t>2</a:t>
+                      </a:r>
+                      <a:endParaRPr lang="it-IT" sz="1600" dirty="0">
+                        <a:solidFill>
+                          <a:schemeClr val="tx1"/>
+                        </a:solidFill>
+                      </a:endParaRPr>
+                    </a:p>
+                  </a:txBody>
+                  <a:tcPr marL="80792" marR="80792" marT="40396" marB="40396">
+                    <a:lnL w="12700" cap="flat" cmpd="sng" algn="ctr">
+                      <a:solidFill>
+                        <a:schemeClr val="tx1"/>
+                      </a:solidFill>
+                      <a:prstDash val="solid"/>
+                      <a:round/>
+                      <a:headEnd type="none" w="med" len="med"/>
+                      <a:tailEnd type="none" w="med" len="med"/>
+                    </a:lnL>
+                    <a:lnR w="12700" cap="flat" cmpd="sng" algn="ctr">
+                      <a:solidFill>
+                        <a:schemeClr val="tx1"/>
+                      </a:solidFill>
+                      <a:prstDash val="solid"/>
+                      <a:round/>
+                      <a:headEnd type="none" w="med" len="med"/>
+                      <a:tailEnd type="none" w="med" len="med"/>
+                    </a:lnR>
+                    <a:lnT w="12700" cap="flat" cmpd="sng" algn="ctr">
+                      <a:solidFill>
+                        <a:schemeClr val="tx1"/>
+                      </a:solidFill>
+                      <a:prstDash val="solid"/>
+                      <a:round/>
+                      <a:headEnd type="none" w="med" len="med"/>
+                      <a:tailEnd type="none" w="med" len="med"/>
+                    </a:lnT>
+                    <a:lnB w="12700" cap="flat" cmpd="sng" algn="ctr">
+                      <a:solidFill>
+                        <a:schemeClr val="tx1"/>
+                      </a:solidFill>
+                      <a:prstDash val="solid"/>
+                      <a:round/>
+                      <a:headEnd type="none" w="med" len="med"/>
+                      <a:tailEnd type="none" w="med" len="med"/>
+                    </a:lnB>
+                    <a:solidFill>
+                      <a:srgbClr val="FFC000"/>
+                    </a:solidFill>
+                  </a:tcPr>
+                </a:tc>
+                <a:tc>
+                  <a:txBody>
+                    <a:bodyPr/>
+                    <a:lstStyle/>
+                    <a:p>
+                      <a:pPr algn="ctr"/>
+                      <a:r>
+                        <a:rPr lang="it-IT" sz="1600" dirty="0" smtClean="0">
+                          <a:solidFill>
+                            <a:schemeClr val="tx1"/>
+                          </a:solidFill>
+                        </a:rPr>
+                        <a:t>6</a:t>
+                      </a:r>
+                      <a:endParaRPr lang="it-IT" sz="1600" dirty="0">
+                        <a:solidFill>
+                          <a:schemeClr val="tx1"/>
+                        </a:solidFill>
+                      </a:endParaRPr>
+                    </a:p>
+                  </a:txBody>
+                  <a:tcPr marL="80792" marR="80792" marT="40396" marB="40396">
+                    <a:lnL w="12700" cap="flat" cmpd="sng" algn="ctr">
+                      <a:solidFill>
+                        <a:schemeClr val="tx1"/>
+                      </a:solidFill>
+                      <a:prstDash val="solid"/>
+                      <a:round/>
+                      <a:headEnd type="none" w="med" len="med"/>
+                      <a:tailEnd type="none" w="med" len="med"/>
+                    </a:lnL>
+                    <a:lnR w="12700" cap="flat" cmpd="sng" algn="ctr">
+                      <a:solidFill>
+                        <a:schemeClr val="tx1"/>
+                      </a:solidFill>
+                      <a:prstDash val="solid"/>
+                      <a:round/>
+                      <a:headEnd type="none" w="med" len="med"/>
+                      <a:tailEnd type="none" w="med" len="med"/>
+                    </a:lnR>
+                    <a:lnT w="12700" cap="flat" cmpd="sng" algn="ctr">
+                      <a:solidFill>
+                        <a:schemeClr val="tx1"/>
+                      </a:solidFill>
+                      <a:prstDash val="solid"/>
+                      <a:round/>
+                      <a:headEnd type="none" w="med" len="med"/>
+                      <a:tailEnd type="none" w="med" len="med"/>
+                    </a:lnT>
+                    <a:lnB w="12700" cap="flat" cmpd="sng" algn="ctr">
+                      <a:solidFill>
+                        <a:schemeClr val="tx1"/>
+                      </a:solidFill>
+                      <a:prstDash val="solid"/>
+                      <a:round/>
+                      <a:headEnd type="none" w="med" len="med"/>
+                      <a:tailEnd type="none" w="med" len="med"/>
+                    </a:lnB>
+                    <a:solidFill>
+                      <a:schemeClr val="bg1"/>
+                    </a:solidFill>
+                  </a:tcPr>
+                </a:tc>
+                <a:tc>
+                  <a:txBody>
+                    <a:bodyPr/>
+                    <a:lstStyle/>
+                    <a:p>
+                      <a:pPr algn="ctr"/>
+                      <a:r>
+                        <a:rPr lang="it-IT" sz="1600" dirty="0" smtClean="0">
+                          <a:solidFill>
+                            <a:schemeClr val="tx1"/>
+                          </a:solidFill>
+                        </a:rPr>
+                        <a:t>1</a:t>
+                      </a:r>
+                      <a:endParaRPr lang="it-IT" sz="1600" dirty="0">
+                        <a:solidFill>
+                          <a:schemeClr val="tx1"/>
+                        </a:solidFill>
+                      </a:endParaRPr>
+                    </a:p>
+                  </a:txBody>
+                  <a:tcPr marL="80792" marR="80792" marT="40396" marB="40396">
+                    <a:lnL w="12700" cap="flat" cmpd="sng" algn="ctr">
+                      <a:solidFill>
+                        <a:schemeClr val="tx1"/>
+                      </a:solidFill>
+                      <a:prstDash val="solid"/>
+                      <a:round/>
+                      <a:headEnd type="none" w="med" len="med"/>
+                      <a:tailEnd type="none" w="med" len="med"/>
+                    </a:lnL>
+                    <a:lnR w="12700" cap="flat" cmpd="sng" algn="ctr">
+                      <a:solidFill>
+                        <a:schemeClr val="tx1"/>
+                      </a:solidFill>
+                      <a:prstDash val="solid"/>
+                      <a:round/>
+                      <a:headEnd type="none" w="med" len="med"/>
+                      <a:tailEnd type="none" w="med" len="med"/>
+                    </a:lnR>
+                    <a:lnT w="12700" cap="flat" cmpd="sng" algn="ctr">
+                      <a:solidFill>
+                        <a:schemeClr val="tx1"/>
+                      </a:solidFill>
+                      <a:prstDash val="solid"/>
+                      <a:round/>
+                      <a:headEnd type="none" w="med" len="med"/>
+                      <a:tailEnd type="none" w="med" len="med"/>
+                    </a:lnT>
+                    <a:lnB w="12700" cap="flat" cmpd="sng" algn="ctr">
+                      <a:solidFill>
+                        <a:schemeClr val="tx1"/>
+                      </a:solidFill>
+                      <a:prstDash val="solid"/>
+                      <a:round/>
+                      <a:headEnd type="none" w="med" len="med"/>
+                      <a:tailEnd type="none" w="med" len="med"/>
+                    </a:lnB>
+                    <a:solidFill>
+                      <a:schemeClr val="bg1"/>
+                    </a:solidFill>
+                  </a:tcPr>
+                </a:tc>
+                <a:tc>
+                  <a:txBody>
+                    <a:bodyPr/>
+                    <a:lstStyle/>
+                    <a:p>
+                      <a:pPr algn="ctr"/>
+                      <a:r>
+                        <a:rPr lang="it-IT" sz="1600" dirty="0" smtClean="0">
+                          <a:solidFill>
+                            <a:schemeClr val="tx1"/>
+                          </a:solidFill>
+                        </a:rPr>
+                        <a:t>4</a:t>
+                      </a:r>
+                      <a:endParaRPr lang="it-IT" sz="1600" dirty="0">
+                        <a:solidFill>
+                          <a:schemeClr val="tx1"/>
+                        </a:solidFill>
+                      </a:endParaRPr>
+                    </a:p>
+                  </a:txBody>
+                  <a:tcPr marL="80792" marR="80792" marT="40396" marB="40396">
+                    <a:lnL w="12700" cap="flat" cmpd="sng" algn="ctr">
+                      <a:solidFill>
+                        <a:schemeClr val="tx1"/>
+                      </a:solidFill>
+                      <a:prstDash val="solid"/>
+                      <a:round/>
+                      <a:headEnd type="none" w="med" len="med"/>
+                      <a:tailEnd type="none" w="med" len="med"/>
+                    </a:lnL>
+                    <a:lnR w="12700" cap="flat" cmpd="sng" algn="ctr">
+                      <a:solidFill>
+                        <a:schemeClr val="tx1"/>
+                      </a:solidFill>
+                      <a:prstDash val="solid"/>
+                      <a:round/>
+                      <a:headEnd type="none" w="med" len="med"/>
+                      <a:tailEnd type="none" w="med" len="med"/>
+                    </a:lnR>
+                    <a:lnT w="12700" cap="flat" cmpd="sng" algn="ctr">
+                      <a:solidFill>
+                        <a:schemeClr val="tx1"/>
+                      </a:solidFill>
+                      <a:prstDash val="solid"/>
+                      <a:round/>
+                      <a:headEnd type="none" w="med" len="med"/>
+                      <a:tailEnd type="none" w="med" len="med"/>
+                    </a:lnT>
+                    <a:lnB w="12700" cap="flat" cmpd="sng" algn="ctr">
+                      <a:solidFill>
+                        <a:schemeClr val="tx1"/>
+                      </a:solidFill>
+                      <a:prstDash val="solid"/>
+                      <a:round/>
+                      <a:headEnd type="none" w="med" len="med"/>
+                      <a:tailEnd type="none" w="med" len="med"/>
+                    </a:lnB>
+                    <a:solidFill>
+                      <a:schemeClr val="bg1"/>
+                    </a:solidFill>
+                  </a:tcPr>
+                </a:tc>
+                <a:extLst>
+                  <a:ext uri="{0D108BD9-81ED-4DB2-BD59-A6C34878D82A}">
+                    <a16:rowId xmlns:a16="http://schemas.microsoft.com/office/drawing/2014/main" val="4069182149"/>
+                  </a:ext>
+                </a:extLst>
+              </a:tr>
+            </a:tbl>
+          </a:graphicData>
+        </a:graphic>
+      </p:graphicFrame>
+      <p:graphicFrame>
+        <p:nvGraphicFramePr>
+          <p:cNvPr id="39" name="Tabella 2">
+            <a:extLst>
+              <a:ext uri="{FF2B5EF4-FFF2-40B4-BE49-F238E27FC236}">
+                <a16:creationId xmlns:a16="http://schemas.microsoft.com/office/drawing/2014/main" id="{ABE8FCC2-9701-4CFD-A72E-1BA021145684}"/>
+              </a:ext>
+            </a:extLst>
+          </p:cNvPr>
+          <p:cNvGraphicFramePr>
+            <a:graphicFrameLocks noGrp="1"/>
+          </p:cNvGraphicFramePr>
+          <p:nvPr>
+            <p:extLst>
+              <p:ext uri="{D42A27DB-BD31-4B8C-83A1-F6EECF244321}">
+                <p14:modId xmlns:p14="http://schemas.microsoft.com/office/powerpoint/2010/main" val="4074542449"/>
+              </p:ext>
+            </p:extLst>
+          </p:nvPr>
+        </p:nvGraphicFramePr>
+        <p:xfrm>
+          <a:off x="907242" y="5293515"/>
+          <a:ext cx="334330" cy="327657"/>
+        </p:xfrm>
+        <a:graphic>
+          <a:graphicData uri="http://schemas.openxmlformats.org/drawingml/2006/table">
+            <a:tbl>
+              <a:tblPr firstRow="1" bandRow="1">
+                <a:tableStyleId>{5C22544A-7EE6-4342-B048-85BDC9FD1C3A}</a:tableStyleId>
+              </a:tblPr>
+              <a:tblGrid>
+                <a:gridCol w="334330">
+                  <a:extLst>
+                    <a:ext uri="{9D8B030D-6E8A-4147-A177-3AD203B41FA5}">
+                      <a16:colId xmlns:a16="http://schemas.microsoft.com/office/drawing/2014/main" val="2411167900"/>
+                    </a:ext>
+                  </a:extLst>
+                </a:gridCol>
+              </a:tblGrid>
+              <a:tr h="327657">
+                <a:tc>
+                  <a:txBody>
+                    <a:bodyPr/>
+                    <a:lstStyle/>
+                    <a:p>
+                      <a:pPr algn="ctr"/>
+                      <a:r>
+                        <a:rPr lang="it-IT" sz="1600" dirty="0" smtClean="0">
+                          <a:solidFill>
+                            <a:schemeClr val="tx1"/>
+                          </a:solidFill>
+                        </a:rPr>
+                        <a:t>3</a:t>
+                      </a:r>
+                      <a:endParaRPr lang="it-IT" sz="1600" dirty="0">
+                        <a:solidFill>
+                          <a:schemeClr val="tx1"/>
+                        </a:solidFill>
+                      </a:endParaRPr>
+                    </a:p>
+                  </a:txBody>
+                  <a:tcPr marL="80792" marR="80792" marT="40396" marB="40396">
+                    <a:lnL w="12700" cap="flat" cmpd="sng" algn="ctr">
+                      <a:solidFill>
+                        <a:schemeClr val="tx1"/>
+                      </a:solidFill>
+                      <a:prstDash val="solid"/>
+                      <a:round/>
+                      <a:headEnd type="none" w="med" len="med"/>
+                      <a:tailEnd type="none" w="med" len="med"/>
+                    </a:lnL>
+                    <a:lnR w="12700" cap="flat" cmpd="sng" algn="ctr">
+                      <a:solidFill>
+                        <a:schemeClr val="tx1"/>
+                      </a:solidFill>
+                      <a:prstDash val="solid"/>
+                      <a:round/>
+                      <a:headEnd type="none" w="med" len="med"/>
+                      <a:tailEnd type="none" w="med" len="med"/>
+                    </a:lnR>
+                    <a:lnT w="12700" cap="flat" cmpd="sng" algn="ctr">
+                      <a:solidFill>
+                        <a:schemeClr val="tx1"/>
+                      </a:solidFill>
+                      <a:prstDash val="solid"/>
+                      <a:round/>
+                      <a:headEnd type="none" w="med" len="med"/>
+                      <a:tailEnd type="none" w="med" len="med"/>
+                    </a:lnT>
+                    <a:lnB w="12700" cap="flat" cmpd="sng" algn="ctr">
+                      <a:solidFill>
+                        <a:schemeClr val="tx1"/>
+                      </a:solidFill>
+                      <a:prstDash val="solid"/>
+                      <a:round/>
+                      <a:headEnd type="none" w="med" len="med"/>
+                      <a:tailEnd type="none" w="med" len="med"/>
+                    </a:lnB>
+                    <a:solidFill>
+                      <a:srgbClr val="FFC000"/>
+                    </a:solidFill>
+                  </a:tcPr>
+                </a:tc>
+                <a:extLst>
+                  <a:ext uri="{0D108BD9-81ED-4DB2-BD59-A6C34878D82A}">
+                    <a16:rowId xmlns:a16="http://schemas.microsoft.com/office/drawing/2014/main" val="4069182149"/>
+                  </a:ext>
+                </a:extLst>
+              </a:tr>
+            </a:tbl>
+          </a:graphicData>
+        </a:graphic>
+      </p:graphicFrame>
+      <p:cxnSp>
+        <p:nvCxnSpPr>
+          <p:cNvPr id="40" name="Connettore 2 39"/>
+          <p:cNvCxnSpPr/>
+          <p:nvPr/>
+        </p:nvCxnSpPr>
+        <p:spPr>
+          <a:xfrm flipH="1">
+            <a:off x="729996" y="5621172"/>
+            <a:ext cx="344411" cy="461069"/>
+          </a:xfrm>
+          <a:prstGeom prst="straightConnector1">
+            <a:avLst/>
+          </a:prstGeom>
+          <a:ln>
+            <a:tailEnd type="triangle"/>
+          </a:ln>
+        </p:spPr>
+        <p:style>
+          <a:lnRef idx="1">
+            <a:schemeClr val="dk1"/>
+          </a:lnRef>
+          <a:fillRef idx="0">
+            <a:schemeClr val="dk1"/>
+          </a:fillRef>
+          <a:effectRef idx="0">
+            <a:schemeClr val="dk1"/>
+          </a:effectRef>
+          <a:fontRef idx="minor">
+            <a:schemeClr val="tx1"/>
+          </a:fontRef>
+        </p:style>
+      </p:cxnSp>
+      <p:cxnSp>
+        <p:nvCxnSpPr>
+          <p:cNvPr id="41" name="Connettore 2 40"/>
+          <p:cNvCxnSpPr>
+            <a:stCxn id="39" idx="2"/>
+          </p:cNvCxnSpPr>
+          <p:nvPr/>
+        </p:nvCxnSpPr>
+        <p:spPr>
+          <a:xfrm flipH="1">
+            <a:off x="1052803" y="5621172"/>
+            <a:ext cx="21604" cy="456137"/>
+          </a:xfrm>
+          <a:prstGeom prst="straightConnector1">
+            <a:avLst/>
+          </a:prstGeom>
+          <a:ln>
+            <a:tailEnd type="triangle"/>
+          </a:ln>
+        </p:spPr>
+        <p:style>
+          <a:lnRef idx="1">
+            <a:schemeClr val="dk1"/>
+          </a:lnRef>
+          <a:fillRef idx="0">
+            <a:schemeClr val="dk1"/>
+          </a:fillRef>
+          <a:effectRef idx="0">
+            <a:schemeClr val="dk1"/>
+          </a:effectRef>
+          <a:fontRef idx="minor">
+            <a:schemeClr val="tx1"/>
+          </a:fontRef>
+        </p:style>
+      </p:cxnSp>
+      <p:cxnSp>
+        <p:nvCxnSpPr>
+          <p:cNvPr id="42" name="Connettore 2 41"/>
+          <p:cNvCxnSpPr>
+            <a:stCxn id="39" idx="2"/>
+          </p:cNvCxnSpPr>
+          <p:nvPr/>
+        </p:nvCxnSpPr>
+        <p:spPr>
+          <a:xfrm>
+            <a:off x="1074407" y="5621172"/>
+            <a:ext cx="312726" cy="456137"/>
+          </a:xfrm>
+          <a:prstGeom prst="straightConnector1">
+            <a:avLst/>
+          </a:prstGeom>
+          <a:ln>
+            <a:tailEnd type="triangle"/>
+          </a:ln>
+        </p:spPr>
+        <p:style>
+          <a:lnRef idx="1">
+            <a:schemeClr val="dk1"/>
+          </a:lnRef>
+          <a:fillRef idx="0">
+            <a:schemeClr val="dk1"/>
+          </a:fillRef>
+          <a:effectRef idx="0">
+            <a:schemeClr val="dk1"/>
+          </a:effectRef>
+          <a:fontRef idx="minor">
+            <a:schemeClr val="tx1"/>
+          </a:fontRef>
+        </p:style>
+      </p:cxnSp>
+      <p:cxnSp>
+        <p:nvCxnSpPr>
+          <p:cNvPr id="43" name="Connettore 2 42"/>
+          <p:cNvCxnSpPr>
+            <a:stCxn id="39" idx="2"/>
+          </p:cNvCxnSpPr>
+          <p:nvPr/>
+        </p:nvCxnSpPr>
+        <p:spPr>
+          <a:xfrm>
+            <a:off x="1074407" y="5621172"/>
+            <a:ext cx="655707" cy="456137"/>
+          </a:xfrm>
+          <a:prstGeom prst="straightConnector1">
+            <a:avLst/>
+          </a:prstGeom>
+          <a:ln>
+            <a:tailEnd type="triangle"/>
+          </a:ln>
+        </p:spPr>
+        <p:style>
+          <a:lnRef idx="1">
+            <a:schemeClr val="dk1"/>
+          </a:lnRef>
+          <a:fillRef idx="0">
+            <a:schemeClr val="dk1"/>
+          </a:fillRef>
+          <a:effectRef idx="0">
+            <a:schemeClr val="dk1"/>
+          </a:effectRef>
+          <a:fontRef idx="minor">
+            <a:schemeClr val="tx1"/>
+          </a:fontRef>
+        </p:style>
+      </p:cxnSp>
+      <p:cxnSp>
+        <p:nvCxnSpPr>
+          <p:cNvPr id="44" name="Connettore 2 43"/>
+          <p:cNvCxnSpPr>
+            <a:stCxn id="39" idx="2"/>
+          </p:cNvCxnSpPr>
+          <p:nvPr/>
+        </p:nvCxnSpPr>
+        <p:spPr>
+          <a:xfrm>
+            <a:off x="1074407" y="5621172"/>
+            <a:ext cx="1250883" cy="456137"/>
+          </a:xfrm>
+          <a:prstGeom prst="straightConnector1">
+            <a:avLst/>
+          </a:prstGeom>
+          <a:ln>
+            <a:tailEnd type="triangle"/>
+          </a:ln>
+        </p:spPr>
+        <p:style>
+          <a:lnRef idx="1">
+            <a:schemeClr val="dk1"/>
+          </a:lnRef>
+          <a:fillRef idx="0">
+            <a:schemeClr val="dk1"/>
+          </a:fillRef>
+          <a:effectRef idx="0">
+            <a:schemeClr val="dk1"/>
+          </a:effectRef>
+          <a:fontRef idx="minor">
+            <a:schemeClr val="tx1"/>
+          </a:fontRef>
+        </p:style>
+      </p:cxnSp>
+      <p:graphicFrame>
+        <p:nvGraphicFramePr>
+          <p:cNvPr id="45" name="Tabella 2">
+            <a:extLst>
+              <a:ext uri="{FF2B5EF4-FFF2-40B4-BE49-F238E27FC236}">
+                <a16:creationId xmlns:a16="http://schemas.microsoft.com/office/drawing/2014/main" id="{ABE8FCC2-9701-4CFD-A72E-1BA021145684}"/>
+              </a:ext>
+            </a:extLst>
+          </p:cNvPr>
+          <p:cNvGraphicFramePr>
+            <a:graphicFrameLocks noGrp="1"/>
+          </p:cNvGraphicFramePr>
+          <p:nvPr>
+            <p:extLst>
+              <p:ext uri="{D42A27DB-BD31-4B8C-83A1-F6EECF244321}">
+                <p14:modId xmlns:p14="http://schemas.microsoft.com/office/powerpoint/2010/main" val="3702709061"/>
+              </p:ext>
+            </p:extLst>
+          </p:nvPr>
+        </p:nvGraphicFramePr>
+        <p:xfrm>
+          <a:off x="4544808" y="3555361"/>
+          <a:ext cx="2005980" cy="327657"/>
+        </p:xfrm>
+        <a:graphic>
+          <a:graphicData uri="http://schemas.openxmlformats.org/drawingml/2006/table">
+            <a:tbl>
+              <a:tblPr firstRow="1" bandRow="1">
+                <a:tableStyleId>{5C22544A-7EE6-4342-B048-85BDC9FD1C3A}</a:tableStyleId>
+              </a:tblPr>
+              <a:tblGrid>
+                <a:gridCol w="334330">
+                  <a:extLst>
+                    <a:ext uri="{9D8B030D-6E8A-4147-A177-3AD203B41FA5}">
+                      <a16:colId xmlns:a16="http://schemas.microsoft.com/office/drawing/2014/main" val="2411167900"/>
+                    </a:ext>
+                  </a:extLst>
+                </a:gridCol>
+                <a:gridCol w="334330">
+                  <a:extLst>
+                    <a:ext uri="{9D8B030D-6E8A-4147-A177-3AD203B41FA5}">
+                      <a16:colId xmlns:a16="http://schemas.microsoft.com/office/drawing/2014/main" val="831540765"/>
+                    </a:ext>
+                  </a:extLst>
+                </a:gridCol>
+                <a:gridCol w="334330">
+                  <a:extLst>
+                    <a:ext uri="{9D8B030D-6E8A-4147-A177-3AD203B41FA5}">
+                      <a16:colId xmlns:a16="http://schemas.microsoft.com/office/drawing/2014/main" val="649092517"/>
+                    </a:ext>
+                  </a:extLst>
+                </a:gridCol>
+                <a:gridCol w="334330">
+                  <a:extLst>
+                    <a:ext uri="{9D8B030D-6E8A-4147-A177-3AD203B41FA5}">
+                      <a16:colId xmlns:a16="http://schemas.microsoft.com/office/drawing/2014/main" val="3305632144"/>
+                    </a:ext>
+                  </a:extLst>
+                </a:gridCol>
+                <a:gridCol w="334330">
+                  <a:extLst>
+                    <a:ext uri="{9D8B030D-6E8A-4147-A177-3AD203B41FA5}">
+                      <a16:colId xmlns:a16="http://schemas.microsoft.com/office/drawing/2014/main" val="684211681"/>
+                    </a:ext>
+                  </a:extLst>
+                </a:gridCol>
+                <a:gridCol w="334330">
+                  <a:extLst>
+                    <a:ext uri="{9D8B030D-6E8A-4147-A177-3AD203B41FA5}">
+                      <a16:colId xmlns:a16="http://schemas.microsoft.com/office/drawing/2014/main" val="1758649648"/>
+                    </a:ext>
+                  </a:extLst>
+                </a:gridCol>
+              </a:tblGrid>
+              <a:tr h="327657">
+                <a:tc>
+                  <a:txBody>
+                    <a:bodyPr/>
+                    <a:lstStyle/>
+                    <a:p>
+                      <a:pPr algn="ctr"/>
+                      <a:r>
+                        <a:rPr lang="it-IT" sz="1600" dirty="0">
+                          <a:solidFill>
+                            <a:schemeClr val="tx1"/>
+                          </a:solidFill>
+                        </a:rPr>
+                        <a:t>5</a:t>
+                      </a:r>
+                      <a:endParaRPr lang="it-IT" sz="1600" dirty="0">
+                        <a:solidFill>
+                          <a:schemeClr val="tx1"/>
+                        </a:solidFill>
+                      </a:endParaRPr>
+                    </a:p>
+                  </a:txBody>
+                  <a:tcPr marL="80792" marR="80792" marT="40396" marB="40396">
+                    <a:lnL w="12700" cap="flat" cmpd="sng" algn="ctr">
+                      <a:solidFill>
+                        <a:schemeClr val="tx1"/>
+                      </a:solidFill>
+                      <a:prstDash val="solid"/>
+                      <a:round/>
+                      <a:headEnd type="none" w="med" len="med"/>
+                      <a:tailEnd type="none" w="med" len="med"/>
+                    </a:lnL>
+                    <a:lnR w="12700" cap="flat" cmpd="sng" algn="ctr">
+                      <a:solidFill>
+                        <a:schemeClr val="tx1"/>
+                      </a:solidFill>
+                      <a:prstDash val="solid"/>
+                      <a:round/>
+                      <a:headEnd type="none" w="med" len="med"/>
+                      <a:tailEnd type="none" w="med" len="med"/>
+                    </a:lnR>
+                    <a:lnT w="12700" cap="flat" cmpd="sng" algn="ctr">
+                      <a:solidFill>
+                        <a:schemeClr val="tx1"/>
+                      </a:solidFill>
+                      <a:prstDash val="solid"/>
+                      <a:round/>
+                      <a:headEnd type="none" w="med" len="med"/>
+                      <a:tailEnd type="none" w="med" len="med"/>
+                    </a:lnT>
+                    <a:lnB w="12700" cap="flat" cmpd="sng" algn="ctr">
+                      <a:solidFill>
+                        <a:schemeClr val="tx1"/>
+                      </a:solidFill>
+                      <a:prstDash val="solid"/>
+                      <a:round/>
+                      <a:headEnd type="none" w="med" len="med"/>
+                      <a:tailEnd type="none" w="med" len="med"/>
+                    </a:lnB>
+                    <a:solidFill>
+                      <a:schemeClr val="bg1"/>
+                    </a:solidFill>
+                  </a:tcPr>
+                </a:tc>
+                <a:tc>
+                  <a:txBody>
+                    <a:bodyPr/>
+                    <a:lstStyle/>
+                    <a:p>
+                      <a:pPr algn="ctr"/>
+                      <a:r>
+                        <a:rPr lang="it-IT" sz="1600" dirty="0" smtClean="0">
+                          <a:solidFill>
+                            <a:schemeClr val="tx1"/>
+                          </a:solidFill>
+                        </a:rPr>
+                        <a:t>2</a:t>
+                      </a:r>
+                      <a:endParaRPr lang="it-IT" sz="1600" dirty="0">
+                        <a:solidFill>
+                          <a:schemeClr val="tx1"/>
+                        </a:solidFill>
+                      </a:endParaRPr>
+                    </a:p>
+                  </a:txBody>
+                  <a:tcPr marL="80792" marR="80792" marT="40396" marB="40396">
+                    <a:lnL w="12700" cap="flat" cmpd="sng" algn="ctr">
+                      <a:solidFill>
+                        <a:schemeClr val="tx1"/>
+                      </a:solidFill>
+                      <a:prstDash val="solid"/>
+                      <a:round/>
+                      <a:headEnd type="none" w="med" len="med"/>
+                      <a:tailEnd type="none" w="med" len="med"/>
+                    </a:lnL>
+                    <a:lnR w="12700" cap="flat" cmpd="sng" algn="ctr">
+                      <a:solidFill>
+                        <a:schemeClr val="tx1"/>
+                      </a:solidFill>
+                      <a:prstDash val="solid"/>
+                      <a:round/>
+                      <a:headEnd type="none" w="med" len="med"/>
+                      <a:tailEnd type="none" w="med" len="med"/>
+                    </a:lnR>
+                    <a:lnT w="12700" cap="flat" cmpd="sng" algn="ctr">
+                      <a:solidFill>
+                        <a:schemeClr val="tx1"/>
+                      </a:solidFill>
+                      <a:prstDash val="solid"/>
+                      <a:round/>
+                      <a:headEnd type="none" w="med" len="med"/>
+                      <a:tailEnd type="none" w="med" len="med"/>
+                    </a:lnT>
+                    <a:lnB w="12700" cap="flat" cmpd="sng" algn="ctr">
+                      <a:solidFill>
+                        <a:schemeClr val="tx1"/>
+                      </a:solidFill>
+                      <a:prstDash val="solid"/>
+                      <a:round/>
+                      <a:headEnd type="none" w="med" len="med"/>
+                      <a:tailEnd type="none" w="med" len="med"/>
+                    </a:lnB>
+                    <a:solidFill>
+                      <a:srgbClr val="FFC000"/>
+                    </a:solidFill>
+                  </a:tcPr>
+                </a:tc>
+                <a:tc>
+                  <a:txBody>
+                    <a:bodyPr/>
+                    <a:lstStyle/>
+                    <a:p>
+                      <a:pPr algn="ctr"/>
+                      <a:r>
+                        <a:rPr lang="it-IT" sz="1600" dirty="0" smtClean="0">
+                          <a:solidFill>
+                            <a:schemeClr val="tx1"/>
+                          </a:solidFill>
+                        </a:rPr>
+                        <a:t>6</a:t>
+                      </a:r>
+                      <a:endParaRPr lang="it-IT" sz="1600" dirty="0">
+                        <a:solidFill>
+                          <a:schemeClr val="tx1"/>
+                        </a:solidFill>
+                      </a:endParaRPr>
+                    </a:p>
+                  </a:txBody>
+                  <a:tcPr marL="80792" marR="80792" marT="40396" marB="40396">
+                    <a:lnL w="12700" cap="flat" cmpd="sng" algn="ctr">
+                      <a:solidFill>
+                        <a:schemeClr val="tx1"/>
+                      </a:solidFill>
+                      <a:prstDash val="solid"/>
+                      <a:round/>
+                      <a:headEnd type="none" w="med" len="med"/>
+                      <a:tailEnd type="none" w="med" len="med"/>
+                    </a:lnL>
+                    <a:lnR w="12700" cap="flat" cmpd="sng" algn="ctr">
+                      <a:solidFill>
+                        <a:schemeClr val="tx1"/>
+                      </a:solidFill>
+                      <a:prstDash val="solid"/>
+                      <a:round/>
+                      <a:headEnd type="none" w="med" len="med"/>
+                      <a:tailEnd type="none" w="med" len="med"/>
+                    </a:lnR>
+                    <a:lnT w="12700" cap="flat" cmpd="sng" algn="ctr">
+                      <a:solidFill>
+                        <a:schemeClr val="tx1"/>
+                      </a:solidFill>
+                      <a:prstDash val="solid"/>
+                      <a:round/>
+                      <a:headEnd type="none" w="med" len="med"/>
+                      <a:tailEnd type="none" w="med" len="med"/>
+                    </a:lnT>
+                    <a:lnB w="12700" cap="flat" cmpd="sng" algn="ctr">
+                      <a:solidFill>
+                        <a:schemeClr val="tx1"/>
+                      </a:solidFill>
+                      <a:prstDash val="solid"/>
+                      <a:round/>
+                      <a:headEnd type="none" w="med" len="med"/>
+                      <a:tailEnd type="none" w="med" len="med"/>
+                    </a:lnB>
+                    <a:solidFill>
+                      <a:schemeClr val="bg1"/>
+                    </a:solidFill>
+                  </a:tcPr>
+                </a:tc>
+                <a:tc>
+                  <a:txBody>
+                    <a:bodyPr/>
+                    <a:lstStyle/>
+                    <a:p>
+                      <a:pPr algn="ctr"/>
+                      <a:r>
+                        <a:rPr lang="it-IT" sz="1600" dirty="0" smtClean="0">
+                          <a:solidFill>
+                            <a:schemeClr val="tx1"/>
+                          </a:solidFill>
+                        </a:rPr>
+                        <a:t>3</a:t>
+                      </a:r>
+                      <a:endParaRPr lang="it-IT" sz="1600" dirty="0">
+                        <a:solidFill>
+                          <a:schemeClr val="tx1"/>
+                        </a:solidFill>
+                      </a:endParaRPr>
+                    </a:p>
+                  </a:txBody>
+                  <a:tcPr marL="80792" marR="80792" marT="40396" marB="40396">
+                    <a:lnL w="12700" cap="flat" cmpd="sng" algn="ctr">
+                      <a:solidFill>
+                        <a:schemeClr val="tx1"/>
+                      </a:solidFill>
+                      <a:prstDash val="solid"/>
+                      <a:round/>
+                      <a:headEnd type="none" w="med" len="med"/>
+                      <a:tailEnd type="none" w="med" len="med"/>
+                    </a:lnL>
+                    <a:lnR w="12700" cap="flat" cmpd="sng" algn="ctr">
+                      <a:solidFill>
+                        <a:schemeClr val="tx1"/>
+                      </a:solidFill>
+                      <a:prstDash val="solid"/>
+                      <a:round/>
+                      <a:headEnd type="none" w="med" len="med"/>
+                      <a:tailEnd type="none" w="med" len="med"/>
+                    </a:lnR>
+                    <a:lnT w="12700" cap="flat" cmpd="sng" algn="ctr">
+                      <a:solidFill>
+                        <a:schemeClr val="tx1"/>
+                      </a:solidFill>
+                      <a:prstDash val="solid"/>
+                      <a:round/>
+                      <a:headEnd type="none" w="med" len="med"/>
+                      <a:tailEnd type="none" w="med" len="med"/>
+                    </a:lnT>
+                    <a:lnB w="12700" cap="flat" cmpd="sng" algn="ctr">
+                      <a:solidFill>
+                        <a:schemeClr val="tx1"/>
+                      </a:solidFill>
+                      <a:prstDash val="solid"/>
+                      <a:round/>
+                      <a:headEnd type="none" w="med" len="med"/>
+                      <a:tailEnd type="none" w="med" len="med"/>
+                    </a:lnB>
+                    <a:solidFill>
+                      <a:srgbClr val="FFC000"/>
+                    </a:solidFill>
+                  </a:tcPr>
+                </a:tc>
+                <a:tc>
+                  <a:txBody>
+                    <a:bodyPr/>
+                    <a:lstStyle/>
+                    <a:p>
+                      <a:pPr algn="ctr"/>
+                      <a:r>
+                        <a:rPr lang="it-IT" sz="1600" dirty="0" smtClean="0">
+                          <a:solidFill>
+                            <a:schemeClr val="tx1"/>
+                          </a:solidFill>
+                        </a:rPr>
+                        <a:t>1</a:t>
+                      </a:r>
+                      <a:endParaRPr lang="it-IT" sz="1600" dirty="0">
+                        <a:solidFill>
+                          <a:schemeClr val="tx1"/>
+                        </a:solidFill>
+                      </a:endParaRPr>
+                    </a:p>
+                  </a:txBody>
+                  <a:tcPr marL="80792" marR="80792" marT="40396" marB="40396">
+                    <a:lnL w="12700" cap="flat" cmpd="sng" algn="ctr">
+                      <a:solidFill>
+                        <a:schemeClr val="tx1"/>
+                      </a:solidFill>
+                      <a:prstDash val="solid"/>
+                      <a:round/>
+                      <a:headEnd type="none" w="med" len="med"/>
+                      <a:tailEnd type="none" w="med" len="med"/>
+                    </a:lnL>
+                    <a:lnR w="12700" cap="flat" cmpd="sng" algn="ctr">
+                      <a:solidFill>
+                        <a:schemeClr val="tx1"/>
+                      </a:solidFill>
+                      <a:prstDash val="solid"/>
+                      <a:round/>
+                      <a:headEnd type="none" w="med" len="med"/>
+                      <a:tailEnd type="none" w="med" len="med"/>
+                    </a:lnR>
+                    <a:lnT w="12700" cap="flat" cmpd="sng" algn="ctr">
+                      <a:solidFill>
+                        <a:schemeClr val="tx1"/>
+                      </a:solidFill>
+                      <a:prstDash val="solid"/>
+                      <a:round/>
+                      <a:headEnd type="none" w="med" len="med"/>
+                      <a:tailEnd type="none" w="med" len="med"/>
+                    </a:lnT>
+                    <a:lnB w="12700" cap="flat" cmpd="sng" algn="ctr">
+                      <a:solidFill>
+                        <a:schemeClr val="tx1"/>
+                      </a:solidFill>
+                      <a:prstDash val="solid"/>
+                      <a:round/>
+                      <a:headEnd type="none" w="med" len="med"/>
+                      <a:tailEnd type="none" w="med" len="med"/>
+                    </a:lnB>
+                    <a:solidFill>
+                      <a:schemeClr val="bg1"/>
+                    </a:solidFill>
+                  </a:tcPr>
+                </a:tc>
+                <a:tc>
+                  <a:txBody>
+                    <a:bodyPr/>
+                    <a:lstStyle/>
+                    <a:p>
+                      <a:pPr algn="ctr"/>
+                      <a:r>
+                        <a:rPr lang="it-IT" sz="1600" dirty="0" smtClean="0">
+                          <a:solidFill>
+                            <a:schemeClr val="tx1"/>
+                          </a:solidFill>
+                        </a:rPr>
+                        <a:t>4</a:t>
+                      </a:r>
+                      <a:endParaRPr lang="it-IT" sz="1600" dirty="0">
+                        <a:solidFill>
+                          <a:schemeClr val="tx1"/>
+                        </a:solidFill>
+                      </a:endParaRPr>
+                    </a:p>
+                  </a:txBody>
+                  <a:tcPr marL="80792" marR="80792" marT="40396" marB="40396">
+                    <a:lnL w="12700" cap="flat" cmpd="sng" algn="ctr">
+                      <a:solidFill>
+                        <a:schemeClr val="tx1"/>
+                      </a:solidFill>
+                      <a:prstDash val="solid"/>
+                      <a:round/>
+                      <a:headEnd type="none" w="med" len="med"/>
+                      <a:tailEnd type="none" w="med" len="med"/>
+                    </a:lnL>
+                    <a:lnR w="12700" cap="flat" cmpd="sng" algn="ctr">
+                      <a:solidFill>
+                        <a:schemeClr val="tx1"/>
+                      </a:solidFill>
+                      <a:prstDash val="solid"/>
+                      <a:round/>
+                      <a:headEnd type="none" w="med" len="med"/>
+                      <a:tailEnd type="none" w="med" len="med"/>
+                    </a:lnR>
+                    <a:lnT w="12700" cap="flat" cmpd="sng" algn="ctr">
+                      <a:solidFill>
+                        <a:schemeClr val="tx1"/>
+                      </a:solidFill>
+                      <a:prstDash val="solid"/>
+                      <a:round/>
+                      <a:headEnd type="none" w="med" len="med"/>
+                      <a:tailEnd type="none" w="med" len="med"/>
+                    </a:lnT>
+                    <a:lnB w="12700" cap="flat" cmpd="sng" algn="ctr">
+                      <a:solidFill>
+                        <a:schemeClr val="tx1"/>
+                      </a:solidFill>
+                      <a:prstDash val="solid"/>
+                      <a:round/>
+                      <a:headEnd type="none" w="med" len="med"/>
+                      <a:tailEnd type="none" w="med" len="med"/>
+                    </a:lnB>
+                    <a:solidFill>
+                      <a:schemeClr val="bg1"/>
+                    </a:solidFill>
+                  </a:tcPr>
+                </a:tc>
+                <a:extLst>
+                  <a:ext uri="{0D108BD9-81ED-4DB2-BD59-A6C34878D82A}">
+                    <a16:rowId xmlns:a16="http://schemas.microsoft.com/office/drawing/2014/main" val="4069182149"/>
+                  </a:ext>
+                </a:extLst>
+              </a:tr>
+            </a:tbl>
+          </a:graphicData>
+        </a:graphic>
+      </p:graphicFrame>
+      <p:graphicFrame>
+        <p:nvGraphicFramePr>
+          <p:cNvPr id="46" name="Tabella 2">
+            <a:extLst>
+              <a:ext uri="{FF2B5EF4-FFF2-40B4-BE49-F238E27FC236}">
+                <a16:creationId xmlns:a16="http://schemas.microsoft.com/office/drawing/2014/main" id="{ABE8FCC2-9701-4CFD-A72E-1BA021145684}"/>
+              </a:ext>
+            </a:extLst>
+          </p:cNvPr>
+          <p:cNvGraphicFramePr>
+            <a:graphicFrameLocks noGrp="1"/>
+          </p:cNvGraphicFramePr>
+          <p:nvPr>
+            <p:extLst>
+              <p:ext uri="{D42A27DB-BD31-4B8C-83A1-F6EECF244321}">
+                <p14:modId xmlns:p14="http://schemas.microsoft.com/office/powerpoint/2010/main" val="1339380795"/>
+              </p:ext>
+            </p:extLst>
+          </p:nvPr>
+        </p:nvGraphicFramePr>
+        <p:xfrm>
+          <a:off x="5157589" y="4876958"/>
+          <a:ext cx="2005980" cy="327657"/>
+        </p:xfrm>
+        <a:graphic>
+          <a:graphicData uri="http://schemas.openxmlformats.org/drawingml/2006/table">
+            <a:tbl>
+              <a:tblPr firstRow="1" bandRow="1">
+                <a:tableStyleId>{5C22544A-7EE6-4342-B048-85BDC9FD1C3A}</a:tableStyleId>
+              </a:tblPr>
+              <a:tblGrid>
+                <a:gridCol w="334330">
+                  <a:extLst>
+                    <a:ext uri="{9D8B030D-6E8A-4147-A177-3AD203B41FA5}">
+                      <a16:colId xmlns:a16="http://schemas.microsoft.com/office/drawing/2014/main" val="2411167900"/>
+                    </a:ext>
+                  </a:extLst>
+                </a:gridCol>
+                <a:gridCol w="334330">
+                  <a:extLst>
+                    <a:ext uri="{9D8B030D-6E8A-4147-A177-3AD203B41FA5}">
+                      <a16:colId xmlns:a16="http://schemas.microsoft.com/office/drawing/2014/main" val="831540765"/>
+                    </a:ext>
+                  </a:extLst>
+                </a:gridCol>
+                <a:gridCol w="334330">
+                  <a:extLst>
+                    <a:ext uri="{9D8B030D-6E8A-4147-A177-3AD203B41FA5}">
+                      <a16:colId xmlns:a16="http://schemas.microsoft.com/office/drawing/2014/main" val="649092517"/>
+                    </a:ext>
+                  </a:extLst>
+                </a:gridCol>
+                <a:gridCol w="334330">
+                  <a:extLst>
+                    <a:ext uri="{9D8B030D-6E8A-4147-A177-3AD203B41FA5}">
+                      <a16:colId xmlns:a16="http://schemas.microsoft.com/office/drawing/2014/main" val="3305632144"/>
+                    </a:ext>
+                  </a:extLst>
+                </a:gridCol>
+                <a:gridCol w="334330">
+                  <a:extLst>
+                    <a:ext uri="{9D8B030D-6E8A-4147-A177-3AD203B41FA5}">
+                      <a16:colId xmlns:a16="http://schemas.microsoft.com/office/drawing/2014/main" val="684211681"/>
+                    </a:ext>
+                  </a:extLst>
+                </a:gridCol>
+                <a:gridCol w="334330">
+                  <a:extLst>
+                    <a:ext uri="{9D8B030D-6E8A-4147-A177-3AD203B41FA5}">
+                      <a16:colId xmlns:a16="http://schemas.microsoft.com/office/drawing/2014/main" val="1758649648"/>
+                    </a:ext>
+                  </a:extLst>
+                </a:gridCol>
+              </a:tblGrid>
+              <a:tr h="327657">
+                <a:tc>
+                  <a:txBody>
+                    <a:bodyPr/>
+                    <a:lstStyle/>
+                    <a:p>
+                      <a:pPr algn="ctr"/>
+                      <a:r>
+                        <a:rPr lang="it-IT" sz="1600" dirty="0">
+                          <a:solidFill>
+                            <a:schemeClr val="tx1"/>
+                          </a:solidFill>
+                        </a:rPr>
+                        <a:t>1</a:t>
+                      </a:r>
+                      <a:endParaRPr lang="it-IT" sz="1600" dirty="0">
+                        <a:solidFill>
+                          <a:schemeClr val="tx1"/>
+                        </a:solidFill>
+                      </a:endParaRPr>
+                    </a:p>
+                  </a:txBody>
+                  <a:tcPr marL="80792" marR="80792" marT="40396" marB="40396">
+                    <a:lnL w="12700" cap="flat" cmpd="sng" algn="ctr">
+                      <a:solidFill>
+                        <a:schemeClr val="tx1"/>
+                      </a:solidFill>
+                      <a:prstDash val="solid"/>
+                      <a:round/>
+                      <a:headEnd type="none" w="med" len="med"/>
+                      <a:tailEnd type="none" w="med" len="med"/>
+                    </a:lnL>
+                    <a:lnR w="12700" cap="flat" cmpd="sng" algn="ctr">
+                      <a:solidFill>
+                        <a:schemeClr val="tx1"/>
+                      </a:solidFill>
+                      <a:prstDash val="solid"/>
+                      <a:round/>
+                      <a:headEnd type="none" w="med" len="med"/>
+                      <a:tailEnd type="none" w="med" len="med"/>
+                    </a:lnR>
+                    <a:lnT w="12700" cap="flat" cmpd="sng" algn="ctr">
+                      <a:solidFill>
+                        <a:schemeClr val="tx1"/>
+                      </a:solidFill>
+                      <a:prstDash val="solid"/>
+                      <a:round/>
+                      <a:headEnd type="none" w="med" len="med"/>
+                      <a:tailEnd type="none" w="med" len="med"/>
+                    </a:lnT>
+                    <a:lnB w="12700" cap="flat" cmpd="sng" algn="ctr">
+                      <a:solidFill>
+                        <a:schemeClr val="tx1"/>
+                      </a:solidFill>
+                      <a:prstDash val="solid"/>
+                      <a:round/>
+                      <a:headEnd type="none" w="med" len="med"/>
+                      <a:tailEnd type="none" w="med" len="med"/>
+                    </a:lnB>
+                    <a:solidFill>
+                      <a:schemeClr val="bg1"/>
+                    </a:solidFill>
+                  </a:tcPr>
+                </a:tc>
+                <a:tc>
+                  <a:txBody>
+                    <a:bodyPr/>
+                    <a:lstStyle/>
+                    <a:p>
+                      <a:pPr algn="ctr"/>
+                      <a:r>
+                        <a:rPr lang="it-IT" sz="1600" dirty="0" smtClean="0">
+                          <a:solidFill>
+                            <a:schemeClr val="tx1"/>
+                          </a:solidFill>
+                        </a:rPr>
+                        <a:t>2</a:t>
+                      </a:r>
+                      <a:endParaRPr lang="it-IT" sz="1600" dirty="0">
+                        <a:solidFill>
+                          <a:schemeClr val="tx1"/>
+                        </a:solidFill>
+                      </a:endParaRPr>
+                    </a:p>
+                  </a:txBody>
+                  <a:tcPr marL="80792" marR="80792" marT="40396" marB="40396">
+                    <a:lnL w="12700" cap="flat" cmpd="sng" algn="ctr">
+                      <a:solidFill>
+                        <a:schemeClr val="tx1"/>
+                      </a:solidFill>
+                      <a:prstDash val="solid"/>
+                      <a:round/>
+                      <a:headEnd type="none" w="med" len="med"/>
+                      <a:tailEnd type="none" w="med" len="med"/>
+                    </a:lnL>
+                    <a:lnR w="12700" cap="flat" cmpd="sng" algn="ctr">
+                      <a:solidFill>
+                        <a:schemeClr val="tx1"/>
+                      </a:solidFill>
+                      <a:prstDash val="solid"/>
+                      <a:round/>
+                      <a:headEnd type="none" w="med" len="med"/>
+                      <a:tailEnd type="none" w="med" len="med"/>
+                    </a:lnR>
+                    <a:lnT w="12700" cap="flat" cmpd="sng" algn="ctr">
+                      <a:solidFill>
+                        <a:schemeClr val="tx1"/>
+                      </a:solidFill>
+                      <a:prstDash val="solid"/>
+                      <a:round/>
+                      <a:headEnd type="none" w="med" len="med"/>
+                      <a:tailEnd type="none" w="med" len="med"/>
+                    </a:lnT>
+                    <a:lnB w="12700" cap="flat" cmpd="sng" algn="ctr">
+                      <a:solidFill>
+                        <a:schemeClr val="tx1"/>
+                      </a:solidFill>
+                      <a:prstDash val="solid"/>
+                      <a:round/>
+                      <a:headEnd type="none" w="med" len="med"/>
+                      <a:tailEnd type="none" w="med" len="med"/>
+                    </a:lnB>
+                    <a:solidFill>
+                      <a:schemeClr val="bg1"/>
+                    </a:solidFill>
+                  </a:tcPr>
+                </a:tc>
+                <a:tc>
+                  <a:txBody>
+                    <a:bodyPr/>
+                    <a:lstStyle/>
+                    <a:p>
+                      <a:pPr algn="ctr"/>
+                      <a:r>
+                        <a:rPr lang="it-IT" sz="1600" dirty="0" smtClean="0">
+                          <a:solidFill>
+                            <a:schemeClr val="tx1"/>
+                          </a:solidFill>
+                        </a:rPr>
+                        <a:t>3</a:t>
+                      </a:r>
+                      <a:endParaRPr lang="it-IT" sz="1600" dirty="0">
+                        <a:solidFill>
+                          <a:schemeClr val="tx1"/>
+                        </a:solidFill>
+                      </a:endParaRPr>
+                    </a:p>
+                  </a:txBody>
+                  <a:tcPr marL="80792" marR="80792" marT="40396" marB="40396">
+                    <a:lnL w="12700" cap="flat" cmpd="sng" algn="ctr">
+                      <a:solidFill>
+                        <a:schemeClr val="tx1"/>
+                      </a:solidFill>
+                      <a:prstDash val="solid"/>
+                      <a:round/>
+                      <a:headEnd type="none" w="med" len="med"/>
+                      <a:tailEnd type="none" w="med" len="med"/>
+                    </a:lnL>
+                    <a:lnR w="12700" cap="flat" cmpd="sng" algn="ctr">
+                      <a:solidFill>
+                        <a:schemeClr val="tx1"/>
+                      </a:solidFill>
+                      <a:prstDash val="solid"/>
+                      <a:round/>
+                      <a:headEnd type="none" w="med" len="med"/>
+                      <a:tailEnd type="none" w="med" len="med"/>
+                    </a:lnR>
+                    <a:lnT w="12700" cap="flat" cmpd="sng" algn="ctr">
+                      <a:solidFill>
+                        <a:schemeClr val="tx1"/>
+                      </a:solidFill>
+                      <a:prstDash val="solid"/>
+                      <a:round/>
+                      <a:headEnd type="none" w="med" len="med"/>
+                      <a:tailEnd type="none" w="med" len="med"/>
+                    </a:lnT>
+                    <a:lnB w="12700" cap="flat" cmpd="sng" algn="ctr">
+                      <a:solidFill>
+                        <a:schemeClr val="tx1"/>
+                      </a:solidFill>
+                      <a:prstDash val="solid"/>
+                      <a:round/>
+                      <a:headEnd type="none" w="med" len="med"/>
+                      <a:tailEnd type="none" w="med" len="med"/>
+                    </a:lnB>
+                    <a:solidFill>
+                      <a:schemeClr val="bg1"/>
+                    </a:solidFill>
+                  </a:tcPr>
+                </a:tc>
+                <a:tc>
+                  <a:txBody>
+                    <a:bodyPr/>
+                    <a:lstStyle/>
+                    <a:p>
+                      <a:pPr algn="ctr"/>
+                      <a:r>
+                        <a:rPr lang="it-IT" sz="1600" dirty="0" smtClean="0">
+                          <a:solidFill>
+                            <a:schemeClr val="tx1"/>
+                          </a:solidFill>
+                        </a:rPr>
+                        <a:t>4</a:t>
+                      </a:r>
+                      <a:endParaRPr lang="it-IT" sz="1600" dirty="0">
+                        <a:solidFill>
+                          <a:schemeClr val="tx1"/>
+                        </a:solidFill>
+                      </a:endParaRPr>
+                    </a:p>
+                  </a:txBody>
+                  <a:tcPr marL="80792" marR="80792" marT="40396" marB="40396">
+                    <a:lnL w="12700" cap="flat" cmpd="sng" algn="ctr">
+                      <a:solidFill>
+                        <a:schemeClr val="tx1"/>
+                      </a:solidFill>
+                      <a:prstDash val="solid"/>
+                      <a:round/>
+                      <a:headEnd type="none" w="med" len="med"/>
+                      <a:tailEnd type="none" w="med" len="med"/>
+                    </a:lnL>
+                    <a:lnR w="12700" cap="flat" cmpd="sng" algn="ctr">
+                      <a:solidFill>
+                        <a:schemeClr val="tx1"/>
+                      </a:solidFill>
+                      <a:prstDash val="solid"/>
+                      <a:round/>
+                      <a:headEnd type="none" w="med" len="med"/>
+                      <a:tailEnd type="none" w="med" len="med"/>
+                    </a:lnR>
+                    <a:lnT w="12700" cap="flat" cmpd="sng" algn="ctr">
+                      <a:solidFill>
+                        <a:schemeClr val="tx1"/>
+                      </a:solidFill>
+                      <a:prstDash val="solid"/>
+                      <a:round/>
+                      <a:headEnd type="none" w="med" len="med"/>
+                      <a:tailEnd type="none" w="med" len="med"/>
+                    </a:lnT>
+                    <a:lnB w="12700" cap="flat" cmpd="sng" algn="ctr">
+                      <a:solidFill>
+                        <a:schemeClr val="tx1"/>
+                      </a:solidFill>
+                      <a:prstDash val="solid"/>
+                      <a:round/>
+                      <a:headEnd type="none" w="med" len="med"/>
+                      <a:tailEnd type="none" w="med" len="med"/>
+                    </a:lnB>
+                    <a:solidFill>
+                      <a:schemeClr val="bg1"/>
+                    </a:solidFill>
+                  </a:tcPr>
+                </a:tc>
+                <a:tc>
+                  <a:txBody>
+                    <a:bodyPr/>
+                    <a:lstStyle/>
+                    <a:p>
+                      <a:pPr algn="ctr"/>
+                      <a:endParaRPr lang="it-IT" sz="1600" dirty="0">
+                        <a:solidFill>
+                          <a:schemeClr val="tx1"/>
+                        </a:solidFill>
+                      </a:endParaRPr>
+                    </a:p>
+                  </a:txBody>
+                  <a:tcPr marL="80792" marR="80792" marT="40396" marB="40396">
+                    <a:lnL w="12700" cap="flat" cmpd="sng" algn="ctr">
+                      <a:solidFill>
+                        <a:schemeClr val="tx1"/>
+                      </a:solidFill>
+                      <a:prstDash val="solid"/>
+                      <a:round/>
+                      <a:headEnd type="none" w="med" len="med"/>
+                      <a:tailEnd type="none" w="med" len="med"/>
+                    </a:lnL>
+                    <a:lnR w="12700" cap="flat" cmpd="sng" algn="ctr">
+                      <a:solidFill>
+                        <a:schemeClr val="tx1"/>
+                      </a:solidFill>
+                      <a:prstDash val="solid"/>
+                      <a:round/>
+                      <a:headEnd type="none" w="med" len="med"/>
+                      <a:tailEnd type="none" w="med" len="med"/>
+                    </a:lnR>
+                    <a:lnT w="12700" cap="flat" cmpd="sng" algn="ctr">
+                      <a:solidFill>
+                        <a:schemeClr val="tx1"/>
+                      </a:solidFill>
+                      <a:prstDash val="solid"/>
+                      <a:round/>
+                      <a:headEnd type="none" w="med" len="med"/>
+                      <a:tailEnd type="none" w="med" len="med"/>
+                    </a:lnT>
+                    <a:lnB w="12700" cap="flat" cmpd="sng" algn="ctr">
+                      <a:solidFill>
+                        <a:schemeClr val="tx1"/>
+                      </a:solidFill>
+                      <a:prstDash val="solid"/>
+                      <a:round/>
+                      <a:headEnd type="none" w="med" len="med"/>
+                      <a:tailEnd type="none" w="med" len="med"/>
+                    </a:lnB>
+                    <a:solidFill>
+                      <a:schemeClr val="bg1"/>
+                    </a:solidFill>
+                  </a:tcPr>
+                </a:tc>
+                <a:tc>
+                  <a:txBody>
+                    <a:bodyPr/>
+                    <a:lstStyle/>
+                    <a:p>
+                      <a:pPr algn="ctr"/>
+                      <a:r>
+                        <a:rPr lang="it-IT" sz="1600" dirty="0" smtClean="0">
+                          <a:solidFill>
+                            <a:schemeClr val="tx1"/>
+                          </a:solidFill>
+                        </a:rPr>
+                        <a:t>6</a:t>
+                      </a:r>
+                      <a:endParaRPr lang="it-IT" sz="1600" dirty="0">
+                        <a:solidFill>
+                          <a:schemeClr val="tx1"/>
+                        </a:solidFill>
+                      </a:endParaRPr>
+                    </a:p>
+                  </a:txBody>
+                  <a:tcPr marL="80792" marR="80792" marT="40396" marB="40396">
+                    <a:lnL w="12700" cap="flat" cmpd="sng" algn="ctr">
+                      <a:solidFill>
+                        <a:schemeClr val="tx1"/>
+                      </a:solidFill>
+                      <a:prstDash val="solid"/>
+                      <a:round/>
+                      <a:headEnd type="none" w="med" len="med"/>
+                      <a:tailEnd type="none" w="med" len="med"/>
+                    </a:lnL>
+                    <a:lnR w="12700" cap="flat" cmpd="sng" algn="ctr">
+                      <a:solidFill>
+                        <a:schemeClr val="tx1"/>
+                      </a:solidFill>
+                      <a:prstDash val="solid"/>
+                      <a:round/>
+                      <a:headEnd type="none" w="med" len="med"/>
+                      <a:tailEnd type="none" w="med" len="med"/>
+                    </a:lnR>
+                    <a:lnT w="12700" cap="flat" cmpd="sng" algn="ctr">
+                      <a:solidFill>
+                        <a:schemeClr val="tx1"/>
+                      </a:solidFill>
+                      <a:prstDash val="solid"/>
+                      <a:round/>
+                      <a:headEnd type="none" w="med" len="med"/>
+                      <a:tailEnd type="none" w="med" len="med"/>
+                    </a:lnT>
+                    <a:lnB w="12700" cap="flat" cmpd="sng" algn="ctr">
+                      <a:solidFill>
+                        <a:schemeClr val="tx1"/>
+                      </a:solidFill>
+                      <a:prstDash val="solid"/>
+                      <a:round/>
+                      <a:headEnd type="none" w="med" len="med"/>
+                      <a:tailEnd type="none" w="med" len="med"/>
+                    </a:lnB>
+                    <a:solidFill>
+                      <a:schemeClr val="bg1"/>
+                    </a:solidFill>
+                  </a:tcPr>
+                </a:tc>
+                <a:extLst>
+                  <a:ext uri="{0D108BD9-81ED-4DB2-BD59-A6C34878D82A}">
+                    <a16:rowId xmlns:a16="http://schemas.microsoft.com/office/drawing/2014/main" val="4069182149"/>
+                  </a:ext>
+                </a:extLst>
+              </a:tr>
+            </a:tbl>
+          </a:graphicData>
+        </a:graphic>
+      </p:graphicFrame>
+      <p:graphicFrame>
+        <p:nvGraphicFramePr>
+          <p:cNvPr id="48" name="Tabella 2">
+            <a:extLst>
+              <a:ext uri="{FF2B5EF4-FFF2-40B4-BE49-F238E27FC236}">
+                <a16:creationId xmlns:a16="http://schemas.microsoft.com/office/drawing/2014/main" id="{ABE8FCC2-9701-4CFD-A72E-1BA021145684}"/>
+              </a:ext>
+            </a:extLst>
+          </p:cNvPr>
+          <p:cNvGraphicFramePr>
+            <a:graphicFrameLocks noGrp="1"/>
+          </p:cNvGraphicFramePr>
+          <p:nvPr>
+            <p:extLst>
+              <p:ext uri="{D42A27DB-BD31-4B8C-83A1-F6EECF244321}">
+                <p14:modId xmlns:p14="http://schemas.microsoft.com/office/powerpoint/2010/main" val="1986080334"/>
+              </p:ext>
+            </p:extLst>
+          </p:nvPr>
+        </p:nvGraphicFramePr>
+        <p:xfrm>
+          <a:off x="5506011" y="4088232"/>
+          <a:ext cx="334330" cy="327657"/>
+        </p:xfrm>
+        <a:graphic>
+          <a:graphicData uri="http://schemas.openxmlformats.org/drawingml/2006/table">
+            <a:tbl>
+              <a:tblPr firstRow="1" bandRow="1">
+                <a:tableStyleId>{5C22544A-7EE6-4342-B048-85BDC9FD1C3A}</a:tableStyleId>
+              </a:tblPr>
+              <a:tblGrid>
+                <a:gridCol w="334330">
+                  <a:extLst>
+                    <a:ext uri="{9D8B030D-6E8A-4147-A177-3AD203B41FA5}">
+                      <a16:colId xmlns:a16="http://schemas.microsoft.com/office/drawing/2014/main" val="2411167900"/>
+                    </a:ext>
+                  </a:extLst>
+                </a:gridCol>
+              </a:tblGrid>
+              <a:tr h="327657">
+                <a:tc>
+                  <a:txBody>
+                    <a:bodyPr/>
+                    <a:lstStyle/>
+                    <a:p>
+                      <a:pPr algn="ctr"/>
+                      <a:r>
+                        <a:rPr lang="it-IT" sz="1600" dirty="0" smtClean="0">
+                          <a:solidFill>
+                            <a:schemeClr val="tx1"/>
+                          </a:solidFill>
+                        </a:rPr>
+                        <a:t>5</a:t>
+                      </a:r>
+                      <a:endParaRPr lang="it-IT" sz="1600" dirty="0">
+                        <a:solidFill>
+                          <a:schemeClr val="tx1"/>
+                        </a:solidFill>
+                      </a:endParaRPr>
+                    </a:p>
+                  </a:txBody>
+                  <a:tcPr marL="80792" marR="80792" marT="40396" marB="40396">
+                    <a:lnL w="12700" cap="flat" cmpd="sng" algn="ctr">
+                      <a:solidFill>
+                        <a:schemeClr val="tx1"/>
+                      </a:solidFill>
+                      <a:prstDash val="solid"/>
+                      <a:round/>
+                      <a:headEnd type="none" w="med" len="med"/>
+                      <a:tailEnd type="none" w="med" len="med"/>
+                    </a:lnL>
+                    <a:lnR w="12700" cap="flat" cmpd="sng" algn="ctr">
+                      <a:solidFill>
+                        <a:schemeClr val="tx1"/>
+                      </a:solidFill>
+                      <a:prstDash val="solid"/>
+                      <a:round/>
+                      <a:headEnd type="none" w="med" len="med"/>
+                      <a:tailEnd type="none" w="med" len="med"/>
+                    </a:lnR>
+                    <a:lnT w="12700" cap="flat" cmpd="sng" algn="ctr">
+                      <a:solidFill>
+                        <a:schemeClr val="tx1"/>
+                      </a:solidFill>
+                      <a:prstDash val="solid"/>
+                      <a:round/>
+                      <a:headEnd type="none" w="med" len="med"/>
+                      <a:tailEnd type="none" w="med" len="med"/>
+                    </a:lnT>
+                    <a:lnB w="12700" cap="flat" cmpd="sng" algn="ctr">
+                      <a:solidFill>
+                        <a:schemeClr val="tx1"/>
+                      </a:solidFill>
+                      <a:prstDash val="solid"/>
+                      <a:round/>
+                      <a:headEnd type="none" w="med" len="med"/>
+                      <a:tailEnd type="none" w="med" len="med"/>
+                    </a:lnB>
+                    <a:solidFill>
+                      <a:srgbClr val="00B050"/>
+                    </a:solidFill>
+                  </a:tcPr>
+                </a:tc>
+                <a:extLst>
+                  <a:ext uri="{0D108BD9-81ED-4DB2-BD59-A6C34878D82A}">
+                    <a16:rowId xmlns:a16="http://schemas.microsoft.com/office/drawing/2014/main" val="4069182149"/>
+                  </a:ext>
+                </a:extLst>
+              </a:tr>
+            </a:tbl>
+          </a:graphicData>
+        </a:graphic>
+      </p:graphicFrame>
+      <p:cxnSp>
+        <p:nvCxnSpPr>
+          <p:cNvPr id="50" name="Connettore 2 49"/>
+          <p:cNvCxnSpPr/>
+          <p:nvPr/>
+        </p:nvCxnSpPr>
+        <p:spPr>
+          <a:xfrm flipH="1">
+            <a:off x="5328765" y="4415889"/>
+            <a:ext cx="344411" cy="461069"/>
+          </a:xfrm>
+          <a:prstGeom prst="straightConnector1">
+            <a:avLst/>
+          </a:prstGeom>
+          <a:ln>
+            <a:tailEnd type="triangle"/>
+          </a:ln>
+        </p:spPr>
+        <p:style>
+          <a:lnRef idx="1">
+            <a:schemeClr val="dk1"/>
+          </a:lnRef>
+          <a:fillRef idx="0">
+            <a:schemeClr val="dk1"/>
+          </a:fillRef>
+          <a:effectRef idx="0">
+            <a:schemeClr val="dk1"/>
+          </a:effectRef>
+          <a:fontRef idx="minor">
+            <a:schemeClr val="tx1"/>
+          </a:fontRef>
+        </p:style>
+      </p:cxnSp>
+      <p:cxnSp>
+        <p:nvCxnSpPr>
+          <p:cNvPr id="52" name="Connettore 2 51"/>
+          <p:cNvCxnSpPr>
+            <a:stCxn id="48" idx="2"/>
+          </p:cNvCxnSpPr>
+          <p:nvPr/>
+        </p:nvCxnSpPr>
+        <p:spPr>
+          <a:xfrm flipH="1">
+            <a:off x="5651572" y="4415889"/>
+            <a:ext cx="21604" cy="456137"/>
+          </a:xfrm>
+          <a:prstGeom prst="straightConnector1">
+            <a:avLst/>
+          </a:prstGeom>
+          <a:ln>
+            <a:tailEnd type="triangle"/>
+          </a:ln>
+        </p:spPr>
+        <p:style>
+          <a:lnRef idx="1">
+            <a:schemeClr val="dk1"/>
+          </a:lnRef>
+          <a:fillRef idx="0">
+            <a:schemeClr val="dk1"/>
+          </a:fillRef>
+          <a:effectRef idx="0">
+            <a:schemeClr val="dk1"/>
+          </a:effectRef>
+          <a:fontRef idx="minor">
+            <a:schemeClr val="tx1"/>
+          </a:fontRef>
+        </p:style>
+      </p:cxnSp>
+      <p:cxnSp>
+        <p:nvCxnSpPr>
+          <p:cNvPr id="53" name="Connettore 2 52"/>
+          <p:cNvCxnSpPr>
+            <a:stCxn id="48" idx="2"/>
+          </p:cNvCxnSpPr>
+          <p:nvPr/>
+        </p:nvCxnSpPr>
+        <p:spPr>
+          <a:xfrm>
+            <a:off x="5673176" y="4415889"/>
+            <a:ext cx="312726" cy="456137"/>
+          </a:xfrm>
+          <a:prstGeom prst="straightConnector1">
+            <a:avLst/>
+          </a:prstGeom>
+          <a:ln>
+            <a:tailEnd type="triangle"/>
+          </a:ln>
+        </p:spPr>
+        <p:style>
+          <a:lnRef idx="1">
+            <a:schemeClr val="dk1"/>
+          </a:lnRef>
+          <a:fillRef idx="0">
+            <a:schemeClr val="dk1"/>
+          </a:fillRef>
+          <a:effectRef idx="0">
+            <a:schemeClr val="dk1"/>
+          </a:effectRef>
+          <a:fontRef idx="minor">
+            <a:schemeClr val="tx1"/>
+          </a:fontRef>
+        </p:style>
+      </p:cxnSp>
+      <p:cxnSp>
+        <p:nvCxnSpPr>
+          <p:cNvPr id="54" name="Connettore 2 53"/>
+          <p:cNvCxnSpPr>
+            <a:stCxn id="48" idx="2"/>
+          </p:cNvCxnSpPr>
+          <p:nvPr/>
+        </p:nvCxnSpPr>
+        <p:spPr>
+          <a:xfrm>
+            <a:off x="5673176" y="4415889"/>
+            <a:ext cx="655707" cy="456137"/>
+          </a:xfrm>
+          <a:prstGeom prst="straightConnector1">
+            <a:avLst/>
+          </a:prstGeom>
+          <a:ln>
+            <a:tailEnd type="triangle"/>
+          </a:ln>
+        </p:spPr>
+        <p:style>
+          <a:lnRef idx="1">
+            <a:schemeClr val="dk1"/>
+          </a:lnRef>
+          <a:fillRef idx="0">
+            <a:schemeClr val="dk1"/>
+          </a:fillRef>
+          <a:effectRef idx="0">
+            <a:schemeClr val="dk1"/>
+          </a:effectRef>
+          <a:fontRef idx="minor">
+            <a:schemeClr val="tx1"/>
+          </a:fontRef>
+        </p:style>
+      </p:cxnSp>
+      <p:cxnSp>
+        <p:nvCxnSpPr>
+          <p:cNvPr id="55" name="Connettore 2 54"/>
+          <p:cNvCxnSpPr>
+            <a:stCxn id="48" idx="2"/>
+          </p:cNvCxnSpPr>
+          <p:nvPr/>
+        </p:nvCxnSpPr>
+        <p:spPr>
+          <a:xfrm>
+            <a:off x="5673176" y="4415889"/>
+            <a:ext cx="1250883" cy="456137"/>
+          </a:xfrm>
+          <a:prstGeom prst="straightConnector1">
+            <a:avLst/>
+          </a:prstGeom>
+          <a:ln>
+            <a:tailEnd type="triangle"/>
+          </a:ln>
+        </p:spPr>
+        <p:style>
+          <a:lnRef idx="1">
+            <a:schemeClr val="dk1"/>
+          </a:lnRef>
+          <a:fillRef idx="0">
+            <a:schemeClr val="dk1"/>
+          </a:fillRef>
+          <a:effectRef idx="0">
+            <a:schemeClr val="dk1"/>
+          </a:effectRef>
+          <a:fontRef idx="minor">
+            <a:schemeClr val="tx1"/>
+          </a:fontRef>
+        </p:style>
+      </p:cxnSp>
+      <p:graphicFrame>
+        <p:nvGraphicFramePr>
+          <p:cNvPr id="56" name="Tabella 2">
+            <a:extLst>
+              <a:ext uri="{FF2B5EF4-FFF2-40B4-BE49-F238E27FC236}">
+                <a16:creationId xmlns:a16="http://schemas.microsoft.com/office/drawing/2014/main" id="{ABE8FCC2-9701-4CFD-A72E-1BA021145684}"/>
+              </a:ext>
+            </a:extLst>
+          </p:cNvPr>
+          <p:cNvGraphicFramePr>
+            <a:graphicFrameLocks noGrp="1"/>
+          </p:cNvGraphicFramePr>
+          <p:nvPr>
+            <p:extLst>
+              <p:ext uri="{D42A27DB-BD31-4B8C-83A1-F6EECF244321}">
+                <p14:modId xmlns:p14="http://schemas.microsoft.com/office/powerpoint/2010/main" val="4276778760"/>
+              </p:ext>
+            </p:extLst>
+          </p:nvPr>
+        </p:nvGraphicFramePr>
+        <p:xfrm>
+          <a:off x="5157589" y="6104061"/>
+          <a:ext cx="2005980" cy="327657"/>
+        </p:xfrm>
+        <a:graphic>
+          <a:graphicData uri="http://schemas.openxmlformats.org/drawingml/2006/table">
+            <a:tbl>
+              <a:tblPr firstRow="1" bandRow="1">
+                <a:tableStyleId>{5C22544A-7EE6-4342-B048-85BDC9FD1C3A}</a:tableStyleId>
+              </a:tblPr>
+              <a:tblGrid>
+                <a:gridCol w="334330">
+                  <a:extLst>
+                    <a:ext uri="{9D8B030D-6E8A-4147-A177-3AD203B41FA5}">
+                      <a16:colId xmlns:a16="http://schemas.microsoft.com/office/drawing/2014/main" val="2411167900"/>
+                    </a:ext>
+                  </a:extLst>
+                </a:gridCol>
+                <a:gridCol w="334330">
+                  <a:extLst>
+                    <a:ext uri="{9D8B030D-6E8A-4147-A177-3AD203B41FA5}">
+                      <a16:colId xmlns:a16="http://schemas.microsoft.com/office/drawing/2014/main" val="831540765"/>
+                    </a:ext>
+                  </a:extLst>
+                </a:gridCol>
+                <a:gridCol w="334330">
+                  <a:extLst>
+                    <a:ext uri="{9D8B030D-6E8A-4147-A177-3AD203B41FA5}">
+                      <a16:colId xmlns:a16="http://schemas.microsoft.com/office/drawing/2014/main" val="649092517"/>
+                    </a:ext>
+                  </a:extLst>
+                </a:gridCol>
+                <a:gridCol w="334330">
+                  <a:extLst>
+                    <a:ext uri="{9D8B030D-6E8A-4147-A177-3AD203B41FA5}">
+                      <a16:colId xmlns:a16="http://schemas.microsoft.com/office/drawing/2014/main" val="3305632144"/>
+                    </a:ext>
+                  </a:extLst>
+                </a:gridCol>
+                <a:gridCol w="334330">
+                  <a:extLst>
+                    <a:ext uri="{9D8B030D-6E8A-4147-A177-3AD203B41FA5}">
+                      <a16:colId xmlns:a16="http://schemas.microsoft.com/office/drawing/2014/main" val="684211681"/>
+                    </a:ext>
+                  </a:extLst>
+                </a:gridCol>
+                <a:gridCol w="334330">
+                  <a:extLst>
+                    <a:ext uri="{9D8B030D-6E8A-4147-A177-3AD203B41FA5}">
+                      <a16:colId xmlns:a16="http://schemas.microsoft.com/office/drawing/2014/main" val="1758649648"/>
+                    </a:ext>
+                  </a:extLst>
+                </a:gridCol>
+              </a:tblGrid>
+              <a:tr h="327657">
+                <a:tc>
+                  <a:txBody>
+                    <a:bodyPr/>
+                    <a:lstStyle/>
+                    <a:p>
+                      <a:pPr algn="ctr"/>
+                      <a:r>
+                        <a:rPr lang="it-IT" sz="1600" dirty="0" smtClean="0">
+                          <a:solidFill>
+                            <a:schemeClr val="tx1"/>
+                          </a:solidFill>
+                        </a:rPr>
+                        <a:t>1</a:t>
+                      </a:r>
+                      <a:endParaRPr lang="it-IT" sz="1600" dirty="0">
+                        <a:solidFill>
+                          <a:schemeClr val="tx1"/>
+                        </a:solidFill>
+                      </a:endParaRPr>
+                    </a:p>
+                  </a:txBody>
+                  <a:tcPr marL="80792" marR="80792" marT="40396" marB="40396">
+                    <a:lnL w="12700" cap="flat" cmpd="sng" algn="ctr">
+                      <a:solidFill>
+                        <a:schemeClr val="tx1"/>
+                      </a:solidFill>
+                      <a:prstDash val="solid"/>
+                      <a:round/>
+                      <a:headEnd type="none" w="med" len="med"/>
+                      <a:tailEnd type="none" w="med" len="med"/>
+                    </a:lnL>
+                    <a:lnR w="12700" cap="flat" cmpd="sng" algn="ctr">
+                      <a:solidFill>
+                        <a:schemeClr val="tx1"/>
+                      </a:solidFill>
+                      <a:prstDash val="solid"/>
+                      <a:round/>
+                      <a:headEnd type="none" w="med" len="med"/>
+                      <a:tailEnd type="none" w="med" len="med"/>
+                    </a:lnR>
+                    <a:lnT w="12700" cap="flat" cmpd="sng" algn="ctr">
+                      <a:solidFill>
+                        <a:schemeClr val="tx1"/>
+                      </a:solidFill>
+                      <a:prstDash val="solid"/>
+                      <a:round/>
+                      <a:headEnd type="none" w="med" len="med"/>
+                      <a:tailEnd type="none" w="med" len="med"/>
+                    </a:lnT>
+                    <a:lnB w="12700" cap="flat" cmpd="sng" algn="ctr">
+                      <a:solidFill>
+                        <a:schemeClr val="tx1"/>
+                      </a:solidFill>
+                      <a:prstDash val="solid"/>
+                      <a:round/>
+                      <a:headEnd type="none" w="med" len="med"/>
+                      <a:tailEnd type="none" w="med" len="med"/>
+                    </a:lnB>
+                    <a:solidFill>
+                      <a:schemeClr val="bg1"/>
+                    </a:solidFill>
+                  </a:tcPr>
+                </a:tc>
+                <a:tc>
+                  <a:txBody>
+                    <a:bodyPr/>
+                    <a:lstStyle/>
+                    <a:p>
+                      <a:pPr algn="ctr"/>
+                      <a:r>
+                        <a:rPr lang="it-IT" sz="1600" dirty="0" smtClean="0">
+                          <a:solidFill>
+                            <a:schemeClr val="tx1"/>
+                          </a:solidFill>
+                        </a:rPr>
+                        <a:t>2</a:t>
+                      </a:r>
+                      <a:endParaRPr lang="it-IT" sz="1600" dirty="0">
+                        <a:solidFill>
+                          <a:schemeClr val="tx1"/>
+                        </a:solidFill>
+                      </a:endParaRPr>
+                    </a:p>
+                  </a:txBody>
+                  <a:tcPr marL="80792" marR="80792" marT="40396" marB="40396">
+                    <a:lnL w="12700" cap="flat" cmpd="sng" algn="ctr">
+                      <a:solidFill>
+                        <a:schemeClr val="tx1"/>
+                      </a:solidFill>
+                      <a:prstDash val="solid"/>
+                      <a:round/>
+                      <a:headEnd type="none" w="med" len="med"/>
+                      <a:tailEnd type="none" w="med" len="med"/>
+                    </a:lnL>
+                    <a:lnR w="12700" cap="flat" cmpd="sng" algn="ctr">
+                      <a:solidFill>
+                        <a:schemeClr val="tx1"/>
+                      </a:solidFill>
+                      <a:prstDash val="solid"/>
+                      <a:round/>
+                      <a:headEnd type="none" w="med" len="med"/>
+                      <a:tailEnd type="none" w="med" len="med"/>
+                    </a:lnR>
+                    <a:lnT w="12700" cap="flat" cmpd="sng" algn="ctr">
+                      <a:solidFill>
+                        <a:schemeClr val="tx1"/>
+                      </a:solidFill>
+                      <a:prstDash val="solid"/>
+                      <a:round/>
+                      <a:headEnd type="none" w="med" len="med"/>
+                      <a:tailEnd type="none" w="med" len="med"/>
+                    </a:lnT>
+                    <a:lnB w="12700" cap="flat" cmpd="sng" algn="ctr">
+                      <a:solidFill>
+                        <a:schemeClr val="tx1"/>
+                      </a:solidFill>
+                      <a:prstDash val="solid"/>
+                      <a:round/>
+                      <a:headEnd type="none" w="med" len="med"/>
+                      <a:tailEnd type="none" w="med" len="med"/>
+                    </a:lnB>
+                    <a:solidFill>
+                      <a:schemeClr val="bg1"/>
+                    </a:solidFill>
+                  </a:tcPr>
+                </a:tc>
+                <a:tc>
+                  <a:txBody>
+                    <a:bodyPr/>
+                    <a:lstStyle/>
+                    <a:p>
+                      <a:pPr algn="ctr"/>
+                      <a:r>
+                        <a:rPr lang="it-IT" sz="1600" dirty="0" smtClean="0">
+                          <a:solidFill>
+                            <a:schemeClr val="tx1"/>
+                          </a:solidFill>
+                        </a:rPr>
+                        <a:t>3</a:t>
+                      </a:r>
+                      <a:endParaRPr lang="it-IT" sz="1600" dirty="0">
+                        <a:solidFill>
+                          <a:schemeClr val="tx1"/>
+                        </a:solidFill>
+                      </a:endParaRPr>
+                    </a:p>
+                  </a:txBody>
+                  <a:tcPr marL="80792" marR="80792" marT="40396" marB="40396">
+                    <a:lnL w="12700" cap="flat" cmpd="sng" algn="ctr">
+                      <a:solidFill>
+                        <a:schemeClr val="tx1"/>
+                      </a:solidFill>
+                      <a:prstDash val="solid"/>
+                      <a:round/>
+                      <a:headEnd type="none" w="med" len="med"/>
+                      <a:tailEnd type="none" w="med" len="med"/>
+                    </a:lnL>
+                    <a:lnR w="12700" cap="flat" cmpd="sng" algn="ctr">
+                      <a:solidFill>
+                        <a:schemeClr val="tx1"/>
+                      </a:solidFill>
+                      <a:prstDash val="solid"/>
+                      <a:round/>
+                      <a:headEnd type="none" w="med" len="med"/>
+                      <a:tailEnd type="none" w="med" len="med"/>
+                    </a:lnR>
+                    <a:lnT w="12700" cap="flat" cmpd="sng" algn="ctr">
+                      <a:solidFill>
+                        <a:schemeClr val="tx1"/>
+                      </a:solidFill>
+                      <a:prstDash val="solid"/>
+                      <a:round/>
+                      <a:headEnd type="none" w="med" len="med"/>
+                      <a:tailEnd type="none" w="med" len="med"/>
+                    </a:lnT>
+                    <a:lnB w="12700" cap="flat" cmpd="sng" algn="ctr">
+                      <a:solidFill>
+                        <a:schemeClr val="tx1"/>
+                      </a:solidFill>
+                      <a:prstDash val="solid"/>
+                      <a:round/>
+                      <a:headEnd type="none" w="med" len="med"/>
+                      <a:tailEnd type="none" w="med" len="med"/>
+                    </a:lnB>
+                    <a:solidFill>
+                      <a:schemeClr val="bg1"/>
+                    </a:solidFill>
+                  </a:tcPr>
+                </a:tc>
+                <a:tc>
+                  <a:txBody>
+                    <a:bodyPr/>
+                    <a:lstStyle/>
+                    <a:p>
+                      <a:pPr algn="ctr"/>
+                      <a:r>
+                        <a:rPr lang="it-IT" sz="1600" dirty="0" smtClean="0">
+                          <a:solidFill>
+                            <a:schemeClr val="tx1"/>
+                          </a:solidFill>
+                        </a:rPr>
+                        <a:t>5</a:t>
+                      </a:r>
+                      <a:endParaRPr lang="it-IT" sz="1600" dirty="0">
+                        <a:solidFill>
+                          <a:schemeClr val="tx1"/>
+                        </a:solidFill>
+                      </a:endParaRPr>
+                    </a:p>
+                  </a:txBody>
+                  <a:tcPr marL="80792" marR="80792" marT="40396" marB="40396">
+                    <a:lnL w="12700" cap="flat" cmpd="sng" algn="ctr">
+                      <a:solidFill>
+                        <a:schemeClr val="tx1"/>
+                      </a:solidFill>
+                      <a:prstDash val="solid"/>
+                      <a:round/>
+                      <a:headEnd type="none" w="med" len="med"/>
+                      <a:tailEnd type="none" w="med" len="med"/>
+                    </a:lnL>
+                    <a:lnR w="12700" cap="flat" cmpd="sng" algn="ctr">
+                      <a:solidFill>
+                        <a:schemeClr val="tx1"/>
+                      </a:solidFill>
+                      <a:prstDash val="solid"/>
+                      <a:round/>
+                      <a:headEnd type="none" w="med" len="med"/>
+                      <a:tailEnd type="none" w="med" len="med"/>
+                    </a:lnR>
+                    <a:lnT w="12700" cap="flat" cmpd="sng" algn="ctr">
+                      <a:solidFill>
+                        <a:schemeClr val="tx1"/>
+                      </a:solidFill>
+                      <a:prstDash val="solid"/>
+                      <a:round/>
+                      <a:headEnd type="none" w="med" len="med"/>
+                      <a:tailEnd type="none" w="med" len="med"/>
+                    </a:lnT>
+                    <a:lnB w="12700" cap="flat" cmpd="sng" algn="ctr">
+                      <a:solidFill>
+                        <a:schemeClr val="tx1"/>
+                      </a:solidFill>
+                      <a:prstDash val="solid"/>
+                      <a:round/>
+                      <a:headEnd type="none" w="med" len="med"/>
+                      <a:tailEnd type="none" w="med" len="med"/>
+                    </a:lnB>
+                    <a:solidFill>
+                      <a:srgbClr val="00B050"/>
+                    </a:solidFill>
+                  </a:tcPr>
+                </a:tc>
+                <a:tc>
+                  <a:txBody>
+                    <a:bodyPr/>
+                    <a:lstStyle/>
+                    <a:p>
+                      <a:pPr algn="ctr"/>
+                      <a:r>
+                        <a:rPr lang="it-IT" sz="1600" dirty="0" smtClean="0">
+                          <a:solidFill>
+                            <a:schemeClr val="tx1"/>
+                          </a:solidFill>
+                        </a:rPr>
+                        <a:t>4</a:t>
+                      </a:r>
+                      <a:endParaRPr lang="it-IT" sz="1600" dirty="0">
+                        <a:solidFill>
+                          <a:schemeClr val="tx1"/>
+                        </a:solidFill>
+                      </a:endParaRPr>
+                    </a:p>
+                  </a:txBody>
+                  <a:tcPr marL="80792" marR="80792" marT="40396" marB="40396">
+                    <a:lnL w="12700" cap="flat" cmpd="sng" algn="ctr">
+                      <a:solidFill>
+                        <a:schemeClr val="tx1"/>
+                      </a:solidFill>
+                      <a:prstDash val="solid"/>
+                      <a:round/>
+                      <a:headEnd type="none" w="med" len="med"/>
+                      <a:tailEnd type="none" w="med" len="med"/>
+                    </a:lnL>
+                    <a:lnR w="12700" cap="flat" cmpd="sng" algn="ctr">
+                      <a:solidFill>
+                        <a:schemeClr val="tx1"/>
+                      </a:solidFill>
+                      <a:prstDash val="solid"/>
+                      <a:round/>
+                      <a:headEnd type="none" w="med" len="med"/>
+                      <a:tailEnd type="none" w="med" len="med"/>
+                    </a:lnR>
+                    <a:lnT w="12700" cap="flat" cmpd="sng" algn="ctr">
+                      <a:solidFill>
+                        <a:schemeClr val="tx1"/>
+                      </a:solidFill>
+                      <a:prstDash val="solid"/>
+                      <a:round/>
+                      <a:headEnd type="none" w="med" len="med"/>
+                      <a:tailEnd type="none" w="med" len="med"/>
+                    </a:lnT>
+                    <a:lnB w="12700" cap="flat" cmpd="sng" algn="ctr">
+                      <a:solidFill>
+                        <a:schemeClr val="tx1"/>
+                      </a:solidFill>
+                      <a:prstDash val="solid"/>
+                      <a:round/>
+                      <a:headEnd type="none" w="med" len="med"/>
+                      <a:tailEnd type="none" w="med" len="med"/>
+                    </a:lnB>
+                    <a:solidFill>
+                      <a:schemeClr val="bg1"/>
+                    </a:solidFill>
+                  </a:tcPr>
+                </a:tc>
+                <a:tc>
+                  <a:txBody>
+                    <a:bodyPr/>
+                    <a:lstStyle/>
+                    <a:p>
+                      <a:pPr algn="ctr"/>
+                      <a:endParaRPr lang="it-IT" sz="1600" dirty="0">
+                        <a:solidFill>
+                          <a:schemeClr val="tx1"/>
+                        </a:solidFill>
+                      </a:endParaRPr>
+                    </a:p>
+                  </a:txBody>
+                  <a:tcPr marL="80792" marR="80792" marT="40396" marB="40396">
+                    <a:lnL w="12700" cap="flat" cmpd="sng" algn="ctr">
+                      <a:solidFill>
+                        <a:schemeClr val="tx1"/>
+                      </a:solidFill>
+                      <a:prstDash val="solid"/>
+                      <a:round/>
+                      <a:headEnd type="none" w="med" len="med"/>
+                      <a:tailEnd type="none" w="med" len="med"/>
+                    </a:lnL>
+                    <a:lnR w="12700" cap="flat" cmpd="sng" algn="ctr">
+                      <a:solidFill>
+                        <a:schemeClr val="tx1"/>
+                      </a:solidFill>
+                      <a:prstDash val="solid"/>
+                      <a:round/>
+                      <a:headEnd type="none" w="med" len="med"/>
+                      <a:tailEnd type="none" w="med" len="med"/>
+                    </a:lnR>
+                    <a:lnT w="12700" cap="flat" cmpd="sng" algn="ctr">
+                      <a:solidFill>
+                        <a:schemeClr val="tx1"/>
+                      </a:solidFill>
+                      <a:prstDash val="solid"/>
+                      <a:round/>
+                      <a:headEnd type="none" w="med" len="med"/>
+                      <a:tailEnd type="none" w="med" len="med"/>
+                    </a:lnT>
+                    <a:lnB w="12700" cap="flat" cmpd="sng" algn="ctr">
+                      <a:solidFill>
+                        <a:schemeClr val="tx1"/>
+                      </a:solidFill>
+                      <a:prstDash val="solid"/>
+                      <a:round/>
+                      <a:headEnd type="none" w="med" len="med"/>
+                      <a:tailEnd type="none" w="med" len="med"/>
+                    </a:lnB>
+                    <a:solidFill>
+                      <a:schemeClr val="bg1"/>
+                    </a:solidFill>
+                  </a:tcPr>
+                </a:tc>
+                <a:extLst>
+                  <a:ext uri="{0D108BD9-81ED-4DB2-BD59-A6C34878D82A}">
+                    <a16:rowId xmlns:a16="http://schemas.microsoft.com/office/drawing/2014/main" val="4069182149"/>
+                  </a:ext>
+                </a:extLst>
+              </a:tr>
+            </a:tbl>
+          </a:graphicData>
+        </a:graphic>
+      </p:graphicFrame>
+      <p:graphicFrame>
+        <p:nvGraphicFramePr>
+          <p:cNvPr id="57" name="Tabella 2">
+            <a:extLst>
+              <a:ext uri="{FF2B5EF4-FFF2-40B4-BE49-F238E27FC236}">
+                <a16:creationId xmlns:a16="http://schemas.microsoft.com/office/drawing/2014/main" id="{ABE8FCC2-9701-4CFD-A72E-1BA021145684}"/>
+              </a:ext>
+            </a:extLst>
+          </p:cNvPr>
+          <p:cNvGraphicFramePr>
+            <a:graphicFrameLocks noGrp="1"/>
+          </p:cNvGraphicFramePr>
+          <p:nvPr>
+            <p:extLst>
+              <p:ext uri="{D42A27DB-BD31-4B8C-83A1-F6EECF244321}">
+                <p14:modId xmlns:p14="http://schemas.microsoft.com/office/powerpoint/2010/main" val="845703642"/>
+              </p:ext>
+            </p:extLst>
+          </p:nvPr>
+        </p:nvGraphicFramePr>
+        <p:xfrm>
+          <a:off x="5506011" y="5315335"/>
+          <a:ext cx="334330" cy="327657"/>
+        </p:xfrm>
+        <a:graphic>
+          <a:graphicData uri="http://schemas.openxmlformats.org/drawingml/2006/table">
+            <a:tbl>
+              <a:tblPr firstRow="1" bandRow="1">
+                <a:tableStyleId>{5C22544A-7EE6-4342-B048-85BDC9FD1C3A}</a:tableStyleId>
+              </a:tblPr>
+              <a:tblGrid>
+                <a:gridCol w="334330">
+                  <a:extLst>
+                    <a:ext uri="{9D8B030D-6E8A-4147-A177-3AD203B41FA5}">
+                      <a16:colId xmlns:a16="http://schemas.microsoft.com/office/drawing/2014/main" val="2411167900"/>
+                    </a:ext>
+                  </a:extLst>
+                </a:gridCol>
+              </a:tblGrid>
+              <a:tr h="327657">
+                <a:tc>
+                  <a:txBody>
+                    <a:bodyPr/>
+                    <a:lstStyle/>
+                    <a:p>
+                      <a:pPr algn="ctr"/>
+                      <a:r>
+                        <a:rPr lang="it-IT" sz="1600" dirty="0" smtClean="0">
+                          <a:solidFill>
+                            <a:schemeClr val="tx1"/>
+                          </a:solidFill>
+                        </a:rPr>
+                        <a:t>6</a:t>
+                      </a:r>
+                      <a:endParaRPr lang="it-IT" sz="1600" dirty="0">
+                        <a:solidFill>
+                          <a:schemeClr val="tx1"/>
+                        </a:solidFill>
+                      </a:endParaRPr>
+                    </a:p>
+                  </a:txBody>
+                  <a:tcPr marL="80792" marR="80792" marT="40396" marB="40396">
+                    <a:lnL w="12700" cap="flat" cmpd="sng" algn="ctr">
+                      <a:solidFill>
+                        <a:schemeClr val="tx1"/>
+                      </a:solidFill>
+                      <a:prstDash val="solid"/>
+                      <a:round/>
+                      <a:headEnd type="none" w="med" len="med"/>
+                      <a:tailEnd type="none" w="med" len="med"/>
+                    </a:lnL>
+                    <a:lnR w="12700" cap="flat" cmpd="sng" algn="ctr">
+                      <a:solidFill>
+                        <a:schemeClr val="tx1"/>
+                      </a:solidFill>
+                      <a:prstDash val="solid"/>
+                      <a:round/>
+                      <a:headEnd type="none" w="med" len="med"/>
+                      <a:tailEnd type="none" w="med" len="med"/>
+                    </a:lnR>
+                    <a:lnT w="12700" cap="flat" cmpd="sng" algn="ctr">
+                      <a:solidFill>
+                        <a:schemeClr val="tx1"/>
+                      </a:solidFill>
+                      <a:prstDash val="solid"/>
+                      <a:round/>
+                      <a:headEnd type="none" w="med" len="med"/>
+                      <a:tailEnd type="none" w="med" len="med"/>
+                    </a:lnT>
+                    <a:lnB w="12700" cap="flat" cmpd="sng" algn="ctr">
+                      <a:solidFill>
+                        <a:schemeClr val="tx1"/>
+                      </a:solidFill>
+                      <a:prstDash val="solid"/>
+                      <a:round/>
+                      <a:headEnd type="none" w="med" len="med"/>
+                      <a:tailEnd type="none" w="med" len="med"/>
+                    </a:lnB>
+                    <a:solidFill>
+                      <a:srgbClr val="00B050"/>
+                    </a:solidFill>
+                  </a:tcPr>
+                </a:tc>
+                <a:extLst>
+                  <a:ext uri="{0D108BD9-81ED-4DB2-BD59-A6C34878D82A}">
+                    <a16:rowId xmlns:a16="http://schemas.microsoft.com/office/drawing/2014/main" val="4069182149"/>
+                  </a:ext>
+                </a:extLst>
+              </a:tr>
+            </a:tbl>
+          </a:graphicData>
+        </a:graphic>
+      </p:graphicFrame>
+      <p:cxnSp>
+        <p:nvCxnSpPr>
+          <p:cNvPr id="58" name="Connettore 2 57"/>
+          <p:cNvCxnSpPr/>
+          <p:nvPr/>
+        </p:nvCxnSpPr>
+        <p:spPr>
+          <a:xfrm flipH="1">
+            <a:off x="5328765" y="5642992"/>
+            <a:ext cx="344411" cy="461069"/>
+          </a:xfrm>
+          <a:prstGeom prst="straightConnector1">
+            <a:avLst/>
+          </a:prstGeom>
+          <a:ln>
+            <a:tailEnd type="triangle"/>
+          </a:ln>
+        </p:spPr>
+        <p:style>
+          <a:lnRef idx="1">
+            <a:schemeClr val="dk1"/>
+          </a:lnRef>
+          <a:fillRef idx="0">
+            <a:schemeClr val="dk1"/>
+          </a:fillRef>
+          <a:effectRef idx="0">
+            <a:schemeClr val="dk1"/>
+          </a:effectRef>
+          <a:fontRef idx="minor">
+            <a:schemeClr val="tx1"/>
+          </a:fontRef>
+        </p:style>
+      </p:cxnSp>
+      <p:cxnSp>
+        <p:nvCxnSpPr>
+          <p:cNvPr id="59" name="Connettore 2 58"/>
+          <p:cNvCxnSpPr>
+            <a:stCxn id="57" idx="2"/>
+          </p:cNvCxnSpPr>
+          <p:nvPr/>
+        </p:nvCxnSpPr>
+        <p:spPr>
+          <a:xfrm flipH="1">
+            <a:off x="5651572" y="5642992"/>
+            <a:ext cx="21604" cy="456137"/>
+          </a:xfrm>
+          <a:prstGeom prst="straightConnector1">
+            <a:avLst/>
+          </a:prstGeom>
+          <a:ln>
+            <a:tailEnd type="triangle"/>
+          </a:ln>
+        </p:spPr>
+        <p:style>
+          <a:lnRef idx="1">
+            <a:schemeClr val="dk1"/>
+          </a:lnRef>
+          <a:fillRef idx="0">
+            <a:schemeClr val="dk1"/>
+          </a:fillRef>
+          <a:effectRef idx="0">
+            <a:schemeClr val="dk1"/>
+          </a:effectRef>
+          <a:fontRef idx="minor">
+            <a:schemeClr val="tx1"/>
+          </a:fontRef>
+        </p:style>
+      </p:cxnSp>
+      <p:cxnSp>
+        <p:nvCxnSpPr>
+          <p:cNvPr id="60" name="Connettore 2 59"/>
+          <p:cNvCxnSpPr>
+            <a:stCxn id="57" idx="2"/>
+          </p:cNvCxnSpPr>
+          <p:nvPr/>
+        </p:nvCxnSpPr>
+        <p:spPr>
+          <a:xfrm>
+            <a:off x="5673176" y="5642992"/>
+            <a:ext cx="312726" cy="456137"/>
+          </a:xfrm>
+          <a:prstGeom prst="straightConnector1">
+            <a:avLst/>
+          </a:prstGeom>
+          <a:ln>
+            <a:tailEnd type="triangle"/>
+          </a:ln>
+        </p:spPr>
+        <p:style>
+          <a:lnRef idx="1">
+            <a:schemeClr val="dk1"/>
+          </a:lnRef>
+          <a:fillRef idx="0">
+            <a:schemeClr val="dk1"/>
+          </a:fillRef>
+          <a:effectRef idx="0">
+            <a:schemeClr val="dk1"/>
+          </a:effectRef>
+          <a:fontRef idx="minor">
+            <a:schemeClr val="tx1"/>
+          </a:fontRef>
+        </p:style>
+      </p:cxnSp>
+      <p:cxnSp>
+        <p:nvCxnSpPr>
+          <p:cNvPr id="61" name="Connettore 2 60"/>
+          <p:cNvCxnSpPr>
+            <a:stCxn id="57" idx="2"/>
+          </p:cNvCxnSpPr>
+          <p:nvPr/>
+        </p:nvCxnSpPr>
+        <p:spPr>
+          <a:xfrm>
+            <a:off x="5673176" y="5642992"/>
+            <a:ext cx="655707" cy="456137"/>
+          </a:xfrm>
+          <a:prstGeom prst="straightConnector1">
+            <a:avLst/>
+          </a:prstGeom>
+          <a:ln>
+            <a:tailEnd type="triangle"/>
+          </a:ln>
+        </p:spPr>
+        <p:style>
+          <a:lnRef idx="1">
+            <a:schemeClr val="dk1"/>
+          </a:lnRef>
+          <a:fillRef idx="0">
+            <a:schemeClr val="dk1"/>
+          </a:fillRef>
+          <a:effectRef idx="0">
+            <a:schemeClr val="dk1"/>
+          </a:effectRef>
+          <a:fontRef idx="minor">
+            <a:schemeClr val="tx1"/>
+          </a:fontRef>
+        </p:style>
+      </p:cxnSp>
+      <p:cxnSp>
+        <p:nvCxnSpPr>
+          <p:cNvPr id="62" name="Connettore 2 61"/>
+          <p:cNvCxnSpPr>
+            <a:stCxn id="57" idx="2"/>
+          </p:cNvCxnSpPr>
+          <p:nvPr/>
+        </p:nvCxnSpPr>
+        <p:spPr>
+          <a:xfrm>
+            <a:off x="5673176" y="5642992"/>
+            <a:ext cx="1250883" cy="456137"/>
+          </a:xfrm>
+          <a:prstGeom prst="straightConnector1">
+            <a:avLst/>
+          </a:prstGeom>
+          <a:ln>
+            <a:tailEnd type="triangle"/>
+          </a:ln>
+        </p:spPr>
+        <p:style>
+          <a:lnRef idx="1">
+            <a:schemeClr val="dk1"/>
+          </a:lnRef>
+          <a:fillRef idx="0">
+            <a:schemeClr val="dk1"/>
+          </a:fillRef>
+          <a:effectRef idx="0">
+            <a:schemeClr val="dk1"/>
+          </a:effectRef>
+          <a:fontRef idx="minor">
+            <a:schemeClr val="tx1"/>
+          </a:fontRef>
+        </p:style>
+      </p:cxnSp>
+      <p:graphicFrame>
+        <p:nvGraphicFramePr>
+          <p:cNvPr id="63" name="Tabella 2">
+            <a:extLst>
+              <a:ext uri="{FF2B5EF4-FFF2-40B4-BE49-F238E27FC236}">
+                <a16:creationId xmlns:a16="http://schemas.microsoft.com/office/drawing/2014/main" id="{ABE8FCC2-9701-4CFD-A72E-1BA021145684}"/>
+              </a:ext>
+            </a:extLst>
+          </p:cNvPr>
+          <p:cNvGraphicFramePr>
+            <a:graphicFrameLocks noGrp="1"/>
+          </p:cNvGraphicFramePr>
+          <p:nvPr>
+            <p:extLst>
+              <p:ext uri="{D42A27DB-BD31-4B8C-83A1-F6EECF244321}">
+                <p14:modId xmlns:p14="http://schemas.microsoft.com/office/powerpoint/2010/main" val="1110974716"/>
+              </p:ext>
+            </p:extLst>
+          </p:nvPr>
+        </p:nvGraphicFramePr>
+        <p:xfrm>
+          <a:off x="4544808" y="3108164"/>
+          <a:ext cx="2005980" cy="327657"/>
+        </p:xfrm>
+        <a:graphic>
+          <a:graphicData uri="http://schemas.openxmlformats.org/drawingml/2006/table">
+            <a:tbl>
+              <a:tblPr firstRow="1" bandRow="1">
+                <a:tableStyleId>{5C22544A-7EE6-4342-B048-85BDC9FD1C3A}</a:tableStyleId>
+              </a:tblPr>
+              <a:tblGrid>
+                <a:gridCol w="334330">
+                  <a:extLst>
+                    <a:ext uri="{9D8B030D-6E8A-4147-A177-3AD203B41FA5}">
+                      <a16:colId xmlns:a16="http://schemas.microsoft.com/office/drawing/2014/main" val="2411167900"/>
+                    </a:ext>
+                  </a:extLst>
+                </a:gridCol>
+                <a:gridCol w="334330">
+                  <a:extLst>
+                    <a:ext uri="{9D8B030D-6E8A-4147-A177-3AD203B41FA5}">
+                      <a16:colId xmlns:a16="http://schemas.microsoft.com/office/drawing/2014/main" val="831540765"/>
+                    </a:ext>
+                  </a:extLst>
+                </a:gridCol>
+                <a:gridCol w="334330">
+                  <a:extLst>
+                    <a:ext uri="{9D8B030D-6E8A-4147-A177-3AD203B41FA5}">
+                      <a16:colId xmlns:a16="http://schemas.microsoft.com/office/drawing/2014/main" val="649092517"/>
+                    </a:ext>
+                  </a:extLst>
+                </a:gridCol>
+                <a:gridCol w="334330">
+                  <a:extLst>
+                    <a:ext uri="{9D8B030D-6E8A-4147-A177-3AD203B41FA5}">
+                      <a16:colId xmlns:a16="http://schemas.microsoft.com/office/drawing/2014/main" val="3305632144"/>
+                    </a:ext>
+                  </a:extLst>
+                </a:gridCol>
+                <a:gridCol w="334330">
+                  <a:extLst>
+                    <a:ext uri="{9D8B030D-6E8A-4147-A177-3AD203B41FA5}">
+                      <a16:colId xmlns:a16="http://schemas.microsoft.com/office/drawing/2014/main" val="684211681"/>
+                    </a:ext>
+                  </a:extLst>
+                </a:gridCol>
+                <a:gridCol w="334330">
+                  <a:extLst>
+                    <a:ext uri="{9D8B030D-6E8A-4147-A177-3AD203B41FA5}">
+                      <a16:colId xmlns:a16="http://schemas.microsoft.com/office/drawing/2014/main" val="1758649648"/>
+                    </a:ext>
+                  </a:extLst>
+                </a:gridCol>
+              </a:tblGrid>
+              <a:tr h="327657">
+                <a:tc>
+                  <a:txBody>
+                    <a:bodyPr/>
+                    <a:lstStyle/>
+                    <a:p>
+                      <a:pPr algn="ctr"/>
+                      <a:r>
+                        <a:rPr lang="it-IT" sz="1600" dirty="0">
+                          <a:solidFill>
+                            <a:schemeClr val="tx1"/>
+                          </a:solidFill>
+                        </a:rPr>
+                        <a:t>1</a:t>
+                      </a:r>
+                      <a:endParaRPr lang="it-IT" sz="1600" dirty="0">
+                        <a:solidFill>
+                          <a:schemeClr val="tx1"/>
+                        </a:solidFill>
+                      </a:endParaRPr>
+                    </a:p>
+                  </a:txBody>
+                  <a:tcPr marL="80792" marR="80792" marT="40396" marB="40396">
+                    <a:lnL w="12700" cap="flat" cmpd="sng" algn="ctr">
+                      <a:solidFill>
+                        <a:schemeClr val="tx1"/>
+                      </a:solidFill>
+                      <a:prstDash val="solid"/>
+                      <a:round/>
+                      <a:headEnd type="none" w="med" len="med"/>
+                      <a:tailEnd type="none" w="med" len="med"/>
+                    </a:lnL>
+                    <a:lnR w="12700" cap="flat" cmpd="sng" algn="ctr">
+                      <a:solidFill>
+                        <a:schemeClr val="tx1"/>
+                      </a:solidFill>
+                      <a:prstDash val="solid"/>
+                      <a:round/>
+                      <a:headEnd type="none" w="med" len="med"/>
+                      <a:tailEnd type="none" w="med" len="med"/>
+                    </a:lnR>
+                    <a:lnT w="12700" cap="flat" cmpd="sng" algn="ctr">
+                      <a:solidFill>
+                        <a:schemeClr val="tx1"/>
+                      </a:solidFill>
+                      <a:prstDash val="solid"/>
+                      <a:round/>
+                      <a:headEnd type="none" w="med" len="med"/>
+                      <a:tailEnd type="none" w="med" len="med"/>
+                    </a:lnT>
+                    <a:lnB w="12700" cap="flat" cmpd="sng" algn="ctr">
+                      <a:solidFill>
+                        <a:schemeClr val="tx1"/>
+                      </a:solidFill>
+                      <a:prstDash val="solid"/>
+                      <a:round/>
+                      <a:headEnd type="none" w="med" len="med"/>
+                      <a:tailEnd type="none" w="med" len="med"/>
+                    </a:lnB>
+                    <a:solidFill>
+                      <a:schemeClr val="bg1"/>
+                    </a:solidFill>
+                  </a:tcPr>
+                </a:tc>
+                <a:tc>
+                  <a:txBody>
+                    <a:bodyPr/>
+                    <a:lstStyle/>
+                    <a:p>
+                      <a:pPr algn="ctr"/>
+                      <a:r>
+                        <a:rPr lang="it-IT" sz="1600" dirty="0" smtClean="0">
+                          <a:solidFill>
+                            <a:schemeClr val="tx1"/>
+                          </a:solidFill>
+                        </a:rPr>
+                        <a:t>6</a:t>
+                      </a:r>
+                      <a:endParaRPr lang="it-IT" sz="1600" dirty="0">
+                        <a:solidFill>
+                          <a:schemeClr val="tx1"/>
+                        </a:solidFill>
+                      </a:endParaRPr>
+                    </a:p>
+                  </a:txBody>
+                  <a:tcPr marL="80792" marR="80792" marT="40396" marB="40396">
+                    <a:lnL w="12700" cap="flat" cmpd="sng" algn="ctr">
+                      <a:solidFill>
+                        <a:schemeClr val="tx1"/>
+                      </a:solidFill>
+                      <a:prstDash val="solid"/>
+                      <a:round/>
+                      <a:headEnd type="none" w="med" len="med"/>
+                      <a:tailEnd type="none" w="med" len="med"/>
+                    </a:lnL>
+                    <a:lnR w="12700" cap="flat" cmpd="sng" algn="ctr">
+                      <a:solidFill>
+                        <a:schemeClr val="tx1"/>
+                      </a:solidFill>
+                      <a:prstDash val="solid"/>
+                      <a:round/>
+                      <a:headEnd type="none" w="med" len="med"/>
+                      <a:tailEnd type="none" w="med" len="med"/>
+                    </a:lnR>
+                    <a:lnT w="12700" cap="flat" cmpd="sng" algn="ctr">
+                      <a:solidFill>
+                        <a:schemeClr val="tx1"/>
+                      </a:solidFill>
+                      <a:prstDash val="solid"/>
+                      <a:round/>
+                      <a:headEnd type="none" w="med" len="med"/>
+                      <a:tailEnd type="none" w="med" len="med"/>
+                    </a:lnT>
+                    <a:lnB w="12700" cap="flat" cmpd="sng" algn="ctr">
+                      <a:solidFill>
+                        <a:schemeClr val="tx1"/>
+                      </a:solidFill>
+                      <a:prstDash val="solid"/>
+                      <a:round/>
+                      <a:headEnd type="none" w="med" len="med"/>
+                      <a:tailEnd type="none" w="med" len="med"/>
+                    </a:lnB>
+                    <a:solidFill>
+                      <a:srgbClr val="00B050"/>
+                    </a:solidFill>
+                  </a:tcPr>
+                </a:tc>
+                <a:tc>
+                  <a:txBody>
+                    <a:bodyPr/>
+                    <a:lstStyle/>
+                    <a:p>
+                      <a:pPr algn="ctr"/>
+                      <a:r>
+                        <a:rPr lang="it-IT" sz="1600" dirty="0" smtClean="0">
+                          <a:solidFill>
+                            <a:schemeClr val="tx1"/>
+                          </a:solidFill>
+                        </a:rPr>
+                        <a:t>2</a:t>
+                      </a:r>
+                      <a:endParaRPr lang="it-IT" sz="1600" dirty="0">
+                        <a:solidFill>
+                          <a:schemeClr val="tx1"/>
+                        </a:solidFill>
+                      </a:endParaRPr>
+                    </a:p>
+                  </a:txBody>
+                  <a:tcPr marL="80792" marR="80792" marT="40396" marB="40396">
+                    <a:lnL w="12700" cap="flat" cmpd="sng" algn="ctr">
+                      <a:solidFill>
+                        <a:schemeClr val="tx1"/>
+                      </a:solidFill>
+                      <a:prstDash val="solid"/>
+                      <a:round/>
+                      <a:headEnd type="none" w="med" len="med"/>
+                      <a:tailEnd type="none" w="med" len="med"/>
+                    </a:lnL>
+                    <a:lnR w="12700" cap="flat" cmpd="sng" algn="ctr">
+                      <a:solidFill>
+                        <a:schemeClr val="tx1"/>
+                      </a:solidFill>
+                      <a:prstDash val="solid"/>
+                      <a:round/>
+                      <a:headEnd type="none" w="med" len="med"/>
+                      <a:tailEnd type="none" w="med" len="med"/>
+                    </a:lnR>
+                    <a:lnT w="12700" cap="flat" cmpd="sng" algn="ctr">
+                      <a:solidFill>
+                        <a:schemeClr val="tx1"/>
+                      </a:solidFill>
+                      <a:prstDash val="solid"/>
+                      <a:round/>
+                      <a:headEnd type="none" w="med" len="med"/>
+                      <a:tailEnd type="none" w="med" len="med"/>
+                    </a:lnT>
+                    <a:lnB w="12700" cap="flat" cmpd="sng" algn="ctr">
+                      <a:solidFill>
+                        <a:schemeClr val="tx1"/>
+                      </a:solidFill>
+                      <a:prstDash val="solid"/>
+                      <a:round/>
+                      <a:headEnd type="none" w="med" len="med"/>
+                      <a:tailEnd type="none" w="med" len="med"/>
+                    </a:lnB>
+                    <a:solidFill>
+                      <a:schemeClr val="bg1"/>
+                    </a:solidFill>
+                  </a:tcPr>
+                </a:tc>
+                <a:tc>
+                  <a:txBody>
+                    <a:bodyPr/>
+                    <a:lstStyle/>
+                    <a:p>
+                      <a:pPr algn="ctr"/>
+                      <a:r>
+                        <a:rPr lang="it-IT" sz="1600" dirty="0" smtClean="0">
+                          <a:solidFill>
+                            <a:schemeClr val="tx1"/>
+                          </a:solidFill>
+                        </a:rPr>
+                        <a:t>3</a:t>
+                      </a:r>
+                      <a:endParaRPr lang="it-IT" sz="1600" dirty="0">
+                        <a:solidFill>
+                          <a:schemeClr val="tx1"/>
+                        </a:solidFill>
+                      </a:endParaRPr>
+                    </a:p>
+                  </a:txBody>
+                  <a:tcPr marL="80792" marR="80792" marT="40396" marB="40396">
+                    <a:lnL w="12700" cap="flat" cmpd="sng" algn="ctr">
+                      <a:solidFill>
+                        <a:schemeClr val="tx1"/>
+                      </a:solidFill>
+                      <a:prstDash val="solid"/>
+                      <a:round/>
+                      <a:headEnd type="none" w="med" len="med"/>
+                      <a:tailEnd type="none" w="med" len="med"/>
+                    </a:lnL>
+                    <a:lnR w="12700" cap="flat" cmpd="sng" algn="ctr">
+                      <a:solidFill>
+                        <a:schemeClr val="tx1"/>
+                      </a:solidFill>
+                      <a:prstDash val="solid"/>
+                      <a:round/>
+                      <a:headEnd type="none" w="med" len="med"/>
+                      <a:tailEnd type="none" w="med" len="med"/>
+                    </a:lnR>
+                    <a:lnT w="12700" cap="flat" cmpd="sng" algn="ctr">
+                      <a:solidFill>
+                        <a:schemeClr val="tx1"/>
+                      </a:solidFill>
+                      <a:prstDash val="solid"/>
+                      <a:round/>
+                      <a:headEnd type="none" w="med" len="med"/>
+                      <a:tailEnd type="none" w="med" len="med"/>
+                    </a:lnT>
+                    <a:lnB w="12700" cap="flat" cmpd="sng" algn="ctr">
+                      <a:solidFill>
+                        <a:schemeClr val="tx1"/>
+                      </a:solidFill>
+                      <a:prstDash val="solid"/>
+                      <a:round/>
+                      <a:headEnd type="none" w="med" len="med"/>
+                      <a:tailEnd type="none" w="med" len="med"/>
+                    </a:lnB>
+                    <a:solidFill>
+                      <a:schemeClr val="bg1"/>
+                    </a:solidFill>
+                  </a:tcPr>
+                </a:tc>
+                <a:tc>
+                  <a:txBody>
+                    <a:bodyPr/>
+                    <a:lstStyle/>
+                    <a:p>
+                      <a:pPr algn="ctr"/>
+                      <a:r>
+                        <a:rPr lang="it-IT" sz="1600" dirty="0" smtClean="0">
+                          <a:solidFill>
+                            <a:schemeClr val="tx1"/>
+                          </a:solidFill>
+                        </a:rPr>
+                        <a:t>5</a:t>
+                      </a:r>
+                      <a:endParaRPr lang="it-IT" sz="1600" dirty="0">
+                        <a:solidFill>
+                          <a:schemeClr val="tx1"/>
+                        </a:solidFill>
+                      </a:endParaRPr>
+                    </a:p>
+                  </a:txBody>
+                  <a:tcPr marL="80792" marR="80792" marT="40396" marB="40396">
+                    <a:lnL w="12700" cap="flat" cmpd="sng" algn="ctr">
+                      <a:solidFill>
+                        <a:schemeClr val="tx1"/>
+                      </a:solidFill>
+                      <a:prstDash val="solid"/>
+                      <a:round/>
+                      <a:headEnd type="none" w="med" len="med"/>
+                      <a:tailEnd type="none" w="med" len="med"/>
+                    </a:lnL>
+                    <a:lnR w="12700" cap="flat" cmpd="sng" algn="ctr">
+                      <a:solidFill>
+                        <a:schemeClr val="tx1"/>
+                      </a:solidFill>
+                      <a:prstDash val="solid"/>
+                      <a:round/>
+                      <a:headEnd type="none" w="med" len="med"/>
+                      <a:tailEnd type="none" w="med" len="med"/>
+                    </a:lnR>
+                    <a:lnT w="12700" cap="flat" cmpd="sng" algn="ctr">
+                      <a:solidFill>
+                        <a:schemeClr val="tx1"/>
+                      </a:solidFill>
+                      <a:prstDash val="solid"/>
+                      <a:round/>
+                      <a:headEnd type="none" w="med" len="med"/>
+                      <a:tailEnd type="none" w="med" len="med"/>
+                    </a:lnT>
+                    <a:lnB w="12700" cap="flat" cmpd="sng" algn="ctr">
+                      <a:solidFill>
+                        <a:schemeClr val="tx1"/>
+                      </a:solidFill>
+                      <a:prstDash val="solid"/>
+                      <a:round/>
+                      <a:headEnd type="none" w="med" len="med"/>
+                      <a:tailEnd type="none" w="med" len="med"/>
+                    </a:lnB>
+                    <a:solidFill>
+                      <a:srgbClr val="00B050"/>
+                    </a:solidFill>
+                  </a:tcPr>
+                </a:tc>
+                <a:tc>
+                  <a:txBody>
+                    <a:bodyPr/>
+                    <a:lstStyle/>
+                    <a:p>
+                      <a:pPr algn="ctr"/>
+                      <a:r>
+                        <a:rPr lang="it-IT" sz="1600" dirty="0" smtClean="0">
+                          <a:solidFill>
+                            <a:schemeClr val="tx1"/>
+                          </a:solidFill>
+                        </a:rPr>
+                        <a:t>4</a:t>
+                      </a:r>
+                      <a:endParaRPr lang="it-IT" sz="1600" dirty="0">
+                        <a:solidFill>
+                          <a:schemeClr val="tx1"/>
+                        </a:solidFill>
+                      </a:endParaRPr>
+                    </a:p>
+                  </a:txBody>
+                  <a:tcPr marL="80792" marR="80792" marT="40396" marB="40396">
+                    <a:lnL w="12700" cap="flat" cmpd="sng" algn="ctr">
+                      <a:solidFill>
+                        <a:schemeClr val="tx1"/>
+                      </a:solidFill>
+                      <a:prstDash val="solid"/>
+                      <a:round/>
+                      <a:headEnd type="none" w="med" len="med"/>
+                      <a:tailEnd type="none" w="med" len="med"/>
+                    </a:lnL>
+                    <a:lnR w="12700" cap="flat" cmpd="sng" algn="ctr">
+                      <a:solidFill>
+                        <a:schemeClr val="tx1"/>
+                      </a:solidFill>
+                      <a:prstDash val="solid"/>
+                      <a:round/>
+                      <a:headEnd type="none" w="med" len="med"/>
+                      <a:tailEnd type="none" w="med" len="med"/>
+                    </a:lnR>
+                    <a:lnT w="12700" cap="flat" cmpd="sng" algn="ctr">
+                      <a:solidFill>
+                        <a:schemeClr val="tx1"/>
+                      </a:solidFill>
+                      <a:prstDash val="solid"/>
+                      <a:round/>
+                      <a:headEnd type="none" w="med" len="med"/>
+                      <a:tailEnd type="none" w="med" len="med"/>
+                    </a:lnT>
+                    <a:lnB w="12700" cap="flat" cmpd="sng" algn="ctr">
+                      <a:solidFill>
+                        <a:schemeClr val="tx1"/>
+                      </a:solidFill>
+                      <a:prstDash val="solid"/>
+                      <a:round/>
+                      <a:headEnd type="none" w="med" len="med"/>
+                      <a:tailEnd type="none" w="med" len="med"/>
+                    </a:lnB>
+                    <a:solidFill>
+                      <a:schemeClr val="bg1"/>
+                    </a:solidFill>
+                  </a:tcPr>
+                </a:tc>
+                <a:extLst>
+                  <a:ext uri="{0D108BD9-81ED-4DB2-BD59-A6C34878D82A}">
+                    <a16:rowId xmlns:a16="http://schemas.microsoft.com/office/drawing/2014/main" val="4069182149"/>
+                  </a:ext>
+                </a:extLst>
+              </a:tr>
+            </a:tbl>
+          </a:graphicData>
+        </a:graphic>
+      </p:graphicFrame>
     </p:spTree>
     <p:extLst>
       <p:ext uri="{BB962C8B-B14F-4D97-AF65-F5344CB8AC3E}">
@@ -11360,7 +16318,7 @@
                 <a16:creationId xmlns:a16="http://schemas.microsoft.com/office/drawing/2014/main" id="{4038CB10-1F5C-4D54-9DF7-12586DE5B007}"/>
               </a:ext>
               <a:ext uri="{C183D7F6-B498-43B3-948B-1728B52AA6E4}">
-                <adec:decorative xmlns:adec="http://schemas.microsoft.com/office/drawing/2017/decorative" val="1"/>
+                <adec:decorative xmlns:adec="http://schemas.microsoft.com/office/drawing/2017/decorative" xmlns="" val="1"/>
               </a:ext>
             </a:extLst>
           </p:cNvPr>
@@ -11492,7 +16450,7 @@
                 <a16:creationId xmlns:a16="http://schemas.microsoft.com/office/drawing/2014/main" id="{36D30126-6314-4A93-B27E-5C66CF781924}"/>
               </a:ext>
               <a:ext uri="{C183D7F6-B498-43B3-948B-1728B52AA6E4}">
-                <adec:decorative xmlns:adec="http://schemas.microsoft.com/office/drawing/2017/decorative" val="1"/>
+                <adec:decorative xmlns:adec="http://schemas.microsoft.com/office/drawing/2017/decorative" xmlns="" val="1"/>
               </a:ext>
             </a:extLst>
           </p:cNvPr>
@@ -11557,7 +16515,7 @@
                 <a16:creationId xmlns:a16="http://schemas.microsoft.com/office/drawing/2014/main" id="{73ED6512-6858-4552-B699-9A97FE9A4EA2}"/>
               </a:ext>
               <a:ext uri="{C183D7F6-B498-43B3-948B-1728B52AA6E4}">
-                <adec:decorative xmlns:adec="http://schemas.microsoft.com/office/drawing/2017/decorative" val="1"/>
+                <adec:decorative xmlns:adec="http://schemas.microsoft.com/office/drawing/2017/decorative" xmlns="" val="1"/>
               </a:ext>
             </a:extLst>
           </p:cNvPr>
@@ -11679,18 +16637,10 @@
                   <a:srgbClr val="FFFFFF"/>
                 </a:solidFill>
               </a:rPr>
-              <a:t>A partire da due stringhe di N elementi </a:t>
-            </a:r>
-            <a:r>
-              <a:rPr lang="it-IT" sz="1800">
-                <a:solidFill>
-                  <a:srgbClr val="FFFFFF"/>
-                </a:solidFill>
-              </a:rPr>
-              <a:t>in ingresso (</a:t>
-            </a:r>
-            <a:r>
-              <a:rPr lang="it-IT" sz="1800" i="1">
+              <a:t>A partire da due stringhe di N elementi in ingresso (</a:t>
+            </a:r>
+            <a:r>
+              <a:rPr lang="it-IT" sz="1800" i="1" dirty="0">
                 <a:solidFill>
                   <a:srgbClr val="FFFFFF"/>
                 </a:solidFill>
@@ -11698,20 +16648,12 @@
               <a:t>sol1, sol2</a:t>
             </a:r>
             <a:r>
-              <a:rPr lang="it-IT" sz="1800">
-                <a:solidFill>
-                  <a:srgbClr val="FFFFFF"/>
-                </a:solidFill>
-              </a:rPr>
-              <a:t>), </a:t>
-            </a:r>
-            <a:r>
               <a:rPr lang="it-IT" sz="1800" dirty="0">
                 <a:solidFill>
                   <a:srgbClr val="FFFFFF"/>
                 </a:solidFill>
               </a:rPr>
-              <a:t>si selezionano due </a:t>
+              <a:t>), si selezionano due </a:t>
             </a:r>
             <a:r>
               <a:rPr lang="it-IT" sz="1800" dirty="0" err="1">
@@ -11727,18 +16669,10 @@
                   <a:srgbClr val="FFFFFF"/>
                 </a:solidFill>
               </a:rPr>
-              <a:t> di range massimo definito come parametro di input </a:t>
-            </a:r>
-            <a:r>
-              <a:rPr lang="it-IT" sz="1800">
-                <a:solidFill>
-                  <a:srgbClr val="FFFFFF"/>
-                </a:solidFill>
-              </a:rPr>
-              <a:t>della funzione ( </a:t>
-            </a:r>
-            <a:r>
-              <a:rPr lang="it-IT" sz="1800" i="1">
+              <a:t> di range massimo definito come parametro di input della funzione ( </a:t>
+            </a:r>
+            <a:r>
+              <a:rPr lang="it-IT" sz="1800" i="1" dirty="0">
                 <a:solidFill>
                   <a:srgbClr val="FFFFFF"/>
                 </a:solidFill>
@@ -11746,18 +16680,13 @@
               <a:t>r</a:t>
             </a:r>
             <a:r>
-              <a:rPr lang="it-IT" sz="1800">
+              <a:rPr lang="it-IT" sz="1800" dirty="0">
                 <a:solidFill>
                   <a:srgbClr val="FFFFFF"/>
                 </a:solidFill>
               </a:rPr>
               <a:t> ).</a:t>
             </a:r>
-            <a:endParaRPr lang="it-IT" sz="1800" dirty="0">
-              <a:solidFill>
-                <a:srgbClr val="FFFFFF"/>
-              </a:solidFill>
-            </a:endParaRPr>
           </a:p>
           <a:p>
             <a:pPr>
@@ -11765,7 +16694,7 @@
               <a:buChar char="Ø"/>
             </a:pPr>
             <a:r>
-              <a:rPr lang="it-IT" sz="1800">
+              <a:rPr lang="it-IT" sz="1800" dirty="0">
                 <a:solidFill>
                   <a:srgbClr val="FFFFFF"/>
                 </a:solidFill>
@@ -11786,7 +16715,15 @@
                   <a:srgbClr val="FFFFFF"/>
                 </a:solidFill>
               </a:rPr>
-              <a:t> così definite vengono poi scambiate controllando opportunamente che più nodi non si ripetano.</a:t>
+              <a:t> così definite vengono </a:t>
+            </a:r>
+            <a:r>
+              <a:rPr lang="it-IT" sz="1800" dirty="0" smtClean="0">
+                <a:solidFill>
+                  <a:srgbClr val="FFFFFF"/>
+                </a:solidFill>
+              </a:rPr>
+              <a:t>scambiate.</a:t>
             </a:r>
           </a:p>
           <a:p>
@@ -11795,7 +16732,42 @@
               <a:buChar char="Ø"/>
             </a:pPr>
             <a:r>
-              <a:rPr lang="it-IT" sz="1800">
+              <a:rPr lang="it-IT" sz="1800" dirty="0" smtClean="0">
+                <a:solidFill>
+                  <a:srgbClr val="FFFFFF"/>
+                </a:solidFill>
+              </a:rPr>
+              <a:t>Per generare soluzioni in cui i nodi si ripetano una sola volta, bisogna identificare le associazioni di scambio tra le due </a:t>
+            </a:r>
+            <a:r>
+              <a:rPr lang="it-IT" sz="1800" dirty="0" err="1" smtClean="0">
+                <a:solidFill>
+                  <a:srgbClr val="FFFFFF"/>
+                </a:solidFill>
+              </a:rPr>
+              <a:t>sottoliste</a:t>
+            </a:r>
+            <a:r>
+              <a:rPr lang="it-IT" sz="1800" dirty="0" smtClean="0">
+                <a:solidFill>
+                  <a:srgbClr val="FFFFFF"/>
+                </a:solidFill>
+              </a:rPr>
+              <a:t> </a:t>
+            </a:r>
+            <a:endParaRPr lang="it-IT" sz="1800" dirty="0" smtClean="0">
+              <a:solidFill>
+                <a:srgbClr val="FFFFFF"/>
+              </a:solidFill>
+            </a:endParaRPr>
+          </a:p>
+          <a:p>
+            <a:pPr>
+              <a:buFont typeface="Wingdings" panose="05000000000000000000" pitchFamily="2" charset="2"/>
+              <a:buChar char="Ø"/>
+            </a:pPr>
+            <a:r>
+              <a:rPr lang="it-IT" sz="1800" dirty="0" smtClean="0">
                 <a:solidFill>
                   <a:srgbClr val="FFFFFF"/>
                 </a:solidFill>
@@ -11824,55 +16796,7 @@
                   <a:srgbClr val="FFFFFF"/>
                 </a:solidFill>
               </a:rPr>
-              <a:t> permette di scartare quelle </a:t>
-            </a:r>
-            <a:r>
-              <a:rPr lang="it-IT" sz="1800">
-                <a:solidFill>
-                  <a:srgbClr val="FFFFFF"/>
-                </a:solidFill>
-              </a:rPr>
-              <a:t>non ammissibili (a causa di vincoli temporali o numero di camion non rispettati) .</a:t>
-            </a:r>
-            <a:endParaRPr lang="it-IT" sz="1800" dirty="0">
-              <a:solidFill>
-                <a:srgbClr val="FFFFFF"/>
-              </a:solidFill>
-            </a:endParaRPr>
-          </a:p>
-        </p:txBody>
-      </p:sp>
-      <p:sp>
-        <p:nvSpPr>
-          <p:cNvPr id="2" name="CasellaDiTesto 1">
-            <a:extLst>
-              <a:ext uri="{FF2B5EF4-FFF2-40B4-BE49-F238E27FC236}">
-                <a16:creationId xmlns:a16="http://schemas.microsoft.com/office/drawing/2014/main" id="{48527409-9305-4C94-98F8-AAB1D7BABB77}"/>
-              </a:ext>
-            </a:extLst>
-          </p:cNvPr>
-          <p:cNvSpPr txBox="1"/>
-          <p:nvPr/>
-        </p:nvSpPr>
-        <p:spPr>
-          <a:xfrm>
-            <a:off x="1811643" y="4299065"/>
-            <a:ext cx="3889013" cy="369332"/>
-          </a:xfrm>
-          <a:prstGeom prst="rect">
-            <a:avLst/>
-          </a:prstGeom>
-          <a:noFill/>
-        </p:spPr>
-        <p:txBody>
-          <a:bodyPr wrap="none" rtlCol="0">
-            <a:spAutoFit/>
-          </a:bodyPr>
-          <a:lstStyle/>
-          <a:p>
-            <a:r>
-              <a:rPr lang="it-IT" dirty="0"/>
-              <a:t>Aggiungere immagine double crossover</a:t>
+              <a:t> permette di scartare quelle non ammissibili (a causa di vincoli temporali o numero di camion non rispettati) .</a:t>
             </a:r>
           </a:p>
         </p:txBody>
@@ -11899,7 +16823,7 @@
         </p:blipFill>
         <p:spPr>
           <a:xfrm>
-            <a:off x="1946399" y="2808473"/>
+            <a:off x="1946399" y="2528057"/>
             <a:ext cx="3619500" cy="371475"/>
           </a:xfrm>
           <a:prstGeom prst="rect">
@@ -11907,6 +16831,3088 @@
           </a:prstGeom>
         </p:spPr>
       </p:pic>
+      <p:graphicFrame>
+        <p:nvGraphicFramePr>
+          <p:cNvPr id="9" name="Tabella 2">
+            <a:extLst>
+              <a:ext uri="{FF2B5EF4-FFF2-40B4-BE49-F238E27FC236}">
+                <a16:creationId xmlns:a16="http://schemas.microsoft.com/office/drawing/2014/main" id="{ABE8FCC2-9701-4CFD-A72E-1BA021145684}"/>
+              </a:ext>
+            </a:extLst>
+          </p:cNvPr>
+          <p:cNvGraphicFramePr>
+            <a:graphicFrameLocks noGrp="1"/>
+          </p:cNvGraphicFramePr>
+          <p:nvPr>
+            <p:extLst>
+              <p:ext uri="{D42A27DB-BD31-4B8C-83A1-F6EECF244321}">
+                <p14:modId xmlns:p14="http://schemas.microsoft.com/office/powerpoint/2010/main" val="806904009"/>
+              </p:ext>
+            </p:extLst>
+          </p:nvPr>
+        </p:nvGraphicFramePr>
+        <p:xfrm>
+          <a:off x="1749156" y="3062156"/>
+          <a:ext cx="2005980" cy="327657"/>
+        </p:xfrm>
+        <a:graphic>
+          <a:graphicData uri="http://schemas.openxmlformats.org/drawingml/2006/table">
+            <a:tbl>
+              <a:tblPr firstRow="1" bandRow="1">
+                <a:tableStyleId>{5C22544A-7EE6-4342-B048-85BDC9FD1C3A}</a:tableStyleId>
+              </a:tblPr>
+              <a:tblGrid>
+                <a:gridCol w="334330">
+                  <a:extLst>
+                    <a:ext uri="{9D8B030D-6E8A-4147-A177-3AD203B41FA5}">
+                      <a16:colId xmlns:a16="http://schemas.microsoft.com/office/drawing/2014/main" val="2411167900"/>
+                    </a:ext>
+                  </a:extLst>
+                </a:gridCol>
+                <a:gridCol w="334330">
+                  <a:extLst>
+                    <a:ext uri="{9D8B030D-6E8A-4147-A177-3AD203B41FA5}">
+                      <a16:colId xmlns:a16="http://schemas.microsoft.com/office/drawing/2014/main" val="831540765"/>
+                    </a:ext>
+                  </a:extLst>
+                </a:gridCol>
+                <a:gridCol w="334330">
+                  <a:extLst>
+                    <a:ext uri="{9D8B030D-6E8A-4147-A177-3AD203B41FA5}">
+                      <a16:colId xmlns:a16="http://schemas.microsoft.com/office/drawing/2014/main" val="649092517"/>
+                    </a:ext>
+                  </a:extLst>
+                </a:gridCol>
+                <a:gridCol w="334330">
+                  <a:extLst>
+                    <a:ext uri="{9D8B030D-6E8A-4147-A177-3AD203B41FA5}">
+                      <a16:colId xmlns:a16="http://schemas.microsoft.com/office/drawing/2014/main" val="3305632144"/>
+                    </a:ext>
+                  </a:extLst>
+                </a:gridCol>
+                <a:gridCol w="334330">
+                  <a:extLst>
+                    <a:ext uri="{9D8B030D-6E8A-4147-A177-3AD203B41FA5}">
+                      <a16:colId xmlns:a16="http://schemas.microsoft.com/office/drawing/2014/main" val="684211681"/>
+                    </a:ext>
+                  </a:extLst>
+                </a:gridCol>
+                <a:gridCol w="334330">
+                  <a:extLst>
+                    <a:ext uri="{9D8B030D-6E8A-4147-A177-3AD203B41FA5}">
+                      <a16:colId xmlns:a16="http://schemas.microsoft.com/office/drawing/2014/main" val="1758649648"/>
+                    </a:ext>
+                  </a:extLst>
+                </a:gridCol>
+              </a:tblGrid>
+              <a:tr h="327657">
+                <a:tc>
+                  <a:txBody>
+                    <a:bodyPr/>
+                    <a:lstStyle/>
+                    <a:p>
+                      <a:pPr algn="ctr"/>
+                      <a:r>
+                        <a:rPr lang="it-IT" sz="1600" dirty="0" smtClean="0">
+                          <a:solidFill>
+                            <a:schemeClr val="tx1"/>
+                          </a:solidFill>
+                        </a:rPr>
+                        <a:t>5</a:t>
+                      </a:r>
+                      <a:endParaRPr lang="it-IT" sz="1600" dirty="0">
+                        <a:solidFill>
+                          <a:schemeClr val="tx1"/>
+                        </a:solidFill>
+                      </a:endParaRPr>
+                    </a:p>
+                  </a:txBody>
+                  <a:tcPr marL="80792" marR="80792" marT="40396" marB="40396">
+                    <a:lnL w="12700" cap="flat" cmpd="sng" algn="ctr">
+                      <a:solidFill>
+                        <a:schemeClr val="tx1"/>
+                      </a:solidFill>
+                      <a:prstDash val="solid"/>
+                      <a:round/>
+                      <a:headEnd type="none" w="med" len="med"/>
+                      <a:tailEnd type="none" w="med" len="med"/>
+                    </a:lnL>
+                    <a:lnR w="12700" cap="flat" cmpd="sng" algn="ctr">
+                      <a:solidFill>
+                        <a:schemeClr val="tx1"/>
+                      </a:solidFill>
+                      <a:prstDash val="solid"/>
+                      <a:round/>
+                      <a:headEnd type="none" w="med" len="med"/>
+                      <a:tailEnd type="none" w="med" len="med"/>
+                    </a:lnR>
+                    <a:lnT w="12700" cap="flat" cmpd="sng" algn="ctr">
+                      <a:solidFill>
+                        <a:schemeClr val="tx1"/>
+                      </a:solidFill>
+                      <a:prstDash val="solid"/>
+                      <a:round/>
+                      <a:headEnd type="none" w="med" len="med"/>
+                      <a:tailEnd type="none" w="med" len="med"/>
+                    </a:lnT>
+                    <a:lnB w="12700" cap="flat" cmpd="sng" algn="ctr">
+                      <a:solidFill>
+                        <a:schemeClr val="tx1"/>
+                      </a:solidFill>
+                      <a:prstDash val="solid"/>
+                      <a:round/>
+                      <a:headEnd type="none" w="med" len="med"/>
+                      <a:tailEnd type="none" w="med" len="med"/>
+                    </a:lnB>
+                    <a:solidFill>
+                      <a:schemeClr val="bg1"/>
+                    </a:solidFill>
+                  </a:tcPr>
+                </a:tc>
+                <a:tc>
+                  <a:txBody>
+                    <a:bodyPr/>
+                    <a:lstStyle/>
+                    <a:p>
+                      <a:pPr algn="ctr"/>
+                      <a:r>
+                        <a:rPr lang="it-IT" sz="1600" dirty="0" smtClean="0">
+                          <a:solidFill>
+                            <a:schemeClr val="tx1"/>
+                          </a:solidFill>
+                        </a:rPr>
+                        <a:t>4</a:t>
+                      </a:r>
+                      <a:endParaRPr lang="it-IT" sz="1600" dirty="0">
+                        <a:solidFill>
+                          <a:schemeClr val="tx1"/>
+                        </a:solidFill>
+                      </a:endParaRPr>
+                    </a:p>
+                  </a:txBody>
+                  <a:tcPr marL="80792" marR="80792" marT="40396" marB="40396">
+                    <a:lnL w="12700" cap="flat" cmpd="sng" algn="ctr">
+                      <a:solidFill>
+                        <a:schemeClr val="tx1"/>
+                      </a:solidFill>
+                      <a:prstDash val="solid"/>
+                      <a:round/>
+                      <a:headEnd type="none" w="med" len="med"/>
+                      <a:tailEnd type="none" w="med" len="med"/>
+                    </a:lnL>
+                    <a:lnR w="12700" cap="flat" cmpd="sng" algn="ctr">
+                      <a:solidFill>
+                        <a:schemeClr val="tx1"/>
+                      </a:solidFill>
+                      <a:prstDash val="solid"/>
+                      <a:round/>
+                      <a:headEnd type="none" w="med" len="med"/>
+                      <a:tailEnd type="none" w="med" len="med"/>
+                    </a:lnR>
+                    <a:lnT w="12700" cap="flat" cmpd="sng" algn="ctr">
+                      <a:solidFill>
+                        <a:schemeClr val="tx1"/>
+                      </a:solidFill>
+                      <a:prstDash val="solid"/>
+                      <a:round/>
+                      <a:headEnd type="none" w="med" len="med"/>
+                      <a:tailEnd type="none" w="med" len="med"/>
+                    </a:lnT>
+                    <a:lnB w="12700" cap="flat" cmpd="sng" algn="ctr">
+                      <a:solidFill>
+                        <a:schemeClr val="tx1"/>
+                      </a:solidFill>
+                      <a:prstDash val="solid"/>
+                      <a:round/>
+                      <a:headEnd type="none" w="med" len="med"/>
+                      <a:tailEnd type="none" w="med" len="med"/>
+                    </a:lnB>
+                    <a:solidFill>
+                      <a:srgbClr val="FFC000"/>
+                    </a:solidFill>
+                  </a:tcPr>
+                </a:tc>
+                <a:tc>
+                  <a:txBody>
+                    <a:bodyPr/>
+                    <a:lstStyle/>
+                    <a:p>
+                      <a:pPr algn="ctr"/>
+                      <a:r>
+                        <a:rPr lang="it-IT" sz="1600" dirty="0" smtClean="0">
+                          <a:solidFill>
+                            <a:schemeClr val="tx1"/>
+                          </a:solidFill>
+                        </a:rPr>
+                        <a:t>3</a:t>
+                      </a:r>
+                      <a:endParaRPr lang="it-IT" sz="1600" dirty="0">
+                        <a:solidFill>
+                          <a:schemeClr val="tx1"/>
+                        </a:solidFill>
+                      </a:endParaRPr>
+                    </a:p>
+                  </a:txBody>
+                  <a:tcPr marL="80792" marR="80792" marT="40396" marB="40396">
+                    <a:lnL w="12700" cap="flat" cmpd="sng" algn="ctr">
+                      <a:solidFill>
+                        <a:schemeClr val="tx1"/>
+                      </a:solidFill>
+                      <a:prstDash val="solid"/>
+                      <a:round/>
+                      <a:headEnd type="none" w="med" len="med"/>
+                      <a:tailEnd type="none" w="med" len="med"/>
+                    </a:lnL>
+                    <a:lnR w="12700" cap="flat" cmpd="sng" algn="ctr">
+                      <a:solidFill>
+                        <a:schemeClr val="tx1"/>
+                      </a:solidFill>
+                      <a:prstDash val="solid"/>
+                      <a:round/>
+                      <a:headEnd type="none" w="med" len="med"/>
+                      <a:tailEnd type="none" w="med" len="med"/>
+                    </a:lnR>
+                    <a:lnT w="12700" cap="flat" cmpd="sng" algn="ctr">
+                      <a:solidFill>
+                        <a:schemeClr val="tx1"/>
+                      </a:solidFill>
+                      <a:prstDash val="solid"/>
+                      <a:round/>
+                      <a:headEnd type="none" w="med" len="med"/>
+                      <a:tailEnd type="none" w="med" len="med"/>
+                    </a:lnT>
+                    <a:lnB w="12700" cap="flat" cmpd="sng" algn="ctr">
+                      <a:solidFill>
+                        <a:schemeClr val="tx1"/>
+                      </a:solidFill>
+                      <a:prstDash val="solid"/>
+                      <a:round/>
+                      <a:headEnd type="none" w="med" len="med"/>
+                      <a:tailEnd type="none" w="med" len="med"/>
+                    </a:lnB>
+                    <a:solidFill>
+                      <a:srgbClr val="FFC000"/>
+                    </a:solidFill>
+                  </a:tcPr>
+                </a:tc>
+                <a:tc>
+                  <a:txBody>
+                    <a:bodyPr/>
+                    <a:lstStyle/>
+                    <a:p>
+                      <a:pPr algn="ctr"/>
+                      <a:r>
+                        <a:rPr lang="it-IT" sz="1600" dirty="0" smtClean="0">
+                          <a:solidFill>
+                            <a:schemeClr val="tx1"/>
+                          </a:solidFill>
+                        </a:rPr>
+                        <a:t>2</a:t>
+                      </a:r>
+                      <a:endParaRPr lang="it-IT" sz="1600" dirty="0">
+                        <a:solidFill>
+                          <a:schemeClr val="tx1"/>
+                        </a:solidFill>
+                      </a:endParaRPr>
+                    </a:p>
+                  </a:txBody>
+                  <a:tcPr marL="80792" marR="80792" marT="40396" marB="40396">
+                    <a:lnL w="12700" cap="flat" cmpd="sng" algn="ctr">
+                      <a:solidFill>
+                        <a:schemeClr val="tx1"/>
+                      </a:solidFill>
+                      <a:prstDash val="solid"/>
+                      <a:round/>
+                      <a:headEnd type="none" w="med" len="med"/>
+                      <a:tailEnd type="none" w="med" len="med"/>
+                    </a:lnL>
+                    <a:lnR w="12700" cap="flat" cmpd="sng" algn="ctr">
+                      <a:solidFill>
+                        <a:schemeClr val="tx1"/>
+                      </a:solidFill>
+                      <a:prstDash val="solid"/>
+                      <a:round/>
+                      <a:headEnd type="none" w="med" len="med"/>
+                      <a:tailEnd type="none" w="med" len="med"/>
+                    </a:lnR>
+                    <a:lnT w="12700" cap="flat" cmpd="sng" algn="ctr">
+                      <a:solidFill>
+                        <a:schemeClr val="tx1"/>
+                      </a:solidFill>
+                      <a:prstDash val="solid"/>
+                      <a:round/>
+                      <a:headEnd type="none" w="med" len="med"/>
+                      <a:tailEnd type="none" w="med" len="med"/>
+                    </a:lnT>
+                    <a:lnB w="12700" cap="flat" cmpd="sng" algn="ctr">
+                      <a:solidFill>
+                        <a:schemeClr val="tx1"/>
+                      </a:solidFill>
+                      <a:prstDash val="solid"/>
+                      <a:round/>
+                      <a:headEnd type="none" w="med" len="med"/>
+                      <a:tailEnd type="none" w="med" len="med"/>
+                    </a:lnB>
+                    <a:solidFill>
+                      <a:srgbClr val="FFC000"/>
+                    </a:solidFill>
+                  </a:tcPr>
+                </a:tc>
+                <a:tc>
+                  <a:txBody>
+                    <a:bodyPr/>
+                    <a:lstStyle/>
+                    <a:p>
+                      <a:pPr algn="ctr"/>
+                      <a:r>
+                        <a:rPr lang="it-IT" sz="1600" dirty="0" smtClean="0">
+                          <a:solidFill>
+                            <a:schemeClr val="tx1"/>
+                          </a:solidFill>
+                        </a:rPr>
+                        <a:t>1</a:t>
+                      </a:r>
+                      <a:endParaRPr lang="it-IT" sz="1600" dirty="0">
+                        <a:solidFill>
+                          <a:schemeClr val="tx1"/>
+                        </a:solidFill>
+                      </a:endParaRPr>
+                    </a:p>
+                  </a:txBody>
+                  <a:tcPr marL="80792" marR="80792" marT="40396" marB="40396">
+                    <a:lnL w="12700" cap="flat" cmpd="sng" algn="ctr">
+                      <a:solidFill>
+                        <a:schemeClr val="tx1"/>
+                      </a:solidFill>
+                      <a:prstDash val="solid"/>
+                      <a:round/>
+                      <a:headEnd type="none" w="med" len="med"/>
+                      <a:tailEnd type="none" w="med" len="med"/>
+                    </a:lnL>
+                    <a:lnR w="12700" cap="flat" cmpd="sng" algn="ctr">
+                      <a:solidFill>
+                        <a:schemeClr val="tx1"/>
+                      </a:solidFill>
+                      <a:prstDash val="solid"/>
+                      <a:round/>
+                      <a:headEnd type="none" w="med" len="med"/>
+                      <a:tailEnd type="none" w="med" len="med"/>
+                    </a:lnR>
+                    <a:lnT w="12700" cap="flat" cmpd="sng" algn="ctr">
+                      <a:solidFill>
+                        <a:schemeClr val="tx1"/>
+                      </a:solidFill>
+                      <a:prstDash val="solid"/>
+                      <a:round/>
+                      <a:headEnd type="none" w="med" len="med"/>
+                      <a:tailEnd type="none" w="med" len="med"/>
+                    </a:lnT>
+                    <a:lnB w="12700" cap="flat" cmpd="sng" algn="ctr">
+                      <a:solidFill>
+                        <a:schemeClr val="tx1"/>
+                      </a:solidFill>
+                      <a:prstDash val="solid"/>
+                      <a:round/>
+                      <a:headEnd type="none" w="med" len="med"/>
+                      <a:tailEnd type="none" w="med" len="med"/>
+                    </a:lnB>
+                    <a:solidFill>
+                      <a:schemeClr val="bg1"/>
+                    </a:solidFill>
+                  </a:tcPr>
+                </a:tc>
+                <a:tc>
+                  <a:txBody>
+                    <a:bodyPr/>
+                    <a:lstStyle/>
+                    <a:p>
+                      <a:pPr algn="ctr"/>
+                      <a:r>
+                        <a:rPr lang="it-IT" sz="1600" dirty="0">
+                          <a:solidFill>
+                            <a:schemeClr val="tx1"/>
+                          </a:solidFill>
+                        </a:rPr>
+                        <a:t>6</a:t>
+                      </a:r>
+                    </a:p>
+                  </a:txBody>
+                  <a:tcPr marL="80792" marR="80792" marT="40396" marB="40396">
+                    <a:lnL w="12700" cap="flat" cmpd="sng" algn="ctr">
+                      <a:solidFill>
+                        <a:schemeClr val="tx1"/>
+                      </a:solidFill>
+                      <a:prstDash val="solid"/>
+                      <a:round/>
+                      <a:headEnd type="none" w="med" len="med"/>
+                      <a:tailEnd type="none" w="med" len="med"/>
+                    </a:lnL>
+                    <a:lnR w="12700" cap="flat" cmpd="sng" algn="ctr">
+                      <a:solidFill>
+                        <a:schemeClr val="tx1"/>
+                      </a:solidFill>
+                      <a:prstDash val="solid"/>
+                      <a:round/>
+                      <a:headEnd type="none" w="med" len="med"/>
+                      <a:tailEnd type="none" w="med" len="med"/>
+                    </a:lnR>
+                    <a:lnT w="12700" cap="flat" cmpd="sng" algn="ctr">
+                      <a:solidFill>
+                        <a:schemeClr val="tx1"/>
+                      </a:solidFill>
+                      <a:prstDash val="solid"/>
+                      <a:round/>
+                      <a:headEnd type="none" w="med" len="med"/>
+                      <a:tailEnd type="none" w="med" len="med"/>
+                    </a:lnT>
+                    <a:lnB w="12700" cap="flat" cmpd="sng" algn="ctr">
+                      <a:solidFill>
+                        <a:schemeClr val="tx1"/>
+                      </a:solidFill>
+                      <a:prstDash val="solid"/>
+                      <a:round/>
+                      <a:headEnd type="none" w="med" len="med"/>
+                      <a:tailEnd type="none" w="med" len="med"/>
+                    </a:lnB>
+                    <a:solidFill>
+                      <a:schemeClr val="bg1"/>
+                    </a:solidFill>
+                  </a:tcPr>
+                </a:tc>
+                <a:extLst>
+                  <a:ext uri="{0D108BD9-81ED-4DB2-BD59-A6C34878D82A}">
+                    <a16:rowId xmlns:a16="http://schemas.microsoft.com/office/drawing/2014/main" val="4069182149"/>
+                  </a:ext>
+                </a:extLst>
+              </a:tr>
+            </a:tbl>
+          </a:graphicData>
+        </a:graphic>
+      </p:graphicFrame>
+      <p:graphicFrame>
+        <p:nvGraphicFramePr>
+          <p:cNvPr id="10" name="Tabella 2">
+            <a:extLst>
+              <a:ext uri="{FF2B5EF4-FFF2-40B4-BE49-F238E27FC236}">
+                <a16:creationId xmlns:a16="http://schemas.microsoft.com/office/drawing/2014/main" id="{ABE8FCC2-9701-4CFD-A72E-1BA021145684}"/>
+              </a:ext>
+            </a:extLst>
+          </p:cNvPr>
+          <p:cNvGraphicFramePr>
+            <a:graphicFrameLocks noGrp="1"/>
+          </p:cNvGraphicFramePr>
+          <p:nvPr>
+            <p:extLst>
+              <p:ext uri="{D42A27DB-BD31-4B8C-83A1-F6EECF244321}">
+                <p14:modId xmlns:p14="http://schemas.microsoft.com/office/powerpoint/2010/main" val="225378258"/>
+              </p:ext>
+            </p:extLst>
+          </p:nvPr>
+        </p:nvGraphicFramePr>
+        <p:xfrm>
+          <a:off x="1749156" y="3509353"/>
+          <a:ext cx="2005980" cy="327657"/>
+        </p:xfrm>
+        <a:graphic>
+          <a:graphicData uri="http://schemas.openxmlformats.org/drawingml/2006/table">
+            <a:tbl>
+              <a:tblPr firstRow="1" bandRow="1">
+                <a:tableStyleId>{5C22544A-7EE6-4342-B048-85BDC9FD1C3A}</a:tableStyleId>
+              </a:tblPr>
+              <a:tblGrid>
+                <a:gridCol w="334330">
+                  <a:extLst>
+                    <a:ext uri="{9D8B030D-6E8A-4147-A177-3AD203B41FA5}">
+                      <a16:colId xmlns:a16="http://schemas.microsoft.com/office/drawing/2014/main" val="2411167900"/>
+                    </a:ext>
+                  </a:extLst>
+                </a:gridCol>
+                <a:gridCol w="334330">
+                  <a:extLst>
+                    <a:ext uri="{9D8B030D-6E8A-4147-A177-3AD203B41FA5}">
+                      <a16:colId xmlns:a16="http://schemas.microsoft.com/office/drawing/2014/main" val="831540765"/>
+                    </a:ext>
+                  </a:extLst>
+                </a:gridCol>
+                <a:gridCol w="334330">
+                  <a:extLst>
+                    <a:ext uri="{9D8B030D-6E8A-4147-A177-3AD203B41FA5}">
+                      <a16:colId xmlns:a16="http://schemas.microsoft.com/office/drawing/2014/main" val="649092517"/>
+                    </a:ext>
+                  </a:extLst>
+                </a:gridCol>
+                <a:gridCol w="334330">
+                  <a:extLst>
+                    <a:ext uri="{9D8B030D-6E8A-4147-A177-3AD203B41FA5}">
+                      <a16:colId xmlns:a16="http://schemas.microsoft.com/office/drawing/2014/main" val="3305632144"/>
+                    </a:ext>
+                  </a:extLst>
+                </a:gridCol>
+                <a:gridCol w="334330">
+                  <a:extLst>
+                    <a:ext uri="{9D8B030D-6E8A-4147-A177-3AD203B41FA5}">
+                      <a16:colId xmlns:a16="http://schemas.microsoft.com/office/drawing/2014/main" val="684211681"/>
+                    </a:ext>
+                  </a:extLst>
+                </a:gridCol>
+                <a:gridCol w="334330">
+                  <a:extLst>
+                    <a:ext uri="{9D8B030D-6E8A-4147-A177-3AD203B41FA5}">
+                      <a16:colId xmlns:a16="http://schemas.microsoft.com/office/drawing/2014/main" val="1758649648"/>
+                    </a:ext>
+                  </a:extLst>
+                </a:gridCol>
+              </a:tblGrid>
+              <a:tr h="327657">
+                <a:tc>
+                  <a:txBody>
+                    <a:bodyPr/>
+                    <a:lstStyle/>
+                    <a:p>
+                      <a:pPr algn="ctr"/>
+                      <a:r>
+                        <a:rPr lang="it-IT" sz="1600" dirty="0">
+                          <a:solidFill>
+                            <a:schemeClr val="tx1"/>
+                          </a:solidFill>
+                        </a:rPr>
+                        <a:t>3</a:t>
+                      </a:r>
+                      <a:endParaRPr lang="it-IT" sz="1600" dirty="0">
+                        <a:solidFill>
+                          <a:schemeClr val="tx1"/>
+                        </a:solidFill>
+                      </a:endParaRPr>
+                    </a:p>
+                  </a:txBody>
+                  <a:tcPr marL="80792" marR="80792" marT="40396" marB="40396">
+                    <a:lnL w="12700" cap="flat" cmpd="sng" algn="ctr">
+                      <a:solidFill>
+                        <a:schemeClr val="tx1"/>
+                      </a:solidFill>
+                      <a:prstDash val="solid"/>
+                      <a:round/>
+                      <a:headEnd type="none" w="med" len="med"/>
+                      <a:tailEnd type="none" w="med" len="med"/>
+                    </a:lnL>
+                    <a:lnR w="12700" cap="flat" cmpd="sng" algn="ctr">
+                      <a:solidFill>
+                        <a:schemeClr val="tx1"/>
+                      </a:solidFill>
+                      <a:prstDash val="solid"/>
+                      <a:round/>
+                      <a:headEnd type="none" w="med" len="med"/>
+                      <a:tailEnd type="none" w="med" len="med"/>
+                    </a:lnR>
+                    <a:lnT w="12700" cap="flat" cmpd="sng" algn="ctr">
+                      <a:solidFill>
+                        <a:schemeClr val="tx1"/>
+                      </a:solidFill>
+                      <a:prstDash val="solid"/>
+                      <a:round/>
+                      <a:headEnd type="none" w="med" len="med"/>
+                      <a:tailEnd type="none" w="med" len="med"/>
+                    </a:lnT>
+                    <a:lnB w="12700" cap="flat" cmpd="sng" algn="ctr">
+                      <a:solidFill>
+                        <a:schemeClr val="tx1"/>
+                      </a:solidFill>
+                      <a:prstDash val="solid"/>
+                      <a:round/>
+                      <a:headEnd type="none" w="med" len="med"/>
+                      <a:tailEnd type="none" w="med" len="med"/>
+                    </a:lnB>
+                    <a:solidFill>
+                      <a:schemeClr val="bg1"/>
+                    </a:solidFill>
+                  </a:tcPr>
+                </a:tc>
+                <a:tc>
+                  <a:txBody>
+                    <a:bodyPr/>
+                    <a:lstStyle/>
+                    <a:p>
+                      <a:pPr algn="ctr"/>
+                      <a:r>
+                        <a:rPr lang="it-IT" sz="1600" dirty="0" smtClean="0">
+                          <a:solidFill>
+                            <a:schemeClr val="tx1"/>
+                          </a:solidFill>
+                        </a:rPr>
+                        <a:t>2</a:t>
+                      </a:r>
+                      <a:endParaRPr lang="it-IT" sz="1600" dirty="0">
+                        <a:solidFill>
+                          <a:schemeClr val="tx1"/>
+                        </a:solidFill>
+                      </a:endParaRPr>
+                    </a:p>
+                  </a:txBody>
+                  <a:tcPr marL="80792" marR="80792" marT="40396" marB="40396">
+                    <a:lnL w="12700" cap="flat" cmpd="sng" algn="ctr">
+                      <a:solidFill>
+                        <a:schemeClr val="tx1"/>
+                      </a:solidFill>
+                      <a:prstDash val="solid"/>
+                      <a:round/>
+                      <a:headEnd type="none" w="med" len="med"/>
+                      <a:tailEnd type="none" w="med" len="med"/>
+                    </a:lnL>
+                    <a:lnR w="12700" cap="flat" cmpd="sng" algn="ctr">
+                      <a:solidFill>
+                        <a:schemeClr val="tx1"/>
+                      </a:solidFill>
+                      <a:prstDash val="solid"/>
+                      <a:round/>
+                      <a:headEnd type="none" w="med" len="med"/>
+                      <a:tailEnd type="none" w="med" len="med"/>
+                    </a:lnR>
+                    <a:lnT w="12700" cap="flat" cmpd="sng" algn="ctr">
+                      <a:solidFill>
+                        <a:schemeClr val="tx1"/>
+                      </a:solidFill>
+                      <a:prstDash val="solid"/>
+                      <a:round/>
+                      <a:headEnd type="none" w="med" len="med"/>
+                      <a:tailEnd type="none" w="med" len="med"/>
+                    </a:lnT>
+                    <a:lnB w="12700" cap="flat" cmpd="sng" algn="ctr">
+                      <a:solidFill>
+                        <a:schemeClr val="tx1"/>
+                      </a:solidFill>
+                      <a:prstDash val="solid"/>
+                      <a:round/>
+                      <a:headEnd type="none" w="med" len="med"/>
+                      <a:tailEnd type="none" w="med" len="med"/>
+                    </a:lnB>
+                    <a:solidFill>
+                      <a:srgbClr val="00B050"/>
+                    </a:solidFill>
+                  </a:tcPr>
+                </a:tc>
+                <a:tc>
+                  <a:txBody>
+                    <a:bodyPr/>
+                    <a:lstStyle/>
+                    <a:p>
+                      <a:pPr algn="ctr"/>
+                      <a:r>
+                        <a:rPr lang="it-IT" sz="1600" dirty="0" smtClean="0">
+                          <a:solidFill>
+                            <a:schemeClr val="tx1"/>
+                          </a:solidFill>
+                        </a:rPr>
+                        <a:t>6</a:t>
+                      </a:r>
+                      <a:endParaRPr lang="it-IT" sz="1600" dirty="0">
+                        <a:solidFill>
+                          <a:schemeClr val="tx1"/>
+                        </a:solidFill>
+                      </a:endParaRPr>
+                    </a:p>
+                  </a:txBody>
+                  <a:tcPr marL="80792" marR="80792" marT="40396" marB="40396">
+                    <a:lnL w="12700" cap="flat" cmpd="sng" algn="ctr">
+                      <a:solidFill>
+                        <a:schemeClr val="tx1"/>
+                      </a:solidFill>
+                      <a:prstDash val="solid"/>
+                      <a:round/>
+                      <a:headEnd type="none" w="med" len="med"/>
+                      <a:tailEnd type="none" w="med" len="med"/>
+                    </a:lnL>
+                    <a:lnR w="12700" cap="flat" cmpd="sng" algn="ctr">
+                      <a:solidFill>
+                        <a:schemeClr val="tx1"/>
+                      </a:solidFill>
+                      <a:prstDash val="solid"/>
+                      <a:round/>
+                      <a:headEnd type="none" w="med" len="med"/>
+                      <a:tailEnd type="none" w="med" len="med"/>
+                    </a:lnR>
+                    <a:lnT w="12700" cap="flat" cmpd="sng" algn="ctr">
+                      <a:solidFill>
+                        <a:schemeClr val="tx1"/>
+                      </a:solidFill>
+                      <a:prstDash val="solid"/>
+                      <a:round/>
+                      <a:headEnd type="none" w="med" len="med"/>
+                      <a:tailEnd type="none" w="med" len="med"/>
+                    </a:lnT>
+                    <a:lnB w="12700" cap="flat" cmpd="sng" algn="ctr">
+                      <a:solidFill>
+                        <a:schemeClr val="tx1"/>
+                      </a:solidFill>
+                      <a:prstDash val="solid"/>
+                      <a:round/>
+                      <a:headEnd type="none" w="med" len="med"/>
+                      <a:tailEnd type="none" w="med" len="med"/>
+                    </a:lnB>
+                    <a:solidFill>
+                      <a:srgbClr val="00B050"/>
+                    </a:solidFill>
+                  </a:tcPr>
+                </a:tc>
+                <a:tc>
+                  <a:txBody>
+                    <a:bodyPr/>
+                    <a:lstStyle/>
+                    <a:p>
+                      <a:pPr algn="ctr"/>
+                      <a:r>
+                        <a:rPr lang="it-IT" sz="1600" dirty="0" smtClean="0">
+                          <a:solidFill>
+                            <a:schemeClr val="tx1"/>
+                          </a:solidFill>
+                        </a:rPr>
+                        <a:t>1</a:t>
+                      </a:r>
+                      <a:endParaRPr lang="it-IT" sz="1600" dirty="0">
+                        <a:solidFill>
+                          <a:schemeClr val="tx1"/>
+                        </a:solidFill>
+                      </a:endParaRPr>
+                    </a:p>
+                  </a:txBody>
+                  <a:tcPr marL="80792" marR="80792" marT="40396" marB="40396">
+                    <a:lnL w="12700" cap="flat" cmpd="sng" algn="ctr">
+                      <a:solidFill>
+                        <a:schemeClr val="tx1"/>
+                      </a:solidFill>
+                      <a:prstDash val="solid"/>
+                      <a:round/>
+                      <a:headEnd type="none" w="med" len="med"/>
+                      <a:tailEnd type="none" w="med" len="med"/>
+                    </a:lnL>
+                    <a:lnR w="12700" cap="flat" cmpd="sng" algn="ctr">
+                      <a:solidFill>
+                        <a:schemeClr val="tx1"/>
+                      </a:solidFill>
+                      <a:prstDash val="solid"/>
+                      <a:round/>
+                      <a:headEnd type="none" w="med" len="med"/>
+                      <a:tailEnd type="none" w="med" len="med"/>
+                    </a:lnR>
+                    <a:lnT w="12700" cap="flat" cmpd="sng" algn="ctr">
+                      <a:solidFill>
+                        <a:schemeClr val="tx1"/>
+                      </a:solidFill>
+                      <a:prstDash val="solid"/>
+                      <a:round/>
+                      <a:headEnd type="none" w="med" len="med"/>
+                      <a:tailEnd type="none" w="med" len="med"/>
+                    </a:lnT>
+                    <a:lnB w="12700" cap="flat" cmpd="sng" algn="ctr">
+                      <a:solidFill>
+                        <a:schemeClr val="tx1"/>
+                      </a:solidFill>
+                      <a:prstDash val="solid"/>
+                      <a:round/>
+                      <a:headEnd type="none" w="med" len="med"/>
+                      <a:tailEnd type="none" w="med" len="med"/>
+                    </a:lnB>
+                    <a:solidFill>
+                      <a:srgbClr val="00B050"/>
+                    </a:solidFill>
+                  </a:tcPr>
+                </a:tc>
+                <a:tc>
+                  <a:txBody>
+                    <a:bodyPr/>
+                    <a:lstStyle/>
+                    <a:p>
+                      <a:pPr algn="ctr"/>
+                      <a:r>
+                        <a:rPr lang="it-IT" sz="1600" dirty="0" smtClean="0">
+                          <a:solidFill>
+                            <a:schemeClr val="tx1"/>
+                          </a:solidFill>
+                        </a:rPr>
+                        <a:t>5</a:t>
+                      </a:r>
+                      <a:endParaRPr lang="it-IT" sz="1600" dirty="0">
+                        <a:solidFill>
+                          <a:schemeClr val="tx1"/>
+                        </a:solidFill>
+                      </a:endParaRPr>
+                    </a:p>
+                  </a:txBody>
+                  <a:tcPr marL="80792" marR="80792" marT="40396" marB="40396">
+                    <a:lnL w="12700" cap="flat" cmpd="sng" algn="ctr">
+                      <a:solidFill>
+                        <a:schemeClr val="tx1"/>
+                      </a:solidFill>
+                      <a:prstDash val="solid"/>
+                      <a:round/>
+                      <a:headEnd type="none" w="med" len="med"/>
+                      <a:tailEnd type="none" w="med" len="med"/>
+                    </a:lnL>
+                    <a:lnR w="12700" cap="flat" cmpd="sng" algn="ctr">
+                      <a:solidFill>
+                        <a:schemeClr val="tx1"/>
+                      </a:solidFill>
+                      <a:prstDash val="solid"/>
+                      <a:round/>
+                      <a:headEnd type="none" w="med" len="med"/>
+                      <a:tailEnd type="none" w="med" len="med"/>
+                    </a:lnR>
+                    <a:lnT w="12700" cap="flat" cmpd="sng" algn="ctr">
+                      <a:solidFill>
+                        <a:schemeClr val="tx1"/>
+                      </a:solidFill>
+                      <a:prstDash val="solid"/>
+                      <a:round/>
+                      <a:headEnd type="none" w="med" len="med"/>
+                      <a:tailEnd type="none" w="med" len="med"/>
+                    </a:lnT>
+                    <a:lnB w="12700" cap="flat" cmpd="sng" algn="ctr">
+                      <a:solidFill>
+                        <a:schemeClr val="tx1"/>
+                      </a:solidFill>
+                      <a:prstDash val="solid"/>
+                      <a:round/>
+                      <a:headEnd type="none" w="med" len="med"/>
+                      <a:tailEnd type="none" w="med" len="med"/>
+                    </a:lnB>
+                    <a:solidFill>
+                      <a:schemeClr val="bg1"/>
+                    </a:solidFill>
+                  </a:tcPr>
+                </a:tc>
+                <a:tc>
+                  <a:txBody>
+                    <a:bodyPr/>
+                    <a:lstStyle/>
+                    <a:p>
+                      <a:pPr algn="ctr"/>
+                      <a:r>
+                        <a:rPr lang="it-IT" sz="1600" dirty="0" smtClean="0">
+                          <a:solidFill>
+                            <a:schemeClr val="tx1"/>
+                          </a:solidFill>
+                        </a:rPr>
+                        <a:t>4</a:t>
+                      </a:r>
+                      <a:endParaRPr lang="it-IT" sz="1600" dirty="0">
+                        <a:solidFill>
+                          <a:schemeClr val="tx1"/>
+                        </a:solidFill>
+                      </a:endParaRPr>
+                    </a:p>
+                  </a:txBody>
+                  <a:tcPr marL="80792" marR="80792" marT="40396" marB="40396">
+                    <a:lnL w="12700" cap="flat" cmpd="sng" algn="ctr">
+                      <a:solidFill>
+                        <a:schemeClr val="tx1"/>
+                      </a:solidFill>
+                      <a:prstDash val="solid"/>
+                      <a:round/>
+                      <a:headEnd type="none" w="med" len="med"/>
+                      <a:tailEnd type="none" w="med" len="med"/>
+                    </a:lnL>
+                    <a:lnR w="12700" cap="flat" cmpd="sng" algn="ctr">
+                      <a:solidFill>
+                        <a:schemeClr val="tx1"/>
+                      </a:solidFill>
+                      <a:prstDash val="solid"/>
+                      <a:round/>
+                      <a:headEnd type="none" w="med" len="med"/>
+                      <a:tailEnd type="none" w="med" len="med"/>
+                    </a:lnR>
+                    <a:lnT w="12700" cap="flat" cmpd="sng" algn="ctr">
+                      <a:solidFill>
+                        <a:schemeClr val="tx1"/>
+                      </a:solidFill>
+                      <a:prstDash val="solid"/>
+                      <a:round/>
+                      <a:headEnd type="none" w="med" len="med"/>
+                      <a:tailEnd type="none" w="med" len="med"/>
+                    </a:lnT>
+                    <a:lnB w="12700" cap="flat" cmpd="sng" algn="ctr">
+                      <a:solidFill>
+                        <a:schemeClr val="tx1"/>
+                      </a:solidFill>
+                      <a:prstDash val="solid"/>
+                      <a:round/>
+                      <a:headEnd type="none" w="med" len="med"/>
+                      <a:tailEnd type="none" w="med" len="med"/>
+                    </a:lnB>
+                    <a:solidFill>
+                      <a:schemeClr val="bg1"/>
+                    </a:solidFill>
+                  </a:tcPr>
+                </a:tc>
+                <a:extLst>
+                  <a:ext uri="{0D108BD9-81ED-4DB2-BD59-A6C34878D82A}">
+                    <a16:rowId xmlns:a16="http://schemas.microsoft.com/office/drawing/2014/main" val="4069182149"/>
+                  </a:ext>
+                </a:extLst>
+              </a:tr>
+            </a:tbl>
+          </a:graphicData>
+        </a:graphic>
+      </p:graphicFrame>
+      <p:graphicFrame>
+        <p:nvGraphicFramePr>
+          <p:cNvPr id="11" name="Tabella 2">
+            <a:extLst>
+              <a:ext uri="{FF2B5EF4-FFF2-40B4-BE49-F238E27FC236}">
+                <a16:creationId xmlns:a16="http://schemas.microsoft.com/office/drawing/2014/main" id="{ABE8FCC2-9701-4CFD-A72E-1BA021145684}"/>
+              </a:ext>
+            </a:extLst>
+          </p:cNvPr>
+          <p:cNvGraphicFramePr>
+            <a:graphicFrameLocks noGrp="1"/>
+          </p:cNvGraphicFramePr>
+          <p:nvPr>
+            <p:extLst>
+              <p:ext uri="{D42A27DB-BD31-4B8C-83A1-F6EECF244321}">
+                <p14:modId xmlns:p14="http://schemas.microsoft.com/office/powerpoint/2010/main" val="2617874621"/>
+              </p:ext>
+            </p:extLst>
+          </p:nvPr>
+        </p:nvGraphicFramePr>
+        <p:xfrm>
+          <a:off x="3997333" y="3517073"/>
+          <a:ext cx="2005986" cy="327658"/>
+        </p:xfrm>
+        <a:graphic>
+          <a:graphicData uri="http://schemas.openxmlformats.org/drawingml/2006/table">
+            <a:tbl>
+              <a:tblPr firstRow="1" bandRow="1">
+                <a:tableStyleId>{5C22544A-7EE6-4342-B048-85BDC9FD1C3A}</a:tableStyleId>
+              </a:tblPr>
+              <a:tblGrid>
+                <a:gridCol w="334331">
+                  <a:extLst>
+                    <a:ext uri="{9D8B030D-6E8A-4147-A177-3AD203B41FA5}">
+                      <a16:colId xmlns:a16="http://schemas.microsoft.com/office/drawing/2014/main" val="2411167900"/>
+                    </a:ext>
+                  </a:extLst>
+                </a:gridCol>
+                <a:gridCol w="334331">
+                  <a:extLst>
+                    <a:ext uri="{9D8B030D-6E8A-4147-A177-3AD203B41FA5}">
+                      <a16:colId xmlns:a16="http://schemas.microsoft.com/office/drawing/2014/main" val="831540765"/>
+                    </a:ext>
+                  </a:extLst>
+                </a:gridCol>
+                <a:gridCol w="334331">
+                  <a:extLst>
+                    <a:ext uri="{9D8B030D-6E8A-4147-A177-3AD203B41FA5}">
+                      <a16:colId xmlns:a16="http://schemas.microsoft.com/office/drawing/2014/main" val="649092517"/>
+                    </a:ext>
+                  </a:extLst>
+                </a:gridCol>
+                <a:gridCol w="334331">
+                  <a:extLst>
+                    <a:ext uri="{9D8B030D-6E8A-4147-A177-3AD203B41FA5}">
+                      <a16:colId xmlns:a16="http://schemas.microsoft.com/office/drawing/2014/main" val="3305632144"/>
+                    </a:ext>
+                  </a:extLst>
+                </a:gridCol>
+                <a:gridCol w="334331">
+                  <a:extLst>
+                    <a:ext uri="{9D8B030D-6E8A-4147-A177-3AD203B41FA5}">
+                      <a16:colId xmlns:a16="http://schemas.microsoft.com/office/drawing/2014/main" val="684211681"/>
+                    </a:ext>
+                  </a:extLst>
+                </a:gridCol>
+                <a:gridCol w="334331">
+                  <a:extLst>
+                    <a:ext uri="{9D8B030D-6E8A-4147-A177-3AD203B41FA5}">
+                      <a16:colId xmlns:a16="http://schemas.microsoft.com/office/drawing/2014/main" val="1758649648"/>
+                    </a:ext>
+                  </a:extLst>
+                </a:gridCol>
+              </a:tblGrid>
+              <a:tr h="327658">
+                <a:tc>
+                  <a:txBody>
+                    <a:bodyPr/>
+                    <a:lstStyle/>
+                    <a:p>
+                      <a:pPr algn="ctr"/>
+                      <a:r>
+                        <a:rPr lang="it-IT" sz="1600" b="1" dirty="0" smtClean="0">
+                          <a:solidFill>
+                            <a:schemeClr val="tx1"/>
+                          </a:solidFill>
+                        </a:rPr>
+                        <a:t>_</a:t>
+                      </a:r>
+                      <a:endParaRPr lang="it-IT" sz="1600" b="1" dirty="0">
+                        <a:solidFill>
+                          <a:schemeClr val="tx1"/>
+                        </a:solidFill>
+                      </a:endParaRPr>
+                    </a:p>
+                  </a:txBody>
+                  <a:tcPr marL="80793" marR="80793" marT="40397" marB="40397">
+                    <a:lnL w="12700" cap="flat" cmpd="sng" algn="ctr">
+                      <a:solidFill>
+                        <a:schemeClr val="tx1"/>
+                      </a:solidFill>
+                      <a:prstDash val="solid"/>
+                      <a:round/>
+                      <a:headEnd type="none" w="med" len="med"/>
+                      <a:tailEnd type="none" w="med" len="med"/>
+                    </a:lnL>
+                    <a:lnR w="12700" cap="flat" cmpd="sng" algn="ctr">
+                      <a:solidFill>
+                        <a:schemeClr val="tx1"/>
+                      </a:solidFill>
+                      <a:prstDash val="solid"/>
+                      <a:round/>
+                      <a:headEnd type="none" w="med" len="med"/>
+                      <a:tailEnd type="none" w="med" len="med"/>
+                    </a:lnR>
+                    <a:lnT w="12700" cap="flat" cmpd="sng" algn="ctr">
+                      <a:solidFill>
+                        <a:schemeClr val="tx1"/>
+                      </a:solidFill>
+                      <a:prstDash val="solid"/>
+                      <a:round/>
+                      <a:headEnd type="none" w="med" len="med"/>
+                      <a:tailEnd type="none" w="med" len="med"/>
+                    </a:lnT>
+                    <a:lnB w="12700" cap="flat" cmpd="sng" algn="ctr">
+                      <a:solidFill>
+                        <a:schemeClr val="tx1"/>
+                      </a:solidFill>
+                      <a:prstDash val="solid"/>
+                      <a:round/>
+                      <a:headEnd type="none" w="med" len="med"/>
+                      <a:tailEnd type="none" w="med" len="med"/>
+                    </a:lnB>
+                    <a:solidFill>
+                      <a:schemeClr val="bg1"/>
+                    </a:solidFill>
+                  </a:tcPr>
+                </a:tc>
+                <a:tc>
+                  <a:txBody>
+                    <a:bodyPr/>
+                    <a:lstStyle/>
+                    <a:p>
+                      <a:pPr algn="ctr"/>
+                      <a:r>
+                        <a:rPr lang="it-IT" sz="1600" b="1" dirty="0">
+                          <a:solidFill>
+                            <a:schemeClr val="tx1"/>
+                          </a:solidFill>
+                        </a:rPr>
+                        <a:t>4</a:t>
+                      </a:r>
+                      <a:endParaRPr lang="it-IT" sz="1600" b="1" dirty="0">
+                        <a:solidFill>
+                          <a:schemeClr val="tx1"/>
+                        </a:solidFill>
+                      </a:endParaRPr>
+                    </a:p>
+                  </a:txBody>
+                  <a:tcPr marL="80793" marR="80793" marT="40397" marB="40397">
+                    <a:lnL w="12700" cap="flat" cmpd="sng" algn="ctr">
+                      <a:solidFill>
+                        <a:schemeClr val="tx1"/>
+                      </a:solidFill>
+                      <a:prstDash val="solid"/>
+                      <a:round/>
+                      <a:headEnd type="none" w="med" len="med"/>
+                      <a:tailEnd type="none" w="med" len="med"/>
+                    </a:lnL>
+                    <a:lnR w="12700" cap="flat" cmpd="sng" algn="ctr">
+                      <a:solidFill>
+                        <a:schemeClr val="tx1"/>
+                      </a:solidFill>
+                      <a:prstDash val="solid"/>
+                      <a:round/>
+                      <a:headEnd type="none" w="med" len="med"/>
+                      <a:tailEnd type="none" w="med" len="med"/>
+                    </a:lnR>
+                    <a:lnT w="12700" cap="flat" cmpd="sng" algn="ctr">
+                      <a:solidFill>
+                        <a:schemeClr val="tx1"/>
+                      </a:solidFill>
+                      <a:prstDash val="solid"/>
+                      <a:round/>
+                      <a:headEnd type="none" w="med" len="med"/>
+                      <a:tailEnd type="none" w="med" len="med"/>
+                    </a:lnT>
+                    <a:lnB w="12700" cap="flat" cmpd="sng" algn="ctr">
+                      <a:solidFill>
+                        <a:schemeClr val="tx1"/>
+                      </a:solidFill>
+                      <a:prstDash val="solid"/>
+                      <a:round/>
+                      <a:headEnd type="none" w="med" len="med"/>
+                      <a:tailEnd type="none" w="med" len="med"/>
+                    </a:lnB>
+                    <a:solidFill>
+                      <a:srgbClr val="FFC000"/>
+                    </a:solidFill>
+                  </a:tcPr>
+                </a:tc>
+                <a:tc>
+                  <a:txBody>
+                    <a:bodyPr/>
+                    <a:lstStyle/>
+                    <a:p>
+                      <a:pPr algn="ctr"/>
+                      <a:r>
+                        <a:rPr lang="it-IT" sz="1600" b="1" dirty="0" smtClean="0">
+                          <a:solidFill>
+                            <a:schemeClr val="tx1"/>
+                          </a:solidFill>
+                        </a:rPr>
+                        <a:t>3</a:t>
+                      </a:r>
+                      <a:endParaRPr lang="it-IT" sz="1600" b="1" dirty="0">
+                        <a:solidFill>
+                          <a:schemeClr val="tx1"/>
+                        </a:solidFill>
+                      </a:endParaRPr>
+                    </a:p>
+                  </a:txBody>
+                  <a:tcPr marL="80793" marR="80793" marT="40397" marB="40397">
+                    <a:lnL w="12700" cap="flat" cmpd="sng" algn="ctr">
+                      <a:solidFill>
+                        <a:schemeClr val="tx1"/>
+                      </a:solidFill>
+                      <a:prstDash val="solid"/>
+                      <a:round/>
+                      <a:headEnd type="none" w="med" len="med"/>
+                      <a:tailEnd type="none" w="med" len="med"/>
+                    </a:lnL>
+                    <a:lnR w="12700" cap="flat" cmpd="sng" algn="ctr">
+                      <a:solidFill>
+                        <a:schemeClr val="tx1"/>
+                      </a:solidFill>
+                      <a:prstDash val="solid"/>
+                      <a:round/>
+                      <a:headEnd type="none" w="med" len="med"/>
+                      <a:tailEnd type="none" w="med" len="med"/>
+                    </a:lnR>
+                    <a:lnT w="12700" cap="flat" cmpd="sng" algn="ctr">
+                      <a:solidFill>
+                        <a:schemeClr val="tx1"/>
+                      </a:solidFill>
+                      <a:prstDash val="solid"/>
+                      <a:round/>
+                      <a:headEnd type="none" w="med" len="med"/>
+                      <a:tailEnd type="none" w="med" len="med"/>
+                    </a:lnT>
+                    <a:lnB w="12700" cap="flat" cmpd="sng" algn="ctr">
+                      <a:solidFill>
+                        <a:schemeClr val="tx1"/>
+                      </a:solidFill>
+                      <a:prstDash val="solid"/>
+                      <a:round/>
+                      <a:headEnd type="none" w="med" len="med"/>
+                      <a:tailEnd type="none" w="med" len="med"/>
+                    </a:lnB>
+                    <a:solidFill>
+                      <a:srgbClr val="FFC000"/>
+                    </a:solidFill>
+                  </a:tcPr>
+                </a:tc>
+                <a:tc>
+                  <a:txBody>
+                    <a:bodyPr/>
+                    <a:lstStyle/>
+                    <a:p>
+                      <a:pPr algn="ctr"/>
+                      <a:r>
+                        <a:rPr lang="it-IT" sz="1600" b="1" dirty="0" smtClean="0">
+                          <a:solidFill>
+                            <a:schemeClr val="tx1"/>
+                          </a:solidFill>
+                        </a:rPr>
+                        <a:t>2</a:t>
+                      </a:r>
+                      <a:endParaRPr lang="it-IT" sz="1600" b="1" dirty="0">
+                        <a:solidFill>
+                          <a:schemeClr val="tx1"/>
+                        </a:solidFill>
+                      </a:endParaRPr>
+                    </a:p>
+                  </a:txBody>
+                  <a:tcPr marL="80793" marR="80793" marT="40397" marB="40397">
+                    <a:lnL w="12700" cap="flat" cmpd="sng" algn="ctr">
+                      <a:solidFill>
+                        <a:schemeClr val="tx1"/>
+                      </a:solidFill>
+                      <a:prstDash val="solid"/>
+                      <a:round/>
+                      <a:headEnd type="none" w="med" len="med"/>
+                      <a:tailEnd type="none" w="med" len="med"/>
+                    </a:lnL>
+                    <a:lnR w="12700" cap="flat" cmpd="sng" algn="ctr">
+                      <a:solidFill>
+                        <a:schemeClr val="tx1"/>
+                      </a:solidFill>
+                      <a:prstDash val="solid"/>
+                      <a:round/>
+                      <a:headEnd type="none" w="med" len="med"/>
+                      <a:tailEnd type="none" w="med" len="med"/>
+                    </a:lnR>
+                    <a:lnT w="12700" cap="flat" cmpd="sng" algn="ctr">
+                      <a:solidFill>
+                        <a:schemeClr val="tx1"/>
+                      </a:solidFill>
+                      <a:prstDash val="solid"/>
+                      <a:round/>
+                      <a:headEnd type="none" w="med" len="med"/>
+                      <a:tailEnd type="none" w="med" len="med"/>
+                    </a:lnT>
+                    <a:lnB w="12700" cap="flat" cmpd="sng" algn="ctr">
+                      <a:solidFill>
+                        <a:schemeClr val="tx1"/>
+                      </a:solidFill>
+                      <a:prstDash val="solid"/>
+                      <a:round/>
+                      <a:headEnd type="none" w="med" len="med"/>
+                      <a:tailEnd type="none" w="med" len="med"/>
+                    </a:lnB>
+                    <a:solidFill>
+                      <a:srgbClr val="FFC000"/>
+                    </a:solidFill>
+                  </a:tcPr>
+                </a:tc>
+                <a:tc>
+                  <a:txBody>
+                    <a:bodyPr/>
+                    <a:lstStyle/>
+                    <a:p>
+                      <a:pPr algn="ctr"/>
+                      <a:r>
+                        <a:rPr lang="it-IT" sz="1600" b="1" dirty="0" smtClean="0">
+                          <a:solidFill>
+                            <a:schemeClr val="tx1"/>
+                          </a:solidFill>
+                        </a:rPr>
+                        <a:t>_</a:t>
+                      </a:r>
+                      <a:endParaRPr lang="it-IT" sz="1600" b="1" dirty="0">
+                        <a:solidFill>
+                          <a:schemeClr val="tx1"/>
+                        </a:solidFill>
+                      </a:endParaRPr>
+                    </a:p>
+                  </a:txBody>
+                  <a:tcPr marL="80793" marR="80793" marT="40397" marB="40397">
+                    <a:lnL w="12700" cap="flat" cmpd="sng" algn="ctr">
+                      <a:solidFill>
+                        <a:schemeClr val="tx1"/>
+                      </a:solidFill>
+                      <a:prstDash val="solid"/>
+                      <a:round/>
+                      <a:headEnd type="none" w="med" len="med"/>
+                      <a:tailEnd type="none" w="med" len="med"/>
+                    </a:lnL>
+                    <a:lnR w="12700" cap="flat" cmpd="sng" algn="ctr">
+                      <a:solidFill>
+                        <a:schemeClr val="tx1"/>
+                      </a:solidFill>
+                      <a:prstDash val="solid"/>
+                      <a:round/>
+                      <a:headEnd type="none" w="med" len="med"/>
+                      <a:tailEnd type="none" w="med" len="med"/>
+                    </a:lnR>
+                    <a:lnT w="12700" cap="flat" cmpd="sng" algn="ctr">
+                      <a:solidFill>
+                        <a:schemeClr val="tx1"/>
+                      </a:solidFill>
+                      <a:prstDash val="solid"/>
+                      <a:round/>
+                      <a:headEnd type="none" w="med" len="med"/>
+                      <a:tailEnd type="none" w="med" len="med"/>
+                    </a:lnT>
+                    <a:lnB w="12700" cap="flat" cmpd="sng" algn="ctr">
+                      <a:solidFill>
+                        <a:schemeClr val="tx1"/>
+                      </a:solidFill>
+                      <a:prstDash val="solid"/>
+                      <a:round/>
+                      <a:headEnd type="none" w="med" len="med"/>
+                      <a:tailEnd type="none" w="med" len="med"/>
+                    </a:lnB>
+                    <a:solidFill>
+                      <a:schemeClr val="bg1"/>
+                    </a:solidFill>
+                  </a:tcPr>
+                </a:tc>
+                <a:tc>
+                  <a:txBody>
+                    <a:bodyPr/>
+                    <a:lstStyle/>
+                    <a:p>
+                      <a:pPr algn="ctr"/>
+                      <a:r>
+                        <a:rPr lang="it-IT" sz="1600" b="1" dirty="0" smtClean="0">
+                          <a:solidFill>
+                            <a:schemeClr val="tx1"/>
+                          </a:solidFill>
+                        </a:rPr>
+                        <a:t>_</a:t>
+                      </a:r>
+                      <a:endParaRPr lang="it-IT" sz="1600" b="1" dirty="0">
+                        <a:solidFill>
+                          <a:schemeClr val="tx1"/>
+                        </a:solidFill>
+                      </a:endParaRPr>
+                    </a:p>
+                  </a:txBody>
+                  <a:tcPr marL="80793" marR="80793" marT="40397" marB="40397">
+                    <a:lnL w="12700" cap="flat" cmpd="sng" algn="ctr">
+                      <a:solidFill>
+                        <a:schemeClr val="tx1"/>
+                      </a:solidFill>
+                      <a:prstDash val="solid"/>
+                      <a:round/>
+                      <a:headEnd type="none" w="med" len="med"/>
+                      <a:tailEnd type="none" w="med" len="med"/>
+                    </a:lnL>
+                    <a:lnR w="12700" cap="flat" cmpd="sng" algn="ctr">
+                      <a:solidFill>
+                        <a:schemeClr val="tx1"/>
+                      </a:solidFill>
+                      <a:prstDash val="solid"/>
+                      <a:round/>
+                      <a:headEnd type="none" w="med" len="med"/>
+                      <a:tailEnd type="none" w="med" len="med"/>
+                    </a:lnR>
+                    <a:lnT w="12700" cap="flat" cmpd="sng" algn="ctr">
+                      <a:solidFill>
+                        <a:schemeClr val="tx1"/>
+                      </a:solidFill>
+                      <a:prstDash val="solid"/>
+                      <a:round/>
+                      <a:headEnd type="none" w="med" len="med"/>
+                      <a:tailEnd type="none" w="med" len="med"/>
+                    </a:lnT>
+                    <a:lnB w="12700" cap="flat" cmpd="sng" algn="ctr">
+                      <a:solidFill>
+                        <a:schemeClr val="tx1"/>
+                      </a:solidFill>
+                      <a:prstDash val="solid"/>
+                      <a:round/>
+                      <a:headEnd type="none" w="med" len="med"/>
+                      <a:tailEnd type="none" w="med" len="med"/>
+                    </a:lnB>
+                    <a:solidFill>
+                      <a:schemeClr val="bg1"/>
+                    </a:solidFill>
+                  </a:tcPr>
+                </a:tc>
+                <a:extLst>
+                  <a:ext uri="{0D108BD9-81ED-4DB2-BD59-A6C34878D82A}">
+                    <a16:rowId xmlns:a16="http://schemas.microsoft.com/office/drawing/2014/main" val="4069182149"/>
+                  </a:ext>
+                </a:extLst>
+              </a:tr>
+            </a:tbl>
+          </a:graphicData>
+        </a:graphic>
+      </p:graphicFrame>
+      <p:graphicFrame>
+        <p:nvGraphicFramePr>
+          <p:cNvPr id="12" name="Tabella 2">
+            <a:extLst>
+              <a:ext uri="{FF2B5EF4-FFF2-40B4-BE49-F238E27FC236}">
+                <a16:creationId xmlns:a16="http://schemas.microsoft.com/office/drawing/2014/main" id="{ABE8FCC2-9701-4CFD-A72E-1BA021145684}"/>
+              </a:ext>
+            </a:extLst>
+          </p:cNvPr>
+          <p:cNvGraphicFramePr>
+            <a:graphicFrameLocks noGrp="1"/>
+          </p:cNvGraphicFramePr>
+          <p:nvPr>
+            <p:extLst>
+              <p:ext uri="{D42A27DB-BD31-4B8C-83A1-F6EECF244321}">
+                <p14:modId xmlns:p14="http://schemas.microsoft.com/office/powerpoint/2010/main" val="1857406236"/>
+              </p:ext>
+            </p:extLst>
+          </p:nvPr>
+        </p:nvGraphicFramePr>
+        <p:xfrm>
+          <a:off x="3997338" y="3058975"/>
+          <a:ext cx="2005979" cy="327657"/>
+        </p:xfrm>
+        <a:graphic>
+          <a:graphicData uri="http://schemas.openxmlformats.org/drawingml/2006/table">
+            <a:tbl>
+              <a:tblPr firstRow="1" bandRow="1">
+                <a:tableStyleId>{5C22544A-7EE6-4342-B048-85BDC9FD1C3A}</a:tableStyleId>
+              </a:tblPr>
+              <a:tblGrid>
+                <a:gridCol w="334330">
+                  <a:extLst>
+                    <a:ext uri="{9D8B030D-6E8A-4147-A177-3AD203B41FA5}">
+                      <a16:colId xmlns:a16="http://schemas.microsoft.com/office/drawing/2014/main" val="2411167900"/>
+                    </a:ext>
+                  </a:extLst>
+                </a:gridCol>
+                <a:gridCol w="333579">
+                  <a:extLst>
+                    <a:ext uri="{9D8B030D-6E8A-4147-A177-3AD203B41FA5}">
+                      <a16:colId xmlns:a16="http://schemas.microsoft.com/office/drawing/2014/main" val="831540765"/>
+                    </a:ext>
+                  </a:extLst>
+                </a:gridCol>
+                <a:gridCol w="335080">
+                  <a:extLst>
+                    <a:ext uri="{9D8B030D-6E8A-4147-A177-3AD203B41FA5}">
+                      <a16:colId xmlns:a16="http://schemas.microsoft.com/office/drawing/2014/main" val="649092517"/>
+                    </a:ext>
+                  </a:extLst>
+                </a:gridCol>
+                <a:gridCol w="334330">
+                  <a:extLst>
+                    <a:ext uri="{9D8B030D-6E8A-4147-A177-3AD203B41FA5}">
+                      <a16:colId xmlns:a16="http://schemas.microsoft.com/office/drawing/2014/main" val="3305632144"/>
+                    </a:ext>
+                  </a:extLst>
+                </a:gridCol>
+                <a:gridCol w="334330">
+                  <a:extLst>
+                    <a:ext uri="{9D8B030D-6E8A-4147-A177-3AD203B41FA5}">
+                      <a16:colId xmlns:a16="http://schemas.microsoft.com/office/drawing/2014/main" val="684211681"/>
+                    </a:ext>
+                  </a:extLst>
+                </a:gridCol>
+                <a:gridCol w="334330">
+                  <a:extLst>
+                    <a:ext uri="{9D8B030D-6E8A-4147-A177-3AD203B41FA5}">
+                      <a16:colId xmlns:a16="http://schemas.microsoft.com/office/drawing/2014/main" val="1758649648"/>
+                    </a:ext>
+                  </a:extLst>
+                </a:gridCol>
+              </a:tblGrid>
+              <a:tr h="327657">
+                <a:tc>
+                  <a:txBody>
+                    <a:bodyPr/>
+                    <a:lstStyle/>
+                    <a:p>
+                      <a:pPr algn="ctr"/>
+                      <a:r>
+                        <a:rPr lang="it-IT" sz="1600" dirty="0" smtClean="0">
+                          <a:solidFill>
+                            <a:schemeClr val="tx1"/>
+                          </a:solidFill>
+                        </a:rPr>
+                        <a:t>_</a:t>
+                      </a:r>
+                      <a:endParaRPr lang="it-IT" sz="1600" dirty="0">
+                        <a:solidFill>
+                          <a:schemeClr val="tx1"/>
+                        </a:solidFill>
+                      </a:endParaRPr>
+                    </a:p>
+                  </a:txBody>
+                  <a:tcPr marL="80792" marR="80792" marT="40396" marB="40396">
+                    <a:lnL w="12700" cap="flat" cmpd="sng" algn="ctr">
+                      <a:solidFill>
+                        <a:schemeClr val="tx1"/>
+                      </a:solidFill>
+                      <a:prstDash val="solid"/>
+                      <a:round/>
+                      <a:headEnd type="none" w="med" len="med"/>
+                      <a:tailEnd type="none" w="med" len="med"/>
+                    </a:lnL>
+                    <a:lnR w="12700" cap="flat" cmpd="sng" algn="ctr">
+                      <a:solidFill>
+                        <a:schemeClr val="tx1"/>
+                      </a:solidFill>
+                      <a:prstDash val="solid"/>
+                      <a:round/>
+                      <a:headEnd type="none" w="med" len="med"/>
+                      <a:tailEnd type="none" w="med" len="med"/>
+                    </a:lnR>
+                    <a:lnT w="12700" cap="flat" cmpd="sng" algn="ctr">
+                      <a:solidFill>
+                        <a:schemeClr val="tx1"/>
+                      </a:solidFill>
+                      <a:prstDash val="solid"/>
+                      <a:round/>
+                      <a:headEnd type="none" w="med" len="med"/>
+                      <a:tailEnd type="none" w="med" len="med"/>
+                    </a:lnT>
+                    <a:lnB w="12700" cap="flat" cmpd="sng" algn="ctr">
+                      <a:solidFill>
+                        <a:schemeClr val="tx1"/>
+                      </a:solidFill>
+                      <a:prstDash val="solid"/>
+                      <a:round/>
+                      <a:headEnd type="none" w="med" len="med"/>
+                      <a:tailEnd type="none" w="med" len="med"/>
+                    </a:lnB>
+                    <a:solidFill>
+                      <a:schemeClr val="bg1"/>
+                    </a:solidFill>
+                  </a:tcPr>
+                </a:tc>
+                <a:tc>
+                  <a:txBody>
+                    <a:bodyPr/>
+                    <a:lstStyle/>
+                    <a:p>
+                      <a:pPr algn="ctr"/>
+                      <a:r>
+                        <a:rPr lang="it-IT" sz="1600" dirty="0">
+                          <a:solidFill>
+                            <a:schemeClr val="tx1"/>
+                          </a:solidFill>
+                        </a:rPr>
+                        <a:t>2</a:t>
+                      </a:r>
+                      <a:endParaRPr lang="it-IT" sz="1600" dirty="0">
+                        <a:solidFill>
+                          <a:schemeClr val="tx1"/>
+                        </a:solidFill>
+                      </a:endParaRPr>
+                    </a:p>
+                  </a:txBody>
+                  <a:tcPr marL="80792" marR="80792" marT="40396" marB="40396">
+                    <a:lnL w="12700" cap="flat" cmpd="sng" algn="ctr">
+                      <a:solidFill>
+                        <a:schemeClr val="tx1"/>
+                      </a:solidFill>
+                      <a:prstDash val="solid"/>
+                      <a:round/>
+                      <a:headEnd type="none" w="med" len="med"/>
+                      <a:tailEnd type="none" w="med" len="med"/>
+                    </a:lnL>
+                    <a:lnR w="12700" cap="flat" cmpd="sng" algn="ctr">
+                      <a:solidFill>
+                        <a:schemeClr val="tx1"/>
+                      </a:solidFill>
+                      <a:prstDash val="solid"/>
+                      <a:round/>
+                      <a:headEnd type="none" w="med" len="med"/>
+                      <a:tailEnd type="none" w="med" len="med"/>
+                    </a:lnR>
+                    <a:lnT w="12700" cap="flat" cmpd="sng" algn="ctr">
+                      <a:solidFill>
+                        <a:schemeClr val="tx1"/>
+                      </a:solidFill>
+                      <a:prstDash val="solid"/>
+                      <a:round/>
+                      <a:headEnd type="none" w="med" len="med"/>
+                      <a:tailEnd type="none" w="med" len="med"/>
+                    </a:lnT>
+                    <a:lnB w="12700" cap="flat" cmpd="sng" algn="ctr">
+                      <a:solidFill>
+                        <a:schemeClr val="tx1"/>
+                      </a:solidFill>
+                      <a:prstDash val="solid"/>
+                      <a:round/>
+                      <a:headEnd type="none" w="med" len="med"/>
+                      <a:tailEnd type="none" w="med" len="med"/>
+                    </a:lnB>
+                    <a:solidFill>
+                      <a:srgbClr val="00B050"/>
+                    </a:solidFill>
+                  </a:tcPr>
+                </a:tc>
+                <a:tc>
+                  <a:txBody>
+                    <a:bodyPr/>
+                    <a:lstStyle/>
+                    <a:p>
+                      <a:pPr algn="ctr"/>
+                      <a:r>
+                        <a:rPr lang="it-IT" sz="1600" dirty="0" smtClean="0">
+                          <a:solidFill>
+                            <a:schemeClr val="tx1"/>
+                          </a:solidFill>
+                        </a:rPr>
+                        <a:t>6</a:t>
+                      </a:r>
+                      <a:endParaRPr lang="it-IT" sz="1600" dirty="0">
+                        <a:solidFill>
+                          <a:schemeClr val="tx1"/>
+                        </a:solidFill>
+                      </a:endParaRPr>
+                    </a:p>
+                  </a:txBody>
+                  <a:tcPr marL="80792" marR="80792" marT="40396" marB="40396">
+                    <a:lnL w="12700" cap="flat" cmpd="sng" algn="ctr">
+                      <a:solidFill>
+                        <a:schemeClr val="tx1"/>
+                      </a:solidFill>
+                      <a:prstDash val="solid"/>
+                      <a:round/>
+                      <a:headEnd type="none" w="med" len="med"/>
+                      <a:tailEnd type="none" w="med" len="med"/>
+                    </a:lnL>
+                    <a:lnR w="12700" cap="flat" cmpd="sng" algn="ctr">
+                      <a:solidFill>
+                        <a:schemeClr val="tx1"/>
+                      </a:solidFill>
+                      <a:prstDash val="solid"/>
+                      <a:round/>
+                      <a:headEnd type="none" w="med" len="med"/>
+                      <a:tailEnd type="none" w="med" len="med"/>
+                    </a:lnR>
+                    <a:lnT w="12700" cap="flat" cmpd="sng" algn="ctr">
+                      <a:solidFill>
+                        <a:schemeClr val="tx1"/>
+                      </a:solidFill>
+                      <a:prstDash val="solid"/>
+                      <a:round/>
+                      <a:headEnd type="none" w="med" len="med"/>
+                      <a:tailEnd type="none" w="med" len="med"/>
+                    </a:lnT>
+                    <a:lnB w="12700" cap="flat" cmpd="sng" algn="ctr">
+                      <a:solidFill>
+                        <a:schemeClr val="tx1"/>
+                      </a:solidFill>
+                      <a:prstDash val="solid"/>
+                      <a:round/>
+                      <a:headEnd type="none" w="med" len="med"/>
+                      <a:tailEnd type="none" w="med" len="med"/>
+                    </a:lnB>
+                    <a:solidFill>
+                      <a:srgbClr val="00B050"/>
+                    </a:solidFill>
+                  </a:tcPr>
+                </a:tc>
+                <a:tc>
+                  <a:txBody>
+                    <a:bodyPr/>
+                    <a:lstStyle/>
+                    <a:p>
+                      <a:pPr algn="ctr"/>
+                      <a:r>
+                        <a:rPr lang="it-IT" sz="1600" dirty="0" smtClean="0">
+                          <a:solidFill>
+                            <a:schemeClr val="tx1"/>
+                          </a:solidFill>
+                        </a:rPr>
+                        <a:t>1</a:t>
+                      </a:r>
+                      <a:endParaRPr lang="it-IT" sz="1600" dirty="0">
+                        <a:solidFill>
+                          <a:schemeClr val="tx1"/>
+                        </a:solidFill>
+                      </a:endParaRPr>
+                    </a:p>
+                  </a:txBody>
+                  <a:tcPr marL="80792" marR="80792" marT="40396" marB="40396">
+                    <a:lnL w="12700" cap="flat" cmpd="sng" algn="ctr">
+                      <a:solidFill>
+                        <a:schemeClr val="tx1"/>
+                      </a:solidFill>
+                      <a:prstDash val="solid"/>
+                      <a:round/>
+                      <a:headEnd type="none" w="med" len="med"/>
+                      <a:tailEnd type="none" w="med" len="med"/>
+                    </a:lnL>
+                    <a:lnR w="12700" cap="flat" cmpd="sng" algn="ctr">
+                      <a:solidFill>
+                        <a:schemeClr val="tx1"/>
+                      </a:solidFill>
+                      <a:prstDash val="solid"/>
+                      <a:round/>
+                      <a:headEnd type="none" w="med" len="med"/>
+                      <a:tailEnd type="none" w="med" len="med"/>
+                    </a:lnR>
+                    <a:lnT w="12700" cap="flat" cmpd="sng" algn="ctr">
+                      <a:solidFill>
+                        <a:schemeClr val="tx1"/>
+                      </a:solidFill>
+                      <a:prstDash val="solid"/>
+                      <a:round/>
+                      <a:headEnd type="none" w="med" len="med"/>
+                      <a:tailEnd type="none" w="med" len="med"/>
+                    </a:lnT>
+                    <a:lnB w="12700" cap="flat" cmpd="sng" algn="ctr">
+                      <a:solidFill>
+                        <a:schemeClr val="tx1"/>
+                      </a:solidFill>
+                      <a:prstDash val="solid"/>
+                      <a:round/>
+                      <a:headEnd type="none" w="med" len="med"/>
+                      <a:tailEnd type="none" w="med" len="med"/>
+                    </a:lnB>
+                    <a:solidFill>
+                      <a:srgbClr val="00B050"/>
+                    </a:solidFill>
+                  </a:tcPr>
+                </a:tc>
+                <a:tc>
+                  <a:txBody>
+                    <a:bodyPr/>
+                    <a:lstStyle/>
+                    <a:p>
+                      <a:pPr algn="ctr"/>
+                      <a:r>
+                        <a:rPr lang="it-IT" sz="1600" dirty="0" smtClean="0">
+                          <a:solidFill>
+                            <a:schemeClr val="tx1"/>
+                          </a:solidFill>
+                        </a:rPr>
+                        <a:t>_</a:t>
+                      </a:r>
+                      <a:endParaRPr lang="it-IT" sz="1600" dirty="0">
+                        <a:solidFill>
+                          <a:schemeClr val="tx1"/>
+                        </a:solidFill>
+                      </a:endParaRPr>
+                    </a:p>
+                  </a:txBody>
+                  <a:tcPr marL="80792" marR="80792" marT="40396" marB="40396">
+                    <a:lnL w="12700" cap="flat" cmpd="sng" algn="ctr">
+                      <a:solidFill>
+                        <a:schemeClr val="tx1"/>
+                      </a:solidFill>
+                      <a:prstDash val="solid"/>
+                      <a:round/>
+                      <a:headEnd type="none" w="med" len="med"/>
+                      <a:tailEnd type="none" w="med" len="med"/>
+                    </a:lnL>
+                    <a:lnR w="12700" cap="flat" cmpd="sng" algn="ctr">
+                      <a:solidFill>
+                        <a:schemeClr val="tx1"/>
+                      </a:solidFill>
+                      <a:prstDash val="solid"/>
+                      <a:round/>
+                      <a:headEnd type="none" w="med" len="med"/>
+                      <a:tailEnd type="none" w="med" len="med"/>
+                    </a:lnR>
+                    <a:lnT w="12700" cap="flat" cmpd="sng" algn="ctr">
+                      <a:solidFill>
+                        <a:schemeClr val="tx1"/>
+                      </a:solidFill>
+                      <a:prstDash val="solid"/>
+                      <a:round/>
+                      <a:headEnd type="none" w="med" len="med"/>
+                      <a:tailEnd type="none" w="med" len="med"/>
+                    </a:lnT>
+                    <a:lnB w="12700" cap="flat" cmpd="sng" algn="ctr">
+                      <a:solidFill>
+                        <a:schemeClr val="tx1"/>
+                      </a:solidFill>
+                      <a:prstDash val="solid"/>
+                      <a:round/>
+                      <a:headEnd type="none" w="med" len="med"/>
+                      <a:tailEnd type="none" w="med" len="med"/>
+                    </a:lnB>
+                    <a:solidFill>
+                      <a:schemeClr val="bg1"/>
+                    </a:solidFill>
+                  </a:tcPr>
+                </a:tc>
+                <a:tc>
+                  <a:txBody>
+                    <a:bodyPr/>
+                    <a:lstStyle/>
+                    <a:p>
+                      <a:pPr algn="ctr"/>
+                      <a:r>
+                        <a:rPr lang="it-IT" sz="1600" dirty="0" smtClean="0">
+                          <a:solidFill>
+                            <a:schemeClr val="tx1"/>
+                          </a:solidFill>
+                        </a:rPr>
+                        <a:t>_</a:t>
+                      </a:r>
+                      <a:endParaRPr lang="it-IT" sz="1600" dirty="0">
+                        <a:solidFill>
+                          <a:schemeClr val="tx1"/>
+                        </a:solidFill>
+                      </a:endParaRPr>
+                    </a:p>
+                  </a:txBody>
+                  <a:tcPr marL="80792" marR="80792" marT="40396" marB="40396">
+                    <a:lnL w="12700" cap="flat" cmpd="sng" algn="ctr">
+                      <a:solidFill>
+                        <a:schemeClr val="tx1"/>
+                      </a:solidFill>
+                      <a:prstDash val="solid"/>
+                      <a:round/>
+                      <a:headEnd type="none" w="med" len="med"/>
+                      <a:tailEnd type="none" w="med" len="med"/>
+                    </a:lnL>
+                    <a:lnR w="12700" cap="flat" cmpd="sng" algn="ctr">
+                      <a:solidFill>
+                        <a:schemeClr val="tx1"/>
+                      </a:solidFill>
+                      <a:prstDash val="solid"/>
+                      <a:round/>
+                      <a:headEnd type="none" w="med" len="med"/>
+                      <a:tailEnd type="none" w="med" len="med"/>
+                    </a:lnR>
+                    <a:lnT w="12700" cap="flat" cmpd="sng" algn="ctr">
+                      <a:solidFill>
+                        <a:schemeClr val="tx1"/>
+                      </a:solidFill>
+                      <a:prstDash val="solid"/>
+                      <a:round/>
+                      <a:headEnd type="none" w="med" len="med"/>
+                      <a:tailEnd type="none" w="med" len="med"/>
+                    </a:lnT>
+                    <a:lnB w="12700" cap="flat" cmpd="sng" algn="ctr">
+                      <a:solidFill>
+                        <a:schemeClr val="tx1"/>
+                      </a:solidFill>
+                      <a:prstDash val="solid"/>
+                      <a:round/>
+                      <a:headEnd type="none" w="med" len="med"/>
+                      <a:tailEnd type="none" w="med" len="med"/>
+                    </a:lnB>
+                    <a:solidFill>
+                      <a:schemeClr val="bg1"/>
+                    </a:solidFill>
+                  </a:tcPr>
+                </a:tc>
+                <a:extLst>
+                  <a:ext uri="{0D108BD9-81ED-4DB2-BD59-A6C34878D82A}">
+                    <a16:rowId xmlns:a16="http://schemas.microsoft.com/office/drawing/2014/main" val="4069182149"/>
+                  </a:ext>
+                </a:extLst>
+              </a:tr>
+            </a:tbl>
+          </a:graphicData>
+        </a:graphic>
+      </p:graphicFrame>
+      <p:sp>
+        <p:nvSpPr>
+          <p:cNvPr id="3" name="CasellaDiTesto 2"/>
+          <p:cNvSpPr txBox="1"/>
+          <p:nvPr/>
+        </p:nvSpPr>
+        <p:spPr>
+          <a:xfrm>
+            <a:off x="833969" y="3064696"/>
+            <a:ext cx="834459" cy="338554"/>
+          </a:xfrm>
+          <a:prstGeom prst="rect">
+            <a:avLst/>
+          </a:prstGeom>
+          <a:noFill/>
+        </p:spPr>
+        <p:txBody>
+          <a:bodyPr wrap="none" rtlCol="0">
+            <a:spAutoFit/>
+          </a:bodyPr>
+          <a:lstStyle/>
+          <a:p>
+            <a:r>
+              <a:rPr lang="it-IT" sz="1600" dirty="0" smtClean="0"/>
+              <a:t>Parent1</a:t>
+            </a:r>
+            <a:endParaRPr lang="it-IT" sz="1600" dirty="0"/>
+          </a:p>
+        </p:txBody>
+      </p:sp>
+      <p:sp>
+        <p:nvSpPr>
+          <p:cNvPr id="14" name="CasellaDiTesto 13"/>
+          <p:cNvSpPr txBox="1"/>
+          <p:nvPr/>
+        </p:nvSpPr>
+        <p:spPr>
+          <a:xfrm>
+            <a:off x="849363" y="3493524"/>
+            <a:ext cx="834459" cy="338554"/>
+          </a:xfrm>
+          <a:prstGeom prst="rect">
+            <a:avLst/>
+          </a:prstGeom>
+          <a:noFill/>
+        </p:spPr>
+        <p:txBody>
+          <a:bodyPr wrap="none" rtlCol="0">
+            <a:spAutoFit/>
+          </a:bodyPr>
+          <a:lstStyle/>
+          <a:p>
+            <a:r>
+              <a:rPr lang="it-IT" sz="1600" dirty="0" smtClean="0"/>
+              <a:t>Parent2</a:t>
+            </a:r>
+            <a:endParaRPr lang="it-IT" sz="1600" dirty="0"/>
+          </a:p>
+        </p:txBody>
+      </p:sp>
+      <p:sp>
+        <p:nvSpPr>
+          <p:cNvPr id="15" name="CasellaDiTesto 14"/>
+          <p:cNvSpPr txBox="1"/>
+          <p:nvPr/>
+        </p:nvSpPr>
+        <p:spPr>
+          <a:xfrm>
+            <a:off x="6266543" y="3064696"/>
+            <a:ext cx="705642" cy="338554"/>
+          </a:xfrm>
+          <a:prstGeom prst="rect">
+            <a:avLst/>
+          </a:prstGeom>
+          <a:noFill/>
+        </p:spPr>
+        <p:txBody>
+          <a:bodyPr wrap="none" rtlCol="0">
+            <a:spAutoFit/>
+          </a:bodyPr>
+          <a:lstStyle/>
+          <a:p>
+            <a:r>
+              <a:rPr lang="it-IT" sz="1600" dirty="0" smtClean="0"/>
+              <a:t>Child1</a:t>
+            </a:r>
+            <a:endParaRPr lang="it-IT" sz="1600" dirty="0"/>
+          </a:p>
+        </p:txBody>
+      </p:sp>
+      <p:sp>
+        <p:nvSpPr>
+          <p:cNvPr id="16" name="CasellaDiTesto 15"/>
+          <p:cNvSpPr txBox="1"/>
+          <p:nvPr/>
+        </p:nvSpPr>
+        <p:spPr>
+          <a:xfrm>
+            <a:off x="6266543" y="3493524"/>
+            <a:ext cx="705642" cy="338554"/>
+          </a:xfrm>
+          <a:prstGeom prst="rect">
+            <a:avLst/>
+          </a:prstGeom>
+          <a:noFill/>
+        </p:spPr>
+        <p:txBody>
+          <a:bodyPr wrap="none" rtlCol="0">
+            <a:spAutoFit/>
+          </a:bodyPr>
+          <a:lstStyle/>
+          <a:p>
+            <a:r>
+              <a:rPr lang="it-IT" sz="1600" dirty="0" smtClean="0"/>
+              <a:t>Child2</a:t>
+            </a:r>
+            <a:endParaRPr lang="it-IT" sz="1600" dirty="0"/>
+          </a:p>
+        </p:txBody>
+      </p:sp>
+      <p:sp>
+        <p:nvSpPr>
+          <p:cNvPr id="6" name="CasellaDiTesto 5"/>
+          <p:cNvSpPr txBox="1"/>
+          <p:nvPr/>
+        </p:nvSpPr>
+        <p:spPr>
+          <a:xfrm>
+            <a:off x="538448" y="4090937"/>
+            <a:ext cx="4682692" cy="1938992"/>
+          </a:xfrm>
+          <a:prstGeom prst="rect">
+            <a:avLst/>
+          </a:prstGeom>
+          <a:noFill/>
+        </p:spPr>
+        <p:txBody>
+          <a:bodyPr wrap="none" rtlCol="0">
+            <a:spAutoFit/>
+          </a:bodyPr>
+          <a:lstStyle/>
+          <a:p>
+            <a:pPr marL="342900" indent="-342900">
+              <a:buFont typeface="+mj-lt"/>
+              <a:buAutoNum type="arabicPeriod"/>
+            </a:pPr>
+            <a:r>
+              <a:rPr lang="it-IT" sz="1400" dirty="0" smtClean="0"/>
+              <a:t>Per ogni nodo </a:t>
+            </a:r>
+            <a:r>
+              <a:rPr lang="it-IT" sz="1400" i="1" dirty="0" smtClean="0"/>
+              <a:t>j</a:t>
+            </a:r>
+            <a:r>
+              <a:rPr lang="it-IT" sz="1400" dirty="0" smtClean="0"/>
+              <a:t> in Parent1, esclusi quelli del Settore1:</a:t>
+            </a:r>
+          </a:p>
+          <a:p>
+            <a:pPr marL="342900" indent="-342900">
+              <a:buFont typeface="+mj-lt"/>
+              <a:buAutoNum type="arabicPeriod"/>
+            </a:pPr>
+            <a:r>
+              <a:rPr lang="it-IT" sz="1400" dirty="0" smtClean="0"/>
+              <a:t>Se </a:t>
+            </a:r>
+            <a:r>
+              <a:rPr lang="it-IT" sz="1400" i="1" dirty="0" smtClean="0"/>
+              <a:t>j </a:t>
+            </a:r>
+            <a:r>
+              <a:rPr lang="it-IT" sz="1400" dirty="0" smtClean="0"/>
+              <a:t>è nella Settore2 </a:t>
+            </a:r>
+          </a:p>
+          <a:p>
+            <a:pPr marL="857250" lvl="1" indent="-400050">
+              <a:buFont typeface="+mj-lt"/>
+              <a:buAutoNum type="romanUcPeriod"/>
+            </a:pPr>
+            <a:r>
+              <a:rPr lang="it-IT" sz="1400" dirty="0" smtClean="0"/>
+              <a:t>Sostituisco </a:t>
+            </a:r>
+            <a:r>
+              <a:rPr lang="it-IT" sz="1400" i="1" dirty="0" smtClean="0"/>
+              <a:t>j </a:t>
+            </a:r>
+            <a:r>
+              <a:rPr lang="it-IT" sz="1400" dirty="0" smtClean="0"/>
+              <a:t>con l’elemento associato nel Settore2</a:t>
+            </a:r>
+          </a:p>
+          <a:p>
+            <a:pPr marL="857250" lvl="1" indent="-400050">
+              <a:buFont typeface="+mj-lt"/>
+              <a:buAutoNum type="romanUcPeriod"/>
+            </a:pPr>
+            <a:r>
+              <a:rPr lang="it-IT" sz="1400" dirty="0" smtClean="0"/>
+              <a:t>Salto al punto 2</a:t>
+            </a:r>
+          </a:p>
+          <a:p>
+            <a:pPr marL="342900" indent="-342900">
+              <a:buFont typeface="+mj-lt"/>
+              <a:buAutoNum type="arabicPeriod"/>
+            </a:pPr>
+            <a:r>
+              <a:rPr lang="it-IT" sz="1400" dirty="0" smtClean="0"/>
+              <a:t>Inserisco </a:t>
+            </a:r>
+            <a:r>
+              <a:rPr lang="it-IT" sz="1400" i="1" dirty="0" smtClean="0"/>
+              <a:t>j</a:t>
+            </a:r>
+            <a:r>
+              <a:rPr lang="it-IT" sz="1400" dirty="0" smtClean="0"/>
+              <a:t> nella posizione corrente</a:t>
+            </a:r>
+          </a:p>
+          <a:p>
+            <a:pPr marL="342900" indent="-342900">
+              <a:buFont typeface="+mj-lt"/>
+              <a:buAutoNum type="arabicPeriod"/>
+            </a:pPr>
+            <a:r>
+              <a:rPr lang="it-IT" sz="1400" dirty="0" smtClean="0"/>
+              <a:t>Salto al punto 1</a:t>
+            </a:r>
+          </a:p>
+          <a:p>
+            <a:pPr marL="342900" indent="-342900">
+              <a:buFont typeface="+mj-lt"/>
+              <a:buAutoNum type="arabicPeriod"/>
+            </a:pPr>
+            <a:endParaRPr lang="it-IT" dirty="0" smtClean="0"/>
+          </a:p>
+          <a:p>
+            <a:pPr marL="800100" lvl="1" indent="-342900">
+              <a:buFont typeface="+mj-lt"/>
+              <a:buAutoNum type="arabicPeriod"/>
+            </a:pPr>
+            <a:endParaRPr lang="it-IT" dirty="0"/>
+          </a:p>
+        </p:txBody>
+      </p:sp>
+      <p:graphicFrame>
+        <p:nvGraphicFramePr>
+          <p:cNvPr id="18" name="Tabella 2">
+            <a:extLst>
+              <a:ext uri="{FF2B5EF4-FFF2-40B4-BE49-F238E27FC236}">
+                <a16:creationId xmlns:a16="http://schemas.microsoft.com/office/drawing/2014/main" id="{ABE8FCC2-9701-4CFD-A72E-1BA021145684}"/>
+              </a:ext>
+            </a:extLst>
+          </p:cNvPr>
+          <p:cNvGraphicFramePr>
+            <a:graphicFrameLocks noGrp="1"/>
+          </p:cNvGraphicFramePr>
+          <p:nvPr>
+            <p:extLst>
+              <p:ext uri="{D42A27DB-BD31-4B8C-83A1-F6EECF244321}">
+                <p14:modId xmlns:p14="http://schemas.microsoft.com/office/powerpoint/2010/main" val="2467273503"/>
+              </p:ext>
+            </p:extLst>
+          </p:nvPr>
+        </p:nvGraphicFramePr>
+        <p:xfrm>
+          <a:off x="2810093" y="5927063"/>
+          <a:ext cx="2005980" cy="327657"/>
+        </p:xfrm>
+        <a:graphic>
+          <a:graphicData uri="http://schemas.openxmlformats.org/drawingml/2006/table">
+            <a:tbl>
+              <a:tblPr firstRow="1" bandRow="1">
+                <a:tableStyleId>{5C22544A-7EE6-4342-B048-85BDC9FD1C3A}</a:tableStyleId>
+              </a:tblPr>
+              <a:tblGrid>
+                <a:gridCol w="334330">
+                  <a:extLst>
+                    <a:ext uri="{9D8B030D-6E8A-4147-A177-3AD203B41FA5}">
+                      <a16:colId xmlns:a16="http://schemas.microsoft.com/office/drawing/2014/main" val="2411167900"/>
+                    </a:ext>
+                  </a:extLst>
+                </a:gridCol>
+                <a:gridCol w="334330">
+                  <a:extLst>
+                    <a:ext uri="{9D8B030D-6E8A-4147-A177-3AD203B41FA5}">
+                      <a16:colId xmlns:a16="http://schemas.microsoft.com/office/drawing/2014/main" val="831540765"/>
+                    </a:ext>
+                  </a:extLst>
+                </a:gridCol>
+                <a:gridCol w="334330">
+                  <a:extLst>
+                    <a:ext uri="{9D8B030D-6E8A-4147-A177-3AD203B41FA5}">
+                      <a16:colId xmlns:a16="http://schemas.microsoft.com/office/drawing/2014/main" val="649092517"/>
+                    </a:ext>
+                  </a:extLst>
+                </a:gridCol>
+                <a:gridCol w="334330">
+                  <a:extLst>
+                    <a:ext uri="{9D8B030D-6E8A-4147-A177-3AD203B41FA5}">
+                      <a16:colId xmlns:a16="http://schemas.microsoft.com/office/drawing/2014/main" val="3305632144"/>
+                    </a:ext>
+                  </a:extLst>
+                </a:gridCol>
+                <a:gridCol w="334330">
+                  <a:extLst>
+                    <a:ext uri="{9D8B030D-6E8A-4147-A177-3AD203B41FA5}">
+                      <a16:colId xmlns:a16="http://schemas.microsoft.com/office/drawing/2014/main" val="684211681"/>
+                    </a:ext>
+                  </a:extLst>
+                </a:gridCol>
+                <a:gridCol w="334330">
+                  <a:extLst>
+                    <a:ext uri="{9D8B030D-6E8A-4147-A177-3AD203B41FA5}">
+                      <a16:colId xmlns:a16="http://schemas.microsoft.com/office/drawing/2014/main" val="1758649648"/>
+                    </a:ext>
+                  </a:extLst>
+                </a:gridCol>
+              </a:tblGrid>
+              <a:tr h="327657">
+                <a:tc>
+                  <a:txBody>
+                    <a:bodyPr/>
+                    <a:lstStyle/>
+                    <a:p>
+                      <a:pPr algn="ctr"/>
+                      <a:r>
+                        <a:rPr lang="it-IT" sz="1600" dirty="0" smtClean="0">
+                          <a:solidFill>
+                            <a:schemeClr val="tx1"/>
+                          </a:solidFill>
+                        </a:rPr>
+                        <a:t>6</a:t>
+                      </a:r>
+                      <a:endParaRPr lang="it-IT" sz="1600" dirty="0">
+                        <a:solidFill>
+                          <a:schemeClr val="tx1"/>
+                        </a:solidFill>
+                      </a:endParaRPr>
+                    </a:p>
+                  </a:txBody>
+                  <a:tcPr marL="80792" marR="80792" marT="40397" marB="40397">
+                    <a:lnL w="12700" cap="flat" cmpd="sng" algn="ctr">
+                      <a:solidFill>
+                        <a:schemeClr val="tx1"/>
+                      </a:solidFill>
+                      <a:prstDash val="solid"/>
+                      <a:round/>
+                      <a:headEnd type="none" w="med" len="med"/>
+                      <a:tailEnd type="none" w="med" len="med"/>
+                    </a:lnL>
+                    <a:lnR w="12700" cap="flat" cmpd="sng" algn="ctr">
+                      <a:solidFill>
+                        <a:schemeClr val="tx1"/>
+                      </a:solidFill>
+                      <a:prstDash val="solid"/>
+                      <a:round/>
+                      <a:headEnd type="none" w="med" len="med"/>
+                      <a:tailEnd type="none" w="med" len="med"/>
+                    </a:lnR>
+                    <a:lnT w="12700" cap="flat" cmpd="sng" algn="ctr">
+                      <a:solidFill>
+                        <a:schemeClr val="tx1"/>
+                      </a:solidFill>
+                      <a:prstDash val="solid"/>
+                      <a:round/>
+                      <a:headEnd type="none" w="med" len="med"/>
+                      <a:tailEnd type="none" w="med" len="med"/>
+                    </a:lnT>
+                    <a:lnB w="12700" cap="flat" cmpd="sng" algn="ctr">
+                      <a:solidFill>
+                        <a:schemeClr val="tx1"/>
+                      </a:solidFill>
+                      <a:prstDash val="solid"/>
+                      <a:round/>
+                      <a:headEnd type="none" w="med" len="med"/>
+                      <a:tailEnd type="none" w="med" len="med"/>
+                    </a:lnB>
+                    <a:solidFill>
+                      <a:schemeClr val="bg1"/>
+                    </a:solidFill>
+                  </a:tcPr>
+                </a:tc>
+                <a:tc>
+                  <a:txBody>
+                    <a:bodyPr/>
+                    <a:lstStyle/>
+                    <a:p>
+                      <a:pPr algn="ctr"/>
+                      <a:r>
+                        <a:rPr lang="it-IT" sz="1600" dirty="0">
+                          <a:solidFill>
+                            <a:schemeClr val="tx1"/>
+                          </a:solidFill>
+                        </a:rPr>
+                        <a:t>4</a:t>
+                      </a:r>
+                      <a:endParaRPr lang="it-IT" sz="1600" dirty="0">
+                        <a:solidFill>
+                          <a:schemeClr val="tx1"/>
+                        </a:solidFill>
+                      </a:endParaRPr>
+                    </a:p>
+                  </a:txBody>
+                  <a:tcPr marL="80792" marR="80792" marT="40397" marB="40397">
+                    <a:lnL w="12700" cap="flat" cmpd="sng" algn="ctr">
+                      <a:solidFill>
+                        <a:schemeClr val="tx1"/>
+                      </a:solidFill>
+                      <a:prstDash val="solid"/>
+                      <a:round/>
+                      <a:headEnd type="none" w="med" len="med"/>
+                      <a:tailEnd type="none" w="med" len="med"/>
+                    </a:lnL>
+                    <a:lnR w="12700" cap="flat" cmpd="sng" algn="ctr">
+                      <a:solidFill>
+                        <a:schemeClr val="tx1"/>
+                      </a:solidFill>
+                      <a:prstDash val="solid"/>
+                      <a:round/>
+                      <a:headEnd type="none" w="med" len="med"/>
+                      <a:tailEnd type="none" w="med" len="med"/>
+                    </a:lnR>
+                    <a:lnT w="12700" cap="flat" cmpd="sng" algn="ctr">
+                      <a:solidFill>
+                        <a:schemeClr val="tx1"/>
+                      </a:solidFill>
+                      <a:prstDash val="solid"/>
+                      <a:round/>
+                      <a:headEnd type="none" w="med" len="med"/>
+                      <a:tailEnd type="none" w="med" len="med"/>
+                    </a:lnT>
+                    <a:lnB w="12700" cap="flat" cmpd="sng" algn="ctr">
+                      <a:solidFill>
+                        <a:schemeClr val="tx1"/>
+                      </a:solidFill>
+                      <a:prstDash val="solid"/>
+                      <a:round/>
+                      <a:headEnd type="none" w="med" len="med"/>
+                      <a:tailEnd type="none" w="med" len="med"/>
+                    </a:lnB>
+                    <a:solidFill>
+                      <a:srgbClr val="FFC000"/>
+                    </a:solidFill>
+                  </a:tcPr>
+                </a:tc>
+                <a:tc>
+                  <a:txBody>
+                    <a:bodyPr/>
+                    <a:lstStyle/>
+                    <a:p>
+                      <a:pPr algn="ctr"/>
+                      <a:r>
+                        <a:rPr lang="it-IT" sz="1600" dirty="0" smtClean="0">
+                          <a:solidFill>
+                            <a:schemeClr val="tx1"/>
+                          </a:solidFill>
+                        </a:rPr>
+                        <a:t>3</a:t>
+                      </a:r>
+                      <a:endParaRPr lang="it-IT" sz="1600" dirty="0">
+                        <a:solidFill>
+                          <a:schemeClr val="tx1"/>
+                        </a:solidFill>
+                      </a:endParaRPr>
+                    </a:p>
+                  </a:txBody>
+                  <a:tcPr marL="80792" marR="80792" marT="40397" marB="40397">
+                    <a:lnL w="12700" cap="flat" cmpd="sng" algn="ctr">
+                      <a:solidFill>
+                        <a:schemeClr val="tx1"/>
+                      </a:solidFill>
+                      <a:prstDash val="solid"/>
+                      <a:round/>
+                      <a:headEnd type="none" w="med" len="med"/>
+                      <a:tailEnd type="none" w="med" len="med"/>
+                    </a:lnL>
+                    <a:lnR w="12700" cap="flat" cmpd="sng" algn="ctr">
+                      <a:solidFill>
+                        <a:schemeClr val="tx1"/>
+                      </a:solidFill>
+                      <a:prstDash val="solid"/>
+                      <a:round/>
+                      <a:headEnd type="none" w="med" len="med"/>
+                      <a:tailEnd type="none" w="med" len="med"/>
+                    </a:lnR>
+                    <a:lnT w="12700" cap="flat" cmpd="sng" algn="ctr">
+                      <a:solidFill>
+                        <a:schemeClr val="tx1"/>
+                      </a:solidFill>
+                      <a:prstDash val="solid"/>
+                      <a:round/>
+                      <a:headEnd type="none" w="med" len="med"/>
+                      <a:tailEnd type="none" w="med" len="med"/>
+                    </a:lnT>
+                    <a:lnB w="12700" cap="flat" cmpd="sng" algn="ctr">
+                      <a:solidFill>
+                        <a:schemeClr val="tx1"/>
+                      </a:solidFill>
+                      <a:prstDash val="solid"/>
+                      <a:round/>
+                      <a:headEnd type="none" w="med" len="med"/>
+                      <a:tailEnd type="none" w="med" len="med"/>
+                    </a:lnB>
+                    <a:solidFill>
+                      <a:srgbClr val="FFC000"/>
+                    </a:solidFill>
+                  </a:tcPr>
+                </a:tc>
+                <a:tc>
+                  <a:txBody>
+                    <a:bodyPr/>
+                    <a:lstStyle/>
+                    <a:p>
+                      <a:pPr algn="ctr"/>
+                      <a:r>
+                        <a:rPr lang="it-IT" sz="1600" dirty="0" smtClean="0">
+                          <a:solidFill>
+                            <a:schemeClr val="tx1"/>
+                          </a:solidFill>
+                        </a:rPr>
+                        <a:t>2</a:t>
+                      </a:r>
+                      <a:endParaRPr lang="it-IT" sz="1600" dirty="0">
+                        <a:solidFill>
+                          <a:schemeClr val="tx1"/>
+                        </a:solidFill>
+                      </a:endParaRPr>
+                    </a:p>
+                  </a:txBody>
+                  <a:tcPr marL="80792" marR="80792" marT="40397" marB="40397">
+                    <a:lnL w="12700" cap="flat" cmpd="sng" algn="ctr">
+                      <a:solidFill>
+                        <a:schemeClr val="tx1"/>
+                      </a:solidFill>
+                      <a:prstDash val="solid"/>
+                      <a:round/>
+                      <a:headEnd type="none" w="med" len="med"/>
+                      <a:tailEnd type="none" w="med" len="med"/>
+                    </a:lnL>
+                    <a:lnR w="12700" cap="flat" cmpd="sng" algn="ctr">
+                      <a:solidFill>
+                        <a:schemeClr val="tx1"/>
+                      </a:solidFill>
+                      <a:prstDash val="solid"/>
+                      <a:round/>
+                      <a:headEnd type="none" w="med" len="med"/>
+                      <a:tailEnd type="none" w="med" len="med"/>
+                    </a:lnR>
+                    <a:lnT w="12700" cap="flat" cmpd="sng" algn="ctr">
+                      <a:solidFill>
+                        <a:schemeClr val="tx1"/>
+                      </a:solidFill>
+                      <a:prstDash val="solid"/>
+                      <a:round/>
+                      <a:headEnd type="none" w="med" len="med"/>
+                      <a:tailEnd type="none" w="med" len="med"/>
+                    </a:lnT>
+                    <a:lnB w="12700" cap="flat" cmpd="sng" algn="ctr">
+                      <a:solidFill>
+                        <a:schemeClr val="tx1"/>
+                      </a:solidFill>
+                      <a:prstDash val="solid"/>
+                      <a:round/>
+                      <a:headEnd type="none" w="med" len="med"/>
+                      <a:tailEnd type="none" w="med" len="med"/>
+                    </a:lnB>
+                    <a:solidFill>
+                      <a:srgbClr val="FFC000"/>
+                    </a:solidFill>
+                  </a:tcPr>
+                </a:tc>
+                <a:tc>
+                  <a:txBody>
+                    <a:bodyPr/>
+                    <a:lstStyle/>
+                    <a:p>
+                      <a:pPr algn="ctr"/>
+                      <a:r>
+                        <a:rPr lang="it-IT" sz="1600" dirty="0" smtClean="0">
+                          <a:solidFill>
+                            <a:schemeClr val="tx1"/>
+                          </a:solidFill>
+                        </a:rPr>
+                        <a:t>5</a:t>
+                      </a:r>
+                      <a:endParaRPr lang="it-IT" sz="1600" dirty="0">
+                        <a:solidFill>
+                          <a:schemeClr val="tx1"/>
+                        </a:solidFill>
+                      </a:endParaRPr>
+                    </a:p>
+                  </a:txBody>
+                  <a:tcPr marL="80792" marR="80792" marT="40397" marB="40397">
+                    <a:lnL w="12700" cap="flat" cmpd="sng" algn="ctr">
+                      <a:solidFill>
+                        <a:schemeClr val="tx1"/>
+                      </a:solidFill>
+                      <a:prstDash val="solid"/>
+                      <a:round/>
+                      <a:headEnd type="none" w="med" len="med"/>
+                      <a:tailEnd type="none" w="med" len="med"/>
+                    </a:lnL>
+                    <a:lnR w="12700" cap="flat" cmpd="sng" algn="ctr">
+                      <a:solidFill>
+                        <a:schemeClr val="tx1"/>
+                      </a:solidFill>
+                      <a:prstDash val="solid"/>
+                      <a:round/>
+                      <a:headEnd type="none" w="med" len="med"/>
+                      <a:tailEnd type="none" w="med" len="med"/>
+                    </a:lnR>
+                    <a:lnT w="12700" cap="flat" cmpd="sng" algn="ctr">
+                      <a:solidFill>
+                        <a:schemeClr val="tx1"/>
+                      </a:solidFill>
+                      <a:prstDash val="solid"/>
+                      <a:round/>
+                      <a:headEnd type="none" w="med" len="med"/>
+                      <a:tailEnd type="none" w="med" len="med"/>
+                    </a:lnT>
+                    <a:lnB w="12700" cap="flat" cmpd="sng" algn="ctr">
+                      <a:solidFill>
+                        <a:schemeClr val="tx1"/>
+                      </a:solidFill>
+                      <a:prstDash val="solid"/>
+                      <a:round/>
+                      <a:headEnd type="none" w="med" len="med"/>
+                      <a:tailEnd type="none" w="med" len="med"/>
+                    </a:lnB>
+                    <a:solidFill>
+                      <a:schemeClr val="bg1"/>
+                    </a:solidFill>
+                  </a:tcPr>
+                </a:tc>
+                <a:tc>
+                  <a:txBody>
+                    <a:bodyPr/>
+                    <a:lstStyle/>
+                    <a:p>
+                      <a:pPr algn="ctr"/>
+                      <a:r>
+                        <a:rPr lang="it-IT" sz="1600" dirty="0" smtClean="0">
+                          <a:solidFill>
+                            <a:schemeClr val="tx1"/>
+                          </a:solidFill>
+                        </a:rPr>
+                        <a:t>1</a:t>
+                      </a:r>
+                      <a:endParaRPr lang="it-IT" sz="1600" dirty="0">
+                        <a:solidFill>
+                          <a:schemeClr val="tx1"/>
+                        </a:solidFill>
+                      </a:endParaRPr>
+                    </a:p>
+                  </a:txBody>
+                  <a:tcPr marL="80792" marR="80792" marT="40397" marB="40397">
+                    <a:lnL w="12700" cap="flat" cmpd="sng" algn="ctr">
+                      <a:solidFill>
+                        <a:schemeClr val="tx1"/>
+                      </a:solidFill>
+                      <a:prstDash val="solid"/>
+                      <a:round/>
+                      <a:headEnd type="none" w="med" len="med"/>
+                      <a:tailEnd type="none" w="med" len="med"/>
+                    </a:lnL>
+                    <a:lnR w="12700" cap="flat" cmpd="sng" algn="ctr">
+                      <a:solidFill>
+                        <a:schemeClr val="tx1"/>
+                      </a:solidFill>
+                      <a:prstDash val="solid"/>
+                      <a:round/>
+                      <a:headEnd type="none" w="med" len="med"/>
+                      <a:tailEnd type="none" w="med" len="med"/>
+                    </a:lnR>
+                    <a:lnT w="12700" cap="flat" cmpd="sng" algn="ctr">
+                      <a:solidFill>
+                        <a:schemeClr val="tx1"/>
+                      </a:solidFill>
+                      <a:prstDash val="solid"/>
+                      <a:round/>
+                      <a:headEnd type="none" w="med" len="med"/>
+                      <a:tailEnd type="none" w="med" len="med"/>
+                    </a:lnT>
+                    <a:lnB w="12700" cap="flat" cmpd="sng" algn="ctr">
+                      <a:solidFill>
+                        <a:schemeClr val="tx1"/>
+                      </a:solidFill>
+                      <a:prstDash val="solid"/>
+                      <a:round/>
+                      <a:headEnd type="none" w="med" len="med"/>
+                      <a:tailEnd type="none" w="med" len="med"/>
+                    </a:lnB>
+                    <a:solidFill>
+                      <a:schemeClr val="bg1"/>
+                    </a:solidFill>
+                  </a:tcPr>
+                </a:tc>
+                <a:extLst>
+                  <a:ext uri="{0D108BD9-81ED-4DB2-BD59-A6C34878D82A}">
+                    <a16:rowId xmlns:a16="http://schemas.microsoft.com/office/drawing/2014/main" val="4069182149"/>
+                  </a:ext>
+                </a:extLst>
+              </a:tr>
+            </a:tbl>
+          </a:graphicData>
+        </a:graphic>
+      </p:graphicFrame>
+      <p:graphicFrame>
+        <p:nvGraphicFramePr>
+          <p:cNvPr id="19" name="Tabella 2">
+            <a:extLst>
+              <a:ext uri="{FF2B5EF4-FFF2-40B4-BE49-F238E27FC236}">
+                <a16:creationId xmlns:a16="http://schemas.microsoft.com/office/drawing/2014/main" id="{ABE8FCC2-9701-4CFD-A72E-1BA021145684}"/>
+              </a:ext>
+            </a:extLst>
+          </p:cNvPr>
+          <p:cNvGraphicFramePr>
+            <a:graphicFrameLocks noGrp="1"/>
+          </p:cNvGraphicFramePr>
+          <p:nvPr>
+            <p:extLst>
+              <p:ext uri="{D42A27DB-BD31-4B8C-83A1-F6EECF244321}">
+                <p14:modId xmlns:p14="http://schemas.microsoft.com/office/powerpoint/2010/main" val="3202147706"/>
+              </p:ext>
+            </p:extLst>
+          </p:nvPr>
+        </p:nvGraphicFramePr>
+        <p:xfrm>
+          <a:off x="2810094" y="5468966"/>
+          <a:ext cx="2005979" cy="327657"/>
+        </p:xfrm>
+        <a:graphic>
+          <a:graphicData uri="http://schemas.openxmlformats.org/drawingml/2006/table">
+            <a:tbl>
+              <a:tblPr firstRow="1" bandRow="1">
+                <a:tableStyleId>{5C22544A-7EE6-4342-B048-85BDC9FD1C3A}</a:tableStyleId>
+              </a:tblPr>
+              <a:tblGrid>
+                <a:gridCol w="334330">
+                  <a:extLst>
+                    <a:ext uri="{9D8B030D-6E8A-4147-A177-3AD203B41FA5}">
+                      <a16:colId xmlns:a16="http://schemas.microsoft.com/office/drawing/2014/main" val="2411167900"/>
+                    </a:ext>
+                  </a:extLst>
+                </a:gridCol>
+                <a:gridCol w="333579">
+                  <a:extLst>
+                    <a:ext uri="{9D8B030D-6E8A-4147-A177-3AD203B41FA5}">
+                      <a16:colId xmlns:a16="http://schemas.microsoft.com/office/drawing/2014/main" val="831540765"/>
+                    </a:ext>
+                  </a:extLst>
+                </a:gridCol>
+                <a:gridCol w="335080">
+                  <a:extLst>
+                    <a:ext uri="{9D8B030D-6E8A-4147-A177-3AD203B41FA5}">
+                      <a16:colId xmlns:a16="http://schemas.microsoft.com/office/drawing/2014/main" val="649092517"/>
+                    </a:ext>
+                  </a:extLst>
+                </a:gridCol>
+                <a:gridCol w="334330">
+                  <a:extLst>
+                    <a:ext uri="{9D8B030D-6E8A-4147-A177-3AD203B41FA5}">
+                      <a16:colId xmlns:a16="http://schemas.microsoft.com/office/drawing/2014/main" val="3305632144"/>
+                    </a:ext>
+                  </a:extLst>
+                </a:gridCol>
+                <a:gridCol w="334330">
+                  <a:extLst>
+                    <a:ext uri="{9D8B030D-6E8A-4147-A177-3AD203B41FA5}">
+                      <a16:colId xmlns:a16="http://schemas.microsoft.com/office/drawing/2014/main" val="684211681"/>
+                    </a:ext>
+                  </a:extLst>
+                </a:gridCol>
+                <a:gridCol w="334330">
+                  <a:extLst>
+                    <a:ext uri="{9D8B030D-6E8A-4147-A177-3AD203B41FA5}">
+                      <a16:colId xmlns:a16="http://schemas.microsoft.com/office/drawing/2014/main" val="1758649648"/>
+                    </a:ext>
+                  </a:extLst>
+                </a:gridCol>
+              </a:tblGrid>
+              <a:tr h="327657">
+                <a:tc>
+                  <a:txBody>
+                    <a:bodyPr/>
+                    <a:lstStyle/>
+                    <a:p>
+                      <a:pPr algn="ctr"/>
+                      <a:r>
+                        <a:rPr lang="it-IT" sz="1600" dirty="0" smtClean="0">
+                          <a:solidFill>
+                            <a:schemeClr val="tx1"/>
+                          </a:solidFill>
+                        </a:rPr>
+                        <a:t>5</a:t>
+                      </a:r>
+                      <a:endParaRPr lang="it-IT" sz="1600" dirty="0">
+                        <a:solidFill>
+                          <a:schemeClr val="tx1"/>
+                        </a:solidFill>
+                      </a:endParaRPr>
+                    </a:p>
+                  </a:txBody>
+                  <a:tcPr marL="80792" marR="80792" marT="40396" marB="40396">
+                    <a:lnL w="12700" cap="flat" cmpd="sng" algn="ctr">
+                      <a:solidFill>
+                        <a:schemeClr val="tx1"/>
+                      </a:solidFill>
+                      <a:prstDash val="solid"/>
+                      <a:round/>
+                      <a:headEnd type="none" w="med" len="med"/>
+                      <a:tailEnd type="none" w="med" len="med"/>
+                    </a:lnL>
+                    <a:lnR w="12700" cap="flat" cmpd="sng" algn="ctr">
+                      <a:solidFill>
+                        <a:schemeClr val="tx1"/>
+                      </a:solidFill>
+                      <a:prstDash val="solid"/>
+                      <a:round/>
+                      <a:headEnd type="none" w="med" len="med"/>
+                      <a:tailEnd type="none" w="med" len="med"/>
+                    </a:lnR>
+                    <a:lnT w="12700" cap="flat" cmpd="sng" algn="ctr">
+                      <a:solidFill>
+                        <a:schemeClr val="tx1"/>
+                      </a:solidFill>
+                      <a:prstDash val="solid"/>
+                      <a:round/>
+                      <a:headEnd type="none" w="med" len="med"/>
+                      <a:tailEnd type="none" w="med" len="med"/>
+                    </a:lnT>
+                    <a:lnB w="12700" cap="flat" cmpd="sng" algn="ctr">
+                      <a:solidFill>
+                        <a:schemeClr val="tx1"/>
+                      </a:solidFill>
+                      <a:prstDash val="solid"/>
+                      <a:round/>
+                      <a:headEnd type="none" w="med" len="med"/>
+                      <a:tailEnd type="none" w="med" len="med"/>
+                    </a:lnB>
+                    <a:solidFill>
+                      <a:schemeClr val="bg1"/>
+                    </a:solidFill>
+                  </a:tcPr>
+                </a:tc>
+                <a:tc>
+                  <a:txBody>
+                    <a:bodyPr/>
+                    <a:lstStyle/>
+                    <a:p>
+                      <a:pPr algn="ctr"/>
+                      <a:r>
+                        <a:rPr lang="it-IT" sz="1600" dirty="0">
+                          <a:solidFill>
+                            <a:schemeClr val="tx1"/>
+                          </a:solidFill>
+                        </a:rPr>
+                        <a:t>2</a:t>
+                      </a:r>
+                      <a:endParaRPr lang="it-IT" sz="1600" dirty="0">
+                        <a:solidFill>
+                          <a:schemeClr val="tx1"/>
+                        </a:solidFill>
+                      </a:endParaRPr>
+                    </a:p>
+                  </a:txBody>
+                  <a:tcPr marL="80792" marR="80792" marT="40396" marB="40396">
+                    <a:lnL w="12700" cap="flat" cmpd="sng" algn="ctr">
+                      <a:solidFill>
+                        <a:schemeClr val="tx1"/>
+                      </a:solidFill>
+                      <a:prstDash val="solid"/>
+                      <a:round/>
+                      <a:headEnd type="none" w="med" len="med"/>
+                      <a:tailEnd type="none" w="med" len="med"/>
+                    </a:lnL>
+                    <a:lnR w="12700" cap="flat" cmpd="sng" algn="ctr">
+                      <a:solidFill>
+                        <a:schemeClr val="tx1"/>
+                      </a:solidFill>
+                      <a:prstDash val="solid"/>
+                      <a:round/>
+                      <a:headEnd type="none" w="med" len="med"/>
+                      <a:tailEnd type="none" w="med" len="med"/>
+                    </a:lnR>
+                    <a:lnT w="12700" cap="flat" cmpd="sng" algn="ctr">
+                      <a:solidFill>
+                        <a:schemeClr val="tx1"/>
+                      </a:solidFill>
+                      <a:prstDash val="solid"/>
+                      <a:round/>
+                      <a:headEnd type="none" w="med" len="med"/>
+                      <a:tailEnd type="none" w="med" len="med"/>
+                    </a:lnT>
+                    <a:lnB w="12700" cap="flat" cmpd="sng" algn="ctr">
+                      <a:solidFill>
+                        <a:schemeClr val="tx1"/>
+                      </a:solidFill>
+                      <a:prstDash val="solid"/>
+                      <a:round/>
+                      <a:headEnd type="none" w="med" len="med"/>
+                      <a:tailEnd type="none" w="med" len="med"/>
+                    </a:lnB>
+                    <a:solidFill>
+                      <a:srgbClr val="00B050"/>
+                    </a:solidFill>
+                  </a:tcPr>
+                </a:tc>
+                <a:tc>
+                  <a:txBody>
+                    <a:bodyPr/>
+                    <a:lstStyle/>
+                    <a:p>
+                      <a:pPr algn="ctr"/>
+                      <a:r>
+                        <a:rPr lang="it-IT" sz="1600" dirty="0" smtClean="0">
+                          <a:solidFill>
+                            <a:schemeClr val="tx1"/>
+                          </a:solidFill>
+                        </a:rPr>
+                        <a:t>6</a:t>
+                      </a:r>
+                      <a:endParaRPr lang="it-IT" sz="1600" dirty="0">
+                        <a:solidFill>
+                          <a:schemeClr val="tx1"/>
+                        </a:solidFill>
+                      </a:endParaRPr>
+                    </a:p>
+                  </a:txBody>
+                  <a:tcPr marL="80792" marR="80792" marT="40396" marB="40396">
+                    <a:lnL w="12700" cap="flat" cmpd="sng" algn="ctr">
+                      <a:solidFill>
+                        <a:schemeClr val="tx1"/>
+                      </a:solidFill>
+                      <a:prstDash val="solid"/>
+                      <a:round/>
+                      <a:headEnd type="none" w="med" len="med"/>
+                      <a:tailEnd type="none" w="med" len="med"/>
+                    </a:lnL>
+                    <a:lnR w="12700" cap="flat" cmpd="sng" algn="ctr">
+                      <a:solidFill>
+                        <a:schemeClr val="tx1"/>
+                      </a:solidFill>
+                      <a:prstDash val="solid"/>
+                      <a:round/>
+                      <a:headEnd type="none" w="med" len="med"/>
+                      <a:tailEnd type="none" w="med" len="med"/>
+                    </a:lnR>
+                    <a:lnT w="12700" cap="flat" cmpd="sng" algn="ctr">
+                      <a:solidFill>
+                        <a:schemeClr val="tx1"/>
+                      </a:solidFill>
+                      <a:prstDash val="solid"/>
+                      <a:round/>
+                      <a:headEnd type="none" w="med" len="med"/>
+                      <a:tailEnd type="none" w="med" len="med"/>
+                    </a:lnT>
+                    <a:lnB w="12700" cap="flat" cmpd="sng" algn="ctr">
+                      <a:solidFill>
+                        <a:schemeClr val="tx1"/>
+                      </a:solidFill>
+                      <a:prstDash val="solid"/>
+                      <a:round/>
+                      <a:headEnd type="none" w="med" len="med"/>
+                      <a:tailEnd type="none" w="med" len="med"/>
+                    </a:lnB>
+                    <a:solidFill>
+                      <a:srgbClr val="00B050"/>
+                    </a:solidFill>
+                  </a:tcPr>
+                </a:tc>
+                <a:tc>
+                  <a:txBody>
+                    <a:bodyPr/>
+                    <a:lstStyle/>
+                    <a:p>
+                      <a:pPr algn="ctr"/>
+                      <a:r>
+                        <a:rPr lang="it-IT" sz="1600" dirty="0" smtClean="0">
+                          <a:solidFill>
+                            <a:schemeClr val="tx1"/>
+                          </a:solidFill>
+                        </a:rPr>
+                        <a:t>1</a:t>
+                      </a:r>
+                      <a:endParaRPr lang="it-IT" sz="1600" dirty="0">
+                        <a:solidFill>
+                          <a:schemeClr val="tx1"/>
+                        </a:solidFill>
+                      </a:endParaRPr>
+                    </a:p>
+                  </a:txBody>
+                  <a:tcPr marL="80792" marR="80792" marT="40396" marB="40396">
+                    <a:lnL w="12700" cap="flat" cmpd="sng" algn="ctr">
+                      <a:solidFill>
+                        <a:schemeClr val="tx1"/>
+                      </a:solidFill>
+                      <a:prstDash val="solid"/>
+                      <a:round/>
+                      <a:headEnd type="none" w="med" len="med"/>
+                      <a:tailEnd type="none" w="med" len="med"/>
+                    </a:lnL>
+                    <a:lnR w="12700" cap="flat" cmpd="sng" algn="ctr">
+                      <a:solidFill>
+                        <a:schemeClr val="tx1"/>
+                      </a:solidFill>
+                      <a:prstDash val="solid"/>
+                      <a:round/>
+                      <a:headEnd type="none" w="med" len="med"/>
+                      <a:tailEnd type="none" w="med" len="med"/>
+                    </a:lnR>
+                    <a:lnT w="12700" cap="flat" cmpd="sng" algn="ctr">
+                      <a:solidFill>
+                        <a:schemeClr val="tx1"/>
+                      </a:solidFill>
+                      <a:prstDash val="solid"/>
+                      <a:round/>
+                      <a:headEnd type="none" w="med" len="med"/>
+                      <a:tailEnd type="none" w="med" len="med"/>
+                    </a:lnT>
+                    <a:lnB w="12700" cap="flat" cmpd="sng" algn="ctr">
+                      <a:solidFill>
+                        <a:schemeClr val="tx1"/>
+                      </a:solidFill>
+                      <a:prstDash val="solid"/>
+                      <a:round/>
+                      <a:headEnd type="none" w="med" len="med"/>
+                      <a:tailEnd type="none" w="med" len="med"/>
+                    </a:lnB>
+                    <a:solidFill>
+                      <a:srgbClr val="00B050"/>
+                    </a:solidFill>
+                  </a:tcPr>
+                </a:tc>
+                <a:tc>
+                  <a:txBody>
+                    <a:bodyPr/>
+                    <a:lstStyle/>
+                    <a:p>
+                      <a:pPr algn="ctr"/>
+                      <a:r>
+                        <a:rPr lang="it-IT" sz="1600" dirty="0" smtClean="0">
+                          <a:solidFill>
+                            <a:schemeClr val="tx1"/>
+                          </a:solidFill>
+                        </a:rPr>
+                        <a:t>4</a:t>
+                      </a:r>
+                      <a:endParaRPr lang="it-IT" sz="1600" dirty="0">
+                        <a:solidFill>
+                          <a:schemeClr val="tx1"/>
+                        </a:solidFill>
+                      </a:endParaRPr>
+                    </a:p>
+                  </a:txBody>
+                  <a:tcPr marL="80792" marR="80792" marT="40396" marB="40396">
+                    <a:lnL w="12700" cap="flat" cmpd="sng" algn="ctr">
+                      <a:solidFill>
+                        <a:schemeClr val="tx1"/>
+                      </a:solidFill>
+                      <a:prstDash val="solid"/>
+                      <a:round/>
+                      <a:headEnd type="none" w="med" len="med"/>
+                      <a:tailEnd type="none" w="med" len="med"/>
+                    </a:lnL>
+                    <a:lnR w="12700" cap="flat" cmpd="sng" algn="ctr">
+                      <a:solidFill>
+                        <a:schemeClr val="tx1"/>
+                      </a:solidFill>
+                      <a:prstDash val="solid"/>
+                      <a:round/>
+                      <a:headEnd type="none" w="med" len="med"/>
+                      <a:tailEnd type="none" w="med" len="med"/>
+                    </a:lnR>
+                    <a:lnT w="12700" cap="flat" cmpd="sng" algn="ctr">
+                      <a:solidFill>
+                        <a:schemeClr val="tx1"/>
+                      </a:solidFill>
+                      <a:prstDash val="solid"/>
+                      <a:round/>
+                      <a:headEnd type="none" w="med" len="med"/>
+                      <a:tailEnd type="none" w="med" len="med"/>
+                    </a:lnT>
+                    <a:lnB w="12700" cap="flat" cmpd="sng" algn="ctr">
+                      <a:solidFill>
+                        <a:schemeClr val="tx1"/>
+                      </a:solidFill>
+                      <a:prstDash val="solid"/>
+                      <a:round/>
+                      <a:headEnd type="none" w="med" len="med"/>
+                      <a:tailEnd type="none" w="med" len="med"/>
+                    </a:lnB>
+                    <a:solidFill>
+                      <a:schemeClr val="bg1"/>
+                    </a:solidFill>
+                  </a:tcPr>
+                </a:tc>
+                <a:tc>
+                  <a:txBody>
+                    <a:bodyPr/>
+                    <a:lstStyle/>
+                    <a:p>
+                      <a:pPr algn="ctr"/>
+                      <a:r>
+                        <a:rPr lang="it-IT" sz="1600" dirty="0" smtClean="0">
+                          <a:solidFill>
+                            <a:schemeClr val="tx1"/>
+                          </a:solidFill>
+                        </a:rPr>
+                        <a:t>3</a:t>
+                      </a:r>
+                      <a:endParaRPr lang="it-IT" sz="1600" dirty="0">
+                        <a:solidFill>
+                          <a:schemeClr val="tx1"/>
+                        </a:solidFill>
+                      </a:endParaRPr>
+                    </a:p>
+                  </a:txBody>
+                  <a:tcPr marL="80792" marR="80792" marT="40396" marB="40396">
+                    <a:lnL w="12700" cap="flat" cmpd="sng" algn="ctr">
+                      <a:solidFill>
+                        <a:schemeClr val="tx1"/>
+                      </a:solidFill>
+                      <a:prstDash val="solid"/>
+                      <a:round/>
+                      <a:headEnd type="none" w="med" len="med"/>
+                      <a:tailEnd type="none" w="med" len="med"/>
+                    </a:lnL>
+                    <a:lnR w="12700" cap="flat" cmpd="sng" algn="ctr">
+                      <a:solidFill>
+                        <a:schemeClr val="tx1"/>
+                      </a:solidFill>
+                      <a:prstDash val="solid"/>
+                      <a:round/>
+                      <a:headEnd type="none" w="med" len="med"/>
+                      <a:tailEnd type="none" w="med" len="med"/>
+                    </a:lnR>
+                    <a:lnT w="12700" cap="flat" cmpd="sng" algn="ctr">
+                      <a:solidFill>
+                        <a:schemeClr val="tx1"/>
+                      </a:solidFill>
+                      <a:prstDash val="solid"/>
+                      <a:round/>
+                      <a:headEnd type="none" w="med" len="med"/>
+                      <a:tailEnd type="none" w="med" len="med"/>
+                    </a:lnT>
+                    <a:lnB w="12700" cap="flat" cmpd="sng" algn="ctr">
+                      <a:solidFill>
+                        <a:schemeClr val="tx1"/>
+                      </a:solidFill>
+                      <a:prstDash val="solid"/>
+                      <a:round/>
+                      <a:headEnd type="none" w="med" len="med"/>
+                      <a:tailEnd type="none" w="med" len="med"/>
+                    </a:lnB>
+                    <a:solidFill>
+                      <a:schemeClr val="bg1"/>
+                    </a:solidFill>
+                  </a:tcPr>
+                </a:tc>
+                <a:extLst>
+                  <a:ext uri="{0D108BD9-81ED-4DB2-BD59-A6C34878D82A}">
+                    <a16:rowId xmlns:a16="http://schemas.microsoft.com/office/drawing/2014/main" val="4069182149"/>
+                  </a:ext>
+                </a:extLst>
+              </a:tr>
+            </a:tbl>
+          </a:graphicData>
+        </a:graphic>
+      </p:graphicFrame>
+      <p:sp>
+        <p:nvSpPr>
+          <p:cNvPr id="20" name="CasellaDiTesto 19"/>
+          <p:cNvSpPr txBox="1"/>
+          <p:nvPr/>
+        </p:nvSpPr>
+        <p:spPr>
+          <a:xfrm>
+            <a:off x="5079299" y="5474687"/>
+            <a:ext cx="705642" cy="338554"/>
+          </a:xfrm>
+          <a:prstGeom prst="rect">
+            <a:avLst/>
+          </a:prstGeom>
+          <a:noFill/>
+        </p:spPr>
+        <p:txBody>
+          <a:bodyPr wrap="none" rtlCol="0">
+            <a:spAutoFit/>
+          </a:bodyPr>
+          <a:lstStyle/>
+          <a:p>
+            <a:r>
+              <a:rPr lang="it-IT" sz="1600" dirty="0" smtClean="0"/>
+              <a:t>Child1</a:t>
+            </a:r>
+            <a:endParaRPr lang="it-IT" sz="1600" dirty="0"/>
+          </a:p>
+        </p:txBody>
+      </p:sp>
+      <p:sp>
+        <p:nvSpPr>
+          <p:cNvPr id="21" name="CasellaDiTesto 20"/>
+          <p:cNvSpPr txBox="1"/>
+          <p:nvPr/>
+        </p:nvSpPr>
+        <p:spPr>
+          <a:xfrm>
+            <a:off x="5079299" y="5916166"/>
+            <a:ext cx="705642" cy="338554"/>
+          </a:xfrm>
+          <a:prstGeom prst="rect">
+            <a:avLst/>
+          </a:prstGeom>
+          <a:noFill/>
+        </p:spPr>
+        <p:txBody>
+          <a:bodyPr wrap="none" rtlCol="0">
+            <a:spAutoFit/>
+          </a:bodyPr>
+          <a:lstStyle/>
+          <a:p>
+            <a:r>
+              <a:rPr lang="it-IT" sz="1600" dirty="0" smtClean="0"/>
+              <a:t>Child2</a:t>
+            </a:r>
+            <a:endParaRPr lang="it-IT" sz="1600" dirty="0"/>
+          </a:p>
+        </p:txBody>
+      </p:sp>
     </p:spTree>
     <p:extLst>
       <p:ext uri="{BB962C8B-B14F-4D97-AF65-F5344CB8AC3E}">
@@ -12054,7 +20060,7 @@
                 <a16:creationId xmlns:a16="http://schemas.microsoft.com/office/drawing/2014/main" id="{4038CB10-1F5C-4D54-9DF7-12586DE5B007}"/>
               </a:ext>
               <a:ext uri="{C183D7F6-B498-43B3-948B-1728B52AA6E4}">
-                <adec:decorative xmlns:adec="http://schemas.microsoft.com/office/drawing/2017/decorative" val="1"/>
+                <adec:decorative xmlns:adec="http://schemas.microsoft.com/office/drawing/2017/decorative" xmlns="" val="1"/>
               </a:ext>
             </a:extLst>
           </p:cNvPr>
@@ -12190,7 +20196,7 @@
                 <a16:creationId xmlns:a16="http://schemas.microsoft.com/office/drawing/2014/main" id="{36D30126-6314-4A93-B27E-5C66CF781924}"/>
               </a:ext>
               <a:ext uri="{C183D7F6-B498-43B3-948B-1728B52AA6E4}">
-                <adec:decorative xmlns:adec="http://schemas.microsoft.com/office/drawing/2017/decorative" val="1"/>
+                <adec:decorative xmlns:adec="http://schemas.microsoft.com/office/drawing/2017/decorative" xmlns="" val="1"/>
               </a:ext>
             </a:extLst>
           </p:cNvPr>
@@ -12255,7 +20261,7 @@
                 <a16:creationId xmlns:a16="http://schemas.microsoft.com/office/drawing/2014/main" id="{73ED6512-6858-4552-B699-9A97FE9A4EA2}"/>
               </a:ext>
               <a:ext uri="{C183D7F6-B498-43B3-948B-1728B52AA6E4}">
-                <adec:decorative xmlns:adec="http://schemas.microsoft.com/office/drawing/2017/decorative" val="1"/>
+                <adec:decorative xmlns:adec="http://schemas.microsoft.com/office/drawing/2017/decorative" xmlns="" val="1"/>
               </a:ext>
             </a:extLst>
           </p:cNvPr>
@@ -15317,7 +23323,7 @@
                 <a16:creationId xmlns:a16="http://schemas.microsoft.com/office/drawing/2014/main" id="{4038CB10-1F5C-4D54-9DF7-12586DE5B007}"/>
               </a:ext>
               <a:ext uri="{C183D7F6-B498-43B3-948B-1728B52AA6E4}">
-                <adec:decorative xmlns:adec="http://schemas.microsoft.com/office/drawing/2017/decorative" val="1"/>
+                <adec:decorative xmlns:adec="http://schemas.microsoft.com/office/drawing/2017/decorative" xmlns="" val="1"/>
               </a:ext>
             </a:extLst>
           </p:cNvPr>
@@ -15454,7 +23460,7 @@
                 <a16:creationId xmlns:a16="http://schemas.microsoft.com/office/drawing/2014/main" id="{36D30126-6314-4A93-B27E-5C66CF781924}"/>
               </a:ext>
               <a:ext uri="{C183D7F6-B498-43B3-948B-1728B52AA6E4}">
-                <adec:decorative xmlns:adec="http://schemas.microsoft.com/office/drawing/2017/decorative" val="1"/>
+                <adec:decorative xmlns:adec="http://schemas.microsoft.com/office/drawing/2017/decorative" xmlns="" val="1"/>
               </a:ext>
             </a:extLst>
           </p:cNvPr>
@@ -15519,7 +23525,7 @@
                 <a16:creationId xmlns:a16="http://schemas.microsoft.com/office/drawing/2014/main" id="{73ED6512-6858-4552-B699-9A97FE9A4EA2}"/>
               </a:ext>
               <a:ext uri="{C183D7F6-B498-43B3-948B-1728B52AA6E4}">
-                <adec:decorative xmlns:adec="http://schemas.microsoft.com/office/drawing/2017/decorative" val="1"/>
+                <adec:decorative xmlns:adec="http://schemas.microsoft.com/office/drawing/2017/decorative" xmlns="" val="1"/>
               </a:ext>
             </a:extLst>
           </p:cNvPr>
@@ -15787,7 +23793,7 @@
                 <a16:creationId xmlns:a16="http://schemas.microsoft.com/office/drawing/2014/main" id="{4038CB10-1F5C-4D54-9DF7-12586DE5B007}"/>
               </a:ext>
               <a:ext uri="{C183D7F6-B498-43B3-948B-1728B52AA6E4}">
-                <adec:decorative xmlns:adec="http://schemas.microsoft.com/office/drawing/2017/decorative" val="1"/>
+                <adec:decorative xmlns:adec="http://schemas.microsoft.com/office/drawing/2017/decorative" xmlns="" val="1"/>
               </a:ext>
             </a:extLst>
           </p:cNvPr>
@@ -15924,7 +23930,7 @@
                 <a16:creationId xmlns:a16="http://schemas.microsoft.com/office/drawing/2014/main" id="{36D30126-6314-4A93-B27E-5C66CF781924}"/>
               </a:ext>
               <a:ext uri="{C183D7F6-B498-43B3-948B-1728B52AA6E4}">
-                <adec:decorative xmlns:adec="http://schemas.microsoft.com/office/drawing/2017/decorative" val="1"/>
+                <adec:decorative xmlns:adec="http://schemas.microsoft.com/office/drawing/2017/decorative" xmlns="" val="1"/>
               </a:ext>
             </a:extLst>
           </p:cNvPr>
@@ -15989,7 +23995,7 @@
                 <a16:creationId xmlns:a16="http://schemas.microsoft.com/office/drawing/2014/main" id="{73ED6512-6858-4552-B699-9A97FE9A4EA2}"/>
               </a:ext>
               <a:ext uri="{C183D7F6-B498-43B3-948B-1728B52AA6E4}">
-                <adec:decorative xmlns:adec="http://schemas.microsoft.com/office/drawing/2017/decorative" val="1"/>
+                <adec:decorative xmlns:adec="http://schemas.microsoft.com/office/drawing/2017/decorative" xmlns="" val="1"/>
               </a:ext>
             </a:extLst>
           </p:cNvPr>
@@ -16557,7 +24563,7 @@
                 <a16:creationId xmlns:a16="http://schemas.microsoft.com/office/drawing/2014/main" id="{4038CB10-1F5C-4D54-9DF7-12586DE5B007}"/>
               </a:ext>
               <a:ext uri="{C183D7F6-B498-43B3-948B-1728B52AA6E4}">
-                <adec:decorative xmlns:adec="http://schemas.microsoft.com/office/drawing/2017/decorative" val="1"/>
+                <adec:decorative xmlns:adec="http://schemas.microsoft.com/office/drawing/2017/decorative" xmlns="" val="1"/>
               </a:ext>
             </a:extLst>
           </p:cNvPr>
@@ -16702,7 +24708,7 @@
                 <a16:creationId xmlns:a16="http://schemas.microsoft.com/office/drawing/2014/main" id="{36D30126-6314-4A93-B27E-5C66CF781924}"/>
               </a:ext>
               <a:ext uri="{C183D7F6-B498-43B3-948B-1728B52AA6E4}">
-                <adec:decorative xmlns:adec="http://schemas.microsoft.com/office/drawing/2017/decorative" val="1"/>
+                <adec:decorative xmlns:adec="http://schemas.microsoft.com/office/drawing/2017/decorative" xmlns="" val="1"/>
               </a:ext>
             </a:extLst>
           </p:cNvPr>
@@ -16767,7 +24773,7 @@
                 <a16:creationId xmlns:a16="http://schemas.microsoft.com/office/drawing/2014/main" id="{73ED6512-6858-4552-B699-9A97FE9A4EA2}"/>
               </a:ext>
               <a:ext uri="{C183D7F6-B498-43B3-948B-1728B52AA6E4}">
-                <adec:decorative xmlns:adec="http://schemas.microsoft.com/office/drawing/2017/decorative" val="1"/>
+                <adec:decorative xmlns:adec="http://schemas.microsoft.com/office/drawing/2017/decorative" xmlns="" val="1"/>
               </a:ext>
             </a:extLst>
           </p:cNvPr>
@@ -17149,7 +25155,7 @@
                 <a16:creationId xmlns:a16="http://schemas.microsoft.com/office/drawing/2014/main" id="{4038CB10-1F5C-4D54-9DF7-12586DE5B007}"/>
               </a:ext>
               <a:ext uri="{C183D7F6-B498-43B3-948B-1728B52AA6E4}">
-                <adec:decorative xmlns:adec="http://schemas.microsoft.com/office/drawing/2017/decorative" val="1"/>
+                <adec:decorative xmlns:adec="http://schemas.microsoft.com/office/drawing/2017/decorative" xmlns="" val="1"/>
               </a:ext>
             </a:extLst>
           </p:cNvPr>
@@ -17302,7 +25308,7 @@
                 <a16:creationId xmlns:a16="http://schemas.microsoft.com/office/drawing/2014/main" id="{36D30126-6314-4A93-B27E-5C66CF781924}"/>
               </a:ext>
               <a:ext uri="{C183D7F6-B498-43B3-948B-1728B52AA6E4}">
-                <adec:decorative xmlns:adec="http://schemas.microsoft.com/office/drawing/2017/decorative" val="1"/>
+                <adec:decorative xmlns:adec="http://schemas.microsoft.com/office/drawing/2017/decorative" xmlns="" val="1"/>
               </a:ext>
             </a:extLst>
           </p:cNvPr>
@@ -17367,7 +25373,7 @@
                 <a16:creationId xmlns:a16="http://schemas.microsoft.com/office/drawing/2014/main" id="{73ED6512-6858-4552-B699-9A97FE9A4EA2}"/>
               </a:ext>
               <a:ext uri="{C183D7F6-B498-43B3-948B-1728B52AA6E4}">
-                <adec:decorative xmlns:adec="http://schemas.microsoft.com/office/drawing/2017/decorative" val="1"/>
+                <adec:decorative xmlns:adec="http://schemas.microsoft.com/office/drawing/2017/decorative" xmlns="" val="1"/>
               </a:ext>
             </a:extLst>
           </p:cNvPr>
@@ -17704,7 +25710,7 @@
                 <a16:creationId xmlns:a16="http://schemas.microsoft.com/office/drawing/2014/main" id="{4038CB10-1F5C-4D54-9DF7-12586DE5B007}"/>
               </a:ext>
               <a:ext uri="{C183D7F6-B498-43B3-948B-1728B52AA6E4}">
-                <adec:decorative xmlns:adec="http://schemas.microsoft.com/office/drawing/2017/decorative" val="1"/>
+                <adec:decorative xmlns:adec="http://schemas.microsoft.com/office/drawing/2017/decorative" xmlns="" val="1"/>
               </a:ext>
             </a:extLst>
           </p:cNvPr>
@@ -17836,7 +25842,7 @@
                 <a16:creationId xmlns:a16="http://schemas.microsoft.com/office/drawing/2014/main" id="{36D30126-6314-4A93-B27E-5C66CF781924}"/>
               </a:ext>
               <a:ext uri="{C183D7F6-B498-43B3-948B-1728B52AA6E4}">
-                <adec:decorative xmlns:adec="http://schemas.microsoft.com/office/drawing/2017/decorative" val="1"/>
+                <adec:decorative xmlns:adec="http://schemas.microsoft.com/office/drawing/2017/decorative" xmlns="" val="1"/>
               </a:ext>
             </a:extLst>
           </p:cNvPr>
@@ -17901,7 +25907,7 @@
                 <a16:creationId xmlns:a16="http://schemas.microsoft.com/office/drawing/2014/main" id="{73ED6512-6858-4552-B699-9A97FE9A4EA2}"/>
               </a:ext>
               <a:ext uri="{C183D7F6-B498-43B3-948B-1728B52AA6E4}">
-                <adec:decorative xmlns:adec="http://schemas.microsoft.com/office/drawing/2017/decorative" val="1"/>
+                <adec:decorative xmlns:adec="http://schemas.microsoft.com/office/drawing/2017/decorative" xmlns="" val="1"/>
               </a:ext>
             </a:extLst>
           </p:cNvPr>
@@ -18403,7 +26409,7 @@
                     <a:p>
                       <a:pPr algn="ctr"/>
                       <a:r>
-                        <a:rPr lang="it-IT">
+                        <a:rPr lang="it-IT" dirty="0">
                           <a:solidFill>
                             <a:schemeClr val="tx1"/>
                           </a:solidFill>
@@ -18461,7 +26467,7 @@
                     <a:p>
                       <a:pPr algn="ctr"/>
                       <a:r>
-                        <a:rPr lang="it-IT">
+                        <a:rPr lang="it-IT" dirty="0">
                           <a:solidFill>
                             <a:schemeClr val="tx1"/>
                           </a:solidFill>
@@ -18667,7 +26673,7 @@
                     <a:p>
                       <a:pPr marL="0" algn="ctr" defTabSz="914400" rtl="0" eaLnBrk="1" latinLnBrk="0" hangingPunct="1"/>
                       <a:r>
-                        <a:rPr lang="it-IT" sz="1800" b="1" kern="1200">
+                        <a:rPr lang="it-IT" sz="1800" b="1" kern="1200" dirty="0">
                           <a:solidFill>
                             <a:schemeClr val="tx1"/>
                           </a:solidFill>
@@ -18915,7 +26921,7 @@
                     <a:p>
                       <a:pPr marL="0" algn="ctr" defTabSz="914400" rtl="0" eaLnBrk="1" latinLnBrk="0" hangingPunct="1"/>
                       <a:r>
-                        <a:rPr lang="it-IT" sz="1800" b="1" kern="1200">
+                        <a:rPr lang="it-IT" sz="1800" b="1" kern="1200" dirty="0">
                           <a:solidFill>
                             <a:schemeClr val="tx1"/>
                           </a:solidFill>
@@ -19126,7 +27132,7 @@
                     <a:p>
                       <a:pPr marL="0" algn="ctr" defTabSz="914400" rtl="0" eaLnBrk="1" latinLnBrk="0" hangingPunct="1"/>
                       <a:r>
-                        <a:rPr lang="it-IT" sz="1800" b="1" kern="1200">
+                        <a:rPr lang="it-IT" sz="1800" b="1" kern="1200" dirty="0">
                           <a:solidFill>
                             <a:schemeClr val="tx1"/>
                           </a:solidFill>
@@ -19370,7 +27376,7 @@
                     <a:p>
                       <a:pPr marL="0" algn="ctr" defTabSz="914400" rtl="0" eaLnBrk="1" latinLnBrk="0" hangingPunct="1"/>
                       <a:r>
-                        <a:rPr lang="it-IT" sz="1800" b="1" kern="1200">
+                        <a:rPr lang="it-IT" sz="1800" b="1" kern="1200" dirty="0">
                           <a:solidFill>
                             <a:schemeClr val="tx1"/>
                           </a:solidFill>
@@ -19634,7 +27640,7 @@
                 <a16:creationId xmlns:a16="http://schemas.microsoft.com/office/drawing/2014/main" id="{4038CB10-1F5C-4D54-9DF7-12586DE5B007}"/>
               </a:ext>
               <a:ext uri="{C183D7F6-B498-43B3-948B-1728B52AA6E4}">
-                <adec:decorative xmlns:adec="http://schemas.microsoft.com/office/drawing/2017/decorative" val="1"/>
+                <adec:decorative xmlns:adec="http://schemas.microsoft.com/office/drawing/2017/decorative" xmlns="" val="1"/>
               </a:ext>
             </a:extLst>
           </p:cNvPr>
@@ -19766,7 +27772,7 @@
                 <a16:creationId xmlns:a16="http://schemas.microsoft.com/office/drawing/2014/main" id="{36D30126-6314-4A93-B27E-5C66CF781924}"/>
               </a:ext>
               <a:ext uri="{C183D7F6-B498-43B3-948B-1728B52AA6E4}">
-                <adec:decorative xmlns:adec="http://schemas.microsoft.com/office/drawing/2017/decorative" val="1"/>
+                <adec:decorative xmlns:adec="http://schemas.microsoft.com/office/drawing/2017/decorative" xmlns="" val="1"/>
               </a:ext>
             </a:extLst>
           </p:cNvPr>
@@ -19831,7 +27837,7 @@
                 <a16:creationId xmlns:a16="http://schemas.microsoft.com/office/drawing/2014/main" id="{73ED6512-6858-4552-B699-9A97FE9A4EA2}"/>
               </a:ext>
               <a:ext uri="{C183D7F6-B498-43B3-948B-1728B52AA6E4}">
-                <adec:decorative xmlns:adec="http://schemas.microsoft.com/office/drawing/2017/decorative" val="1"/>
+                <adec:decorative xmlns:adec="http://schemas.microsoft.com/office/drawing/2017/decorative" xmlns="" val="1"/>
               </a:ext>
             </a:extLst>
           </p:cNvPr>

--- a/Power_point_nik.pptx
+++ b/Power_point_nik.pptx
@@ -223,7 +223,7 @@
           <a:p>
             <a:fld id="{1DE8640E-C8BB-493F-809A-8A125FAF6CF0}" type="datetimeFigureOut">
               <a:rPr lang="it-IT" smtClean="0"/>
-              <a:t>02/07/2021</a:t>
+              <a:t>03/07/2021</a:t>
             </a:fld>
             <a:endParaRPr lang="it-IT"/>
           </a:p>
@@ -637,7 +637,7 @@
           <a:p>
             <a:fld id="{DE368913-FD17-4872-89EF-DCB59A484BBC}" type="datetimeFigureOut">
               <a:rPr lang="it-IT" smtClean="0"/>
-              <a:t>02/07/2021</a:t>
+              <a:t>03/07/2021</a:t>
             </a:fld>
             <a:endParaRPr lang="it-IT"/>
           </a:p>
@@ -835,7 +835,7 @@
           <a:p>
             <a:fld id="{DE368913-FD17-4872-89EF-DCB59A484BBC}" type="datetimeFigureOut">
               <a:rPr lang="it-IT" smtClean="0"/>
-              <a:t>02/07/2021</a:t>
+              <a:t>03/07/2021</a:t>
             </a:fld>
             <a:endParaRPr lang="it-IT"/>
           </a:p>
@@ -1043,7 +1043,7 @@
           <a:p>
             <a:fld id="{DE368913-FD17-4872-89EF-DCB59A484BBC}" type="datetimeFigureOut">
               <a:rPr lang="it-IT" smtClean="0"/>
-              <a:t>02/07/2021</a:t>
+              <a:t>03/07/2021</a:t>
             </a:fld>
             <a:endParaRPr lang="it-IT"/>
           </a:p>
@@ -1241,7 +1241,7 @@
           <a:p>
             <a:fld id="{DE368913-FD17-4872-89EF-DCB59A484BBC}" type="datetimeFigureOut">
               <a:rPr lang="it-IT" smtClean="0"/>
-              <a:t>02/07/2021</a:t>
+              <a:t>03/07/2021</a:t>
             </a:fld>
             <a:endParaRPr lang="it-IT"/>
           </a:p>
@@ -1516,7 +1516,7 @@
           <a:p>
             <a:fld id="{DE368913-FD17-4872-89EF-DCB59A484BBC}" type="datetimeFigureOut">
               <a:rPr lang="it-IT" smtClean="0"/>
-              <a:t>02/07/2021</a:t>
+              <a:t>03/07/2021</a:t>
             </a:fld>
             <a:endParaRPr lang="it-IT"/>
           </a:p>
@@ -1781,7 +1781,7 @@
           <a:p>
             <a:fld id="{DE368913-FD17-4872-89EF-DCB59A484BBC}" type="datetimeFigureOut">
               <a:rPr lang="it-IT" smtClean="0"/>
-              <a:t>02/07/2021</a:t>
+              <a:t>03/07/2021</a:t>
             </a:fld>
             <a:endParaRPr lang="it-IT"/>
           </a:p>
@@ -2193,7 +2193,7 @@
           <a:p>
             <a:fld id="{DE368913-FD17-4872-89EF-DCB59A484BBC}" type="datetimeFigureOut">
               <a:rPr lang="it-IT" smtClean="0"/>
-              <a:t>02/07/2021</a:t>
+              <a:t>03/07/2021</a:t>
             </a:fld>
             <a:endParaRPr lang="it-IT"/>
           </a:p>
@@ -2334,7 +2334,7 @@
           <a:p>
             <a:fld id="{DE368913-FD17-4872-89EF-DCB59A484BBC}" type="datetimeFigureOut">
               <a:rPr lang="it-IT" smtClean="0"/>
-              <a:t>02/07/2021</a:t>
+              <a:t>03/07/2021</a:t>
             </a:fld>
             <a:endParaRPr lang="it-IT"/>
           </a:p>
@@ -2447,7 +2447,7 @@
           <a:p>
             <a:fld id="{DE368913-FD17-4872-89EF-DCB59A484BBC}" type="datetimeFigureOut">
               <a:rPr lang="it-IT" smtClean="0"/>
-              <a:t>02/07/2021</a:t>
+              <a:t>03/07/2021</a:t>
             </a:fld>
             <a:endParaRPr lang="it-IT"/>
           </a:p>
@@ -2758,7 +2758,7 @@
           <a:p>
             <a:fld id="{DE368913-FD17-4872-89EF-DCB59A484BBC}" type="datetimeFigureOut">
               <a:rPr lang="it-IT" smtClean="0"/>
-              <a:t>02/07/2021</a:t>
+              <a:t>03/07/2021</a:t>
             </a:fld>
             <a:endParaRPr lang="it-IT"/>
           </a:p>
@@ -3046,7 +3046,7 @@
           <a:p>
             <a:fld id="{DE368913-FD17-4872-89EF-DCB59A484BBC}" type="datetimeFigureOut">
               <a:rPr lang="it-IT" smtClean="0"/>
-              <a:t>02/07/2021</a:t>
+              <a:t>03/07/2021</a:t>
             </a:fld>
             <a:endParaRPr lang="it-IT"/>
           </a:p>
@@ -3287,7 +3287,7 @@
           <a:p>
             <a:fld id="{DE368913-FD17-4872-89EF-DCB59A484BBC}" type="datetimeFigureOut">
               <a:rPr lang="it-IT" smtClean="0"/>
-              <a:t>02/07/2021</a:t>
+              <a:t>03/07/2021</a:t>
             </a:fld>
             <a:endParaRPr lang="it-IT"/>
           </a:p>
@@ -8042,8 +8042,8 @@
           </a:p>
         </p:txBody>
       </p:sp>
-      <mc:AlternateContent xmlns:mc="http://schemas.openxmlformats.org/markup-compatibility/2006">
-        <mc:Choice xmlns:a14="http://schemas.microsoft.com/office/drawing/2010/main" Requires="a14">
+      <mc:AlternateContent xmlns:mc="http://schemas.openxmlformats.org/markup-compatibility/2006" xmlns:a14="http://schemas.microsoft.com/office/drawing/2010/main">
+        <mc:Choice Requires="a14">
           <p:sp>
             <p:nvSpPr>
               <p:cNvPr id="5" name="Segnaposto contenuto 4">
@@ -8793,7 +8793,7 @@
             </p:txBody>
           </p:sp>
         </mc:Choice>
-        <mc:Fallback>
+        <mc:Fallback xmlns="">
           <p:sp>
             <p:nvSpPr>
               <p:cNvPr id="5" name="Segnaposto contenuto 4">
@@ -8837,6 +8837,66 @@
           </p:sp>
         </mc:Fallback>
       </mc:AlternateContent>
+      <p:pic>
+        <p:nvPicPr>
+          <p:cNvPr id="3" name="Immagine 2" descr="Immagine che contiene testo&#10;&#10;Descrizione generata automaticamente">
+            <a:extLst>
+              <a:ext uri="{FF2B5EF4-FFF2-40B4-BE49-F238E27FC236}">
+                <a16:creationId xmlns:a16="http://schemas.microsoft.com/office/drawing/2014/main" id="{AEBE4427-8047-4B78-8A38-F6987CDA43F5}"/>
+              </a:ext>
+            </a:extLst>
+          </p:cNvPr>
+          <p:cNvPicPr>
+            <a:picLocks noChangeAspect="1"/>
+          </p:cNvPicPr>
+          <p:nvPr/>
+        </p:nvPicPr>
+        <p:blipFill>
+          <a:blip r:embed="rId3"/>
+          <a:stretch>
+            <a:fillRect/>
+          </a:stretch>
+        </p:blipFill>
+        <p:spPr>
+          <a:xfrm>
+            <a:off x="639357" y="4274302"/>
+            <a:ext cx="2444479" cy="418857"/>
+          </a:xfrm>
+          <a:prstGeom prst="rect">
+            <a:avLst/>
+          </a:prstGeom>
+        </p:spPr>
+      </p:pic>
+      <p:pic>
+        <p:nvPicPr>
+          <p:cNvPr id="7" name="Immagine 6" descr="Immagine che contiene testo&#10;&#10;Descrizione generata automaticamente">
+            <a:extLst>
+              <a:ext uri="{FF2B5EF4-FFF2-40B4-BE49-F238E27FC236}">
+                <a16:creationId xmlns:a16="http://schemas.microsoft.com/office/drawing/2014/main" id="{6C8AA357-B540-4A3F-BCC4-665CF1B8BA26}"/>
+              </a:ext>
+            </a:extLst>
+          </p:cNvPr>
+          <p:cNvPicPr>
+            <a:picLocks noChangeAspect="1"/>
+          </p:cNvPicPr>
+          <p:nvPr/>
+        </p:nvPicPr>
+        <p:blipFill>
+          <a:blip r:embed="rId4"/>
+          <a:stretch>
+            <a:fillRect/>
+          </a:stretch>
+        </p:blipFill>
+        <p:spPr>
+          <a:xfrm>
+            <a:off x="4732596" y="2393890"/>
+            <a:ext cx="1153299" cy="4256722"/>
+          </a:xfrm>
+          <a:prstGeom prst="rect">
+            <a:avLst/>
+          </a:prstGeom>
+        </p:spPr>
+      </p:pic>
     </p:spTree>
     <p:extLst>
       <p:ext uri="{BB962C8B-B14F-4D97-AF65-F5344CB8AC3E}">
@@ -9290,6 +9350,107 @@
                 <a:srgbClr val="FFFFFF"/>
               </a:solidFill>
             </a:endParaRPr>
+          </a:p>
+        </p:txBody>
+      </p:sp>
+      <p:pic>
+        <p:nvPicPr>
+          <p:cNvPr id="3" name="Immagine 2" descr="Immagine che contiene testo&#10;&#10;Descrizione generata automaticamente">
+            <a:extLst>
+              <a:ext uri="{FF2B5EF4-FFF2-40B4-BE49-F238E27FC236}">
+                <a16:creationId xmlns:a16="http://schemas.microsoft.com/office/drawing/2014/main" id="{26E09EDF-6D59-4A85-B16B-75AEDCBE3599}"/>
+              </a:ext>
+            </a:extLst>
+          </p:cNvPr>
+          <p:cNvPicPr>
+            <a:picLocks noChangeAspect="1"/>
+          </p:cNvPicPr>
+          <p:nvPr/>
+        </p:nvPicPr>
+        <p:blipFill>
+          <a:blip r:embed="rId2"/>
+          <a:stretch>
+            <a:fillRect/>
+          </a:stretch>
+        </p:blipFill>
+        <p:spPr>
+          <a:xfrm>
+            <a:off x="524256" y="4258921"/>
+            <a:ext cx="2697714" cy="449619"/>
+          </a:xfrm>
+          <a:prstGeom prst="rect">
+            <a:avLst/>
+          </a:prstGeom>
+        </p:spPr>
+      </p:pic>
+      <p:pic>
+        <p:nvPicPr>
+          <p:cNvPr id="7" name="Immagine 6" descr="Immagine che contiene testo, dispositivo, metro, calibro&#10;&#10;Descrizione generata automaticamente">
+            <a:extLst>
+              <a:ext uri="{FF2B5EF4-FFF2-40B4-BE49-F238E27FC236}">
+                <a16:creationId xmlns:a16="http://schemas.microsoft.com/office/drawing/2014/main" id="{DDF48FFE-4C03-48ED-A9AE-7E3DDF51E445}"/>
+              </a:ext>
+            </a:extLst>
+          </p:cNvPr>
+          <p:cNvPicPr>
+            <a:picLocks noChangeAspect="1"/>
+          </p:cNvPicPr>
+          <p:nvPr/>
+        </p:nvPicPr>
+        <p:blipFill>
+          <a:blip r:embed="rId3"/>
+          <a:stretch>
+            <a:fillRect/>
+          </a:stretch>
+        </p:blipFill>
+        <p:spPr>
+          <a:xfrm>
+            <a:off x="4855070" y="2432305"/>
+            <a:ext cx="947808" cy="3908891"/>
+          </a:xfrm>
+          <a:prstGeom prst="rect">
+            <a:avLst/>
+          </a:prstGeom>
+        </p:spPr>
+      </p:pic>
+      <p:sp>
+        <p:nvSpPr>
+          <p:cNvPr id="8" name="CasellaDiTesto 7">
+            <a:extLst>
+              <a:ext uri="{FF2B5EF4-FFF2-40B4-BE49-F238E27FC236}">
+                <a16:creationId xmlns:a16="http://schemas.microsoft.com/office/drawing/2014/main" id="{1EC82164-3E51-416C-8812-BA0923CBEDA8}"/>
+              </a:ext>
+            </a:extLst>
+          </p:cNvPr>
+          <p:cNvSpPr txBox="1"/>
+          <p:nvPr/>
+        </p:nvSpPr>
+        <p:spPr>
+          <a:xfrm>
+            <a:off x="4867024" y="6299368"/>
+            <a:ext cx="935854" cy="215444"/>
+          </a:xfrm>
+          <a:prstGeom prst="rect">
+            <a:avLst/>
+          </a:prstGeom>
+          <a:noFill/>
+        </p:spPr>
+        <p:txBody>
+          <a:bodyPr wrap="square" rtlCol="0">
+            <a:spAutoFit/>
+          </a:bodyPr>
+          <a:lstStyle/>
+          <a:p>
+            <a:r>
+              <a:rPr lang="it-IT" sz="800" dirty="0">
+                <a:solidFill>
+                  <a:schemeClr val="tx2">
+                    <a:lumMod val="75000"/>
+                  </a:schemeClr>
+                </a:solidFill>
+              </a:rPr>
+              <a:t>Ritorna gli indici</a:t>
+            </a:r>
           </a:p>
         </p:txBody>
       </p:sp>
